--- a/doc/10_基本設計/14_運用系/運用設計書.pptx
+++ b/doc/10_基本設計/14_運用系/運用設計書.pptx
@@ -6928,7 +6928,7 @@
           </a:effectLst>
           <a:extLst>
             <a:ext uri="{91240B29-F687-4f45-9708-019B960494DF}">
-              <a14:hiddenLine xmlns="" xmlns:a14="http://schemas.microsoft.com/office/drawing/2010/main" xmlns:a16="http://schemas.microsoft.com/office/drawing/2014/main" xmlns:p14="http://schemas.microsoft.com/office/powerpoint/2010/main" w="9525">
+              <a14:hiddenLine xmlns:p14="http://schemas.microsoft.com/office/powerpoint/2010/main" xmlns:a16="http://schemas.microsoft.com/office/drawing/2014/main" xmlns:a14="http://schemas.microsoft.com/office/drawing/2010/main" xmlns="" w="9525">
                 <a:solidFill>
                   <a:srgbClr val="000000"/>
                 </a:solidFill>
@@ -7157,37 +7157,8897 @@
           </a:p>
         </p:txBody>
       </p:sp>
-      <p:pic>
-        <p:nvPicPr>
-          <p:cNvPr id="5" name="図 4" descr="白いバックグラウンドのスクリーンショット&#10;&#10;中程度の精度で自動的に生成された説明">
+      <p:graphicFrame>
+        <p:nvGraphicFramePr>
+          <p:cNvPr id="2" name="表 1">
             <a:extLst>
               <a:ext uri="{FF2B5EF4-FFF2-40B4-BE49-F238E27FC236}">
-                <a16:creationId xmlns:a16="http://schemas.microsoft.com/office/drawing/2014/main" id="{17D271DC-74BA-799C-B2F2-3DB52605022D}"/>
+                <a16:creationId xmlns:a16="http://schemas.microsoft.com/office/drawing/2014/main" id="{5FE3B0BF-8FDD-6B75-B96D-6FC4D4CE94A8}"/>
               </a:ext>
             </a:extLst>
           </p:cNvPr>
-          <p:cNvPicPr>
-            <a:picLocks noChangeAspect="1"/>
-          </p:cNvPicPr>
+          <p:cNvGraphicFramePr>
+            <a:graphicFrameLocks noGrp="1"/>
+          </p:cNvGraphicFramePr>
+          <p:nvPr>
+            <p:extLst>
+              <p:ext uri="{D42A27DB-BD31-4B8C-83A1-F6EECF244321}">
+                <p14:modId xmlns:p14="http://schemas.microsoft.com/office/powerpoint/2010/main" val="3694177409"/>
+              </p:ext>
+            </p:extLst>
+          </p:nvPr>
+        </p:nvGraphicFramePr>
+        <p:xfrm>
+          <a:off x="913795" y="2485209"/>
+          <a:ext cx="10353681" cy="3479582"/>
+        </p:xfrm>
+        <a:graphic>
+          <a:graphicData uri="http://schemas.openxmlformats.org/drawingml/2006/table">
+            <a:tbl>
+              <a:tblPr>
+                <a:tableStyleId>{5C22544A-7EE6-4342-B048-85BDC9FD1C3A}</a:tableStyleId>
+              </a:tblPr>
+              <a:tblGrid>
+                <a:gridCol w="1216082">
+                  <a:extLst>
+                    <a:ext uri="{9D8B030D-6E8A-4147-A177-3AD203B41FA5}">
+                      <a16:colId xmlns:a16="http://schemas.microsoft.com/office/drawing/2014/main" val="1617796333"/>
+                    </a:ext>
+                  </a:extLst>
+                </a:gridCol>
+                <a:gridCol w="583080">
+                  <a:extLst>
+                    <a:ext uri="{9D8B030D-6E8A-4147-A177-3AD203B41FA5}">
+                      <a16:colId xmlns:a16="http://schemas.microsoft.com/office/drawing/2014/main" val="317650575"/>
+                    </a:ext>
+                  </a:extLst>
+                </a:gridCol>
+                <a:gridCol w="503207">
+                  <a:extLst>
+                    <a:ext uri="{9D8B030D-6E8A-4147-A177-3AD203B41FA5}">
+                      <a16:colId xmlns:a16="http://schemas.microsoft.com/office/drawing/2014/main" val="3227991807"/>
+                    </a:ext>
+                  </a:extLst>
+                </a:gridCol>
+                <a:gridCol w="503207">
+                  <a:extLst>
+                    <a:ext uri="{9D8B030D-6E8A-4147-A177-3AD203B41FA5}">
+                      <a16:colId xmlns:a16="http://schemas.microsoft.com/office/drawing/2014/main" val="637464002"/>
+                    </a:ext>
+                  </a:extLst>
+                </a:gridCol>
+                <a:gridCol w="503207">
+                  <a:extLst>
+                    <a:ext uri="{9D8B030D-6E8A-4147-A177-3AD203B41FA5}">
+                      <a16:colId xmlns:a16="http://schemas.microsoft.com/office/drawing/2014/main" val="873123967"/>
+                    </a:ext>
+                  </a:extLst>
+                </a:gridCol>
+                <a:gridCol w="503207">
+                  <a:extLst>
+                    <a:ext uri="{9D8B030D-6E8A-4147-A177-3AD203B41FA5}">
+                      <a16:colId xmlns:a16="http://schemas.microsoft.com/office/drawing/2014/main" val="2016651345"/>
+                    </a:ext>
+                  </a:extLst>
+                </a:gridCol>
+                <a:gridCol w="503207">
+                  <a:extLst>
+                    <a:ext uri="{9D8B030D-6E8A-4147-A177-3AD203B41FA5}">
+                      <a16:colId xmlns:a16="http://schemas.microsoft.com/office/drawing/2014/main" val="1150877975"/>
+                    </a:ext>
+                  </a:extLst>
+                </a:gridCol>
+                <a:gridCol w="503207">
+                  <a:extLst>
+                    <a:ext uri="{9D8B030D-6E8A-4147-A177-3AD203B41FA5}">
+                      <a16:colId xmlns:a16="http://schemas.microsoft.com/office/drawing/2014/main" val="1184442602"/>
+                    </a:ext>
+                  </a:extLst>
+                </a:gridCol>
+                <a:gridCol w="503207">
+                  <a:extLst>
+                    <a:ext uri="{9D8B030D-6E8A-4147-A177-3AD203B41FA5}">
+                      <a16:colId xmlns:a16="http://schemas.microsoft.com/office/drawing/2014/main" val="843505552"/>
+                    </a:ext>
+                  </a:extLst>
+                </a:gridCol>
+                <a:gridCol w="503207">
+                  <a:extLst>
+                    <a:ext uri="{9D8B030D-6E8A-4147-A177-3AD203B41FA5}">
+                      <a16:colId xmlns:a16="http://schemas.microsoft.com/office/drawing/2014/main" val="4133059301"/>
+                    </a:ext>
+                  </a:extLst>
+                </a:gridCol>
+                <a:gridCol w="503207">
+                  <a:extLst>
+                    <a:ext uri="{9D8B030D-6E8A-4147-A177-3AD203B41FA5}">
+                      <a16:colId xmlns:a16="http://schemas.microsoft.com/office/drawing/2014/main" val="2043678772"/>
+                    </a:ext>
+                  </a:extLst>
+                </a:gridCol>
+                <a:gridCol w="503207">
+                  <a:extLst>
+                    <a:ext uri="{9D8B030D-6E8A-4147-A177-3AD203B41FA5}">
+                      <a16:colId xmlns:a16="http://schemas.microsoft.com/office/drawing/2014/main" val="155752468"/>
+                    </a:ext>
+                  </a:extLst>
+                </a:gridCol>
+                <a:gridCol w="503207">
+                  <a:extLst>
+                    <a:ext uri="{9D8B030D-6E8A-4147-A177-3AD203B41FA5}">
+                      <a16:colId xmlns:a16="http://schemas.microsoft.com/office/drawing/2014/main" val="821155313"/>
+                    </a:ext>
+                  </a:extLst>
+                </a:gridCol>
+                <a:gridCol w="503207">
+                  <a:extLst>
+                    <a:ext uri="{9D8B030D-6E8A-4147-A177-3AD203B41FA5}">
+                      <a16:colId xmlns:a16="http://schemas.microsoft.com/office/drawing/2014/main" val="3148425183"/>
+                    </a:ext>
+                  </a:extLst>
+                </a:gridCol>
+                <a:gridCol w="503207">
+                  <a:extLst>
+                    <a:ext uri="{9D8B030D-6E8A-4147-A177-3AD203B41FA5}">
+                      <a16:colId xmlns:a16="http://schemas.microsoft.com/office/drawing/2014/main" val="2752864257"/>
+                    </a:ext>
+                  </a:extLst>
+                </a:gridCol>
+                <a:gridCol w="503207">
+                  <a:extLst>
+                    <a:ext uri="{9D8B030D-6E8A-4147-A177-3AD203B41FA5}">
+                      <a16:colId xmlns:a16="http://schemas.microsoft.com/office/drawing/2014/main" val="4143127633"/>
+                    </a:ext>
+                  </a:extLst>
+                </a:gridCol>
+                <a:gridCol w="503207">
+                  <a:extLst>
+                    <a:ext uri="{9D8B030D-6E8A-4147-A177-3AD203B41FA5}">
+                      <a16:colId xmlns:a16="http://schemas.microsoft.com/office/drawing/2014/main" val="3865419019"/>
+                    </a:ext>
+                  </a:extLst>
+                </a:gridCol>
+                <a:gridCol w="503207">
+                  <a:extLst>
+                    <a:ext uri="{9D8B030D-6E8A-4147-A177-3AD203B41FA5}">
+                      <a16:colId xmlns:a16="http://schemas.microsoft.com/office/drawing/2014/main" val="95401789"/>
+                    </a:ext>
+                  </a:extLst>
+                </a:gridCol>
+                <a:gridCol w="503207">
+                  <a:extLst>
+                    <a:ext uri="{9D8B030D-6E8A-4147-A177-3AD203B41FA5}">
+                      <a16:colId xmlns:a16="http://schemas.microsoft.com/office/drawing/2014/main" val="2026610052"/>
+                    </a:ext>
+                  </a:extLst>
+                </a:gridCol>
+              </a:tblGrid>
+              <a:tr h="368690">
+                <a:tc>
+                  <a:txBody>
+                    <a:bodyPr/>
+                    <a:lstStyle/>
+                    <a:p>
+                      <a:pPr algn="ctr" fontAlgn="ctr"/>
+                      <a:r>
+                        <a:rPr lang="zh-CN" altLang="en-US" sz="1050" u="none" strike="noStrike" dirty="0">
+                          <a:effectLst/>
+                        </a:rPr>
+                        <a:t>項番</a:t>
+                      </a:r>
+                      <a:endParaRPr lang="zh-CN" altLang="en-US" sz="1050" b="1" i="0" u="none" strike="noStrike" dirty="0">
+                        <a:solidFill>
+                          <a:srgbClr val="000000"/>
+                        </a:solidFill>
+                        <a:effectLst/>
+                        <a:latin typeface="等线" panose="02010600030101010101" pitchFamily="2" charset="-122"/>
+                        <a:ea typeface="等线" panose="02010600030101010101" pitchFamily="2" charset="-122"/>
+                      </a:endParaRPr>
+                    </a:p>
+                  </a:txBody>
+                  <a:tcPr marL="0" marR="0" marT="0" marB="0" anchor="ctr">
+                    <a:lnL w="12700" cap="flat" cmpd="sng" algn="ctr">
+                      <a:solidFill>
+                        <a:schemeClr val="tx1"/>
+                      </a:solidFill>
+                      <a:prstDash val="solid"/>
+                      <a:round/>
+                      <a:headEnd type="none" w="med" len="med"/>
+                      <a:tailEnd type="none" w="med" len="med"/>
+                    </a:lnL>
+                    <a:lnR w="12700" cap="flat" cmpd="sng" algn="ctr">
+                      <a:solidFill>
+                        <a:schemeClr val="bg1"/>
+                      </a:solidFill>
+                      <a:prstDash val="solid"/>
+                      <a:round/>
+                      <a:headEnd type="none" w="med" len="med"/>
+                      <a:tailEnd type="none" w="med" len="med"/>
+                    </a:lnR>
+                    <a:lnT w="12700" cap="flat" cmpd="sng" algn="ctr">
+                      <a:solidFill>
+                        <a:schemeClr val="tx1"/>
+                      </a:solidFill>
+                      <a:prstDash val="solid"/>
+                      <a:round/>
+                      <a:headEnd type="none" w="med" len="med"/>
+                      <a:tailEnd type="none" w="med" len="med"/>
+                    </a:lnT>
+                    <a:lnB w="12700" cap="flat" cmpd="sng" algn="ctr">
+                      <a:solidFill>
+                        <a:schemeClr val="bg1"/>
+                      </a:solidFill>
+                      <a:prstDash val="solid"/>
+                      <a:round/>
+                      <a:headEnd type="none" w="med" len="med"/>
+                      <a:tailEnd type="none" w="med" len="med"/>
+                    </a:lnB>
+                    <a:solidFill>
+                      <a:srgbClr val="E5E9FF"/>
+                    </a:solidFill>
+                  </a:tcPr>
+                </a:tc>
+                <a:tc>
+                  <a:txBody>
+                    <a:bodyPr/>
+                    <a:lstStyle/>
+                    <a:p>
+                      <a:pPr algn="ctr" fontAlgn="ctr"/>
+                      <a:r>
+                        <a:rPr lang="zh-CN" altLang="en-US" sz="1050" u="none" strike="noStrike" dirty="0">
+                          <a:effectLst/>
+                        </a:rPr>
+                        <a:t>工数</a:t>
+                      </a:r>
+                      <a:endParaRPr lang="zh-CN" altLang="en-US" sz="1050" b="1" i="0" u="none" strike="noStrike" dirty="0">
+                        <a:solidFill>
+                          <a:srgbClr val="000000"/>
+                        </a:solidFill>
+                        <a:effectLst/>
+                        <a:latin typeface="等线" panose="02010600030101010101" pitchFamily="2" charset="-122"/>
+                        <a:ea typeface="等线" panose="02010600030101010101" pitchFamily="2" charset="-122"/>
+                      </a:endParaRPr>
+                    </a:p>
+                  </a:txBody>
+                  <a:tcPr marL="0" marR="0" marT="0" marB="0" anchor="ctr">
+                    <a:lnL w="12700" cap="flat" cmpd="sng" algn="ctr">
+                      <a:solidFill>
+                        <a:schemeClr val="bg1"/>
+                      </a:solidFill>
+                      <a:prstDash val="solid"/>
+                      <a:round/>
+                      <a:headEnd type="none" w="med" len="med"/>
+                      <a:tailEnd type="none" w="med" len="med"/>
+                    </a:lnL>
+                    <a:lnR w="12700" cap="flat" cmpd="sng" algn="ctr">
+                      <a:solidFill>
+                        <a:schemeClr val="bg1"/>
+                      </a:solidFill>
+                      <a:prstDash val="solid"/>
+                      <a:round/>
+                      <a:headEnd type="none" w="med" len="med"/>
+                      <a:tailEnd type="none" w="med" len="med"/>
+                    </a:lnR>
+                    <a:lnT w="12700" cap="flat" cmpd="sng" algn="ctr">
+                      <a:solidFill>
+                        <a:schemeClr val="tx1"/>
+                      </a:solidFill>
+                      <a:prstDash val="solid"/>
+                      <a:round/>
+                      <a:headEnd type="none" w="med" len="med"/>
+                      <a:tailEnd type="none" w="med" len="med"/>
+                    </a:lnT>
+                    <a:lnB w="12700" cap="flat" cmpd="sng" algn="ctr">
+                      <a:solidFill>
+                        <a:schemeClr val="bg1"/>
+                      </a:solidFill>
+                      <a:prstDash val="solid"/>
+                      <a:round/>
+                      <a:headEnd type="none" w="med" len="med"/>
+                      <a:tailEnd type="none" w="med" len="med"/>
+                    </a:lnB>
+                    <a:solidFill>
+                      <a:srgbClr val="E5E9FF"/>
+                    </a:solidFill>
+                  </a:tcPr>
+                </a:tc>
+                <a:tc>
+                  <a:txBody>
+                    <a:bodyPr/>
+                    <a:lstStyle/>
+                    <a:p>
+                      <a:pPr algn="ctr" fontAlgn="ctr"/>
+                      <a:r>
+                        <a:rPr lang="en-US" altLang="zh-CN" sz="1050" u="none" strike="noStrike" dirty="0">
+                          <a:effectLst/>
+                        </a:rPr>
+                        <a:t>4/6</a:t>
+                      </a:r>
+                      <a:endParaRPr lang="en-US" altLang="zh-CN" sz="1050" b="1" i="0" u="none" strike="noStrike" dirty="0">
+                        <a:solidFill>
+                          <a:srgbClr val="000000"/>
+                        </a:solidFill>
+                        <a:effectLst/>
+                        <a:latin typeface="等线" panose="02010600030101010101" pitchFamily="2" charset="-122"/>
+                        <a:ea typeface="等线" panose="02010600030101010101" pitchFamily="2" charset="-122"/>
+                      </a:endParaRPr>
+                    </a:p>
+                  </a:txBody>
+                  <a:tcPr marL="0" marR="0" marT="0" marB="0" anchor="ctr">
+                    <a:lnL w="12700" cap="flat" cmpd="sng" algn="ctr">
+                      <a:solidFill>
+                        <a:schemeClr val="bg1"/>
+                      </a:solidFill>
+                      <a:prstDash val="solid"/>
+                      <a:round/>
+                      <a:headEnd type="none" w="med" len="med"/>
+                      <a:tailEnd type="none" w="med" len="med"/>
+                    </a:lnL>
+                    <a:lnR w="12700" cap="flat" cmpd="sng" algn="ctr">
+                      <a:solidFill>
+                        <a:schemeClr val="tx1"/>
+                      </a:solidFill>
+                      <a:prstDash val="solid"/>
+                      <a:round/>
+                      <a:headEnd type="none" w="med" len="med"/>
+                      <a:tailEnd type="none" w="med" len="med"/>
+                    </a:lnR>
+                    <a:lnT w="12700" cap="flat" cmpd="sng" algn="ctr">
+                      <a:solidFill>
+                        <a:schemeClr val="tx1"/>
+                      </a:solidFill>
+                      <a:prstDash val="solid"/>
+                      <a:round/>
+                      <a:headEnd type="none" w="med" len="med"/>
+                      <a:tailEnd type="none" w="med" len="med"/>
+                    </a:lnT>
+                    <a:lnB w="12700" cap="flat" cmpd="sng" algn="ctr">
+                      <a:solidFill>
+                        <a:schemeClr val="bg1"/>
+                      </a:solidFill>
+                      <a:prstDash val="solid"/>
+                      <a:round/>
+                      <a:headEnd type="none" w="med" len="med"/>
+                      <a:tailEnd type="none" w="med" len="med"/>
+                    </a:lnB>
+                    <a:solidFill>
+                      <a:srgbClr val="E5E9FF"/>
+                    </a:solidFill>
+                  </a:tcPr>
+                </a:tc>
+                <a:tc>
+                  <a:txBody>
+                    <a:bodyPr/>
+                    <a:lstStyle/>
+                    <a:p>
+                      <a:pPr algn="ctr" fontAlgn="ctr"/>
+                      <a:r>
+                        <a:rPr lang="en-US" altLang="zh-CN" sz="1050" u="none" strike="noStrike" dirty="0">
+                          <a:effectLst/>
+                        </a:rPr>
+                        <a:t>4/11</a:t>
+                      </a:r>
+                      <a:endParaRPr lang="en-US" altLang="zh-CN" sz="1050" b="1" i="0" u="none" strike="noStrike" dirty="0">
+                        <a:solidFill>
+                          <a:srgbClr val="000000"/>
+                        </a:solidFill>
+                        <a:effectLst/>
+                        <a:latin typeface="等线" panose="02010600030101010101" pitchFamily="2" charset="-122"/>
+                        <a:ea typeface="等线" panose="02010600030101010101" pitchFamily="2" charset="-122"/>
+                      </a:endParaRPr>
+                    </a:p>
+                  </a:txBody>
+                  <a:tcPr marL="0" marR="0" marT="0" marB="0" anchor="ctr">
+                    <a:lnL w="12700" cap="flat" cmpd="sng" algn="ctr">
+                      <a:solidFill>
+                        <a:schemeClr val="tx1"/>
+                      </a:solidFill>
+                      <a:prstDash val="solid"/>
+                      <a:round/>
+                      <a:headEnd type="none" w="med" len="med"/>
+                      <a:tailEnd type="none" w="med" len="med"/>
+                    </a:lnL>
+                    <a:lnR w="12700" cap="flat" cmpd="sng" algn="ctr">
+                      <a:solidFill>
+                        <a:schemeClr val="tx1"/>
+                      </a:solidFill>
+                      <a:prstDash val="solid"/>
+                      <a:round/>
+                      <a:headEnd type="none" w="med" len="med"/>
+                      <a:tailEnd type="none" w="med" len="med"/>
+                    </a:lnR>
+                    <a:lnT w="12700" cap="flat" cmpd="sng" algn="ctr">
+                      <a:solidFill>
+                        <a:schemeClr val="tx1"/>
+                      </a:solidFill>
+                      <a:prstDash val="solid"/>
+                      <a:round/>
+                      <a:headEnd type="none" w="med" len="med"/>
+                      <a:tailEnd type="none" w="med" len="med"/>
+                    </a:lnT>
+                    <a:lnB w="12700" cap="flat" cmpd="sng" algn="ctr">
+                      <a:solidFill>
+                        <a:schemeClr val="bg1"/>
+                      </a:solidFill>
+                      <a:prstDash val="solid"/>
+                      <a:round/>
+                      <a:headEnd type="none" w="med" len="med"/>
+                      <a:tailEnd type="none" w="med" len="med"/>
+                    </a:lnB>
+                    <a:solidFill>
+                      <a:srgbClr val="E5E9FF"/>
+                    </a:solidFill>
+                  </a:tcPr>
+                </a:tc>
+                <a:tc>
+                  <a:txBody>
+                    <a:bodyPr/>
+                    <a:lstStyle/>
+                    <a:p>
+                      <a:pPr algn="ctr" fontAlgn="ctr"/>
+                      <a:r>
+                        <a:rPr lang="en-US" altLang="zh-CN" sz="1050" u="none" strike="noStrike">
+                          <a:effectLst/>
+                        </a:rPr>
+                        <a:t>4/13</a:t>
+                      </a:r>
+                      <a:endParaRPr lang="en-US" altLang="zh-CN" sz="1050" b="1" i="0" u="none" strike="noStrike">
+                        <a:solidFill>
+                          <a:srgbClr val="000000"/>
+                        </a:solidFill>
+                        <a:effectLst/>
+                        <a:latin typeface="等线" panose="02010600030101010101" pitchFamily="2" charset="-122"/>
+                        <a:ea typeface="等线" panose="02010600030101010101" pitchFamily="2" charset="-122"/>
+                      </a:endParaRPr>
+                    </a:p>
+                  </a:txBody>
+                  <a:tcPr marL="0" marR="0" marT="0" marB="0" anchor="ctr">
+                    <a:lnL w="12700" cap="flat" cmpd="sng" algn="ctr">
+                      <a:solidFill>
+                        <a:schemeClr val="tx1"/>
+                      </a:solidFill>
+                      <a:prstDash val="solid"/>
+                      <a:round/>
+                      <a:headEnd type="none" w="med" len="med"/>
+                      <a:tailEnd type="none" w="med" len="med"/>
+                    </a:lnL>
+                    <a:lnR w="12700" cap="flat" cmpd="sng" algn="ctr">
+                      <a:solidFill>
+                        <a:schemeClr val="tx1"/>
+                      </a:solidFill>
+                      <a:prstDash val="solid"/>
+                      <a:round/>
+                      <a:headEnd type="none" w="med" len="med"/>
+                      <a:tailEnd type="none" w="med" len="med"/>
+                    </a:lnR>
+                    <a:lnT w="12700" cap="flat" cmpd="sng" algn="ctr">
+                      <a:solidFill>
+                        <a:schemeClr val="tx1"/>
+                      </a:solidFill>
+                      <a:prstDash val="solid"/>
+                      <a:round/>
+                      <a:headEnd type="none" w="med" len="med"/>
+                      <a:tailEnd type="none" w="med" len="med"/>
+                    </a:lnT>
+                    <a:lnB w="12700" cap="flat" cmpd="sng" algn="ctr">
+                      <a:solidFill>
+                        <a:schemeClr val="bg1"/>
+                      </a:solidFill>
+                      <a:prstDash val="solid"/>
+                      <a:round/>
+                      <a:headEnd type="none" w="med" len="med"/>
+                      <a:tailEnd type="none" w="med" len="med"/>
+                    </a:lnB>
+                    <a:solidFill>
+                      <a:srgbClr val="E5E9FF"/>
+                    </a:solidFill>
+                  </a:tcPr>
+                </a:tc>
+                <a:tc>
+                  <a:txBody>
+                    <a:bodyPr/>
+                    <a:lstStyle/>
+                    <a:p>
+                      <a:pPr algn="ctr" fontAlgn="ctr"/>
+                      <a:r>
+                        <a:rPr lang="en-US" altLang="zh-CN" sz="1050" u="none" strike="noStrike" dirty="0">
+                          <a:effectLst/>
+                        </a:rPr>
+                        <a:t>4/20</a:t>
+                      </a:r>
+                      <a:endParaRPr lang="en-US" altLang="zh-CN" sz="1050" b="1" i="0" u="none" strike="noStrike" dirty="0">
+                        <a:solidFill>
+                          <a:srgbClr val="000000"/>
+                        </a:solidFill>
+                        <a:effectLst/>
+                        <a:latin typeface="等线" panose="02010600030101010101" pitchFamily="2" charset="-122"/>
+                        <a:ea typeface="等线" panose="02010600030101010101" pitchFamily="2" charset="-122"/>
+                      </a:endParaRPr>
+                    </a:p>
+                  </a:txBody>
+                  <a:tcPr marL="0" marR="0" marT="0" marB="0" anchor="ctr">
+                    <a:lnL w="12700" cap="flat" cmpd="sng" algn="ctr">
+                      <a:solidFill>
+                        <a:schemeClr val="tx1"/>
+                      </a:solidFill>
+                      <a:prstDash val="solid"/>
+                      <a:round/>
+                      <a:headEnd type="none" w="med" len="med"/>
+                      <a:tailEnd type="none" w="med" len="med"/>
+                    </a:lnL>
+                    <a:lnR w="12700" cap="flat" cmpd="sng" algn="ctr">
+                      <a:solidFill>
+                        <a:schemeClr val="tx1"/>
+                      </a:solidFill>
+                      <a:prstDash val="solid"/>
+                      <a:round/>
+                      <a:headEnd type="none" w="med" len="med"/>
+                      <a:tailEnd type="none" w="med" len="med"/>
+                    </a:lnR>
+                    <a:lnT w="12700" cap="flat" cmpd="sng" algn="ctr">
+                      <a:solidFill>
+                        <a:schemeClr val="tx1"/>
+                      </a:solidFill>
+                      <a:prstDash val="solid"/>
+                      <a:round/>
+                      <a:headEnd type="none" w="med" len="med"/>
+                      <a:tailEnd type="none" w="med" len="med"/>
+                    </a:lnT>
+                    <a:lnB w="12700" cap="flat" cmpd="sng" algn="ctr">
+                      <a:solidFill>
+                        <a:schemeClr val="bg1"/>
+                      </a:solidFill>
+                      <a:prstDash val="solid"/>
+                      <a:round/>
+                      <a:headEnd type="none" w="med" len="med"/>
+                      <a:tailEnd type="none" w="med" len="med"/>
+                    </a:lnB>
+                    <a:solidFill>
+                      <a:srgbClr val="E5E9FF"/>
+                    </a:solidFill>
+                  </a:tcPr>
+                </a:tc>
+                <a:tc>
+                  <a:txBody>
+                    <a:bodyPr/>
+                    <a:lstStyle/>
+                    <a:p>
+                      <a:pPr algn="ctr" fontAlgn="ctr"/>
+                      <a:r>
+                        <a:rPr lang="en-US" altLang="zh-CN" sz="1050" u="none" strike="noStrike">
+                          <a:effectLst/>
+                        </a:rPr>
+                        <a:t>4/25</a:t>
+                      </a:r>
+                      <a:endParaRPr lang="en-US" altLang="zh-CN" sz="1050" b="1" i="0" u="none" strike="noStrike">
+                        <a:solidFill>
+                          <a:srgbClr val="000000"/>
+                        </a:solidFill>
+                        <a:effectLst/>
+                        <a:latin typeface="等线" panose="02010600030101010101" pitchFamily="2" charset="-122"/>
+                        <a:ea typeface="等线" panose="02010600030101010101" pitchFamily="2" charset="-122"/>
+                      </a:endParaRPr>
+                    </a:p>
+                  </a:txBody>
+                  <a:tcPr marL="0" marR="0" marT="0" marB="0" anchor="ctr">
+                    <a:lnL w="12700" cap="flat" cmpd="sng" algn="ctr">
+                      <a:solidFill>
+                        <a:schemeClr val="tx1"/>
+                      </a:solidFill>
+                      <a:prstDash val="solid"/>
+                      <a:round/>
+                      <a:headEnd type="none" w="med" len="med"/>
+                      <a:tailEnd type="none" w="med" len="med"/>
+                    </a:lnL>
+                    <a:lnR w="12700" cap="flat" cmpd="sng" algn="ctr">
+                      <a:solidFill>
+                        <a:schemeClr val="tx1"/>
+                      </a:solidFill>
+                      <a:prstDash val="solid"/>
+                      <a:round/>
+                      <a:headEnd type="none" w="med" len="med"/>
+                      <a:tailEnd type="none" w="med" len="med"/>
+                    </a:lnR>
+                    <a:lnT w="12700" cap="flat" cmpd="sng" algn="ctr">
+                      <a:solidFill>
+                        <a:schemeClr val="tx1"/>
+                      </a:solidFill>
+                      <a:prstDash val="solid"/>
+                      <a:round/>
+                      <a:headEnd type="none" w="med" len="med"/>
+                      <a:tailEnd type="none" w="med" len="med"/>
+                    </a:lnT>
+                    <a:lnB w="12700" cap="flat" cmpd="sng" algn="ctr">
+                      <a:solidFill>
+                        <a:schemeClr val="bg1"/>
+                      </a:solidFill>
+                      <a:prstDash val="solid"/>
+                      <a:round/>
+                      <a:headEnd type="none" w="med" len="med"/>
+                      <a:tailEnd type="none" w="med" len="med"/>
+                    </a:lnB>
+                    <a:solidFill>
+                      <a:srgbClr val="E5E9FF"/>
+                    </a:solidFill>
+                  </a:tcPr>
+                </a:tc>
+                <a:tc>
+                  <a:txBody>
+                    <a:bodyPr/>
+                    <a:lstStyle/>
+                    <a:p>
+                      <a:pPr algn="ctr" fontAlgn="ctr"/>
+                      <a:r>
+                        <a:rPr lang="en-US" altLang="zh-CN" sz="1050" u="none" strike="noStrike" dirty="0">
+                          <a:effectLst/>
+                        </a:rPr>
+                        <a:t>4/27</a:t>
+                      </a:r>
+                      <a:endParaRPr lang="en-US" altLang="zh-CN" sz="1050" b="1" i="0" u="none" strike="noStrike" dirty="0">
+                        <a:solidFill>
+                          <a:srgbClr val="000000"/>
+                        </a:solidFill>
+                        <a:effectLst/>
+                        <a:latin typeface="等线" panose="02010600030101010101" pitchFamily="2" charset="-122"/>
+                        <a:ea typeface="等线" panose="02010600030101010101" pitchFamily="2" charset="-122"/>
+                      </a:endParaRPr>
+                    </a:p>
+                  </a:txBody>
+                  <a:tcPr marL="0" marR="0" marT="0" marB="0" anchor="ctr">
+                    <a:lnL w="12700" cap="flat" cmpd="sng" algn="ctr">
+                      <a:solidFill>
+                        <a:schemeClr val="tx1"/>
+                      </a:solidFill>
+                      <a:prstDash val="solid"/>
+                      <a:round/>
+                      <a:headEnd type="none" w="med" len="med"/>
+                      <a:tailEnd type="none" w="med" len="med"/>
+                    </a:lnL>
+                    <a:lnR w="12700" cap="flat" cmpd="sng" algn="ctr">
+                      <a:solidFill>
+                        <a:schemeClr val="tx1"/>
+                      </a:solidFill>
+                      <a:prstDash val="solid"/>
+                      <a:round/>
+                      <a:headEnd type="none" w="med" len="med"/>
+                      <a:tailEnd type="none" w="med" len="med"/>
+                    </a:lnR>
+                    <a:lnT w="12700" cap="flat" cmpd="sng" algn="ctr">
+                      <a:solidFill>
+                        <a:schemeClr val="tx1"/>
+                      </a:solidFill>
+                      <a:prstDash val="solid"/>
+                      <a:round/>
+                      <a:headEnd type="none" w="med" len="med"/>
+                      <a:tailEnd type="none" w="med" len="med"/>
+                    </a:lnT>
+                    <a:lnB w="12700" cap="flat" cmpd="sng" algn="ctr">
+                      <a:solidFill>
+                        <a:schemeClr val="bg1"/>
+                      </a:solidFill>
+                      <a:prstDash val="solid"/>
+                      <a:round/>
+                      <a:headEnd type="none" w="med" len="med"/>
+                      <a:tailEnd type="none" w="med" len="med"/>
+                    </a:lnB>
+                    <a:solidFill>
+                      <a:srgbClr val="E5E9FF"/>
+                    </a:solidFill>
+                  </a:tcPr>
+                </a:tc>
+                <a:tc>
+                  <a:txBody>
+                    <a:bodyPr/>
+                    <a:lstStyle/>
+                    <a:p>
+                      <a:pPr algn="ctr" fontAlgn="ctr"/>
+                      <a:r>
+                        <a:rPr lang="en-US" altLang="zh-CN" sz="1050" u="none" strike="noStrike" dirty="0">
+                          <a:effectLst/>
+                        </a:rPr>
+                        <a:t>5/9</a:t>
+                      </a:r>
+                      <a:endParaRPr lang="en-US" altLang="zh-CN" sz="1050" b="1" i="0" u="none" strike="noStrike" dirty="0">
+                        <a:solidFill>
+                          <a:srgbClr val="000000"/>
+                        </a:solidFill>
+                        <a:effectLst/>
+                        <a:latin typeface="等线" panose="02010600030101010101" pitchFamily="2" charset="-122"/>
+                        <a:ea typeface="等线" panose="02010600030101010101" pitchFamily="2" charset="-122"/>
+                      </a:endParaRPr>
+                    </a:p>
+                  </a:txBody>
+                  <a:tcPr marL="0" marR="0" marT="0" marB="0" anchor="ctr">
+                    <a:lnL w="12700" cap="flat" cmpd="sng" algn="ctr">
+                      <a:solidFill>
+                        <a:schemeClr val="tx1"/>
+                      </a:solidFill>
+                      <a:prstDash val="solid"/>
+                      <a:round/>
+                      <a:headEnd type="none" w="med" len="med"/>
+                      <a:tailEnd type="none" w="med" len="med"/>
+                    </a:lnL>
+                    <a:lnR w="12700" cap="flat" cmpd="sng" algn="ctr">
+                      <a:solidFill>
+                        <a:schemeClr val="tx1"/>
+                      </a:solidFill>
+                      <a:prstDash val="solid"/>
+                      <a:round/>
+                      <a:headEnd type="none" w="med" len="med"/>
+                      <a:tailEnd type="none" w="med" len="med"/>
+                    </a:lnR>
+                    <a:lnT w="12700" cap="flat" cmpd="sng" algn="ctr">
+                      <a:solidFill>
+                        <a:schemeClr val="tx1"/>
+                      </a:solidFill>
+                      <a:prstDash val="solid"/>
+                      <a:round/>
+                      <a:headEnd type="none" w="med" len="med"/>
+                      <a:tailEnd type="none" w="med" len="med"/>
+                    </a:lnT>
+                    <a:lnB w="12700" cap="flat" cmpd="sng" algn="ctr">
+                      <a:solidFill>
+                        <a:schemeClr val="bg1"/>
+                      </a:solidFill>
+                      <a:prstDash val="solid"/>
+                      <a:round/>
+                      <a:headEnd type="none" w="med" len="med"/>
+                      <a:tailEnd type="none" w="med" len="med"/>
+                    </a:lnB>
+                    <a:solidFill>
+                      <a:srgbClr val="E5E9FF"/>
+                    </a:solidFill>
+                  </a:tcPr>
+                </a:tc>
+                <a:tc>
+                  <a:txBody>
+                    <a:bodyPr/>
+                    <a:lstStyle/>
+                    <a:p>
+                      <a:pPr algn="ctr" fontAlgn="ctr"/>
+                      <a:r>
+                        <a:rPr lang="en-US" altLang="zh-CN" sz="1050" u="none" strike="noStrike">
+                          <a:effectLst/>
+                        </a:rPr>
+                        <a:t>5/11</a:t>
+                      </a:r>
+                      <a:endParaRPr lang="en-US" altLang="zh-CN" sz="1050" b="1" i="0" u="none" strike="noStrike">
+                        <a:solidFill>
+                          <a:srgbClr val="000000"/>
+                        </a:solidFill>
+                        <a:effectLst/>
+                        <a:latin typeface="等线" panose="02010600030101010101" pitchFamily="2" charset="-122"/>
+                        <a:ea typeface="等线" panose="02010600030101010101" pitchFamily="2" charset="-122"/>
+                      </a:endParaRPr>
+                    </a:p>
+                  </a:txBody>
+                  <a:tcPr marL="0" marR="0" marT="0" marB="0" anchor="ctr">
+                    <a:lnL w="12700" cap="flat" cmpd="sng" algn="ctr">
+                      <a:solidFill>
+                        <a:schemeClr val="tx1"/>
+                      </a:solidFill>
+                      <a:prstDash val="solid"/>
+                      <a:round/>
+                      <a:headEnd type="none" w="med" len="med"/>
+                      <a:tailEnd type="none" w="med" len="med"/>
+                    </a:lnL>
+                    <a:lnR w="12700" cap="flat" cmpd="sng" algn="ctr">
+                      <a:solidFill>
+                        <a:schemeClr val="tx1"/>
+                      </a:solidFill>
+                      <a:prstDash val="solid"/>
+                      <a:round/>
+                      <a:headEnd type="none" w="med" len="med"/>
+                      <a:tailEnd type="none" w="med" len="med"/>
+                    </a:lnR>
+                    <a:lnT w="12700" cap="flat" cmpd="sng" algn="ctr">
+                      <a:solidFill>
+                        <a:schemeClr val="tx1"/>
+                      </a:solidFill>
+                      <a:prstDash val="solid"/>
+                      <a:round/>
+                      <a:headEnd type="none" w="med" len="med"/>
+                      <a:tailEnd type="none" w="med" len="med"/>
+                    </a:lnT>
+                    <a:lnB w="12700" cap="flat" cmpd="sng" algn="ctr">
+                      <a:solidFill>
+                        <a:schemeClr val="bg1"/>
+                      </a:solidFill>
+                      <a:prstDash val="solid"/>
+                      <a:round/>
+                      <a:headEnd type="none" w="med" len="med"/>
+                      <a:tailEnd type="none" w="med" len="med"/>
+                    </a:lnB>
+                    <a:solidFill>
+                      <a:srgbClr val="E5E9FF"/>
+                    </a:solidFill>
+                  </a:tcPr>
+                </a:tc>
+                <a:tc>
+                  <a:txBody>
+                    <a:bodyPr/>
+                    <a:lstStyle/>
+                    <a:p>
+                      <a:pPr algn="ctr" fontAlgn="ctr"/>
+                      <a:r>
+                        <a:rPr lang="en-US" altLang="zh-CN" sz="1050" u="none" strike="noStrike">
+                          <a:effectLst/>
+                        </a:rPr>
+                        <a:t>5/12</a:t>
+                      </a:r>
+                      <a:endParaRPr lang="en-US" altLang="zh-CN" sz="1050" b="1" i="0" u="none" strike="noStrike">
+                        <a:solidFill>
+                          <a:srgbClr val="000000"/>
+                        </a:solidFill>
+                        <a:effectLst/>
+                        <a:latin typeface="等线" panose="02010600030101010101" pitchFamily="2" charset="-122"/>
+                        <a:ea typeface="等线" panose="02010600030101010101" pitchFamily="2" charset="-122"/>
+                      </a:endParaRPr>
+                    </a:p>
+                  </a:txBody>
+                  <a:tcPr marL="0" marR="0" marT="0" marB="0" anchor="ctr">
+                    <a:lnL w="12700" cap="flat" cmpd="sng" algn="ctr">
+                      <a:solidFill>
+                        <a:schemeClr val="tx1"/>
+                      </a:solidFill>
+                      <a:prstDash val="solid"/>
+                      <a:round/>
+                      <a:headEnd type="none" w="med" len="med"/>
+                      <a:tailEnd type="none" w="med" len="med"/>
+                    </a:lnL>
+                    <a:lnR w="12700" cap="flat" cmpd="sng" algn="ctr">
+                      <a:solidFill>
+                        <a:schemeClr val="tx1"/>
+                      </a:solidFill>
+                      <a:prstDash val="solid"/>
+                      <a:round/>
+                      <a:headEnd type="none" w="med" len="med"/>
+                      <a:tailEnd type="none" w="med" len="med"/>
+                    </a:lnR>
+                    <a:lnT w="12700" cap="flat" cmpd="sng" algn="ctr">
+                      <a:solidFill>
+                        <a:schemeClr val="tx1"/>
+                      </a:solidFill>
+                      <a:prstDash val="solid"/>
+                      <a:round/>
+                      <a:headEnd type="none" w="med" len="med"/>
+                      <a:tailEnd type="none" w="med" len="med"/>
+                    </a:lnT>
+                    <a:lnB w="12700" cap="flat" cmpd="sng" algn="ctr">
+                      <a:solidFill>
+                        <a:schemeClr val="bg1"/>
+                      </a:solidFill>
+                      <a:prstDash val="solid"/>
+                      <a:round/>
+                      <a:headEnd type="none" w="med" len="med"/>
+                      <a:tailEnd type="none" w="med" len="med"/>
+                    </a:lnB>
+                    <a:solidFill>
+                      <a:srgbClr val="E5E9FF"/>
+                    </a:solidFill>
+                  </a:tcPr>
+                </a:tc>
+                <a:tc>
+                  <a:txBody>
+                    <a:bodyPr/>
+                    <a:lstStyle/>
+                    <a:p>
+                      <a:pPr algn="ctr" fontAlgn="ctr"/>
+                      <a:r>
+                        <a:rPr lang="en-US" altLang="zh-CN" sz="1050" u="none" strike="noStrike" dirty="0">
+                          <a:effectLst/>
+                        </a:rPr>
+                        <a:t>5/16</a:t>
+                      </a:r>
+                      <a:endParaRPr lang="en-US" altLang="zh-CN" sz="1050" b="1" i="0" u="none" strike="noStrike" dirty="0">
+                        <a:solidFill>
+                          <a:srgbClr val="000000"/>
+                        </a:solidFill>
+                        <a:effectLst/>
+                        <a:latin typeface="等线" panose="02010600030101010101" pitchFamily="2" charset="-122"/>
+                        <a:ea typeface="等线" panose="02010600030101010101" pitchFamily="2" charset="-122"/>
+                      </a:endParaRPr>
+                    </a:p>
+                  </a:txBody>
+                  <a:tcPr marL="0" marR="0" marT="0" marB="0" anchor="ctr">
+                    <a:lnL w="12700" cap="flat" cmpd="sng" algn="ctr">
+                      <a:solidFill>
+                        <a:schemeClr val="tx1"/>
+                      </a:solidFill>
+                      <a:prstDash val="solid"/>
+                      <a:round/>
+                      <a:headEnd type="none" w="med" len="med"/>
+                      <a:tailEnd type="none" w="med" len="med"/>
+                    </a:lnL>
+                    <a:lnR w="12700" cap="flat" cmpd="sng" algn="ctr">
+                      <a:solidFill>
+                        <a:schemeClr val="tx1"/>
+                      </a:solidFill>
+                      <a:prstDash val="solid"/>
+                      <a:round/>
+                      <a:headEnd type="none" w="med" len="med"/>
+                      <a:tailEnd type="none" w="med" len="med"/>
+                    </a:lnR>
+                    <a:lnT w="12700" cap="flat" cmpd="sng" algn="ctr">
+                      <a:solidFill>
+                        <a:schemeClr val="tx1"/>
+                      </a:solidFill>
+                      <a:prstDash val="solid"/>
+                      <a:round/>
+                      <a:headEnd type="none" w="med" len="med"/>
+                      <a:tailEnd type="none" w="med" len="med"/>
+                    </a:lnT>
+                    <a:lnB w="12700" cap="flat" cmpd="sng" algn="ctr">
+                      <a:solidFill>
+                        <a:schemeClr val="bg1"/>
+                      </a:solidFill>
+                      <a:prstDash val="solid"/>
+                      <a:round/>
+                      <a:headEnd type="none" w="med" len="med"/>
+                      <a:tailEnd type="none" w="med" len="med"/>
+                    </a:lnB>
+                    <a:solidFill>
+                      <a:srgbClr val="E5E9FF"/>
+                    </a:solidFill>
+                  </a:tcPr>
+                </a:tc>
+                <a:tc>
+                  <a:txBody>
+                    <a:bodyPr/>
+                    <a:lstStyle/>
+                    <a:p>
+                      <a:pPr algn="ctr" fontAlgn="ctr"/>
+                      <a:r>
+                        <a:rPr lang="en-US" altLang="zh-CN" sz="1050" u="none" strike="noStrike">
+                          <a:effectLst/>
+                        </a:rPr>
+                        <a:t>5/18</a:t>
+                      </a:r>
+                      <a:endParaRPr lang="en-US" altLang="zh-CN" sz="1050" b="1" i="0" u="none" strike="noStrike">
+                        <a:solidFill>
+                          <a:srgbClr val="000000"/>
+                        </a:solidFill>
+                        <a:effectLst/>
+                        <a:latin typeface="等线" panose="02010600030101010101" pitchFamily="2" charset="-122"/>
+                        <a:ea typeface="等线" panose="02010600030101010101" pitchFamily="2" charset="-122"/>
+                      </a:endParaRPr>
+                    </a:p>
+                  </a:txBody>
+                  <a:tcPr marL="0" marR="0" marT="0" marB="0" anchor="ctr">
+                    <a:lnL w="12700" cap="flat" cmpd="sng" algn="ctr">
+                      <a:solidFill>
+                        <a:schemeClr val="tx1"/>
+                      </a:solidFill>
+                      <a:prstDash val="solid"/>
+                      <a:round/>
+                      <a:headEnd type="none" w="med" len="med"/>
+                      <a:tailEnd type="none" w="med" len="med"/>
+                    </a:lnL>
+                    <a:lnR w="12700" cap="flat" cmpd="sng" algn="ctr">
+                      <a:solidFill>
+                        <a:schemeClr val="tx1"/>
+                      </a:solidFill>
+                      <a:prstDash val="solid"/>
+                      <a:round/>
+                      <a:headEnd type="none" w="med" len="med"/>
+                      <a:tailEnd type="none" w="med" len="med"/>
+                    </a:lnR>
+                    <a:lnT w="12700" cap="flat" cmpd="sng" algn="ctr">
+                      <a:solidFill>
+                        <a:schemeClr val="tx1"/>
+                      </a:solidFill>
+                      <a:prstDash val="solid"/>
+                      <a:round/>
+                      <a:headEnd type="none" w="med" len="med"/>
+                      <a:tailEnd type="none" w="med" len="med"/>
+                    </a:lnT>
+                    <a:lnB w="12700" cap="flat" cmpd="sng" algn="ctr">
+                      <a:solidFill>
+                        <a:schemeClr val="bg1"/>
+                      </a:solidFill>
+                      <a:prstDash val="solid"/>
+                      <a:round/>
+                      <a:headEnd type="none" w="med" len="med"/>
+                      <a:tailEnd type="none" w="med" len="med"/>
+                    </a:lnB>
+                    <a:solidFill>
+                      <a:srgbClr val="E5E9FF"/>
+                    </a:solidFill>
+                  </a:tcPr>
+                </a:tc>
+                <a:tc>
+                  <a:txBody>
+                    <a:bodyPr/>
+                    <a:lstStyle/>
+                    <a:p>
+                      <a:pPr algn="ctr" fontAlgn="ctr"/>
+                      <a:r>
+                        <a:rPr lang="en-US" altLang="zh-CN" sz="1050" u="none" strike="noStrike">
+                          <a:effectLst/>
+                        </a:rPr>
+                        <a:t>5/19</a:t>
+                      </a:r>
+                      <a:endParaRPr lang="en-US" altLang="zh-CN" sz="1050" b="1" i="0" u="none" strike="noStrike">
+                        <a:solidFill>
+                          <a:srgbClr val="000000"/>
+                        </a:solidFill>
+                        <a:effectLst/>
+                        <a:latin typeface="等线" panose="02010600030101010101" pitchFamily="2" charset="-122"/>
+                        <a:ea typeface="等线" panose="02010600030101010101" pitchFamily="2" charset="-122"/>
+                      </a:endParaRPr>
+                    </a:p>
+                  </a:txBody>
+                  <a:tcPr marL="0" marR="0" marT="0" marB="0" anchor="ctr">
+                    <a:lnL w="12700" cap="flat" cmpd="sng" algn="ctr">
+                      <a:solidFill>
+                        <a:schemeClr val="tx1"/>
+                      </a:solidFill>
+                      <a:prstDash val="solid"/>
+                      <a:round/>
+                      <a:headEnd type="none" w="med" len="med"/>
+                      <a:tailEnd type="none" w="med" len="med"/>
+                    </a:lnL>
+                    <a:lnR w="12700" cap="flat" cmpd="sng" algn="ctr">
+                      <a:solidFill>
+                        <a:schemeClr val="tx1"/>
+                      </a:solidFill>
+                      <a:prstDash val="solid"/>
+                      <a:round/>
+                      <a:headEnd type="none" w="med" len="med"/>
+                      <a:tailEnd type="none" w="med" len="med"/>
+                    </a:lnR>
+                    <a:lnT w="12700" cap="flat" cmpd="sng" algn="ctr">
+                      <a:solidFill>
+                        <a:schemeClr val="tx1"/>
+                      </a:solidFill>
+                      <a:prstDash val="solid"/>
+                      <a:round/>
+                      <a:headEnd type="none" w="med" len="med"/>
+                      <a:tailEnd type="none" w="med" len="med"/>
+                    </a:lnT>
+                    <a:lnB w="12700" cap="flat" cmpd="sng" algn="ctr">
+                      <a:solidFill>
+                        <a:schemeClr val="bg1"/>
+                      </a:solidFill>
+                      <a:prstDash val="solid"/>
+                      <a:round/>
+                      <a:headEnd type="none" w="med" len="med"/>
+                      <a:tailEnd type="none" w="med" len="med"/>
+                    </a:lnB>
+                    <a:solidFill>
+                      <a:srgbClr val="E5E9FF"/>
+                    </a:solidFill>
+                  </a:tcPr>
+                </a:tc>
+                <a:tc>
+                  <a:txBody>
+                    <a:bodyPr/>
+                    <a:lstStyle/>
+                    <a:p>
+                      <a:pPr algn="ctr" fontAlgn="ctr"/>
+                      <a:r>
+                        <a:rPr lang="en-US" altLang="zh-CN" sz="1050" u="none" strike="noStrike">
+                          <a:effectLst/>
+                        </a:rPr>
+                        <a:t>5/23</a:t>
+                      </a:r>
+                      <a:endParaRPr lang="en-US" altLang="zh-CN" sz="1050" b="1" i="0" u="none" strike="noStrike">
+                        <a:solidFill>
+                          <a:srgbClr val="000000"/>
+                        </a:solidFill>
+                        <a:effectLst/>
+                        <a:latin typeface="等线" panose="02010600030101010101" pitchFamily="2" charset="-122"/>
+                        <a:ea typeface="等线" panose="02010600030101010101" pitchFamily="2" charset="-122"/>
+                      </a:endParaRPr>
+                    </a:p>
+                  </a:txBody>
+                  <a:tcPr marL="0" marR="0" marT="0" marB="0" anchor="ctr">
+                    <a:lnL w="12700" cap="flat" cmpd="sng" algn="ctr">
+                      <a:solidFill>
+                        <a:schemeClr val="tx1"/>
+                      </a:solidFill>
+                      <a:prstDash val="solid"/>
+                      <a:round/>
+                      <a:headEnd type="none" w="med" len="med"/>
+                      <a:tailEnd type="none" w="med" len="med"/>
+                    </a:lnL>
+                    <a:lnR w="12700" cap="flat" cmpd="sng" algn="ctr">
+                      <a:solidFill>
+                        <a:schemeClr val="tx1"/>
+                      </a:solidFill>
+                      <a:prstDash val="solid"/>
+                      <a:round/>
+                      <a:headEnd type="none" w="med" len="med"/>
+                      <a:tailEnd type="none" w="med" len="med"/>
+                    </a:lnR>
+                    <a:lnT w="12700" cap="flat" cmpd="sng" algn="ctr">
+                      <a:solidFill>
+                        <a:schemeClr val="tx1"/>
+                      </a:solidFill>
+                      <a:prstDash val="solid"/>
+                      <a:round/>
+                      <a:headEnd type="none" w="med" len="med"/>
+                      <a:tailEnd type="none" w="med" len="med"/>
+                    </a:lnT>
+                    <a:lnB w="12700" cap="flat" cmpd="sng" algn="ctr">
+                      <a:solidFill>
+                        <a:schemeClr val="bg1"/>
+                      </a:solidFill>
+                      <a:prstDash val="solid"/>
+                      <a:round/>
+                      <a:headEnd type="none" w="med" len="med"/>
+                      <a:tailEnd type="none" w="med" len="med"/>
+                    </a:lnB>
+                    <a:solidFill>
+                      <a:srgbClr val="E5E9FF"/>
+                    </a:solidFill>
+                  </a:tcPr>
+                </a:tc>
+                <a:tc>
+                  <a:txBody>
+                    <a:bodyPr/>
+                    <a:lstStyle/>
+                    <a:p>
+                      <a:pPr algn="ctr" fontAlgn="ctr"/>
+                      <a:r>
+                        <a:rPr lang="en-US" altLang="zh-CN" sz="1050" u="none" strike="noStrike" dirty="0">
+                          <a:effectLst/>
+                        </a:rPr>
+                        <a:t>5/25</a:t>
+                      </a:r>
+                      <a:endParaRPr lang="en-US" altLang="zh-CN" sz="1050" b="1" i="0" u="none" strike="noStrike" dirty="0">
+                        <a:solidFill>
+                          <a:srgbClr val="000000"/>
+                        </a:solidFill>
+                        <a:effectLst/>
+                        <a:latin typeface="等线" panose="02010600030101010101" pitchFamily="2" charset="-122"/>
+                        <a:ea typeface="等线" panose="02010600030101010101" pitchFamily="2" charset="-122"/>
+                      </a:endParaRPr>
+                    </a:p>
+                  </a:txBody>
+                  <a:tcPr marL="0" marR="0" marT="0" marB="0" anchor="ctr">
+                    <a:lnL w="12700" cap="flat" cmpd="sng" algn="ctr">
+                      <a:solidFill>
+                        <a:schemeClr val="tx1"/>
+                      </a:solidFill>
+                      <a:prstDash val="solid"/>
+                      <a:round/>
+                      <a:headEnd type="none" w="med" len="med"/>
+                      <a:tailEnd type="none" w="med" len="med"/>
+                    </a:lnL>
+                    <a:lnR w="12700" cap="flat" cmpd="sng" algn="ctr">
+                      <a:solidFill>
+                        <a:schemeClr val="tx1"/>
+                      </a:solidFill>
+                      <a:prstDash val="solid"/>
+                      <a:round/>
+                      <a:headEnd type="none" w="med" len="med"/>
+                      <a:tailEnd type="none" w="med" len="med"/>
+                    </a:lnR>
+                    <a:lnT w="12700" cap="flat" cmpd="sng" algn="ctr">
+                      <a:solidFill>
+                        <a:schemeClr val="tx1"/>
+                      </a:solidFill>
+                      <a:prstDash val="solid"/>
+                      <a:round/>
+                      <a:headEnd type="none" w="med" len="med"/>
+                      <a:tailEnd type="none" w="med" len="med"/>
+                    </a:lnT>
+                    <a:lnB w="12700" cap="flat" cmpd="sng" algn="ctr">
+                      <a:solidFill>
+                        <a:schemeClr val="bg1"/>
+                      </a:solidFill>
+                      <a:prstDash val="solid"/>
+                      <a:round/>
+                      <a:headEnd type="none" w="med" len="med"/>
+                      <a:tailEnd type="none" w="med" len="med"/>
+                    </a:lnB>
+                    <a:solidFill>
+                      <a:srgbClr val="E5E9FF"/>
+                    </a:solidFill>
+                  </a:tcPr>
+                </a:tc>
+                <a:tc>
+                  <a:txBody>
+                    <a:bodyPr/>
+                    <a:lstStyle/>
+                    <a:p>
+                      <a:pPr algn="ctr" fontAlgn="ctr"/>
+                      <a:r>
+                        <a:rPr lang="en-US" altLang="zh-CN" sz="1050" u="none" strike="noStrike" dirty="0">
+                          <a:effectLst/>
+                        </a:rPr>
+                        <a:t>5/26</a:t>
+                      </a:r>
+                      <a:endParaRPr lang="en-US" altLang="zh-CN" sz="1050" b="1" i="0" u="none" strike="noStrike" dirty="0">
+                        <a:solidFill>
+                          <a:srgbClr val="000000"/>
+                        </a:solidFill>
+                        <a:effectLst/>
+                        <a:latin typeface="等线" panose="02010600030101010101" pitchFamily="2" charset="-122"/>
+                        <a:ea typeface="等线" panose="02010600030101010101" pitchFamily="2" charset="-122"/>
+                      </a:endParaRPr>
+                    </a:p>
+                  </a:txBody>
+                  <a:tcPr marL="0" marR="0" marT="0" marB="0" anchor="ctr">
+                    <a:lnL w="12700" cap="flat" cmpd="sng" algn="ctr">
+                      <a:solidFill>
+                        <a:schemeClr val="tx1"/>
+                      </a:solidFill>
+                      <a:prstDash val="solid"/>
+                      <a:round/>
+                      <a:headEnd type="none" w="med" len="med"/>
+                      <a:tailEnd type="none" w="med" len="med"/>
+                    </a:lnL>
+                    <a:lnR w="12700" cap="flat" cmpd="sng" algn="ctr">
+                      <a:solidFill>
+                        <a:schemeClr val="tx1"/>
+                      </a:solidFill>
+                      <a:prstDash val="solid"/>
+                      <a:round/>
+                      <a:headEnd type="none" w="med" len="med"/>
+                      <a:tailEnd type="none" w="med" len="med"/>
+                    </a:lnR>
+                    <a:lnT w="12700" cap="flat" cmpd="sng" algn="ctr">
+                      <a:solidFill>
+                        <a:schemeClr val="tx1"/>
+                      </a:solidFill>
+                      <a:prstDash val="solid"/>
+                      <a:round/>
+                      <a:headEnd type="none" w="med" len="med"/>
+                      <a:tailEnd type="none" w="med" len="med"/>
+                    </a:lnT>
+                    <a:lnB w="12700" cap="flat" cmpd="sng" algn="ctr">
+                      <a:solidFill>
+                        <a:schemeClr val="bg1"/>
+                      </a:solidFill>
+                      <a:prstDash val="solid"/>
+                      <a:round/>
+                      <a:headEnd type="none" w="med" len="med"/>
+                      <a:tailEnd type="none" w="med" len="med"/>
+                    </a:lnB>
+                    <a:solidFill>
+                      <a:srgbClr val="E5E9FF"/>
+                    </a:solidFill>
+                  </a:tcPr>
+                </a:tc>
+                <a:tc>
+                  <a:txBody>
+                    <a:bodyPr/>
+                    <a:lstStyle/>
+                    <a:p>
+                      <a:pPr algn="ctr" fontAlgn="ctr"/>
+                      <a:r>
+                        <a:rPr lang="en-US" altLang="zh-CN" sz="1050" u="none" strike="noStrike">
+                          <a:effectLst/>
+                        </a:rPr>
+                        <a:t>5/30</a:t>
+                      </a:r>
+                      <a:endParaRPr lang="en-US" altLang="zh-CN" sz="1050" b="1" i="0" u="none" strike="noStrike">
+                        <a:solidFill>
+                          <a:srgbClr val="000000"/>
+                        </a:solidFill>
+                        <a:effectLst/>
+                        <a:latin typeface="等线" panose="02010600030101010101" pitchFamily="2" charset="-122"/>
+                        <a:ea typeface="等线" panose="02010600030101010101" pitchFamily="2" charset="-122"/>
+                      </a:endParaRPr>
+                    </a:p>
+                  </a:txBody>
+                  <a:tcPr marL="0" marR="0" marT="0" marB="0" anchor="ctr">
+                    <a:lnL w="12700" cap="flat" cmpd="sng" algn="ctr">
+                      <a:solidFill>
+                        <a:schemeClr val="tx1"/>
+                      </a:solidFill>
+                      <a:prstDash val="solid"/>
+                      <a:round/>
+                      <a:headEnd type="none" w="med" len="med"/>
+                      <a:tailEnd type="none" w="med" len="med"/>
+                    </a:lnL>
+                    <a:lnR w="12700" cap="flat" cmpd="sng" algn="ctr">
+                      <a:solidFill>
+                        <a:schemeClr val="tx1"/>
+                      </a:solidFill>
+                      <a:prstDash val="solid"/>
+                      <a:round/>
+                      <a:headEnd type="none" w="med" len="med"/>
+                      <a:tailEnd type="none" w="med" len="med"/>
+                    </a:lnR>
+                    <a:lnT w="12700" cap="flat" cmpd="sng" algn="ctr">
+                      <a:solidFill>
+                        <a:schemeClr val="tx1"/>
+                      </a:solidFill>
+                      <a:prstDash val="solid"/>
+                      <a:round/>
+                      <a:headEnd type="none" w="med" len="med"/>
+                      <a:tailEnd type="none" w="med" len="med"/>
+                    </a:lnT>
+                    <a:lnB w="12700" cap="flat" cmpd="sng" algn="ctr">
+                      <a:solidFill>
+                        <a:schemeClr val="bg1"/>
+                      </a:solidFill>
+                      <a:prstDash val="solid"/>
+                      <a:round/>
+                      <a:headEnd type="none" w="med" len="med"/>
+                      <a:tailEnd type="none" w="med" len="med"/>
+                    </a:lnB>
+                    <a:solidFill>
+                      <a:srgbClr val="E5E9FF"/>
+                    </a:solidFill>
+                  </a:tcPr>
+                </a:tc>
+                <a:tc>
+                  <a:txBody>
+                    <a:bodyPr/>
+                    <a:lstStyle/>
+                    <a:p>
+                      <a:pPr algn="ctr" fontAlgn="ctr"/>
+                      <a:r>
+                        <a:rPr lang="en-US" altLang="zh-CN" sz="1050" u="none" strike="noStrike" dirty="0">
+                          <a:effectLst/>
+                        </a:rPr>
+                        <a:t>5/31</a:t>
+                      </a:r>
+                      <a:endParaRPr lang="en-US" altLang="zh-CN" sz="1050" b="1" i="0" u="none" strike="noStrike" dirty="0">
+                        <a:solidFill>
+                          <a:srgbClr val="000000"/>
+                        </a:solidFill>
+                        <a:effectLst/>
+                        <a:latin typeface="等线" panose="02010600030101010101" pitchFamily="2" charset="-122"/>
+                        <a:ea typeface="等线" panose="02010600030101010101" pitchFamily="2" charset="-122"/>
+                      </a:endParaRPr>
+                    </a:p>
+                  </a:txBody>
+                  <a:tcPr marL="0" marR="0" marT="0" marB="0" anchor="ctr">
+                    <a:lnL w="12700" cap="flat" cmpd="sng" algn="ctr">
+                      <a:solidFill>
+                        <a:schemeClr val="tx1"/>
+                      </a:solidFill>
+                      <a:prstDash val="solid"/>
+                      <a:round/>
+                      <a:headEnd type="none" w="med" len="med"/>
+                      <a:tailEnd type="none" w="med" len="med"/>
+                    </a:lnL>
+                    <a:lnR w="12700" cap="flat" cmpd="sng" algn="ctr">
+                      <a:solidFill>
+                        <a:schemeClr val="tx1"/>
+                      </a:solidFill>
+                      <a:prstDash val="solid"/>
+                      <a:round/>
+                      <a:headEnd type="none" w="med" len="med"/>
+                      <a:tailEnd type="none" w="med" len="med"/>
+                    </a:lnR>
+                    <a:lnT w="12700" cap="flat" cmpd="sng" algn="ctr">
+                      <a:solidFill>
+                        <a:schemeClr val="tx1"/>
+                      </a:solidFill>
+                      <a:prstDash val="solid"/>
+                      <a:round/>
+                      <a:headEnd type="none" w="med" len="med"/>
+                      <a:tailEnd type="none" w="med" len="med"/>
+                    </a:lnT>
+                    <a:lnB w="12700" cap="flat" cmpd="sng" algn="ctr">
+                      <a:solidFill>
+                        <a:schemeClr val="bg1"/>
+                      </a:solidFill>
+                      <a:prstDash val="solid"/>
+                      <a:round/>
+                      <a:headEnd type="none" w="med" len="med"/>
+                      <a:tailEnd type="none" w="med" len="med"/>
+                    </a:lnB>
+                    <a:solidFill>
+                      <a:srgbClr val="E5E9FF"/>
+                    </a:solidFill>
+                  </a:tcPr>
+                </a:tc>
+                <a:extLst>
+                  <a:ext uri="{0D108BD9-81ED-4DB2-BD59-A6C34878D82A}">
+                    <a16:rowId xmlns:a16="http://schemas.microsoft.com/office/drawing/2014/main" val="3273328722"/>
+                  </a:ext>
+                </a:extLst>
+              </a:tr>
+              <a:tr h="518482">
+                <a:tc>
+                  <a:txBody>
+                    <a:bodyPr/>
+                    <a:lstStyle/>
+                    <a:p>
+                      <a:pPr algn="ctr" fontAlgn="t">
+                        <a:lnSpc>
+                          <a:spcPct val="200000"/>
+                        </a:lnSpc>
+                      </a:pPr>
+                      <a:r>
+                        <a:rPr lang="zh-CN" altLang="en-US" sz="1000" u="none" strike="noStrike" dirty="0">
+                          <a:effectLst/>
+                          <a:latin typeface="+mj-lt"/>
+                        </a:rPr>
+                        <a:t>要件定義</a:t>
+                      </a:r>
+                      <a:endParaRPr lang="zh-CN" altLang="en-US" sz="1000" b="0" i="0" u="none" strike="noStrike" dirty="0">
+                        <a:solidFill>
+                          <a:srgbClr val="000000"/>
+                        </a:solidFill>
+                        <a:effectLst/>
+                        <a:latin typeface="+mj-lt"/>
+                        <a:ea typeface="等线" panose="02010600030101010101" pitchFamily="2" charset="-122"/>
+                      </a:endParaRPr>
+                    </a:p>
+                  </a:txBody>
+                  <a:tcPr marL="0" marR="0" marT="0" marB="0">
+                    <a:lnL w="12700" cap="flat" cmpd="sng" algn="ctr">
+                      <a:solidFill>
+                        <a:schemeClr val="tx1"/>
+                      </a:solidFill>
+                      <a:prstDash val="solid"/>
+                      <a:round/>
+                      <a:headEnd type="none" w="med" len="med"/>
+                      <a:tailEnd type="none" w="med" len="med"/>
+                    </a:lnL>
+                    <a:lnR w="12700" cap="flat" cmpd="sng" algn="ctr">
+                      <a:solidFill>
+                        <a:schemeClr val="bg1"/>
+                      </a:solidFill>
+                      <a:prstDash val="solid"/>
+                      <a:round/>
+                      <a:headEnd type="none" w="med" len="med"/>
+                      <a:tailEnd type="none" w="med" len="med"/>
+                    </a:lnR>
+                    <a:lnT w="12700" cap="flat" cmpd="sng" algn="ctr">
+                      <a:solidFill>
+                        <a:schemeClr val="bg1"/>
+                      </a:solidFill>
+                      <a:prstDash val="solid"/>
+                      <a:round/>
+                      <a:headEnd type="none" w="med" len="med"/>
+                      <a:tailEnd type="none" w="med" len="med"/>
+                    </a:lnT>
+                    <a:lnB w="12700" cap="flat" cmpd="sng" algn="ctr">
+                      <a:solidFill>
+                        <a:schemeClr val="tx1"/>
+                      </a:solidFill>
+                      <a:prstDash val="solid"/>
+                      <a:round/>
+                      <a:headEnd type="none" w="med" len="med"/>
+                      <a:tailEnd type="none" w="med" len="med"/>
+                    </a:lnB>
+                    <a:solidFill>
+                      <a:srgbClr val="E5E9FF"/>
+                    </a:solidFill>
+                  </a:tcPr>
+                </a:tc>
+                <a:tc>
+                  <a:txBody>
+                    <a:bodyPr/>
+                    <a:lstStyle/>
+                    <a:p>
+                      <a:pPr algn="ctr" fontAlgn="t">
+                        <a:lnSpc>
+                          <a:spcPct val="250000"/>
+                        </a:lnSpc>
+                      </a:pPr>
+                      <a:r>
+                        <a:rPr lang="en-US" altLang="zh-CN" sz="900" u="none" strike="noStrike" dirty="0">
+                          <a:effectLst/>
+                        </a:rPr>
+                        <a:t>5</a:t>
+                      </a:r>
+                      <a:r>
+                        <a:rPr lang="zh-CN" altLang="en-US" sz="900" u="none" strike="noStrike" dirty="0">
+                          <a:effectLst/>
+                        </a:rPr>
+                        <a:t>人日</a:t>
+                      </a:r>
+                      <a:endParaRPr lang="zh-CN" altLang="en-US" sz="900" b="0" i="0" u="none" strike="noStrike" dirty="0">
+                        <a:solidFill>
+                          <a:srgbClr val="000000"/>
+                        </a:solidFill>
+                        <a:effectLst/>
+                        <a:latin typeface="等线" panose="02010600030101010101" pitchFamily="2" charset="-122"/>
+                        <a:ea typeface="等线" panose="02010600030101010101" pitchFamily="2" charset="-122"/>
+                      </a:endParaRPr>
+                    </a:p>
+                  </a:txBody>
+                  <a:tcPr marL="0" marR="0" marT="0" marB="0">
+                    <a:lnL w="12700" cap="flat" cmpd="sng" algn="ctr">
+                      <a:solidFill>
+                        <a:schemeClr val="bg1"/>
+                      </a:solidFill>
+                      <a:prstDash val="solid"/>
+                      <a:round/>
+                      <a:headEnd type="none" w="med" len="med"/>
+                      <a:tailEnd type="none" w="med" len="med"/>
+                    </a:lnL>
+                    <a:lnR w="12700" cap="flat" cmpd="sng" algn="ctr">
+                      <a:solidFill>
+                        <a:schemeClr val="bg1"/>
+                      </a:solidFill>
+                      <a:prstDash val="solid"/>
+                      <a:round/>
+                      <a:headEnd type="none" w="med" len="med"/>
+                      <a:tailEnd type="none" w="med" len="med"/>
+                    </a:lnR>
+                    <a:lnT w="12700" cap="flat" cmpd="sng" algn="ctr">
+                      <a:solidFill>
+                        <a:schemeClr val="bg1"/>
+                      </a:solidFill>
+                      <a:prstDash val="solid"/>
+                      <a:round/>
+                      <a:headEnd type="none" w="med" len="med"/>
+                      <a:tailEnd type="none" w="med" len="med"/>
+                    </a:lnT>
+                    <a:lnB w="12700" cap="flat" cmpd="sng" algn="ctr">
+                      <a:solidFill>
+                        <a:schemeClr val="tx1"/>
+                      </a:solidFill>
+                      <a:prstDash val="solid"/>
+                      <a:round/>
+                      <a:headEnd type="none" w="med" len="med"/>
+                      <a:tailEnd type="none" w="med" len="med"/>
+                    </a:lnB>
+                    <a:solidFill>
+                      <a:srgbClr val="E5E9FF"/>
+                    </a:solidFill>
+                  </a:tcPr>
+                </a:tc>
+                <a:tc gridSpan="2">
+                  <a:txBody>
+                    <a:bodyPr/>
+                    <a:lstStyle/>
+                    <a:p>
+                      <a:pPr algn="l" fontAlgn="b"/>
+                      <a:endParaRPr lang="zh-CN" altLang="en-US" sz="700" b="0" i="0" u="none" strike="noStrike" dirty="0">
+                        <a:solidFill>
+                          <a:srgbClr val="000000"/>
+                        </a:solidFill>
+                        <a:effectLst/>
+                        <a:latin typeface="等线" panose="02010600030101010101" pitchFamily="2" charset="-122"/>
+                        <a:ea typeface="等线" panose="02010600030101010101" pitchFamily="2" charset="-122"/>
+                      </a:endParaRPr>
+                    </a:p>
+                  </a:txBody>
+                  <a:tcPr marL="0" marR="0" marT="0" marB="0" anchor="b">
+                    <a:lnL w="12700" cap="flat" cmpd="sng" algn="ctr">
+                      <a:solidFill>
+                        <a:schemeClr val="bg1"/>
+                      </a:solidFill>
+                      <a:prstDash val="solid"/>
+                      <a:round/>
+                      <a:headEnd type="none" w="med" len="med"/>
+                      <a:tailEnd type="none" w="med" len="med"/>
+                    </a:lnL>
+                    <a:lnR w="12700" cap="flat" cmpd="sng" algn="ctr">
+                      <a:solidFill>
+                        <a:schemeClr val="tx1"/>
+                      </a:solidFill>
+                      <a:prstDash val="solid"/>
+                      <a:round/>
+                      <a:headEnd type="none" w="med" len="med"/>
+                      <a:tailEnd type="none" w="med" len="med"/>
+                    </a:lnR>
+                    <a:lnT w="12700" cap="flat" cmpd="sng" algn="ctr">
+                      <a:solidFill>
+                        <a:schemeClr val="bg1"/>
+                      </a:solidFill>
+                      <a:prstDash val="solid"/>
+                      <a:round/>
+                      <a:headEnd type="none" w="med" len="med"/>
+                      <a:tailEnd type="none" w="med" len="med"/>
+                    </a:lnT>
+                    <a:lnB w="12700" cap="flat" cmpd="sng" algn="ctr">
+                      <a:solidFill>
+                        <a:schemeClr val="tx1"/>
+                      </a:solidFill>
+                      <a:prstDash val="solid"/>
+                      <a:round/>
+                      <a:headEnd type="none" w="med" len="med"/>
+                      <a:tailEnd type="none" w="med" len="med"/>
+                    </a:lnB>
+                    <a:solidFill>
+                      <a:srgbClr val="E5E9FF"/>
+                    </a:solidFill>
+                  </a:tcPr>
+                </a:tc>
+                <a:tc hMerge="1">
+                  <a:txBody>
+                    <a:bodyPr/>
+                    <a:lstStyle/>
+                    <a:p>
+                      <a:endParaRPr lang="zh-CN" altLang="en-US"/>
+                    </a:p>
+                  </a:txBody>
+                  <a:tcPr/>
+                </a:tc>
+                <a:tc>
+                  <a:txBody>
+                    <a:bodyPr/>
+                    <a:lstStyle/>
+                    <a:p>
+                      <a:pPr algn="l" fontAlgn="t"/>
+                      <a:r>
+                        <a:rPr lang="zh-CN" altLang="en-US" sz="700" u="none" strike="noStrike">
+                          <a:effectLst/>
+                        </a:rPr>
+                        <a:t>　</a:t>
+                      </a:r>
+                      <a:endParaRPr lang="zh-CN" altLang="en-US" sz="700" b="0" i="0" u="none" strike="noStrike">
+                        <a:solidFill>
+                          <a:srgbClr val="000000"/>
+                        </a:solidFill>
+                        <a:effectLst/>
+                        <a:latin typeface="等线" panose="02010600030101010101" pitchFamily="2" charset="-122"/>
+                        <a:ea typeface="等线" panose="02010600030101010101" pitchFamily="2" charset="-122"/>
+                      </a:endParaRPr>
+                    </a:p>
+                  </a:txBody>
+                  <a:tcPr marL="0" marR="0" marT="0" marB="0">
+                    <a:lnL w="12700" cap="flat" cmpd="sng" algn="ctr">
+                      <a:solidFill>
+                        <a:schemeClr val="tx1"/>
+                      </a:solidFill>
+                      <a:prstDash val="solid"/>
+                      <a:round/>
+                      <a:headEnd type="none" w="med" len="med"/>
+                      <a:tailEnd type="none" w="med" len="med"/>
+                    </a:lnL>
+                    <a:lnR w="12700" cap="flat" cmpd="sng" algn="ctr">
+                      <a:solidFill>
+                        <a:schemeClr val="tx1"/>
+                      </a:solidFill>
+                      <a:prstDash val="solid"/>
+                      <a:round/>
+                      <a:headEnd type="none" w="med" len="med"/>
+                      <a:tailEnd type="none" w="med" len="med"/>
+                    </a:lnR>
+                    <a:lnT w="12700" cap="flat" cmpd="sng" algn="ctr">
+                      <a:solidFill>
+                        <a:schemeClr val="bg1"/>
+                      </a:solidFill>
+                      <a:prstDash val="solid"/>
+                      <a:round/>
+                      <a:headEnd type="none" w="med" len="med"/>
+                      <a:tailEnd type="none" w="med" len="med"/>
+                    </a:lnT>
+                    <a:lnB w="12700" cap="flat" cmpd="sng" algn="ctr">
+                      <a:solidFill>
+                        <a:schemeClr val="tx1"/>
+                      </a:solidFill>
+                      <a:prstDash val="solid"/>
+                      <a:round/>
+                      <a:headEnd type="none" w="med" len="med"/>
+                      <a:tailEnd type="none" w="med" len="med"/>
+                    </a:lnB>
+                    <a:solidFill>
+                      <a:srgbClr val="E5E9FF"/>
+                    </a:solidFill>
+                  </a:tcPr>
+                </a:tc>
+                <a:tc>
+                  <a:txBody>
+                    <a:bodyPr/>
+                    <a:lstStyle/>
+                    <a:p>
+                      <a:pPr algn="l" fontAlgn="t"/>
+                      <a:r>
+                        <a:rPr lang="zh-CN" altLang="en-US" sz="700" u="none" strike="noStrike">
+                          <a:effectLst/>
+                        </a:rPr>
+                        <a:t>　</a:t>
+                      </a:r>
+                      <a:endParaRPr lang="zh-CN" altLang="en-US" sz="700" b="0" i="0" u="none" strike="noStrike">
+                        <a:solidFill>
+                          <a:srgbClr val="000000"/>
+                        </a:solidFill>
+                        <a:effectLst/>
+                        <a:latin typeface="等线" panose="02010600030101010101" pitchFamily="2" charset="-122"/>
+                        <a:ea typeface="等线" panose="02010600030101010101" pitchFamily="2" charset="-122"/>
+                      </a:endParaRPr>
+                    </a:p>
+                  </a:txBody>
+                  <a:tcPr marL="0" marR="0" marT="0" marB="0">
+                    <a:lnL w="12700" cap="flat" cmpd="sng" algn="ctr">
+                      <a:solidFill>
+                        <a:schemeClr val="tx1"/>
+                      </a:solidFill>
+                      <a:prstDash val="solid"/>
+                      <a:round/>
+                      <a:headEnd type="none" w="med" len="med"/>
+                      <a:tailEnd type="none" w="med" len="med"/>
+                    </a:lnL>
+                    <a:lnR w="12700" cap="flat" cmpd="sng" algn="ctr">
+                      <a:solidFill>
+                        <a:schemeClr val="tx1"/>
+                      </a:solidFill>
+                      <a:prstDash val="solid"/>
+                      <a:round/>
+                      <a:headEnd type="none" w="med" len="med"/>
+                      <a:tailEnd type="none" w="med" len="med"/>
+                    </a:lnR>
+                    <a:lnT w="12700" cap="flat" cmpd="sng" algn="ctr">
+                      <a:solidFill>
+                        <a:schemeClr val="bg1"/>
+                      </a:solidFill>
+                      <a:prstDash val="solid"/>
+                      <a:round/>
+                      <a:headEnd type="none" w="med" len="med"/>
+                      <a:tailEnd type="none" w="med" len="med"/>
+                    </a:lnT>
+                    <a:lnB w="12700" cap="flat" cmpd="sng" algn="ctr">
+                      <a:solidFill>
+                        <a:schemeClr val="tx1"/>
+                      </a:solidFill>
+                      <a:prstDash val="solid"/>
+                      <a:round/>
+                      <a:headEnd type="none" w="med" len="med"/>
+                      <a:tailEnd type="none" w="med" len="med"/>
+                    </a:lnB>
+                    <a:solidFill>
+                      <a:srgbClr val="E5E9FF"/>
+                    </a:solidFill>
+                  </a:tcPr>
+                </a:tc>
+                <a:tc>
+                  <a:txBody>
+                    <a:bodyPr/>
+                    <a:lstStyle/>
+                    <a:p>
+                      <a:pPr algn="l" fontAlgn="t"/>
+                      <a:r>
+                        <a:rPr lang="zh-CN" altLang="en-US" sz="700" u="none" strike="noStrike">
+                          <a:effectLst/>
+                        </a:rPr>
+                        <a:t>　</a:t>
+                      </a:r>
+                      <a:endParaRPr lang="zh-CN" altLang="en-US" sz="700" b="0" i="0" u="none" strike="noStrike">
+                        <a:solidFill>
+                          <a:srgbClr val="000000"/>
+                        </a:solidFill>
+                        <a:effectLst/>
+                        <a:latin typeface="等线" panose="02010600030101010101" pitchFamily="2" charset="-122"/>
+                        <a:ea typeface="等线" panose="02010600030101010101" pitchFamily="2" charset="-122"/>
+                      </a:endParaRPr>
+                    </a:p>
+                  </a:txBody>
+                  <a:tcPr marL="0" marR="0" marT="0" marB="0">
+                    <a:lnL w="12700" cap="flat" cmpd="sng" algn="ctr">
+                      <a:solidFill>
+                        <a:schemeClr val="tx1"/>
+                      </a:solidFill>
+                      <a:prstDash val="solid"/>
+                      <a:round/>
+                      <a:headEnd type="none" w="med" len="med"/>
+                      <a:tailEnd type="none" w="med" len="med"/>
+                    </a:lnL>
+                    <a:lnR w="12700" cap="flat" cmpd="sng" algn="ctr">
+                      <a:solidFill>
+                        <a:schemeClr val="tx1"/>
+                      </a:solidFill>
+                      <a:prstDash val="solid"/>
+                      <a:round/>
+                      <a:headEnd type="none" w="med" len="med"/>
+                      <a:tailEnd type="none" w="med" len="med"/>
+                    </a:lnR>
+                    <a:lnT w="12700" cap="flat" cmpd="sng" algn="ctr">
+                      <a:solidFill>
+                        <a:schemeClr val="bg1"/>
+                      </a:solidFill>
+                      <a:prstDash val="solid"/>
+                      <a:round/>
+                      <a:headEnd type="none" w="med" len="med"/>
+                      <a:tailEnd type="none" w="med" len="med"/>
+                    </a:lnT>
+                    <a:lnB w="12700" cap="flat" cmpd="sng" algn="ctr">
+                      <a:solidFill>
+                        <a:schemeClr val="tx1"/>
+                      </a:solidFill>
+                      <a:prstDash val="solid"/>
+                      <a:round/>
+                      <a:headEnd type="none" w="med" len="med"/>
+                      <a:tailEnd type="none" w="med" len="med"/>
+                    </a:lnB>
+                    <a:solidFill>
+                      <a:srgbClr val="E5E9FF"/>
+                    </a:solidFill>
+                  </a:tcPr>
+                </a:tc>
+                <a:tc>
+                  <a:txBody>
+                    <a:bodyPr/>
+                    <a:lstStyle/>
+                    <a:p>
+                      <a:pPr algn="l" fontAlgn="t"/>
+                      <a:r>
+                        <a:rPr lang="zh-CN" altLang="en-US" sz="700" u="none" strike="noStrike">
+                          <a:effectLst/>
+                        </a:rPr>
+                        <a:t>　</a:t>
+                      </a:r>
+                      <a:endParaRPr lang="zh-CN" altLang="en-US" sz="700" b="0" i="0" u="none" strike="noStrike">
+                        <a:solidFill>
+                          <a:srgbClr val="000000"/>
+                        </a:solidFill>
+                        <a:effectLst/>
+                        <a:latin typeface="等线" panose="02010600030101010101" pitchFamily="2" charset="-122"/>
+                        <a:ea typeface="等线" panose="02010600030101010101" pitchFamily="2" charset="-122"/>
+                      </a:endParaRPr>
+                    </a:p>
+                  </a:txBody>
+                  <a:tcPr marL="0" marR="0" marT="0" marB="0">
+                    <a:lnL w="12700" cap="flat" cmpd="sng" algn="ctr">
+                      <a:solidFill>
+                        <a:schemeClr val="tx1"/>
+                      </a:solidFill>
+                      <a:prstDash val="solid"/>
+                      <a:round/>
+                      <a:headEnd type="none" w="med" len="med"/>
+                      <a:tailEnd type="none" w="med" len="med"/>
+                    </a:lnL>
+                    <a:lnR w="12700" cap="flat" cmpd="sng" algn="ctr">
+                      <a:solidFill>
+                        <a:schemeClr val="tx1"/>
+                      </a:solidFill>
+                      <a:prstDash val="solid"/>
+                      <a:round/>
+                      <a:headEnd type="none" w="med" len="med"/>
+                      <a:tailEnd type="none" w="med" len="med"/>
+                    </a:lnR>
+                    <a:lnT w="12700" cap="flat" cmpd="sng" algn="ctr">
+                      <a:solidFill>
+                        <a:schemeClr val="bg1"/>
+                      </a:solidFill>
+                      <a:prstDash val="solid"/>
+                      <a:round/>
+                      <a:headEnd type="none" w="med" len="med"/>
+                      <a:tailEnd type="none" w="med" len="med"/>
+                    </a:lnT>
+                    <a:lnB w="12700" cap="flat" cmpd="sng" algn="ctr">
+                      <a:solidFill>
+                        <a:schemeClr val="tx1"/>
+                      </a:solidFill>
+                      <a:prstDash val="solid"/>
+                      <a:round/>
+                      <a:headEnd type="none" w="med" len="med"/>
+                      <a:tailEnd type="none" w="med" len="med"/>
+                    </a:lnB>
+                    <a:solidFill>
+                      <a:srgbClr val="E5E9FF"/>
+                    </a:solidFill>
+                  </a:tcPr>
+                </a:tc>
+                <a:tc>
+                  <a:txBody>
+                    <a:bodyPr/>
+                    <a:lstStyle/>
+                    <a:p>
+                      <a:pPr algn="l" fontAlgn="t"/>
+                      <a:r>
+                        <a:rPr lang="zh-CN" altLang="en-US" sz="700" u="none" strike="noStrike">
+                          <a:effectLst/>
+                        </a:rPr>
+                        <a:t>　</a:t>
+                      </a:r>
+                      <a:endParaRPr lang="zh-CN" altLang="en-US" sz="700" b="0" i="0" u="none" strike="noStrike">
+                        <a:solidFill>
+                          <a:srgbClr val="000000"/>
+                        </a:solidFill>
+                        <a:effectLst/>
+                        <a:latin typeface="等线" panose="02010600030101010101" pitchFamily="2" charset="-122"/>
+                        <a:ea typeface="等线" panose="02010600030101010101" pitchFamily="2" charset="-122"/>
+                      </a:endParaRPr>
+                    </a:p>
+                  </a:txBody>
+                  <a:tcPr marL="0" marR="0" marT="0" marB="0">
+                    <a:lnL w="12700" cap="flat" cmpd="sng" algn="ctr">
+                      <a:solidFill>
+                        <a:schemeClr val="tx1"/>
+                      </a:solidFill>
+                      <a:prstDash val="solid"/>
+                      <a:round/>
+                      <a:headEnd type="none" w="med" len="med"/>
+                      <a:tailEnd type="none" w="med" len="med"/>
+                    </a:lnL>
+                    <a:lnR w="12700" cap="flat" cmpd="sng" algn="ctr">
+                      <a:solidFill>
+                        <a:schemeClr val="tx1"/>
+                      </a:solidFill>
+                      <a:prstDash val="solid"/>
+                      <a:round/>
+                      <a:headEnd type="none" w="med" len="med"/>
+                      <a:tailEnd type="none" w="med" len="med"/>
+                    </a:lnR>
+                    <a:lnT w="12700" cap="flat" cmpd="sng" algn="ctr">
+                      <a:solidFill>
+                        <a:schemeClr val="bg1"/>
+                      </a:solidFill>
+                      <a:prstDash val="solid"/>
+                      <a:round/>
+                      <a:headEnd type="none" w="med" len="med"/>
+                      <a:tailEnd type="none" w="med" len="med"/>
+                    </a:lnT>
+                    <a:lnB w="12700" cap="flat" cmpd="sng" algn="ctr">
+                      <a:solidFill>
+                        <a:schemeClr val="tx1"/>
+                      </a:solidFill>
+                      <a:prstDash val="solid"/>
+                      <a:round/>
+                      <a:headEnd type="none" w="med" len="med"/>
+                      <a:tailEnd type="none" w="med" len="med"/>
+                    </a:lnB>
+                    <a:solidFill>
+                      <a:srgbClr val="E5E9FF"/>
+                    </a:solidFill>
+                  </a:tcPr>
+                </a:tc>
+                <a:tc>
+                  <a:txBody>
+                    <a:bodyPr/>
+                    <a:lstStyle/>
+                    <a:p>
+                      <a:pPr algn="l" fontAlgn="t"/>
+                      <a:r>
+                        <a:rPr lang="zh-CN" altLang="en-US" sz="700" u="none" strike="noStrike">
+                          <a:effectLst/>
+                        </a:rPr>
+                        <a:t>　</a:t>
+                      </a:r>
+                      <a:endParaRPr lang="zh-CN" altLang="en-US" sz="700" b="0" i="0" u="none" strike="noStrike">
+                        <a:solidFill>
+                          <a:srgbClr val="000000"/>
+                        </a:solidFill>
+                        <a:effectLst/>
+                        <a:latin typeface="等线" panose="02010600030101010101" pitchFamily="2" charset="-122"/>
+                        <a:ea typeface="等线" panose="02010600030101010101" pitchFamily="2" charset="-122"/>
+                      </a:endParaRPr>
+                    </a:p>
+                  </a:txBody>
+                  <a:tcPr marL="0" marR="0" marT="0" marB="0">
+                    <a:lnL w="12700" cap="flat" cmpd="sng" algn="ctr">
+                      <a:solidFill>
+                        <a:schemeClr val="tx1"/>
+                      </a:solidFill>
+                      <a:prstDash val="solid"/>
+                      <a:round/>
+                      <a:headEnd type="none" w="med" len="med"/>
+                      <a:tailEnd type="none" w="med" len="med"/>
+                    </a:lnL>
+                    <a:lnR w="12700" cap="flat" cmpd="sng" algn="ctr">
+                      <a:solidFill>
+                        <a:schemeClr val="tx1"/>
+                      </a:solidFill>
+                      <a:prstDash val="solid"/>
+                      <a:round/>
+                      <a:headEnd type="none" w="med" len="med"/>
+                      <a:tailEnd type="none" w="med" len="med"/>
+                    </a:lnR>
+                    <a:lnT w="12700" cap="flat" cmpd="sng" algn="ctr">
+                      <a:solidFill>
+                        <a:schemeClr val="bg1"/>
+                      </a:solidFill>
+                      <a:prstDash val="solid"/>
+                      <a:round/>
+                      <a:headEnd type="none" w="med" len="med"/>
+                      <a:tailEnd type="none" w="med" len="med"/>
+                    </a:lnT>
+                    <a:lnB w="12700" cap="flat" cmpd="sng" algn="ctr">
+                      <a:solidFill>
+                        <a:schemeClr val="tx1"/>
+                      </a:solidFill>
+                      <a:prstDash val="solid"/>
+                      <a:round/>
+                      <a:headEnd type="none" w="med" len="med"/>
+                      <a:tailEnd type="none" w="med" len="med"/>
+                    </a:lnB>
+                    <a:solidFill>
+                      <a:srgbClr val="E5E9FF"/>
+                    </a:solidFill>
+                  </a:tcPr>
+                </a:tc>
+                <a:tc>
+                  <a:txBody>
+                    <a:bodyPr/>
+                    <a:lstStyle/>
+                    <a:p>
+                      <a:pPr algn="l" fontAlgn="t"/>
+                      <a:r>
+                        <a:rPr lang="zh-CN" altLang="en-US" sz="700" u="none" strike="noStrike">
+                          <a:effectLst/>
+                        </a:rPr>
+                        <a:t>　</a:t>
+                      </a:r>
+                      <a:endParaRPr lang="zh-CN" altLang="en-US" sz="700" b="0" i="0" u="none" strike="noStrike">
+                        <a:solidFill>
+                          <a:srgbClr val="000000"/>
+                        </a:solidFill>
+                        <a:effectLst/>
+                        <a:latin typeface="等线" panose="02010600030101010101" pitchFamily="2" charset="-122"/>
+                        <a:ea typeface="等线" panose="02010600030101010101" pitchFamily="2" charset="-122"/>
+                      </a:endParaRPr>
+                    </a:p>
+                  </a:txBody>
+                  <a:tcPr marL="0" marR="0" marT="0" marB="0">
+                    <a:lnL w="12700" cap="flat" cmpd="sng" algn="ctr">
+                      <a:solidFill>
+                        <a:schemeClr val="tx1"/>
+                      </a:solidFill>
+                      <a:prstDash val="solid"/>
+                      <a:round/>
+                      <a:headEnd type="none" w="med" len="med"/>
+                      <a:tailEnd type="none" w="med" len="med"/>
+                    </a:lnL>
+                    <a:lnR w="12700" cap="flat" cmpd="sng" algn="ctr">
+                      <a:solidFill>
+                        <a:schemeClr val="tx1"/>
+                      </a:solidFill>
+                      <a:prstDash val="solid"/>
+                      <a:round/>
+                      <a:headEnd type="none" w="med" len="med"/>
+                      <a:tailEnd type="none" w="med" len="med"/>
+                    </a:lnR>
+                    <a:lnT w="12700" cap="flat" cmpd="sng" algn="ctr">
+                      <a:solidFill>
+                        <a:schemeClr val="bg1"/>
+                      </a:solidFill>
+                      <a:prstDash val="solid"/>
+                      <a:round/>
+                      <a:headEnd type="none" w="med" len="med"/>
+                      <a:tailEnd type="none" w="med" len="med"/>
+                    </a:lnT>
+                    <a:lnB w="12700" cap="flat" cmpd="sng" algn="ctr">
+                      <a:solidFill>
+                        <a:schemeClr val="tx1"/>
+                      </a:solidFill>
+                      <a:prstDash val="solid"/>
+                      <a:round/>
+                      <a:headEnd type="none" w="med" len="med"/>
+                      <a:tailEnd type="none" w="med" len="med"/>
+                    </a:lnB>
+                    <a:solidFill>
+                      <a:srgbClr val="E5E9FF"/>
+                    </a:solidFill>
+                  </a:tcPr>
+                </a:tc>
+                <a:tc>
+                  <a:txBody>
+                    <a:bodyPr/>
+                    <a:lstStyle/>
+                    <a:p>
+                      <a:pPr algn="l" fontAlgn="t"/>
+                      <a:r>
+                        <a:rPr lang="zh-CN" altLang="en-US" sz="700" u="none" strike="noStrike">
+                          <a:effectLst/>
+                        </a:rPr>
+                        <a:t>　</a:t>
+                      </a:r>
+                      <a:endParaRPr lang="zh-CN" altLang="en-US" sz="700" b="0" i="0" u="none" strike="noStrike">
+                        <a:solidFill>
+                          <a:srgbClr val="000000"/>
+                        </a:solidFill>
+                        <a:effectLst/>
+                        <a:latin typeface="等线" panose="02010600030101010101" pitchFamily="2" charset="-122"/>
+                        <a:ea typeface="等线" panose="02010600030101010101" pitchFamily="2" charset="-122"/>
+                      </a:endParaRPr>
+                    </a:p>
+                  </a:txBody>
+                  <a:tcPr marL="0" marR="0" marT="0" marB="0">
+                    <a:lnL w="12700" cap="flat" cmpd="sng" algn="ctr">
+                      <a:solidFill>
+                        <a:schemeClr val="tx1"/>
+                      </a:solidFill>
+                      <a:prstDash val="solid"/>
+                      <a:round/>
+                      <a:headEnd type="none" w="med" len="med"/>
+                      <a:tailEnd type="none" w="med" len="med"/>
+                    </a:lnL>
+                    <a:lnR w="12700" cap="flat" cmpd="sng" algn="ctr">
+                      <a:solidFill>
+                        <a:schemeClr val="tx1"/>
+                      </a:solidFill>
+                      <a:prstDash val="solid"/>
+                      <a:round/>
+                      <a:headEnd type="none" w="med" len="med"/>
+                      <a:tailEnd type="none" w="med" len="med"/>
+                    </a:lnR>
+                    <a:lnT w="12700" cap="flat" cmpd="sng" algn="ctr">
+                      <a:solidFill>
+                        <a:schemeClr val="bg1"/>
+                      </a:solidFill>
+                      <a:prstDash val="solid"/>
+                      <a:round/>
+                      <a:headEnd type="none" w="med" len="med"/>
+                      <a:tailEnd type="none" w="med" len="med"/>
+                    </a:lnT>
+                    <a:lnB w="12700" cap="flat" cmpd="sng" algn="ctr">
+                      <a:solidFill>
+                        <a:schemeClr val="tx1"/>
+                      </a:solidFill>
+                      <a:prstDash val="solid"/>
+                      <a:round/>
+                      <a:headEnd type="none" w="med" len="med"/>
+                      <a:tailEnd type="none" w="med" len="med"/>
+                    </a:lnB>
+                    <a:solidFill>
+                      <a:srgbClr val="E5E9FF"/>
+                    </a:solidFill>
+                  </a:tcPr>
+                </a:tc>
+                <a:tc>
+                  <a:txBody>
+                    <a:bodyPr/>
+                    <a:lstStyle/>
+                    <a:p>
+                      <a:pPr algn="l" fontAlgn="t"/>
+                      <a:r>
+                        <a:rPr lang="zh-CN" altLang="en-US" sz="700" u="none" strike="noStrike">
+                          <a:effectLst/>
+                        </a:rPr>
+                        <a:t>　</a:t>
+                      </a:r>
+                      <a:endParaRPr lang="zh-CN" altLang="en-US" sz="700" b="0" i="0" u="none" strike="noStrike">
+                        <a:solidFill>
+                          <a:srgbClr val="000000"/>
+                        </a:solidFill>
+                        <a:effectLst/>
+                        <a:latin typeface="等线" panose="02010600030101010101" pitchFamily="2" charset="-122"/>
+                        <a:ea typeface="等线" panose="02010600030101010101" pitchFamily="2" charset="-122"/>
+                      </a:endParaRPr>
+                    </a:p>
+                  </a:txBody>
+                  <a:tcPr marL="0" marR="0" marT="0" marB="0">
+                    <a:lnL w="12700" cap="flat" cmpd="sng" algn="ctr">
+                      <a:solidFill>
+                        <a:schemeClr val="tx1"/>
+                      </a:solidFill>
+                      <a:prstDash val="solid"/>
+                      <a:round/>
+                      <a:headEnd type="none" w="med" len="med"/>
+                      <a:tailEnd type="none" w="med" len="med"/>
+                    </a:lnL>
+                    <a:lnR w="12700" cap="flat" cmpd="sng" algn="ctr">
+                      <a:solidFill>
+                        <a:schemeClr val="tx1"/>
+                      </a:solidFill>
+                      <a:prstDash val="solid"/>
+                      <a:round/>
+                      <a:headEnd type="none" w="med" len="med"/>
+                      <a:tailEnd type="none" w="med" len="med"/>
+                    </a:lnR>
+                    <a:lnT w="12700" cap="flat" cmpd="sng" algn="ctr">
+                      <a:solidFill>
+                        <a:schemeClr val="bg1"/>
+                      </a:solidFill>
+                      <a:prstDash val="solid"/>
+                      <a:round/>
+                      <a:headEnd type="none" w="med" len="med"/>
+                      <a:tailEnd type="none" w="med" len="med"/>
+                    </a:lnT>
+                    <a:lnB w="12700" cap="flat" cmpd="sng" algn="ctr">
+                      <a:solidFill>
+                        <a:schemeClr val="tx1"/>
+                      </a:solidFill>
+                      <a:prstDash val="solid"/>
+                      <a:round/>
+                      <a:headEnd type="none" w="med" len="med"/>
+                      <a:tailEnd type="none" w="med" len="med"/>
+                    </a:lnB>
+                    <a:solidFill>
+                      <a:srgbClr val="E5E9FF"/>
+                    </a:solidFill>
+                  </a:tcPr>
+                </a:tc>
+                <a:tc>
+                  <a:txBody>
+                    <a:bodyPr/>
+                    <a:lstStyle/>
+                    <a:p>
+                      <a:pPr algn="l" fontAlgn="t"/>
+                      <a:r>
+                        <a:rPr lang="zh-CN" altLang="en-US" sz="700" u="none" strike="noStrike">
+                          <a:effectLst/>
+                        </a:rPr>
+                        <a:t>　</a:t>
+                      </a:r>
+                      <a:endParaRPr lang="zh-CN" altLang="en-US" sz="700" b="0" i="0" u="none" strike="noStrike">
+                        <a:solidFill>
+                          <a:srgbClr val="000000"/>
+                        </a:solidFill>
+                        <a:effectLst/>
+                        <a:latin typeface="等线" panose="02010600030101010101" pitchFamily="2" charset="-122"/>
+                        <a:ea typeface="等线" panose="02010600030101010101" pitchFamily="2" charset="-122"/>
+                      </a:endParaRPr>
+                    </a:p>
+                  </a:txBody>
+                  <a:tcPr marL="0" marR="0" marT="0" marB="0">
+                    <a:lnL w="12700" cap="flat" cmpd="sng" algn="ctr">
+                      <a:solidFill>
+                        <a:schemeClr val="tx1"/>
+                      </a:solidFill>
+                      <a:prstDash val="solid"/>
+                      <a:round/>
+                      <a:headEnd type="none" w="med" len="med"/>
+                      <a:tailEnd type="none" w="med" len="med"/>
+                    </a:lnL>
+                    <a:lnR w="12700" cap="flat" cmpd="sng" algn="ctr">
+                      <a:solidFill>
+                        <a:schemeClr val="tx1"/>
+                      </a:solidFill>
+                      <a:prstDash val="solid"/>
+                      <a:round/>
+                      <a:headEnd type="none" w="med" len="med"/>
+                      <a:tailEnd type="none" w="med" len="med"/>
+                    </a:lnR>
+                    <a:lnT w="12700" cap="flat" cmpd="sng" algn="ctr">
+                      <a:solidFill>
+                        <a:schemeClr val="bg1"/>
+                      </a:solidFill>
+                      <a:prstDash val="solid"/>
+                      <a:round/>
+                      <a:headEnd type="none" w="med" len="med"/>
+                      <a:tailEnd type="none" w="med" len="med"/>
+                    </a:lnT>
+                    <a:lnB w="12700" cap="flat" cmpd="sng" algn="ctr">
+                      <a:solidFill>
+                        <a:schemeClr val="tx1"/>
+                      </a:solidFill>
+                      <a:prstDash val="solid"/>
+                      <a:round/>
+                      <a:headEnd type="none" w="med" len="med"/>
+                      <a:tailEnd type="none" w="med" len="med"/>
+                    </a:lnB>
+                    <a:solidFill>
+                      <a:srgbClr val="E5E9FF"/>
+                    </a:solidFill>
+                  </a:tcPr>
+                </a:tc>
+                <a:tc>
+                  <a:txBody>
+                    <a:bodyPr/>
+                    <a:lstStyle/>
+                    <a:p>
+                      <a:pPr algn="l" fontAlgn="t"/>
+                      <a:r>
+                        <a:rPr lang="zh-CN" altLang="en-US" sz="700" u="none" strike="noStrike">
+                          <a:effectLst/>
+                        </a:rPr>
+                        <a:t>　</a:t>
+                      </a:r>
+                      <a:endParaRPr lang="zh-CN" altLang="en-US" sz="700" b="0" i="0" u="none" strike="noStrike">
+                        <a:solidFill>
+                          <a:srgbClr val="000000"/>
+                        </a:solidFill>
+                        <a:effectLst/>
+                        <a:latin typeface="等线" panose="02010600030101010101" pitchFamily="2" charset="-122"/>
+                        <a:ea typeface="等线" panose="02010600030101010101" pitchFamily="2" charset="-122"/>
+                      </a:endParaRPr>
+                    </a:p>
+                  </a:txBody>
+                  <a:tcPr marL="0" marR="0" marT="0" marB="0">
+                    <a:lnL w="12700" cap="flat" cmpd="sng" algn="ctr">
+                      <a:solidFill>
+                        <a:schemeClr val="tx1"/>
+                      </a:solidFill>
+                      <a:prstDash val="solid"/>
+                      <a:round/>
+                      <a:headEnd type="none" w="med" len="med"/>
+                      <a:tailEnd type="none" w="med" len="med"/>
+                    </a:lnL>
+                    <a:lnR w="12700" cap="flat" cmpd="sng" algn="ctr">
+                      <a:solidFill>
+                        <a:schemeClr val="tx1"/>
+                      </a:solidFill>
+                      <a:prstDash val="solid"/>
+                      <a:round/>
+                      <a:headEnd type="none" w="med" len="med"/>
+                      <a:tailEnd type="none" w="med" len="med"/>
+                    </a:lnR>
+                    <a:lnT w="12700" cap="flat" cmpd="sng" algn="ctr">
+                      <a:solidFill>
+                        <a:schemeClr val="bg1"/>
+                      </a:solidFill>
+                      <a:prstDash val="solid"/>
+                      <a:round/>
+                      <a:headEnd type="none" w="med" len="med"/>
+                      <a:tailEnd type="none" w="med" len="med"/>
+                    </a:lnT>
+                    <a:lnB w="12700" cap="flat" cmpd="sng" algn="ctr">
+                      <a:solidFill>
+                        <a:schemeClr val="tx1"/>
+                      </a:solidFill>
+                      <a:prstDash val="solid"/>
+                      <a:round/>
+                      <a:headEnd type="none" w="med" len="med"/>
+                      <a:tailEnd type="none" w="med" len="med"/>
+                    </a:lnB>
+                    <a:solidFill>
+                      <a:srgbClr val="E5E9FF"/>
+                    </a:solidFill>
+                  </a:tcPr>
+                </a:tc>
+                <a:tc>
+                  <a:txBody>
+                    <a:bodyPr/>
+                    <a:lstStyle/>
+                    <a:p>
+                      <a:pPr algn="l" fontAlgn="t"/>
+                      <a:r>
+                        <a:rPr lang="zh-CN" altLang="en-US" sz="700" u="none" strike="noStrike">
+                          <a:effectLst/>
+                        </a:rPr>
+                        <a:t>　</a:t>
+                      </a:r>
+                      <a:endParaRPr lang="zh-CN" altLang="en-US" sz="700" b="0" i="0" u="none" strike="noStrike">
+                        <a:solidFill>
+                          <a:srgbClr val="000000"/>
+                        </a:solidFill>
+                        <a:effectLst/>
+                        <a:latin typeface="等线" panose="02010600030101010101" pitchFamily="2" charset="-122"/>
+                        <a:ea typeface="等线" panose="02010600030101010101" pitchFamily="2" charset="-122"/>
+                      </a:endParaRPr>
+                    </a:p>
+                  </a:txBody>
+                  <a:tcPr marL="0" marR="0" marT="0" marB="0">
+                    <a:lnL w="12700" cap="flat" cmpd="sng" algn="ctr">
+                      <a:solidFill>
+                        <a:schemeClr val="tx1"/>
+                      </a:solidFill>
+                      <a:prstDash val="solid"/>
+                      <a:round/>
+                      <a:headEnd type="none" w="med" len="med"/>
+                      <a:tailEnd type="none" w="med" len="med"/>
+                    </a:lnL>
+                    <a:lnR w="12700" cap="flat" cmpd="sng" algn="ctr">
+                      <a:solidFill>
+                        <a:schemeClr val="tx1"/>
+                      </a:solidFill>
+                      <a:prstDash val="solid"/>
+                      <a:round/>
+                      <a:headEnd type="none" w="med" len="med"/>
+                      <a:tailEnd type="none" w="med" len="med"/>
+                    </a:lnR>
+                    <a:lnT w="12700" cap="flat" cmpd="sng" algn="ctr">
+                      <a:solidFill>
+                        <a:schemeClr val="bg1"/>
+                      </a:solidFill>
+                      <a:prstDash val="solid"/>
+                      <a:round/>
+                      <a:headEnd type="none" w="med" len="med"/>
+                      <a:tailEnd type="none" w="med" len="med"/>
+                    </a:lnT>
+                    <a:lnB w="12700" cap="flat" cmpd="sng" algn="ctr">
+                      <a:solidFill>
+                        <a:schemeClr val="tx1"/>
+                      </a:solidFill>
+                      <a:prstDash val="solid"/>
+                      <a:round/>
+                      <a:headEnd type="none" w="med" len="med"/>
+                      <a:tailEnd type="none" w="med" len="med"/>
+                    </a:lnB>
+                    <a:solidFill>
+                      <a:srgbClr val="E5E9FF"/>
+                    </a:solidFill>
+                  </a:tcPr>
+                </a:tc>
+                <a:tc>
+                  <a:txBody>
+                    <a:bodyPr/>
+                    <a:lstStyle/>
+                    <a:p>
+                      <a:pPr algn="l" fontAlgn="t"/>
+                      <a:r>
+                        <a:rPr lang="zh-CN" altLang="en-US" sz="700" u="none" strike="noStrike">
+                          <a:effectLst/>
+                        </a:rPr>
+                        <a:t>　</a:t>
+                      </a:r>
+                      <a:endParaRPr lang="zh-CN" altLang="en-US" sz="700" b="0" i="0" u="none" strike="noStrike">
+                        <a:solidFill>
+                          <a:srgbClr val="000000"/>
+                        </a:solidFill>
+                        <a:effectLst/>
+                        <a:latin typeface="等线" panose="02010600030101010101" pitchFamily="2" charset="-122"/>
+                        <a:ea typeface="等线" panose="02010600030101010101" pitchFamily="2" charset="-122"/>
+                      </a:endParaRPr>
+                    </a:p>
+                  </a:txBody>
+                  <a:tcPr marL="0" marR="0" marT="0" marB="0">
+                    <a:lnL w="12700" cap="flat" cmpd="sng" algn="ctr">
+                      <a:solidFill>
+                        <a:schemeClr val="tx1"/>
+                      </a:solidFill>
+                      <a:prstDash val="solid"/>
+                      <a:round/>
+                      <a:headEnd type="none" w="med" len="med"/>
+                      <a:tailEnd type="none" w="med" len="med"/>
+                    </a:lnL>
+                    <a:lnR w="12700" cap="flat" cmpd="sng" algn="ctr">
+                      <a:solidFill>
+                        <a:schemeClr val="tx1"/>
+                      </a:solidFill>
+                      <a:prstDash val="solid"/>
+                      <a:round/>
+                      <a:headEnd type="none" w="med" len="med"/>
+                      <a:tailEnd type="none" w="med" len="med"/>
+                    </a:lnR>
+                    <a:lnT w="12700" cap="flat" cmpd="sng" algn="ctr">
+                      <a:solidFill>
+                        <a:schemeClr val="bg1"/>
+                      </a:solidFill>
+                      <a:prstDash val="solid"/>
+                      <a:round/>
+                      <a:headEnd type="none" w="med" len="med"/>
+                      <a:tailEnd type="none" w="med" len="med"/>
+                    </a:lnT>
+                    <a:lnB w="12700" cap="flat" cmpd="sng" algn="ctr">
+                      <a:solidFill>
+                        <a:schemeClr val="tx1"/>
+                      </a:solidFill>
+                      <a:prstDash val="solid"/>
+                      <a:round/>
+                      <a:headEnd type="none" w="med" len="med"/>
+                      <a:tailEnd type="none" w="med" len="med"/>
+                    </a:lnB>
+                    <a:solidFill>
+                      <a:srgbClr val="E5E9FF"/>
+                    </a:solidFill>
+                  </a:tcPr>
+                </a:tc>
+                <a:tc>
+                  <a:txBody>
+                    <a:bodyPr/>
+                    <a:lstStyle/>
+                    <a:p>
+                      <a:pPr algn="l" fontAlgn="t"/>
+                      <a:r>
+                        <a:rPr lang="zh-CN" altLang="en-US" sz="700" u="none" strike="noStrike" dirty="0">
+                          <a:effectLst/>
+                        </a:rPr>
+                        <a:t>　</a:t>
+                      </a:r>
+                      <a:endParaRPr lang="zh-CN" altLang="en-US" sz="700" b="0" i="0" u="none" strike="noStrike" dirty="0">
+                        <a:solidFill>
+                          <a:srgbClr val="000000"/>
+                        </a:solidFill>
+                        <a:effectLst/>
+                        <a:latin typeface="等线" panose="02010600030101010101" pitchFamily="2" charset="-122"/>
+                        <a:ea typeface="等线" panose="02010600030101010101" pitchFamily="2" charset="-122"/>
+                      </a:endParaRPr>
+                    </a:p>
+                  </a:txBody>
+                  <a:tcPr marL="0" marR="0" marT="0" marB="0">
+                    <a:lnL w="12700" cap="flat" cmpd="sng" algn="ctr">
+                      <a:solidFill>
+                        <a:schemeClr val="tx1"/>
+                      </a:solidFill>
+                      <a:prstDash val="solid"/>
+                      <a:round/>
+                      <a:headEnd type="none" w="med" len="med"/>
+                      <a:tailEnd type="none" w="med" len="med"/>
+                    </a:lnL>
+                    <a:lnR w="12700" cap="flat" cmpd="sng" algn="ctr">
+                      <a:solidFill>
+                        <a:schemeClr val="tx1"/>
+                      </a:solidFill>
+                      <a:prstDash val="solid"/>
+                      <a:round/>
+                      <a:headEnd type="none" w="med" len="med"/>
+                      <a:tailEnd type="none" w="med" len="med"/>
+                    </a:lnR>
+                    <a:lnT w="12700" cap="flat" cmpd="sng" algn="ctr">
+                      <a:solidFill>
+                        <a:schemeClr val="bg1"/>
+                      </a:solidFill>
+                      <a:prstDash val="solid"/>
+                      <a:round/>
+                      <a:headEnd type="none" w="med" len="med"/>
+                      <a:tailEnd type="none" w="med" len="med"/>
+                    </a:lnT>
+                    <a:lnB w="12700" cap="flat" cmpd="sng" algn="ctr">
+                      <a:solidFill>
+                        <a:schemeClr val="tx1"/>
+                      </a:solidFill>
+                      <a:prstDash val="solid"/>
+                      <a:round/>
+                      <a:headEnd type="none" w="med" len="med"/>
+                      <a:tailEnd type="none" w="med" len="med"/>
+                    </a:lnB>
+                    <a:solidFill>
+                      <a:srgbClr val="E5E9FF"/>
+                    </a:solidFill>
+                  </a:tcPr>
+                </a:tc>
+                <a:tc>
+                  <a:txBody>
+                    <a:bodyPr/>
+                    <a:lstStyle/>
+                    <a:p>
+                      <a:pPr algn="l" fontAlgn="t"/>
+                      <a:r>
+                        <a:rPr lang="zh-CN" altLang="en-US" sz="700" u="none" strike="noStrike" dirty="0">
+                          <a:effectLst/>
+                        </a:rPr>
+                        <a:t>　</a:t>
+                      </a:r>
+                      <a:endParaRPr lang="zh-CN" altLang="en-US" sz="700" b="0" i="0" u="none" strike="noStrike" dirty="0">
+                        <a:solidFill>
+                          <a:srgbClr val="000000"/>
+                        </a:solidFill>
+                        <a:effectLst/>
+                        <a:latin typeface="等线" panose="02010600030101010101" pitchFamily="2" charset="-122"/>
+                        <a:ea typeface="等线" panose="02010600030101010101" pitchFamily="2" charset="-122"/>
+                      </a:endParaRPr>
+                    </a:p>
+                  </a:txBody>
+                  <a:tcPr marL="0" marR="0" marT="0" marB="0">
+                    <a:lnL w="12700" cap="flat" cmpd="sng" algn="ctr">
+                      <a:solidFill>
+                        <a:schemeClr val="tx1"/>
+                      </a:solidFill>
+                      <a:prstDash val="solid"/>
+                      <a:round/>
+                      <a:headEnd type="none" w="med" len="med"/>
+                      <a:tailEnd type="none" w="med" len="med"/>
+                    </a:lnL>
+                    <a:lnR w="12700" cap="flat" cmpd="sng" algn="ctr">
+                      <a:solidFill>
+                        <a:schemeClr val="tx1"/>
+                      </a:solidFill>
+                      <a:prstDash val="solid"/>
+                      <a:round/>
+                      <a:headEnd type="none" w="med" len="med"/>
+                      <a:tailEnd type="none" w="med" len="med"/>
+                    </a:lnR>
+                    <a:lnT w="12700" cap="flat" cmpd="sng" algn="ctr">
+                      <a:solidFill>
+                        <a:schemeClr val="bg1"/>
+                      </a:solidFill>
+                      <a:prstDash val="solid"/>
+                      <a:round/>
+                      <a:headEnd type="none" w="med" len="med"/>
+                      <a:tailEnd type="none" w="med" len="med"/>
+                    </a:lnT>
+                    <a:lnB w="12700" cap="flat" cmpd="sng" algn="ctr">
+                      <a:solidFill>
+                        <a:schemeClr val="tx1"/>
+                      </a:solidFill>
+                      <a:prstDash val="solid"/>
+                      <a:round/>
+                      <a:headEnd type="none" w="med" len="med"/>
+                      <a:tailEnd type="none" w="med" len="med"/>
+                    </a:lnB>
+                    <a:solidFill>
+                      <a:srgbClr val="E5E9FF"/>
+                    </a:solidFill>
+                  </a:tcPr>
+                </a:tc>
+                <a:extLst>
+                  <a:ext uri="{0D108BD9-81ED-4DB2-BD59-A6C34878D82A}">
+                    <a16:rowId xmlns:a16="http://schemas.microsoft.com/office/drawing/2014/main" val="987742464"/>
+                  </a:ext>
+                </a:extLst>
+              </a:tr>
+              <a:tr h="518482">
+                <a:tc>
+                  <a:txBody>
+                    <a:bodyPr/>
+                    <a:lstStyle/>
+                    <a:p>
+                      <a:pPr algn="ctr" fontAlgn="t">
+                        <a:lnSpc>
+                          <a:spcPct val="200000"/>
+                        </a:lnSpc>
+                      </a:pPr>
+                      <a:r>
+                        <a:rPr lang="zh-CN" altLang="en-US" sz="1000" u="none" strike="noStrike" dirty="0">
+                          <a:effectLst/>
+                          <a:latin typeface="+mj-lt"/>
+                        </a:rPr>
+                        <a:t>基本設計</a:t>
+                      </a:r>
+                      <a:endParaRPr lang="zh-CN" altLang="en-US" sz="1000" b="0" i="0" u="none" strike="noStrike" dirty="0">
+                        <a:solidFill>
+                          <a:srgbClr val="000000"/>
+                        </a:solidFill>
+                        <a:effectLst/>
+                        <a:latin typeface="+mj-lt"/>
+                        <a:ea typeface="等线" panose="02010600030101010101" pitchFamily="2" charset="-122"/>
+                      </a:endParaRPr>
+                    </a:p>
+                  </a:txBody>
+                  <a:tcPr marL="0" marR="0" marT="0" marB="0">
+                    <a:lnL w="12700" cap="flat" cmpd="sng" algn="ctr">
+                      <a:solidFill>
+                        <a:schemeClr val="tx1"/>
+                      </a:solidFill>
+                      <a:prstDash val="solid"/>
+                      <a:round/>
+                      <a:headEnd type="none" w="med" len="med"/>
+                      <a:tailEnd type="none" w="med" len="med"/>
+                    </a:lnL>
+                    <a:lnR w="12700" cap="flat" cmpd="sng" algn="ctr">
+                      <a:solidFill>
+                        <a:schemeClr val="bg1"/>
+                      </a:solidFill>
+                      <a:prstDash val="solid"/>
+                      <a:round/>
+                      <a:headEnd type="none" w="med" len="med"/>
+                      <a:tailEnd type="none" w="med" len="med"/>
+                    </a:lnR>
+                    <a:lnT w="12700" cap="flat" cmpd="sng" algn="ctr">
+                      <a:solidFill>
+                        <a:schemeClr val="tx1"/>
+                      </a:solidFill>
+                      <a:prstDash val="solid"/>
+                      <a:round/>
+                      <a:headEnd type="none" w="med" len="med"/>
+                      <a:tailEnd type="none" w="med" len="med"/>
+                    </a:lnT>
+                    <a:lnB w="12700" cap="flat" cmpd="sng" algn="ctr">
+                      <a:solidFill>
+                        <a:schemeClr val="tx1"/>
+                      </a:solidFill>
+                      <a:prstDash val="solid"/>
+                      <a:round/>
+                      <a:headEnd type="none" w="med" len="med"/>
+                      <a:tailEnd type="none" w="med" len="med"/>
+                    </a:lnB>
+                    <a:solidFill>
+                      <a:srgbClr val="E5E9FF"/>
+                    </a:solidFill>
+                  </a:tcPr>
+                </a:tc>
+                <a:tc>
+                  <a:txBody>
+                    <a:bodyPr/>
+                    <a:lstStyle/>
+                    <a:p>
+                      <a:pPr algn="ctr" fontAlgn="t">
+                        <a:lnSpc>
+                          <a:spcPct val="250000"/>
+                        </a:lnSpc>
+                      </a:pPr>
+                      <a:r>
+                        <a:rPr lang="en-US" altLang="zh-CN" sz="900" u="none" strike="noStrike" dirty="0">
+                          <a:effectLst/>
+                        </a:rPr>
+                        <a:t>15</a:t>
+                      </a:r>
+                      <a:r>
+                        <a:rPr lang="zh-CN" altLang="en-US" sz="900" u="none" strike="noStrike" dirty="0">
+                          <a:effectLst/>
+                        </a:rPr>
+                        <a:t>人日</a:t>
+                      </a:r>
+                      <a:endParaRPr lang="zh-CN" altLang="en-US" sz="900" b="0" i="0" u="none" strike="noStrike" dirty="0">
+                        <a:solidFill>
+                          <a:srgbClr val="000000"/>
+                        </a:solidFill>
+                        <a:effectLst/>
+                        <a:latin typeface="等线" panose="02010600030101010101" pitchFamily="2" charset="-122"/>
+                        <a:ea typeface="等线" panose="02010600030101010101" pitchFamily="2" charset="-122"/>
+                      </a:endParaRPr>
+                    </a:p>
+                  </a:txBody>
+                  <a:tcPr marL="0" marR="0" marT="0" marB="0">
+                    <a:lnL w="12700" cap="flat" cmpd="sng" algn="ctr">
+                      <a:solidFill>
+                        <a:schemeClr val="bg1"/>
+                      </a:solidFill>
+                      <a:prstDash val="solid"/>
+                      <a:round/>
+                      <a:headEnd type="none" w="med" len="med"/>
+                      <a:tailEnd type="none" w="med" len="med"/>
+                    </a:lnL>
+                    <a:lnR w="12700" cap="flat" cmpd="sng" algn="ctr">
+                      <a:solidFill>
+                        <a:schemeClr val="bg1"/>
+                      </a:solidFill>
+                      <a:prstDash val="solid"/>
+                      <a:round/>
+                      <a:headEnd type="none" w="med" len="med"/>
+                      <a:tailEnd type="none" w="med" len="med"/>
+                    </a:lnR>
+                    <a:lnT w="12700" cap="flat" cmpd="sng" algn="ctr">
+                      <a:solidFill>
+                        <a:schemeClr val="tx1"/>
+                      </a:solidFill>
+                      <a:prstDash val="solid"/>
+                      <a:round/>
+                      <a:headEnd type="none" w="med" len="med"/>
+                      <a:tailEnd type="none" w="med" len="med"/>
+                    </a:lnT>
+                    <a:lnB w="12700" cap="flat" cmpd="sng" algn="ctr">
+                      <a:solidFill>
+                        <a:schemeClr val="tx1"/>
+                      </a:solidFill>
+                      <a:prstDash val="solid"/>
+                      <a:round/>
+                      <a:headEnd type="none" w="med" len="med"/>
+                      <a:tailEnd type="none" w="med" len="med"/>
+                    </a:lnB>
+                    <a:solidFill>
+                      <a:srgbClr val="E5E9FF"/>
+                    </a:solidFill>
+                  </a:tcPr>
+                </a:tc>
+                <a:tc>
+                  <a:txBody>
+                    <a:bodyPr/>
+                    <a:lstStyle/>
+                    <a:p>
+                      <a:pPr algn="l" fontAlgn="t"/>
+                      <a:r>
+                        <a:rPr lang="zh-CN" altLang="en-US" sz="700" u="none" strike="noStrike">
+                          <a:effectLst/>
+                        </a:rPr>
+                        <a:t>　</a:t>
+                      </a:r>
+                      <a:endParaRPr lang="zh-CN" altLang="en-US" sz="700" b="0" i="0" u="none" strike="noStrike">
+                        <a:solidFill>
+                          <a:srgbClr val="000000"/>
+                        </a:solidFill>
+                        <a:effectLst/>
+                        <a:latin typeface="等线" panose="02010600030101010101" pitchFamily="2" charset="-122"/>
+                        <a:ea typeface="等线" panose="02010600030101010101" pitchFamily="2" charset="-122"/>
+                      </a:endParaRPr>
+                    </a:p>
+                  </a:txBody>
+                  <a:tcPr marL="0" marR="0" marT="0" marB="0">
+                    <a:lnL w="12700" cap="flat" cmpd="sng" algn="ctr">
+                      <a:solidFill>
+                        <a:schemeClr val="bg1"/>
+                      </a:solidFill>
+                      <a:prstDash val="solid"/>
+                      <a:round/>
+                      <a:headEnd type="none" w="med" len="med"/>
+                      <a:tailEnd type="none" w="med" len="med"/>
+                    </a:lnL>
+                    <a:lnR w="12700" cap="flat" cmpd="sng" algn="ctr">
+                      <a:solidFill>
+                        <a:schemeClr val="tx1"/>
+                      </a:solidFill>
+                      <a:prstDash val="solid"/>
+                      <a:round/>
+                      <a:headEnd type="none" w="med" len="med"/>
+                      <a:tailEnd type="none" w="med" len="med"/>
+                    </a:lnR>
+                    <a:lnT w="12700" cap="flat" cmpd="sng" algn="ctr">
+                      <a:solidFill>
+                        <a:schemeClr val="tx1"/>
+                      </a:solidFill>
+                      <a:prstDash val="solid"/>
+                      <a:round/>
+                      <a:headEnd type="none" w="med" len="med"/>
+                      <a:tailEnd type="none" w="med" len="med"/>
+                    </a:lnT>
+                    <a:lnB w="12700" cap="flat" cmpd="sng" algn="ctr">
+                      <a:solidFill>
+                        <a:schemeClr val="tx1"/>
+                      </a:solidFill>
+                      <a:prstDash val="solid"/>
+                      <a:round/>
+                      <a:headEnd type="none" w="med" len="med"/>
+                      <a:tailEnd type="none" w="med" len="med"/>
+                    </a:lnB>
+                    <a:solidFill>
+                      <a:srgbClr val="E5E9FF"/>
+                    </a:solidFill>
+                  </a:tcPr>
+                </a:tc>
+                <a:tc gridSpan="3">
+                  <a:txBody>
+                    <a:bodyPr/>
+                    <a:lstStyle/>
+                    <a:p>
+                      <a:pPr algn="l" fontAlgn="b"/>
+                      <a:endParaRPr lang="zh-CN" altLang="en-US" sz="700" b="0" i="0" u="none" strike="noStrike">
+                        <a:solidFill>
+                          <a:srgbClr val="000000"/>
+                        </a:solidFill>
+                        <a:effectLst/>
+                        <a:latin typeface="等线" panose="02010600030101010101" pitchFamily="2" charset="-122"/>
+                        <a:ea typeface="等线" panose="02010600030101010101" pitchFamily="2" charset="-122"/>
+                      </a:endParaRPr>
+                    </a:p>
+                  </a:txBody>
+                  <a:tcPr marL="0" marR="0" marT="0" marB="0" anchor="b">
+                    <a:lnL w="12700" cap="flat" cmpd="sng" algn="ctr">
+                      <a:solidFill>
+                        <a:schemeClr val="tx1"/>
+                      </a:solidFill>
+                      <a:prstDash val="solid"/>
+                      <a:round/>
+                      <a:headEnd type="none" w="med" len="med"/>
+                      <a:tailEnd type="none" w="med" len="med"/>
+                    </a:lnL>
+                    <a:lnR w="12700" cap="flat" cmpd="sng" algn="ctr">
+                      <a:solidFill>
+                        <a:schemeClr val="tx1"/>
+                      </a:solidFill>
+                      <a:prstDash val="solid"/>
+                      <a:round/>
+                      <a:headEnd type="none" w="med" len="med"/>
+                      <a:tailEnd type="none" w="med" len="med"/>
+                    </a:lnR>
+                    <a:lnT w="12700" cap="flat" cmpd="sng" algn="ctr">
+                      <a:solidFill>
+                        <a:schemeClr val="tx1"/>
+                      </a:solidFill>
+                      <a:prstDash val="solid"/>
+                      <a:round/>
+                      <a:headEnd type="none" w="med" len="med"/>
+                      <a:tailEnd type="none" w="med" len="med"/>
+                    </a:lnT>
+                    <a:lnB w="12700" cap="flat" cmpd="sng" algn="ctr">
+                      <a:solidFill>
+                        <a:schemeClr val="tx1"/>
+                      </a:solidFill>
+                      <a:prstDash val="solid"/>
+                      <a:round/>
+                      <a:headEnd type="none" w="med" len="med"/>
+                      <a:tailEnd type="none" w="med" len="med"/>
+                    </a:lnB>
+                    <a:solidFill>
+                      <a:srgbClr val="E5E9FF"/>
+                    </a:solidFill>
+                  </a:tcPr>
+                </a:tc>
+                <a:tc hMerge="1">
+                  <a:txBody>
+                    <a:bodyPr/>
+                    <a:lstStyle/>
+                    <a:p>
+                      <a:endParaRPr lang="zh-CN" altLang="en-US"/>
+                    </a:p>
+                  </a:txBody>
+                  <a:tcPr/>
+                </a:tc>
+                <a:tc hMerge="1">
+                  <a:txBody>
+                    <a:bodyPr/>
+                    <a:lstStyle/>
+                    <a:p>
+                      <a:endParaRPr lang="zh-CN" altLang="en-US"/>
+                    </a:p>
+                  </a:txBody>
+                  <a:tcPr/>
+                </a:tc>
+                <a:tc>
+                  <a:txBody>
+                    <a:bodyPr/>
+                    <a:lstStyle/>
+                    <a:p>
+                      <a:pPr algn="l" fontAlgn="t"/>
+                      <a:r>
+                        <a:rPr lang="zh-CN" altLang="en-US" sz="700" u="none" strike="noStrike">
+                          <a:effectLst/>
+                        </a:rPr>
+                        <a:t>　</a:t>
+                      </a:r>
+                      <a:endParaRPr lang="zh-CN" altLang="en-US" sz="700" b="0" i="0" u="none" strike="noStrike">
+                        <a:solidFill>
+                          <a:srgbClr val="000000"/>
+                        </a:solidFill>
+                        <a:effectLst/>
+                        <a:latin typeface="等线" panose="02010600030101010101" pitchFamily="2" charset="-122"/>
+                        <a:ea typeface="等线" panose="02010600030101010101" pitchFamily="2" charset="-122"/>
+                      </a:endParaRPr>
+                    </a:p>
+                  </a:txBody>
+                  <a:tcPr marL="0" marR="0" marT="0" marB="0">
+                    <a:lnL w="12700" cap="flat" cmpd="sng" algn="ctr">
+                      <a:solidFill>
+                        <a:schemeClr val="tx1"/>
+                      </a:solidFill>
+                      <a:prstDash val="solid"/>
+                      <a:round/>
+                      <a:headEnd type="none" w="med" len="med"/>
+                      <a:tailEnd type="none" w="med" len="med"/>
+                    </a:lnL>
+                    <a:lnR w="12700" cap="flat" cmpd="sng" algn="ctr">
+                      <a:solidFill>
+                        <a:schemeClr val="tx1"/>
+                      </a:solidFill>
+                      <a:prstDash val="solid"/>
+                      <a:round/>
+                      <a:headEnd type="none" w="med" len="med"/>
+                      <a:tailEnd type="none" w="med" len="med"/>
+                    </a:lnR>
+                    <a:lnT w="12700" cap="flat" cmpd="sng" algn="ctr">
+                      <a:solidFill>
+                        <a:schemeClr val="tx1"/>
+                      </a:solidFill>
+                      <a:prstDash val="solid"/>
+                      <a:round/>
+                      <a:headEnd type="none" w="med" len="med"/>
+                      <a:tailEnd type="none" w="med" len="med"/>
+                    </a:lnT>
+                    <a:lnB w="12700" cap="flat" cmpd="sng" algn="ctr">
+                      <a:solidFill>
+                        <a:schemeClr val="tx1"/>
+                      </a:solidFill>
+                      <a:prstDash val="solid"/>
+                      <a:round/>
+                      <a:headEnd type="none" w="med" len="med"/>
+                      <a:tailEnd type="none" w="med" len="med"/>
+                    </a:lnB>
+                    <a:solidFill>
+                      <a:srgbClr val="E5E9FF"/>
+                    </a:solidFill>
+                  </a:tcPr>
+                </a:tc>
+                <a:tc>
+                  <a:txBody>
+                    <a:bodyPr/>
+                    <a:lstStyle/>
+                    <a:p>
+                      <a:pPr algn="l" fontAlgn="t"/>
+                      <a:r>
+                        <a:rPr lang="zh-CN" altLang="en-US" sz="700" u="none" strike="noStrike">
+                          <a:effectLst/>
+                        </a:rPr>
+                        <a:t>　</a:t>
+                      </a:r>
+                      <a:endParaRPr lang="zh-CN" altLang="en-US" sz="700" b="0" i="0" u="none" strike="noStrike">
+                        <a:solidFill>
+                          <a:srgbClr val="000000"/>
+                        </a:solidFill>
+                        <a:effectLst/>
+                        <a:latin typeface="等线" panose="02010600030101010101" pitchFamily="2" charset="-122"/>
+                        <a:ea typeface="等线" panose="02010600030101010101" pitchFamily="2" charset="-122"/>
+                      </a:endParaRPr>
+                    </a:p>
+                  </a:txBody>
+                  <a:tcPr marL="0" marR="0" marT="0" marB="0">
+                    <a:lnL w="12700" cap="flat" cmpd="sng" algn="ctr">
+                      <a:solidFill>
+                        <a:schemeClr val="tx1"/>
+                      </a:solidFill>
+                      <a:prstDash val="solid"/>
+                      <a:round/>
+                      <a:headEnd type="none" w="med" len="med"/>
+                      <a:tailEnd type="none" w="med" len="med"/>
+                    </a:lnL>
+                    <a:lnR w="12700" cap="flat" cmpd="sng" algn="ctr">
+                      <a:solidFill>
+                        <a:schemeClr val="tx1"/>
+                      </a:solidFill>
+                      <a:prstDash val="solid"/>
+                      <a:round/>
+                      <a:headEnd type="none" w="med" len="med"/>
+                      <a:tailEnd type="none" w="med" len="med"/>
+                    </a:lnR>
+                    <a:lnT w="12700" cap="flat" cmpd="sng" algn="ctr">
+                      <a:solidFill>
+                        <a:schemeClr val="tx1"/>
+                      </a:solidFill>
+                      <a:prstDash val="solid"/>
+                      <a:round/>
+                      <a:headEnd type="none" w="med" len="med"/>
+                      <a:tailEnd type="none" w="med" len="med"/>
+                    </a:lnT>
+                    <a:lnB w="12700" cap="flat" cmpd="sng" algn="ctr">
+                      <a:solidFill>
+                        <a:schemeClr val="tx1"/>
+                      </a:solidFill>
+                      <a:prstDash val="solid"/>
+                      <a:round/>
+                      <a:headEnd type="none" w="med" len="med"/>
+                      <a:tailEnd type="none" w="med" len="med"/>
+                    </a:lnB>
+                    <a:solidFill>
+                      <a:srgbClr val="E5E9FF"/>
+                    </a:solidFill>
+                  </a:tcPr>
+                </a:tc>
+                <a:tc>
+                  <a:txBody>
+                    <a:bodyPr/>
+                    <a:lstStyle/>
+                    <a:p>
+                      <a:pPr algn="l" fontAlgn="t"/>
+                      <a:r>
+                        <a:rPr lang="zh-CN" altLang="en-US" sz="700" u="none" strike="noStrike">
+                          <a:effectLst/>
+                        </a:rPr>
+                        <a:t>　</a:t>
+                      </a:r>
+                      <a:endParaRPr lang="zh-CN" altLang="en-US" sz="700" b="0" i="0" u="none" strike="noStrike">
+                        <a:solidFill>
+                          <a:srgbClr val="000000"/>
+                        </a:solidFill>
+                        <a:effectLst/>
+                        <a:latin typeface="等线" panose="02010600030101010101" pitchFamily="2" charset="-122"/>
+                        <a:ea typeface="等线" panose="02010600030101010101" pitchFamily="2" charset="-122"/>
+                      </a:endParaRPr>
+                    </a:p>
+                  </a:txBody>
+                  <a:tcPr marL="0" marR="0" marT="0" marB="0">
+                    <a:lnL w="12700" cap="flat" cmpd="sng" algn="ctr">
+                      <a:solidFill>
+                        <a:schemeClr val="tx1"/>
+                      </a:solidFill>
+                      <a:prstDash val="solid"/>
+                      <a:round/>
+                      <a:headEnd type="none" w="med" len="med"/>
+                      <a:tailEnd type="none" w="med" len="med"/>
+                    </a:lnL>
+                    <a:lnR w="12700" cap="flat" cmpd="sng" algn="ctr">
+                      <a:solidFill>
+                        <a:schemeClr val="tx1"/>
+                      </a:solidFill>
+                      <a:prstDash val="solid"/>
+                      <a:round/>
+                      <a:headEnd type="none" w="med" len="med"/>
+                      <a:tailEnd type="none" w="med" len="med"/>
+                    </a:lnR>
+                    <a:lnT w="12700" cap="flat" cmpd="sng" algn="ctr">
+                      <a:solidFill>
+                        <a:schemeClr val="tx1"/>
+                      </a:solidFill>
+                      <a:prstDash val="solid"/>
+                      <a:round/>
+                      <a:headEnd type="none" w="med" len="med"/>
+                      <a:tailEnd type="none" w="med" len="med"/>
+                    </a:lnT>
+                    <a:lnB w="12700" cap="flat" cmpd="sng" algn="ctr">
+                      <a:solidFill>
+                        <a:schemeClr val="tx1"/>
+                      </a:solidFill>
+                      <a:prstDash val="solid"/>
+                      <a:round/>
+                      <a:headEnd type="none" w="med" len="med"/>
+                      <a:tailEnd type="none" w="med" len="med"/>
+                    </a:lnB>
+                    <a:solidFill>
+                      <a:srgbClr val="E5E9FF"/>
+                    </a:solidFill>
+                  </a:tcPr>
+                </a:tc>
+                <a:tc>
+                  <a:txBody>
+                    <a:bodyPr/>
+                    <a:lstStyle/>
+                    <a:p>
+                      <a:pPr algn="l" fontAlgn="t"/>
+                      <a:r>
+                        <a:rPr lang="zh-CN" altLang="en-US" sz="700" u="none" strike="noStrike">
+                          <a:effectLst/>
+                        </a:rPr>
+                        <a:t>　</a:t>
+                      </a:r>
+                      <a:endParaRPr lang="zh-CN" altLang="en-US" sz="700" b="0" i="0" u="none" strike="noStrike">
+                        <a:solidFill>
+                          <a:srgbClr val="000000"/>
+                        </a:solidFill>
+                        <a:effectLst/>
+                        <a:latin typeface="等线" panose="02010600030101010101" pitchFamily="2" charset="-122"/>
+                        <a:ea typeface="等线" panose="02010600030101010101" pitchFamily="2" charset="-122"/>
+                      </a:endParaRPr>
+                    </a:p>
+                  </a:txBody>
+                  <a:tcPr marL="0" marR="0" marT="0" marB="0">
+                    <a:lnL w="12700" cap="flat" cmpd="sng" algn="ctr">
+                      <a:solidFill>
+                        <a:schemeClr val="tx1"/>
+                      </a:solidFill>
+                      <a:prstDash val="solid"/>
+                      <a:round/>
+                      <a:headEnd type="none" w="med" len="med"/>
+                      <a:tailEnd type="none" w="med" len="med"/>
+                    </a:lnL>
+                    <a:lnR w="12700" cap="flat" cmpd="sng" algn="ctr">
+                      <a:solidFill>
+                        <a:schemeClr val="tx1"/>
+                      </a:solidFill>
+                      <a:prstDash val="solid"/>
+                      <a:round/>
+                      <a:headEnd type="none" w="med" len="med"/>
+                      <a:tailEnd type="none" w="med" len="med"/>
+                    </a:lnR>
+                    <a:lnT w="12700" cap="flat" cmpd="sng" algn="ctr">
+                      <a:solidFill>
+                        <a:schemeClr val="tx1"/>
+                      </a:solidFill>
+                      <a:prstDash val="solid"/>
+                      <a:round/>
+                      <a:headEnd type="none" w="med" len="med"/>
+                      <a:tailEnd type="none" w="med" len="med"/>
+                    </a:lnT>
+                    <a:lnB w="12700" cap="flat" cmpd="sng" algn="ctr">
+                      <a:solidFill>
+                        <a:schemeClr val="tx1"/>
+                      </a:solidFill>
+                      <a:prstDash val="solid"/>
+                      <a:round/>
+                      <a:headEnd type="none" w="med" len="med"/>
+                      <a:tailEnd type="none" w="med" len="med"/>
+                    </a:lnB>
+                    <a:solidFill>
+                      <a:srgbClr val="E5E9FF"/>
+                    </a:solidFill>
+                  </a:tcPr>
+                </a:tc>
+                <a:tc>
+                  <a:txBody>
+                    <a:bodyPr/>
+                    <a:lstStyle/>
+                    <a:p>
+                      <a:pPr algn="l" fontAlgn="t"/>
+                      <a:r>
+                        <a:rPr lang="zh-CN" altLang="en-US" sz="700" u="none" strike="noStrike">
+                          <a:effectLst/>
+                        </a:rPr>
+                        <a:t>　</a:t>
+                      </a:r>
+                      <a:endParaRPr lang="zh-CN" altLang="en-US" sz="700" b="0" i="0" u="none" strike="noStrike">
+                        <a:solidFill>
+                          <a:srgbClr val="000000"/>
+                        </a:solidFill>
+                        <a:effectLst/>
+                        <a:latin typeface="等线" panose="02010600030101010101" pitchFamily="2" charset="-122"/>
+                        <a:ea typeface="等线" panose="02010600030101010101" pitchFamily="2" charset="-122"/>
+                      </a:endParaRPr>
+                    </a:p>
+                  </a:txBody>
+                  <a:tcPr marL="0" marR="0" marT="0" marB="0">
+                    <a:lnL w="12700" cap="flat" cmpd="sng" algn="ctr">
+                      <a:solidFill>
+                        <a:schemeClr val="tx1"/>
+                      </a:solidFill>
+                      <a:prstDash val="solid"/>
+                      <a:round/>
+                      <a:headEnd type="none" w="med" len="med"/>
+                      <a:tailEnd type="none" w="med" len="med"/>
+                    </a:lnL>
+                    <a:lnR w="12700" cap="flat" cmpd="sng" algn="ctr">
+                      <a:solidFill>
+                        <a:schemeClr val="tx1"/>
+                      </a:solidFill>
+                      <a:prstDash val="solid"/>
+                      <a:round/>
+                      <a:headEnd type="none" w="med" len="med"/>
+                      <a:tailEnd type="none" w="med" len="med"/>
+                    </a:lnR>
+                    <a:lnT w="12700" cap="flat" cmpd="sng" algn="ctr">
+                      <a:solidFill>
+                        <a:schemeClr val="tx1"/>
+                      </a:solidFill>
+                      <a:prstDash val="solid"/>
+                      <a:round/>
+                      <a:headEnd type="none" w="med" len="med"/>
+                      <a:tailEnd type="none" w="med" len="med"/>
+                    </a:lnT>
+                    <a:lnB w="12700" cap="flat" cmpd="sng" algn="ctr">
+                      <a:solidFill>
+                        <a:schemeClr val="tx1"/>
+                      </a:solidFill>
+                      <a:prstDash val="solid"/>
+                      <a:round/>
+                      <a:headEnd type="none" w="med" len="med"/>
+                      <a:tailEnd type="none" w="med" len="med"/>
+                    </a:lnB>
+                    <a:solidFill>
+                      <a:srgbClr val="E5E9FF"/>
+                    </a:solidFill>
+                  </a:tcPr>
+                </a:tc>
+                <a:tc>
+                  <a:txBody>
+                    <a:bodyPr/>
+                    <a:lstStyle/>
+                    <a:p>
+                      <a:pPr algn="l" fontAlgn="t"/>
+                      <a:r>
+                        <a:rPr lang="zh-CN" altLang="en-US" sz="700" u="none" strike="noStrike">
+                          <a:effectLst/>
+                        </a:rPr>
+                        <a:t>　</a:t>
+                      </a:r>
+                      <a:endParaRPr lang="zh-CN" altLang="en-US" sz="700" b="0" i="0" u="none" strike="noStrike">
+                        <a:solidFill>
+                          <a:srgbClr val="000000"/>
+                        </a:solidFill>
+                        <a:effectLst/>
+                        <a:latin typeface="等线" panose="02010600030101010101" pitchFamily="2" charset="-122"/>
+                        <a:ea typeface="等线" panose="02010600030101010101" pitchFamily="2" charset="-122"/>
+                      </a:endParaRPr>
+                    </a:p>
+                  </a:txBody>
+                  <a:tcPr marL="0" marR="0" marT="0" marB="0">
+                    <a:lnL w="12700" cap="flat" cmpd="sng" algn="ctr">
+                      <a:solidFill>
+                        <a:schemeClr val="tx1"/>
+                      </a:solidFill>
+                      <a:prstDash val="solid"/>
+                      <a:round/>
+                      <a:headEnd type="none" w="med" len="med"/>
+                      <a:tailEnd type="none" w="med" len="med"/>
+                    </a:lnL>
+                    <a:lnR w="12700" cap="flat" cmpd="sng" algn="ctr">
+                      <a:solidFill>
+                        <a:schemeClr val="tx1"/>
+                      </a:solidFill>
+                      <a:prstDash val="solid"/>
+                      <a:round/>
+                      <a:headEnd type="none" w="med" len="med"/>
+                      <a:tailEnd type="none" w="med" len="med"/>
+                    </a:lnR>
+                    <a:lnT w="12700" cap="flat" cmpd="sng" algn="ctr">
+                      <a:solidFill>
+                        <a:schemeClr val="tx1"/>
+                      </a:solidFill>
+                      <a:prstDash val="solid"/>
+                      <a:round/>
+                      <a:headEnd type="none" w="med" len="med"/>
+                      <a:tailEnd type="none" w="med" len="med"/>
+                    </a:lnT>
+                    <a:lnB w="12700" cap="flat" cmpd="sng" algn="ctr">
+                      <a:solidFill>
+                        <a:schemeClr val="tx1"/>
+                      </a:solidFill>
+                      <a:prstDash val="solid"/>
+                      <a:round/>
+                      <a:headEnd type="none" w="med" len="med"/>
+                      <a:tailEnd type="none" w="med" len="med"/>
+                    </a:lnB>
+                    <a:solidFill>
+                      <a:srgbClr val="E5E9FF"/>
+                    </a:solidFill>
+                  </a:tcPr>
+                </a:tc>
+                <a:tc>
+                  <a:txBody>
+                    <a:bodyPr/>
+                    <a:lstStyle/>
+                    <a:p>
+                      <a:pPr algn="l" fontAlgn="t"/>
+                      <a:r>
+                        <a:rPr lang="zh-CN" altLang="en-US" sz="700" u="none" strike="noStrike">
+                          <a:effectLst/>
+                        </a:rPr>
+                        <a:t>　</a:t>
+                      </a:r>
+                      <a:endParaRPr lang="zh-CN" altLang="en-US" sz="700" b="0" i="0" u="none" strike="noStrike">
+                        <a:solidFill>
+                          <a:srgbClr val="000000"/>
+                        </a:solidFill>
+                        <a:effectLst/>
+                        <a:latin typeface="等线" panose="02010600030101010101" pitchFamily="2" charset="-122"/>
+                        <a:ea typeface="等线" panose="02010600030101010101" pitchFamily="2" charset="-122"/>
+                      </a:endParaRPr>
+                    </a:p>
+                  </a:txBody>
+                  <a:tcPr marL="0" marR="0" marT="0" marB="0">
+                    <a:lnL w="12700" cap="flat" cmpd="sng" algn="ctr">
+                      <a:solidFill>
+                        <a:schemeClr val="tx1"/>
+                      </a:solidFill>
+                      <a:prstDash val="solid"/>
+                      <a:round/>
+                      <a:headEnd type="none" w="med" len="med"/>
+                      <a:tailEnd type="none" w="med" len="med"/>
+                    </a:lnL>
+                    <a:lnR w="12700" cap="flat" cmpd="sng" algn="ctr">
+                      <a:solidFill>
+                        <a:schemeClr val="tx1"/>
+                      </a:solidFill>
+                      <a:prstDash val="solid"/>
+                      <a:round/>
+                      <a:headEnd type="none" w="med" len="med"/>
+                      <a:tailEnd type="none" w="med" len="med"/>
+                    </a:lnR>
+                    <a:lnT w="12700" cap="flat" cmpd="sng" algn="ctr">
+                      <a:solidFill>
+                        <a:schemeClr val="tx1"/>
+                      </a:solidFill>
+                      <a:prstDash val="solid"/>
+                      <a:round/>
+                      <a:headEnd type="none" w="med" len="med"/>
+                      <a:tailEnd type="none" w="med" len="med"/>
+                    </a:lnT>
+                    <a:lnB w="12700" cap="flat" cmpd="sng" algn="ctr">
+                      <a:solidFill>
+                        <a:schemeClr val="tx1"/>
+                      </a:solidFill>
+                      <a:prstDash val="solid"/>
+                      <a:round/>
+                      <a:headEnd type="none" w="med" len="med"/>
+                      <a:tailEnd type="none" w="med" len="med"/>
+                    </a:lnB>
+                    <a:solidFill>
+                      <a:srgbClr val="E5E9FF"/>
+                    </a:solidFill>
+                  </a:tcPr>
+                </a:tc>
+                <a:tc>
+                  <a:txBody>
+                    <a:bodyPr/>
+                    <a:lstStyle/>
+                    <a:p>
+                      <a:pPr algn="l" fontAlgn="t"/>
+                      <a:r>
+                        <a:rPr lang="zh-CN" altLang="en-US" sz="700" u="none" strike="noStrike">
+                          <a:effectLst/>
+                        </a:rPr>
+                        <a:t>　</a:t>
+                      </a:r>
+                      <a:endParaRPr lang="zh-CN" altLang="en-US" sz="700" b="0" i="0" u="none" strike="noStrike">
+                        <a:solidFill>
+                          <a:srgbClr val="000000"/>
+                        </a:solidFill>
+                        <a:effectLst/>
+                        <a:latin typeface="等线" panose="02010600030101010101" pitchFamily="2" charset="-122"/>
+                        <a:ea typeface="等线" panose="02010600030101010101" pitchFamily="2" charset="-122"/>
+                      </a:endParaRPr>
+                    </a:p>
+                  </a:txBody>
+                  <a:tcPr marL="0" marR="0" marT="0" marB="0">
+                    <a:lnL w="12700" cap="flat" cmpd="sng" algn="ctr">
+                      <a:solidFill>
+                        <a:schemeClr val="tx1"/>
+                      </a:solidFill>
+                      <a:prstDash val="solid"/>
+                      <a:round/>
+                      <a:headEnd type="none" w="med" len="med"/>
+                      <a:tailEnd type="none" w="med" len="med"/>
+                    </a:lnL>
+                    <a:lnR w="12700" cap="flat" cmpd="sng" algn="ctr">
+                      <a:solidFill>
+                        <a:schemeClr val="tx1"/>
+                      </a:solidFill>
+                      <a:prstDash val="solid"/>
+                      <a:round/>
+                      <a:headEnd type="none" w="med" len="med"/>
+                      <a:tailEnd type="none" w="med" len="med"/>
+                    </a:lnR>
+                    <a:lnT w="12700" cap="flat" cmpd="sng" algn="ctr">
+                      <a:solidFill>
+                        <a:schemeClr val="tx1"/>
+                      </a:solidFill>
+                      <a:prstDash val="solid"/>
+                      <a:round/>
+                      <a:headEnd type="none" w="med" len="med"/>
+                      <a:tailEnd type="none" w="med" len="med"/>
+                    </a:lnT>
+                    <a:lnB w="12700" cap="flat" cmpd="sng" algn="ctr">
+                      <a:solidFill>
+                        <a:schemeClr val="tx1"/>
+                      </a:solidFill>
+                      <a:prstDash val="solid"/>
+                      <a:round/>
+                      <a:headEnd type="none" w="med" len="med"/>
+                      <a:tailEnd type="none" w="med" len="med"/>
+                    </a:lnB>
+                    <a:solidFill>
+                      <a:srgbClr val="E5E9FF"/>
+                    </a:solidFill>
+                  </a:tcPr>
+                </a:tc>
+                <a:tc>
+                  <a:txBody>
+                    <a:bodyPr/>
+                    <a:lstStyle/>
+                    <a:p>
+                      <a:pPr algn="l" fontAlgn="t"/>
+                      <a:r>
+                        <a:rPr lang="zh-CN" altLang="en-US" sz="700" u="none" strike="noStrike">
+                          <a:effectLst/>
+                        </a:rPr>
+                        <a:t>　</a:t>
+                      </a:r>
+                      <a:endParaRPr lang="zh-CN" altLang="en-US" sz="700" b="0" i="0" u="none" strike="noStrike">
+                        <a:solidFill>
+                          <a:srgbClr val="000000"/>
+                        </a:solidFill>
+                        <a:effectLst/>
+                        <a:latin typeface="等线" panose="02010600030101010101" pitchFamily="2" charset="-122"/>
+                        <a:ea typeface="等线" panose="02010600030101010101" pitchFamily="2" charset="-122"/>
+                      </a:endParaRPr>
+                    </a:p>
+                  </a:txBody>
+                  <a:tcPr marL="0" marR="0" marT="0" marB="0">
+                    <a:lnL w="12700" cap="flat" cmpd="sng" algn="ctr">
+                      <a:solidFill>
+                        <a:schemeClr val="tx1"/>
+                      </a:solidFill>
+                      <a:prstDash val="solid"/>
+                      <a:round/>
+                      <a:headEnd type="none" w="med" len="med"/>
+                      <a:tailEnd type="none" w="med" len="med"/>
+                    </a:lnL>
+                    <a:lnR w="12700" cap="flat" cmpd="sng" algn="ctr">
+                      <a:solidFill>
+                        <a:schemeClr val="tx1"/>
+                      </a:solidFill>
+                      <a:prstDash val="solid"/>
+                      <a:round/>
+                      <a:headEnd type="none" w="med" len="med"/>
+                      <a:tailEnd type="none" w="med" len="med"/>
+                    </a:lnR>
+                    <a:lnT w="12700" cap="flat" cmpd="sng" algn="ctr">
+                      <a:solidFill>
+                        <a:schemeClr val="tx1"/>
+                      </a:solidFill>
+                      <a:prstDash val="solid"/>
+                      <a:round/>
+                      <a:headEnd type="none" w="med" len="med"/>
+                      <a:tailEnd type="none" w="med" len="med"/>
+                    </a:lnT>
+                    <a:lnB w="12700" cap="flat" cmpd="sng" algn="ctr">
+                      <a:solidFill>
+                        <a:schemeClr val="tx1"/>
+                      </a:solidFill>
+                      <a:prstDash val="solid"/>
+                      <a:round/>
+                      <a:headEnd type="none" w="med" len="med"/>
+                      <a:tailEnd type="none" w="med" len="med"/>
+                    </a:lnB>
+                    <a:solidFill>
+                      <a:srgbClr val="E5E9FF"/>
+                    </a:solidFill>
+                  </a:tcPr>
+                </a:tc>
+                <a:tc>
+                  <a:txBody>
+                    <a:bodyPr/>
+                    <a:lstStyle/>
+                    <a:p>
+                      <a:pPr algn="l" fontAlgn="t"/>
+                      <a:r>
+                        <a:rPr lang="zh-CN" altLang="en-US" sz="700" u="none" strike="noStrike">
+                          <a:effectLst/>
+                        </a:rPr>
+                        <a:t>　</a:t>
+                      </a:r>
+                      <a:endParaRPr lang="zh-CN" altLang="en-US" sz="700" b="0" i="0" u="none" strike="noStrike">
+                        <a:solidFill>
+                          <a:srgbClr val="000000"/>
+                        </a:solidFill>
+                        <a:effectLst/>
+                        <a:latin typeface="等线" panose="02010600030101010101" pitchFamily="2" charset="-122"/>
+                        <a:ea typeface="等线" panose="02010600030101010101" pitchFamily="2" charset="-122"/>
+                      </a:endParaRPr>
+                    </a:p>
+                  </a:txBody>
+                  <a:tcPr marL="0" marR="0" marT="0" marB="0">
+                    <a:lnL w="12700" cap="flat" cmpd="sng" algn="ctr">
+                      <a:solidFill>
+                        <a:schemeClr val="tx1"/>
+                      </a:solidFill>
+                      <a:prstDash val="solid"/>
+                      <a:round/>
+                      <a:headEnd type="none" w="med" len="med"/>
+                      <a:tailEnd type="none" w="med" len="med"/>
+                    </a:lnL>
+                    <a:lnR w="12700" cap="flat" cmpd="sng" algn="ctr">
+                      <a:solidFill>
+                        <a:schemeClr val="tx1"/>
+                      </a:solidFill>
+                      <a:prstDash val="solid"/>
+                      <a:round/>
+                      <a:headEnd type="none" w="med" len="med"/>
+                      <a:tailEnd type="none" w="med" len="med"/>
+                    </a:lnR>
+                    <a:lnT w="12700" cap="flat" cmpd="sng" algn="ctr">
+                      <a:solidFill>
+                        <a:schemeClr val="tx1"/>
+                      </a:solidFill>
+                      <a:prstDash val="solid"/>
+                      <a:round/>
+                      <a:headEnd type="none" w="med" len="med"/>
+                      <a:tailEnd type="none" w="med" len="med"/>
+                    </a:lnT>
+                    <a:lnB w="12700" cap="flat" cmpd="sng" algn="ctr">
+                      <a:solidFill>
+                        <a:schemeClr val="tx1"/>
+                      </a:solidFill>
+                      <a:prstDash val="solid"/>
+                      <a:round/>
+                      <a:headEnd type="none" w="med" len="med"/>
+                      <a:tailEnd type="none" w="med" len="med"/>
+                    </a:lnB>
+                    <a:solidFill>
+                      <a:srgbClr val="E5E9FF"/>
+                    </a:solidFill>
+                  </a:tcPr>
+                </a:tc>
+                <a:tc>
+                  <a:txBody>
+                    <a:bodyPr/>
+                    <a:lstStyle/>
+                    <a:p>
+                      <a:pPr algn="l" fontAlgn="t"/>
+                      <a:r>
+                        <a:rPr lang="zh-CN" altLang="en-US" sz="700" u="none" strike="noStrike">
+                          <a:effectLst/>
+                        </a:rPr>
+                        <a:t>　</a:t>
+                      </a:r>
+                      <a:endParaRPr lang="zh-CN" altLang="en-US" sz="700" b="0" i="0" u="none" strike="noStrike">
+                        <a:solidFill>
+                          <a:srgbClr val="000000"/>
+                        </a:solidFill>
+                        <a:effectLst/>
+                        <a:latin typeface="等线" panose="02010600030101010101" pitchFamily="2" charset="-122"/>
+                        <a:ea typeface="等线" panose="02010600030101010101" pitchFamily="2" charset="-122"/>
+                      </a:endParaRPr>
+                    </a:p>
+                  </a:txBody>
+                  <a:tcPr marL="0" marR="0" marT="0" marB="0">
+                    <a:lnL w="12700" cap="flat" cmpd="sng" algn="ctr">
+                      <a:solidFill>
+                        <a:schemeClr val="tx1"/>
+                      </a:solidFill>
+                      <a:prstDash val="solid"/>
+                      <a:round/>
+                      <a:headEnd type="none" w="med" len="med"/>
+                      <a:tailEnd type="none" w="med" len="med"/>
+                    </a:lnL>
+                    <a:lnR w="12700" cap="flat" cmpd="sng" algn="ctr">
+                      <a:solidFill>
+                        <a:schemeClr val="tx1"/>
+                      </a:solidFill>
+                      <a:prstDash val="solid"/>
+                      <a:round/>
+                      <a:headEnd type="none" w="med" len="med"/>
+                      <a:tailEnd type="none" w="med" len="med"/>
+                    </a:lnR>
+                    <a:lnT w="12700" cap="flat" cmpd="sng" algn="ctr">
+                      <a:solidFill>
+                        <a:schemeClr val="tx1"/>
+                      </a:solidFill>
+                      <a:prstDash val="solid"/>
+                      <a:round/>
+                      <a:headEnd type="none" w="med" len="med"/>
+                      <a:tailEnd type="none" w="med" len="med"/>
+                    </a:lnT>
+                    <a:lnB w="12700" cap="flat" cmpd="sng" algn="ctr">
+                      <a:solidFill>
+                        <a:schemeClr val="tx1"/>
+                      </a:solidFill>
+                      <a:prstDash val="solid"/>
+                      <a:round/>
+                      <a:headEnd type="none" w="med" len="med"/>
+                      <a:tailEnd type="none" w="med" len="med"/>
+                    </a:lnB>
+                    <a:solidFill>
+                      <a:srgbClr val="E5E9FF"/>
+                    </a:solidFill>
+                  </a:tcPr>
+                </a:tc>
+                <a:tc>
+                  <a:txBody>
+                    <a:bodyPr/>
+                    <a:lstStyle/>
+                    <a:p>
+                      <a:pPr algn="l" fontAlgn="t"/>
+                      <a:r>
+                        <a:rPr lang="zh-CN" altLang="en-US" sz="700" u="none" strike="noStrike">
+                          <a:effectLst/>
+                        </a:rPr>
+                        <a:t>　</a:t>
+                      </a:r>
+                      <a:endParaRPr lang="zh-CN" altLang="en-US" sz="700" b="0" i="0" u="none" strike="noStrike">
+                        <a:solidFill>
+                          <a:srgbClr val="000000"/>
+                        </a:solidFill>
+                        <a:effectLst/>
+                        <a:latin typeface="等线" panose="02010600030101010101" pitchFamily="2" charset="-122"/>
+                        <a:ea typeface="等线" panose="02010600030101010101" pitchFamily="2" charset="-122"/>
+                      </a:endParaRPr>
+                    </a:p>
+                  </a:txBody>
+                  <a:tcPr marL="0" marR="0" marT="0" marB="0">
+                    <a:lnL w="12700" cap="flat" cmpd="sng" algn="ctr">
+                      <a:solidFill>
+                        <a:schemeClr val="tx1"/>
+                      </a:solidFill>
+                      <a:prstDash val="solid"/>
+                      <a:round/>
+                      <a:headEnd type="none" w="med" len="med"/>
+                      <a:tailEnd type="none" w="med" len="med"/>
+                    </a:lnL>
+                    <a:lnR w="12700" cap="flat" cmpd="sng" algn="ctr">
+                      <a:solidFill>
+                        <a:schemeClr val="tx1"/>
+                      </a:solidFill>
+                      <a:prstDash val="solid"/>
+                      <a:round/>
+                      <a:headEnd type="none" w="med" len="med"/>
+                      <a:tailEnd type="none" w="med" len="med"/>
+                    </a:lnR>
+                    <a:lnT w="12700" cap="flat" cmpd="sng" algn="ctr">
+                      <a:solidFill>
+                        <a:schemeClr val="tx1"/>
+                      </a:solidFill>
+                      <a:prstDash val="solid"/>
+                      <a:round/>
+                      <a:headEnd type="none" w="med" len="med"/>
+                      <a:tailEnd type="none" w="med" len="med"/>
+                    </a:lnT>
+                    <a:lnB w="12700" cap="flat" cmpd="sng" algn="ctr">
+                      <a:solidFill>
+                        <a:schemeClr val="tx1"/>
+                      </a:solidFill>
+                      <a:prstDash val="solid"/>
+                      <a:round/>
+                      <a:headEnd type="none" w="med" len="med"/>
+                      <a:tailEnd type="none" w="med" len="med"/>
+                    </a:lnB>
+                    <a:solidFill>
+                      <a:srgbClr val="E5E9FF"/>
+                    </a:solidFill>
+                  </a:tcPr>
+                </a:tc>
+                <a:tc>
+                  <a:txBody>
+                    <a:bodyPr/>
+                    <a:lstStyle/>
+                    <a:p>
+                      <a:pPr algn="l" fontAlgn="t"/>
+                      <a:r>
+                        <a:rPr lang="zh-CN" altLang="en-US" sz="700" u="none" strike="noStrike">
+                          <a:effectLst/>
+                        </a:rPr>
+                        <a:t>　</a:t>
+                      </a:r>
+                      <a:endParaRPr lang="zh-CN" altLang="en-US" sz="700" b="0" i="0" u="none" strike="noStrike">
+                        <a:solidFill>
+                          <a:srgbClr val="000000"/>
+                        </a:solidFill>
+                        <a:effectLst/>
+                        <a:latin typeface="等线" panose="02010600030101010101" pitchFamily="2" charset="-122"/>
+                        <a:ea typeface="等线" panose="02010600030101010101" pitchFamily="2" charset="-122"/>
+                      </a:endParaRPr>
+                    </a:p>
+                  </a:txBody>
+                  <a:tcPr marL="0" marR="0" marT="0" marB="0">
+                    <a:lnL w="12700" cap="flat" cmpd="sng" algn="ctr">
+                      <a:solidFill>
+                        <a:schemeClr val="tx1"/>
+                      </a:solidFill>
+                      <a:prstDash val="solid"/>
+                      <a:round/>
+                      <a:headEnd type="none" w="med" len="med"/>
+                      <a:tailEnd type="none" w="med" len="med"/>
+                    </a:lnL>
+                    <a:lnR w="12700" cap="flat" cmpd="sng" algn="ctr">
+                      <a:solidFill>
+                        <a:schemeClr val="tx1"/>
+                      </a:solidFill>
+                      <a:prstDash val="solid"/>
+                      <a:round/>
+                      <a:headEnd type="none" w="med" len="med"/>
+                      <a:tailEnd type="none" w="med" len="med"/>
+                    </a:lnR>
+                    <a:lnT w="12700" cap="flat" cmpd="sng" algn="ctr">
+                      <a:solidFill>
+                        <a:schemeClr val="tx1"/>
+                      </a:solidFill>
+                      <a:prstDash val="solid"/>
+                      <a:round/>
+                      <a:headEnd type="none" w="med" len="med"/>
+                      <a:tailEnd type="none" w="med" len="med"/>
+                    </a:lnT>
+                    <a:lnB w="12700" cap="flat" cmpd="sng" algn="ctr">
+                      <a:solidFill>
+                        <a:schemeClr val="tx1"/>
+                      </a:solidFill>
+                      <a:prstDash val="solid"/>
+                      <a:round/>
+                      <a:headEnd type="none" w="med" len="med"/>
+                      <a:tailEnd type="none" w="med" len="med"/>
+                    </a:lnB>
+                    <a:solidFill>
+                      <a:srgbClr val="E5E9FF"/>
+                    </a:solidFill>
+                  </a:tcPr>
+                </a:tc>
+                <a:extLst>
+                  <a:ext uri="{0D108BD9-81ED-4DB2-BD59-A6C34878D82A}">
+                    <a16:rowId xmlns:a16="http://schemas.microsoft.com/office/drawing/2014/main" val="1755054778"/>
+                  </a:ext>
+                </a:extLst>
+              </a:tr>
+              <a:tr h="518482">
+                <a:tc>
+                  <a:txBody>
+                    <a:bodyPr/>
+                    <a:lstStyle/>
+                    <a:p>
+                      <a:pPr algn="ctr" fontAlgn="t">
+                        <a:lnSpc>
+                          <a:spcPct val="200000"/>
+                        </a:lnSpc>
+                      </a:pPr>
+                      <a:r>
+                        <a:rPr lang="zh-CN" altLang="en-US" sz="1000" u="none" strike="noStrike" dirty="0">
+                          <a:effectLst/>
+                          <a:latin typeface="+mj-lt"/>
+                        </a:rPr>
+                        <a:t>詳細設計</a:t>
+                      </a:r>
+                      <a:endParaRPr lang="zh-CN" altLang="en-US" sz="1000" b="0" i="0" u="none" strike="noStrike" dirty="0">
+                        <a:solidFill>
+                          <a:srgbClr val="000000"/>
+                        </a:solidFill>
+                        <a:effectLst/>
+                        <a:latin typeface="+mj-lt"/>
+                        <a:ea typeface="等线" panose="02010600030101010101" pitchFamily="2" charset="-122"/>
+                      </a:endParaRPr>
+                    </a:p>
+                  </a:txBody>
+                  <a:tcPr marL="0" marR="0" marT="0" marB="0">
+                    <a:lnL w="12700" cap="flat" cmpd="sng" algn="ctr">
+                      <a:solidFill>
+                        <a:schemeClr val="tx1"/>
+                      </a:solidFill>
+                      <a:prstDash val="solid"/>
+                      <a:round/>
+                      <a:headEnd type="none" w="med" len="med"/>
+                      <a:tailEnd type="none" w="med" len="med"/>
+                    </a:lnL>
+                    <a:lnR w="12700" cap="flat" cmpd="sng" algn="ctr">
+                      <a:solidFill>
+                        <a:schemeClr val="bg1"/>
+                      </a:solidFill>
+                      <a:prstDash val="solid"/>
+                      <a:round/>
+                      <a:headEnd type="none" w="med" len="med"/>
+                      <a:tailEnd type="none" w="med" len="med"/>
+                    </a:lnR>
+                    <a:lnT w="12700" cap="flat" cmpd="sng" algn="ctr">
+                      <a:solidFill>
+                        <a:schemeClr val="tx1"/>
+                      </a:solidFill>
+                      <a:prstDash val="solid"/>
+                      <a:round/>
+                      <a:headEnd type="none" w="med" len="med"/>
+                      <a:tailEnd type="none" w="med" len="med"/>
+                    </a:lnT>
+                    <a:lnB w="12700" cap="flat" cmpd="sng" algn="ctr">
+                      <a:solidFill>
+                        <a:schemeClr val="tx1"/>
+                      </a:solidFill>
+                      <a:prstDash val="solid"/>
+                      <a:round/>
+                      <a:headEnd type="none" w="med" len="med"/>
+                      <a:tailEnd type="none" w="med" len="med"/>
+                    </a:lnB>
+                    <a:solidFill>
+                      <a:srgbClr val="E5E9FF"/>
+                    </a:solidFill>
+                  </a:tcPr>
+                </a:tc>
+                <a:tc>
+                  <a:txBody>
+                    <a:bodyPr/>
+                    <a:lstStyle/>
+                    <a:p>
+                      <a:pPr algn="ctr" fontAlgn="t">
+                        <a:lnSpc>
+                          <a:spcPct val="250000"/>
+                        </a:lnSpc>
+                      </a:pPr>
+                      <a:r>
+                        <a:rPr lang="en-US" altLang="zh-CN" sz="900" u="none" strike="noStrike" dirty="0">
+                          <a:effectLst/>
+                        </a:rPr>
+                        <a:t>15</a:t>
+                      </a:r>
+                      <a:r>
+                        <a:rPr lang="zh-CN" altLang="en-US" sz="900" u="none" strike="noStrike" dirty="0">
+                          <a:effectLst/>
+                        </a:rPr>
+                        <a:t>人日</a:t>
+                      </a:r>
+                      <a:endParaRPr lang="zh-CN" altLang="en-US" sz="900" b="0" i="0" u="none" strike="noStrike" dirty="0">
+                        <a:solidFill>
+                          <a:srgbClr val="000000"/>
+                        </a:solidFill>
+                        <a:effectLst/>
+                        <a:latin typeface="等线" panose="02010600030101010101" pitchFamily="2" charset="-122"/>
+                        <a:ea typeface="等线" panose="02010600030101010101" pitchFamily="2" charset="-122"/>
+                      </a:endParaRPr>
+                    </a:p>
+                  </a:txBody>
+                  <a:tcPr marL="0" marR="0" marT="0" marB="0">
+                    <a:lnL w="12700" cap="flat" cmpd="sng" algn="ctr">
+                      <a:solidFill>
+                        <a:schemeClr val="bg1"/>
+                      </a:solidFill>
+                      <a:prstDash val="solid"/>
+                      <a:round/>
+                      <a:headEnd type="none" w="med" len="med"/>
+                      <a:tailEnd type="none" w="med" len="med"/>
+                    </a:lnL>
+                    <a:lnR w="12700" cap="flat" cmpd="sng" algn="ctr">
+                      <a:solidFill>
+                        <a:schemeClr val="bg1"/>
+                      </a:solidFill>
+                      <a:prstDash val="solid"/>
+                      <a:round/>
+                      <a:headEnd type="none" w="med" len="med"/>
+                      <a:tailEnd type="none" w="med" len="med"/>
+                    </a:lnR>
+                    <a:lnT w="12700" cap="flat" cmpd="sng" algn="ctr">
+                      <a:solidFill>
+                        <a:schemeClr val="tx1"/>
+                      </a:solidFill>
+                      <a:prstDash val="solid"/>
+                      <a:round/>
+                      <a:headEnd type="none" w="med" len="med"/>
+                      <a:tailEnd type="none" w="med" len="med"/>
+                    </a:lnT>
+                    <a:lnB w="12700" cap="flat" cmpd="sng" algn="ctr">
+                      <a:solidFill>
+                        <a:schemeClr val="tx1"/>
+                      </a:solidFill>
+                      <a:prstDash val="solid"/>
+                      <a:round/>
+                      <a:headEnd type="none" w="med" len="med"/>
+                      <a:tailEnd type="none" w="med" len="med"/>
+                    </a:lnB>
+                    <a:solidFill>
+                      <a:srgbClr val="E5E9FF"/>
+                    </a:solidFill>
+                  </a:tcPr>
+                </a:tc>
+                <a:tc>
+                  <a:txBody>
+                    <a:bodyPr/>
+                    <a:lstStyle/>
+                    <a:p>
+                      <a:pPr algn="l" fontAlgn="t"/>
+                      <a:r>
+                        <a:rPr lang="zh-CN" altLang="en-US" sz="700" u="none" strike="noStrike">
+                          <a:effectLst/>
+                        </a:rPr>
+                        <a:t>　</a:t>
+                      </a:r>
+                      <a:endParaRPr lang="zh-CN" altLang="en-US" sz="700" b="0" i="0" u="none" strike="noStrike">
+                        <a:solidFill>
+                          <a:srgbClr val="000000"/>
+                        </a:solidFill>
+                        <a:effectLst/>
+                        <a:latin typeface="等线" panose="02010600030101010101" pitchFamily="2" charset="-122"/>
+                        <a:ea typeface="等线" panose="02010600030101010101" pitchFamily="2" charset="-122"/>
+                      </a:endParaRPr>
+                    </a:p>
+                  </a:txBody>
+                  <a:tcPr marL="0" marR="0" marT="0" marB="0">
+                    <a:lnL w="12700" cap="flat" cmpd="sng" algn="ctr">
+                      <a:solidFill>
+                        <a:schemeClr val="bg1"/>
+                      </a:solidFill>
+                      <a:prstDash val="solid"/>
+                      <a:round/>
+                      <a:headEnd type="none" w="med" len="med"/>
+                      <a:tailEnd type="none" w="med" len="med"/>
+                    </a:lnL>
+                    <a:lnR w="12700" cap="flat" cmpd="sng" algn="ctr">
+                      <a:solidFill>
+                        <a:schemeClr val="tx1"/>
+                      </a:solidFill>
+                      <a:prstDash val="solid"/>
+                      <a:round/>
+                      <a:headEnd type="none" w="med" len="med"/>
+                      <a:tailEnd type="none" w="med" len="med"/>
+                    </a:lnR>
+                    <a:lnT w="12700" cap="flat" cmpd="sng" algn="ctr">
+                      <a:solidFill>
+                        <a:schemeClr val="tx1"/>
+                      </a:solidFill>
+                      <a:prstDash val="solid"/>
+                      <a:round/>
+                      <a:headEnd type="none" w="med" len="med"/>
+                      <a:tailEnd type="none" w="med" len="med"/>
+                    </a:lnT>
+                    <a:lnB w="12700" cap="flat" cmpd="sng" algn="ctr">
+                      <a:solidFill>
+                        <a:schemeClr val="tx1"/>
+                      </a:solidFill>
+                      <a:prstDash val="solid"/>
+                      <a:round/>
+                      <a:headEnd type="none" w="med" len="med"/>
+                      <a:tailEnd type="none" w="med" len="med"/>
+                    </a:lnB>
+                    <a:solidFill>
+                      <a:srgbClr val="E5E9FF"/>
+                    </a:solidFill>
+                  </a:tcPr>
+                </a:tc>
+                <a:tc>
+                  <a:txBody>
+                    <a:bodyPr/>
+                    <a:lstStyle/>
+                    <a:p>
+                      <a:pPr algn="l" fontAlgn="t"/>
+                      <a:r>
+                        <a:rPr lang="zh-CN" altLang="en-US" sz="700" u="none" strike="noStrike">
+                          <a:effectLst/>
+                        </a:rPr>
+                        <a:t>　</a:t>
+                      </a:r>
+                      <a:endParaRPr lang="zh-CN" altLang="en-US" sz="700" b="0" i="0" u="none" strike="noStrike">
+                        <a:solidFill>
+                          <a:srgbClr val="000000"/>
+                        </a:solidFill>
+                        <a:effectLst/>
+                        <a:latin typeface="等线" panose="02010600030101010101" pitchFamily="2" charset="-122"/>
+                        <a:ea typeface="等线" panose="02010600030101010101" pitchFamily="2" charset="-122"/>
+                      </a:endParaRPr>
+                    </a:p>
+                  </a:txBody>
+                  <a:tcPr marL="0" marR="0" marT="0" marB="0">
+                    <a:lnL w="12700" cap="flat" cmpd="sng" algn="ctr">
+                      <a:solidFill>
+                        <a:schemeClr val="tx1"/>
+                      </a:solidFill>
+                      <a:prstDash val="solid"/>
+                      <a:round/>
+                      <a:headEnd type="none" w="med" len="med"/>
+                      <a:tailEnd type="none" w="med" len="med"/>
+                    </a:lnL>
+                    <a:lnR w="12700" cap="flat" cmpd="sng" algn="ctr">
+                      <a:solidFill>
+                        <a:schemeClr val="tx1"/>
+                      </a:solidFill>
+                      <a:prstDash val="solid"/>
+                      <a:round/>
+                      <a:headEnd type="none" w="med" len="med"/>
+                      <a:tailEnd type="none" w="med" len="med"/>
+                    </a:lnR>
+                    <a:lnT w="12700" cap="flat" cmpd="sng" algn="ctr">
+                      <a:solidFill>
+                        <a:schemeClr val="tx1"/>
+                      </a:solidFill>
+                      <a:prstDash val="solid"/>
+                      <a:round/>
+                      <a:headEnd type="none" w="med" len="med"/>
+                      <a:tailEnd type="none" w="med" len="med"/>
+                    </a:lnT>
+                    <a:lnB w="12700" cap="flat" cmpd="sng" algn="ctr">
+                      <a:solidFill>
+                        <a:schemeClr val="tx1"/>
+                      </a:solidFill>
+                      <a:prstDash val="solid"/>
+                      <a:round/>
+                      <a:headEnd type="none" w="med" len="med"/>
+                      <a:tailEnd type="none" w="med" len="med"/>
+                    </a:lnB>
+                    <a:solidFill>
+                      <a:srgbClr val="E5E9FF"/>
+                    </a:solidFill>
+                  </a:tcPr>
+                </a:tc>
+                <a:tc gridSpan="3">
+                  <a:txBody>
+                    <a:bodyPr/>
+                    <a:lstStyle/>
+                    <a:p>
+                      <a:pPr algn="l" fontAlgn="b"/>
+                      <a:endParaRPr lang="zh-CN" altLang="en-US" sz="700" b="0" i="0" u="none" strike="noStrike">
+                        <a:solidFill>
+                          <a:srgbClr val="000000"/>
+                        </a:solidFill>
+                        <a:effectLst/>
+                        <a:latin typeface="等线" panose="02010600030101010101" pitchFamily="2" charset="-122"/>
+                        <a:ea typeface="等线" panose="02010600030101010101" pitchFamily="2" charset="-122"/>
+                      </a:endParaRPr>
+                    </a:p>
+                  </a:txBody>
+                  <a:tcPr marL="0" marR="0" marT="0" marB="0" anchor="b">
+                    <a:lnL w="12700" cap="flat" cmpd="sng" algn="ctr">
+                      <a:solidFill>
+                        <a:schemeClr val="tx1"/>
+                      </a:solidFill>
+                      <a:prstDash val="solid"/>
+                      <a:round/>
+                      <a:headEnd type="none" w="med" len="med"/>
+                      <a:tailEnd type="none" w="med" len="med"/>
+                    </a:lnL>
+                    <a:lnR w="12700" cap="flat" cmpd="sng" algn="ctr">
+                      <a:solidFill>
+                        <a:schemeClr val="tx1"/>
+                      </a:solidFill>
+                      <a:prstDash val="solid"/>
+                      <a:round/>
+                      <a:headEnd type="none" w="med" len="med"/>
+                      <a:tailEnd type="none" w="med" len="med"/>
+                    </a:lnR>
+                    <a:lnT w="12700" cap="flat" cmpd="sng" algn="ctr">
+                      <a:solidFill>
+                        <a:schemeClr val="tx1"/>
+                      </a:solidFill>
+                      <a:prstDash val="solid"/>
+                      <a:round/>
+                      <a:headEnd type="none" w="med" len="med"/>
+                      <a:tailEnd type="none" w="med" len="med"/>
+                    </a:lnT>
+                    <a:lnB w="12700" cap="flat" cmpd="sng" algn="ctr">
+                      <a:solidFill>
+                        <a:schemeClr val="tx1"/>
+                      </a:solidFill>
+                      <a:prstDash val="solid"/>
+                      <a:round/>
+                      <a:headEnd type="none" w="med" len="med"/>
+                      <a:tailEnd type="none" w="med" len="med"/>
+                    </a:lnB>
+                    <a:solidFill>
+                      <a:srgbClr val="E5E9FF"/>
+                    </a:solidFill>
+                  </a:tcPr>
+                </a:tc>
+                <a:tc hMerge="1">
+                  <a:txBody>
+                    <a:bodyPr/>
+                    <a:lstStyle/>
+                    <a:p>
+                      <a:endParaRPr lang="zh-CN" altLang="en-US"/>
+                    </a:p>
+                  </a:txBody>
+                  <a:tcPr/>
+                </a:tc>
+                <a:tc hMerge="1">
+                  <a:txBody>
+                    <a:bodyPr/>
+                    <a:lstStyle/>
+                    <a:p>
+                      <a:endParaRPr lang="zh-CN" altLang="en-US"/>
+                    </a:p>
+                  </a:txBody>
+                  <a:tcPr/>
+                </a:tc>
+                <a:tc>
+                  <a:txBody>
+                    <a:bodyPr/>
+                    <a:lstStyle/>
+                    <a:p>
+                      <a:pPr algn="l" fontAlgn="t"/>
+                      <a:r>
+                        <a:rPr lang="zh-CN" altLang="en-US" sz="700" u="none" strike="noStrike">
+                          <a:effectLst/>
+                        </a:rPr>
+                        <a:t>　</a:t>
+                      </a:r>
+                      <a:endParaRPr lang="zh-CN" altLang="en-US" sz="700" b="0" i="0" u="none" strike="noStrike">
+                        <a:solidFill>
+                          <a:srgbClr val="000000"/>
+                        </a:solidFill>
+                        <a:effectLst/>
+                        <a:latin typeface="等线" panose="02010600030101010101" pitchFamily="2" charset="-122"/>
+                        <a:ea typeface="等线" panose="02010600030101010101" pitchFamily="2" charset="-122"/>
+                      </a:endParaRPr>
+                    </a:p>
+                  </a:txBody>
+                  <a:tcPr marL="0" marR="0" marT="0" marB="0">
+                    <a:lnL w="12700" cap="flat" cmpd="sng" algn="ctr">
+                      <a:solidFill>
+                        <a:schemeClr val="tx1"/>
+                      </a:solidFill>
+                      <a:prstDash val="solid"/>
+                      <a:round/>
+                      <a:headEnd type="none" w="med" len="med"/>
+                      <a:tailEnd type="none" w="med" len="med"/>
+                    </a:lnL>
+                    <a:lnR w="12700" cap="flat" cmpd="sng" algn="ctr">
+                      <a:solidFill>
+                        <a:schemeClr val="tx1"/>
+                      </a:solidFill>
+                      <a:prstDash val="solid"/>
+                      <a:round/>
+                      <a:headEnd type="none" w="med" len="med"/>
+                      <a:tailEnd type="none" w="med" len="med"/>
+                    </a:lnR>
+                    <a:lnT w="12700" cap="flat" cmpd="sng" algn="ctr">
+                      <a:solidFill>
+                        <a:schemeClr val="tx1"/>
+                      </a:solidFill>
+                      <a:prstDash val="solid"/>
+                      <a:round/>
+                      <a:headEnd type="none" w="med" len="med"/>
+                      <a:tailEnd type="none" w="med" len="med"/>
+                    </a:lnT>
+                    <a:lnB w="12700" cap="flat" cmpd="sng" algn="ctr">
+                      <a:solidFill>
+                        <a:schemeClr val="tx1"/>
+                      </a:solidFill>
+                      <a:prstDash val="solid"/>
+                      <a:round/>
+                      <a:headEnd type="none" w="med" len="med"/>
+                      <a:tailEnd type="none" w="med" len="med"/>
+                    </a:lnB>
+                    <a:solidFill>
+                      <a:srgbClr val="E5E9FF"/>
+                    </a:solidFill>
+                  </a:tcPr>
+                </a:tc>
+                <a:tc>
+                  <a:txBody>
+                    <a:bodyPr/>
+                    <a:lstStyle/>
+                    <a:p>
+                      <a:pPr algn="l" fontAlgn="t"/>
+                      <a:r>
+                        <a:rPr lang="zh-CN" altLang="en-US" sz="700" u="none" strike="noStrike">
+                          <a:effectLst/>
+                        </a:rPr>
+                        <a:t>　</a:t>
+                      </a:r>
+                      <a:endParaRPr lang="zh-CN" altLang="en-US" sz="700" b="0" i="0" u="none" strike="noStrike">
+                        <a:solidFill>
+                          <a:srgbClr val="000000"/>
+                        </a:solidFill>
+                        <a:effectLst/>
+                        <a:latin typeface="等线" panose="02010600030101010101" pitchFamily="2" charset="-122"/>
+                        <a:ea typeface="等线" panose="02010600030101010101" pitchFamily="2" charset="-122"/>
+                      </a:endParaRPr>
+                    </a:p>
+                  </a:txBody>
+                  <a:tcPr marL="0" marR="0" marT="0" marB="0">
+                    <a:lnL w="12700" cap="flat" cmpd="sng" algn="ctr">
+                      <a:solidFill>
+                        <a:schemeClr val="tx1"/>
+                      </a:solidFill>
+                      <a:prstDash val="solid"/>
+                      <a:round/>
+                      <a:headEnd type="none" w="med" len="med"/>
+                      <a:tailEnd type="none" w="med" len="med"/>
+                    </a:lnL>
+                    <a:lnR w="12700" cap="flat" cmpd="sng" algn="ctr">
+                      <a:solidFill>
+                        <a:schemeClr val="tx1"/>
+                      </a:solidFill>
+                      <a:prstDash val="solid"/>
+                      <a:round/>
+                      <a:headEnd type="none" w="med" len="med"/>
+                      <a:tailEnd type="none" w="med" len="med"/>
+                    </a:lnR>
+                    <a:lnT w="12700" cap="flat" cmpd="sng" algn="ctr">
+                      <a:solidFill>
+                        <a:schemeClr val="tx1"/>
+                      </a:solidFill>
+                      <a:prstDash val="solid"/>
+                      <a:round/>
+                      <a:headEnd type="none" w="med" len="med"/>
+                      <a:tailEnd type="none" w="med" len="med"/>
+                    </a:lnT>
+                    <a:lnB w="12700" cap="flat" cmpd="sng" algn="ctr">
+                      <a:solidFill>
+                        <a:schemeClr val="tx1"/>
+                      </a:solidFill>
+                      <a:prstDash val="solid"/>
+                      <a:round/>
+                      <a:headEnd type="none" w="med" len="med"/>
+                      <a:tailEnd type="none" w="med" len="med"/>
+                    </a:lnB>
+                    <a:solidFill>
+                      <a:srgbClr val="E5E9FF"/>
+                    </a:solidFill>
+                  </a:tcPr>
+                </a:tc>
+                <a:tc>
+                  <a:txBody>
+                    <a:bodyPr/>
+                    <a:lstStyle/>
+                    <a:p>
+                      <a:pPr algn="l" fontAlgn="t"/>
+                      <a:r>
+                        <a:rPr lang="zh-CN" altLang="en-US" sz="700" u="none" strike="noStrike">
+                          <a:effectLst/>
+                        </a:rPr>
+                        <a:t>　</a:t>
+                      </a:r>
+                      <a:endParaRPr lang="zh-CN" altLang="en-US" sz="700" b="0" i="0" u="none" strike="noStrike">
+                        <a:solidFill>
+                          <a:srgbClr val="000000"/>
+                        </a:solidFill>
+                        <a:effectLst/>
+                        <a:latin typeface="等线" panose="02010600030101010101" pitchFamily="2" charset="-122"/>
+                        <a:ea typeface="等线" panose="02010600030101010101" pitchFamily="2" charset="-122"/>
+                      </a:endParaRPr>
+                    </a:p>
+                  </a:txBody>
+                  <a:tcPr marL="0" marR="0" marT="0" marB="0">
+                    <a:lnL w="12700" cap="flat" cmpd="sng" algn="ctr">
+                      <a:solidFill>
+                        <a:schemeClr val="tx1"/>
+                      </a:solidFill>
+                      <a:prstDash val="solid"/>
+                      <a:round/>
+                      <a:headEnd type="none" w="med" len="med"/>
+                      <a:tailEnd type="none" w="med" len="med"/>
+                    </a:lnL>
+                    <a:lnR w="12700" cap="flat" cmpd="sng" algn="ctr">
+                      <a:solidFill>
+                        <a:schemeClr val="tx1"/>
+                      </a:solidFill>
+                      <a:prstDash val="solid"/>
+                      <a:round/>
+                      <a:headEnd type="none" w="med" len="med"/>
+                      <a:tailEnd type="none" w="med" len="med"/>
+                    </a:lnR>
+                    <a:lnT w="12700" cap="flat" cmpd="sng" algn="ctr">
+                      <a:solidFill>
+                        <a:schemeClr val="tx1"/>
+                      </a:solidFill>
+                      <a:prstDash val="solid"/>
+                      <a:round/>
+                      <a:headEnd type="none" w="med" len="med"/>
+                      <a:tailEnd type="none" w="med" len="med"/>
+                    </a:lnT>
+                    <a:lnB w="12700" cap="flat" cmpd="sng" algn="ctr">
+                      <a:solidFill>
+                        <a:schemeClr val="tx1"/>
+                      </a:solidFill>
+                      <a:prstDash val="solid"/>
+                      <a:round/>
+                      <a:headEnd type="none" w="med" len="med"/>
+                      <a:tailEnd type="none" w="med" len="med"/>
+                    </a:lnB>
+                    <a:solidFill>
+                      <a:srgbClr val="E5E9FF"/>
+                    </a:solidFill>
+                  </a:tcPr>
+                </a:tc>
+                <a:tc>
+                  <a:txBody>
+                    <a:bodyPr/>
+                    <a:lstStyle/>
+                    <a:p>
+                      <a:pPr algn="l" fontAlgn="t"/>
+                      <a:r>
+                        <a:rPr lang="zh-CN" altLang="en-US" sz="700" u="none" strike="noStrike">
+                          <a:effectLst/>
+                        </a:rPr>
+                        <a:t>　</a:t>
+                      </a:r>
+                      <a:endParaRPr lang="zh-CN" altLang="en-US" sz="700" b="0" i="0" u="none" strike="noStrike">
+                        <a:solidFill>
+                          <a:srgbClr val="000000"/>
+                        </a:solidFill>
+                        <a:effectLst/>
+                        <a:latin typeface="等线" panose="02010600030101010101" pitchFamily="2" charset="-122"/>
+                        <a:ea typeface="等线" panose="02010600030101010101" pitchFamily="2" charset="-122"/>
+                      </a:endParaRPr>
+                    </a:p>
+                  </a:txBody>
+                  <a:tcPr marL="0" marR="0" marT="0" marB="0">
+                    <a:lnL w="12700" cap="flat" cmpd="sng" algn="ctr">
+                      <a:solidFill>
+                        <a:schemeClr val="tx1"/>
+                      </a:solidFill>
+                      <a:prstDash val="solid"/>
+                      <a:round/>
+                      <a:headEnd type="none" w="med" len="med"/>
+                      <a:tailEnd type="none" w="med" len="med"/>
+                    </a:lnL>
+                    <a:lnR w="12700" cap="flat" cmpd="sng" algn="ctr">
+                      <a:solidFill>
+                        <a:schemeClr val="tx1"/>
+                      </a:solidFill>
+                      <a:prstDash val="solid"/>
+                      <a:round/>
+                      <a:headEnd type="none" w="med" len="med"/>
+                      <a:tailEnd type="none" w="med" len="med"/>
+                    </a:lnR>
+                    <a:lnT w="12700" cap="flat" cmpd="sng" algn="ctr">
+                      <a:solidFill>
+                        <a:schemeClr val="tx1"/>
+                      </a:solidFill>
+                      <a:prstDash val="solid"/>
+                      <a:round/>
+                      <a:headEnd type="none" w="med" len="med"/>
+                      <a:tailEnd type="none" w="med" len="med"/>
+                    </a:lnT>
+                    <a:lnB w="12700" cap="flat" cmpd="sng" algn="ctr">
+                      <a:solidFill>
+                        <a:schemeClr val="tx1"/>
+                      </a:solidFill>
+                      <a:prstDash val="solid"/>
+                      <a:round/>
+                      <a:headEnd type="none" w="med" len="med"/>
+                      <a:tailEnd type="none" w="med" len="med"/>
+                    </a:lnB>
+                    <a:solidFill>
+                      <a:srgbClr val="E5E9FF"/>
+                    </a:solidFill>
+                  </a:tcPr>
+                </a:tc>
+                <a:tc>
+                  <a:txBody>
+                    <a:bodyPr/>
+                    <a:lstStyle/>
+                    <a:p>
+                      <a:pPr algn="l" fontAlgn="t"/>
+                      <a:r>
+                        <a:rPr lang="zh-CN" altLang="en-US" sz="700" u="none" strike="noStrike">
+                          <a:effectLst/>
+                        </a:rPr>
+                        <a:t>　</a:t>
+                      </a:r>
+                      <a:endParaRPr lang="zh-CN" altLang="en-US" sz="700" b="0" i="0" u="none" strike="noStrike">
+                        <a:solidFill>
+                          <a:srgbClr val="000000"/>
+                        </a:solidFill>
+                        <a:effectLst/>
+                        <a:latin typeface="等线" panose="02010600030101010101" pitchFamily="2" charset="-122"/>
+                        <a:ea typeface="等线" panose="02010600030101010101" pitchFamily="2" charset="-122"/>
+                      </a:endParaRPr>
+                    </a:p>
+                  </a:txBody>
+                  <a:tcPr marL="0" marR="0" marT="0" marB="0">
+                    <a:lnL w="12700" cap="flat" cmpd="sng" algn="ctr">
+                      <a:solidFill>
+                        <a:schemeClr val="tx1"/>
+                      </a:solidFill>
+                      <a:prstDash val="solid"/>
+                      <a:round/>
+                      <a:headEnd type="none" w="med" len="med"/>
+                      <a:tailEnd type="none" w="med" len="med"/>
+                    </a:lnL>
+                    <a:lnR w="12700" cap="flat" cmpd="sng" algn="ctr">
+                      <a:solidFill>
+                        <a:schemeClr val="tx1"/>
+                      </a:solidFill>
+                      <a:prstDash val="solid"/>
+                      <a:round/>
+                      <a:headEnd type="none" w="med" len="med"/>
+                      <a:tailEnd type="none" w="med" len="med"/>
+                    </a:lnR>
+                    <a:lnT w="12700" cap="flat" cmpd="sng" algn="ctr">
+                      <a:solidFill>
+                        <a:schemeClr val="tx1"/>
+                      </a:solidFill>
+                      <a:prstDash val="solid"/>
+                      <a:round/>
+                      <a:headEnd type="none" w="med" len="med"/>
+                      <a:tailEnd type="none" w="med" len="med"/>
+                    </a:lnT>
+                    <a:lnB w="12700" cap="flat" cmpd="sng" algn="ctr">
+                      <a:solidFill>
+                        <a:schemeClr val="tx1"/>
+                      </a:solidFill>
+                      <a:prstDash val="solid"/>
+                      <a:round/>
+                      <a:headEnd type="none" w="med" len="med"/>
+                      <a:tailEnd type="none" w="med" len="med"/>
+                    </a:lnB>
+                    <a:solidFill>
+                      <a:srgbClr val="E5E9FF"/>
+                    </a:solidFill>
+                  </a:tcPr>
+                </a:tc>
+                <a:tc>
+                  <a:txBody>
+                    <a:bodyPr/>
+                    <a:lstStyle/>
+                    <a:p>
+                      <a:pPr algn="l" fontAlgn="t"/>
+                      <a:r>
+                        <a:rPr lang="zh-CN" altLang="en-US" sz="700" u="none" strike="noStrike">
+                          <a:effectLst/>
+                        </a:rPr>
+                        <a:t>　</a:t>
+                      </a:r>
+                      <a:endParaRPr lang="zh-CN" altLang="en-US" sz="700" b="0" i="0" u="none" strike="noStrike">
+                        <a:solidFill>
+                          <a:srgbClr val="000000"/>
+                        </a:solidFill>
+                        <a:effectLst/>
+                        <a:latin typeface="等线" panose="02010600030101010101" pitchFamily="2" charset="-122"/>
+                        <a:ea typeface="等线" panose="02010600030101010101" pitchFamily="2" charset="-122"/>
+                      </a:endParaRPr>
+                    </a:p>
+                  </a:txBody>
+                  <a:tcPr marL="0" marR="0" marT="0" marB="0">
+                    <a:lnL w="12700" cap="flat" cmpd="sng" algn="ctr">
+                      <a:solidFill>
+                        <a:schemeClr val="tx1"/>
+                      </a:solidFill>
+                      <a:prstDash val="solid"/>
+                      <a:round/>
+                      <a:headEnd type="none" w="med" len="med"/>
+                      <a:tailEnd type="none" w="med" len="med"/>
+                    </a:lnL>
+                    <a:lnR w="12700" cap="flat" cmpd="sng" algn="ctr">
+                      <a:solidFill>
+                        <a:schemeClr val="tx1"/>
+                      </a:solidFill>
+                      <a:prstDash val="solid"/>
+                      <a:round/>
+                      <a:headEnd type="none" w="med" len="med"/>
+                      <a:tailEnd type="none" w="med" len="med"/>
+                    </a:lnR>
+                    <a:lnT w="12700" cap="flat" cmpd="sng" algn="ctr">
+                      <a:solidFill>
+                        <a:schemeClr val="tx1"/>
+                      </a:solidFill>
+                      <a:prstDash val="solid"/>
+                      <a:round/>
+                      <a:headEnd type="none" w="med" len="med"/>
+                      <a:tailEnd type="none" w="med" len="med"/>
+                    </a:lnT>
+                    <a:lnB w="12700" cap="flat" cmpd="sng" algn="ctr">
+                      <a:solidFill>
+                        <a:schemeClr val="tx1"/>
+                      </a:solidFill>
+                      <a:prstDash val="solid"/>
+                      <a:round/>
+                      <a:headEnd type="none" w="med" len="med"/>
+                      <a:tailEnd type="none" w="med" len="med"/>
+                    </a:lnB>
+                    <a:solidFill>
+                      <a:srgbClr val="E5E9FF"/>
+                    </a:solidFill>
+                  </a:tcPr>
+                </a:tc>
+                <a:tc>
+                  <a:txBody>
+                    <a:bodyPr/>
+                    <a:lstStyle/>
+                    <a:p>
+                      <a:pPr algn="l" fontAlgn="t"/>
+                      <a:r>
+                        <a:rPr lang="zh-CN" altLang="en-US" sz="700" u="none" strike="noStrike">
+                          <a:effectLst/>
+                        </a:rPr>
+                        <a:t>　</a:t>
+                      </a:r>
+                      <a:endParaRPr lang="zh-CN" altLang="en-US" sz="700" b="0" i="0" u="none" strike="noStrike">
+                        <a:solidFill>
+                          <a:srgbClr val="000000"/>
+                        </a:solidFill>
+                        <a:effectLst/>
+                        <a:latin typeface="等线" panose="02010600030101010101" pitchFamily="2" charset="-122"/>
+                        <a:ea typeface="等线" panose="02010600030101010101" pitchFamily="2" charset="-122"/>
+                      </a:endParaRPr>
+                    </a:p>
+                  </a:txBody>
+                  <a:tcPr marL="0" marR="0" marT="0" marB="0">
+                    <a:lnL w="12700" cap="flat" cmpd="sng" algn="ctr">
+                      <a:solidFill>
+                        <a:schemeClr val="tx1"/>
+                      </a:solidFill>
+                      <a:prstDash val="solid"/>
+                      <a:round/>
+                      <a:headEnd type="none" w="med" len="med"/>
+                      <a:tailEnd type="none" w="med" len="med"/>
+                    </a:lnL>
+                    <a:lnR w="12700" cap="flat" cmpd="sng" algn="ctr">
+                      <a:solidFill>
+                        <a:schemeClr val="tx1"/>
+                      </a:solidFill>
+                      <a:prstDash val="solid"/>
+                      <a:round/>
+                      <a:headEnd type="none" w="med" len="med"/>
+                      <a:tailEnd type="none" w="med" len="med"/>
+                    </a:lnR>
+                    <a:lnT w="12700" cap="flat" cmpd="sng" algn="ctr">
+                      <a:solidFill>
+                        <a:schemeClr val="tx1"/>
+                      </a:solidFill>
+                      <a:prstDash val="solid"/>
+                      <a:round/>
+                      <a:headEnd type="none" w="med" len="med"/>
+                      <a:tailEnd type="none" w="med" len="med"/>
+                    </a:lnT>
+                    <a:lnB w="12700" cap="flat" cmpd="sng" algn="ctr">
+                      <a:solidFill>
+                        <a:schemeClr val="tx1"/>
+                      </a:solidFill>
+                      <a:prstDash val="solid"/>
+                      <a:round/>
+                      <a:headEnd type="none" w="med" len="med"/>
+                      <a:tailEnd type="none" w="med" len="med"/>
+                    </a:lnB>
+                    <a:solidFill>
+                      <a:srgbClr val="E5E9FF"/>
+                    </a:solidFill>
+                  </a:tcPr>
+                </a:tc>
+                <a:tc>
+                  <a:txBody>
+                    <a:bodyPr/>
+                    <a:lstStyle/>
+                    <a:p>
+                      <a:pPr algn="l" fontAlgn="t"/>
+                      <a:r>
+                        <a:rPr lang="zh-CN" altLang="en-US" sz="700" u="none" strike="noStrike">
+                          <a:effectLst/>
+                        </a:rPr>
+                        <a:t>　</a:t>
+                      </a:r>
+                      <a:endParaRPr lang="zh-CN" altLang="en-US" sz="700" b="0" i="0" u="none" strike="noStrike">
+                        <a:solidFill>
+                          <a:srgbClr val="000000"/>
+                        </a:solidFill>
+                        <a:effectLst/>
+                        <a:latin typeface="等线" panose="02010600030101010101" pitchFamily="2" charset="-122"/>
+                        <a:ea typeface="等线" panose="02010600030101010101" pitchFamily="2" charset="-122"/>
+                      </a:endParaRPr>
+                    </a:p>
+                  </a:txBody>
+                  <a:tcPr marL="0" marR="0" marT="0" marB="0">
+                    <a:lnL w="12700" cap="flat" cmpd="sng" algn="ctr">
+                      <a:solidFill>
+                        <a:schemeClr val="tx1"/>
+                      </a:solidFill>
+                      <a:prstDash val="solid"/>
+                      <a:round/>
+                      <a:headEnd type="none" w="med" len="med"/>
+                      <a:tailEnd type="none" w="med" len="med"/>
+                    </a:lnL>
+                    <a:lnR w="12700" cap="flat" cmpd="sng" algn="ctr">
+                      <a:solidFill>
+                        <a:schemeClr val="tx1"/>
+                      </a:solidFill>
+                      <a:prstDash val="solid"/>
+                      <a:round/>
+                      <a:headEnd type="none" w="med" len="med"/>
+                      <a:tailEnd type="none" w="med" len="med"/>
+                    </a:lnR>
+                    <a:lnT w="12700" cap="flat" cmpd="sng" algn="ctr">
+                      <a:solidFill>
+                        <a:schemeClr val="tx1"/>
+                      </a:solidFill>
+                      <a:prstDash val="solid"/>
+                      <a:round/>
+                      <a:headEnd type="none" w="med" len="med"/>
+                      <a:tailEnd type="none" w="med" len="med"/>
+                    </a:lnT>
+                    <a:lnB w="12700" cap="flat" cmpd="sng" algn="ctr">
+                      <a:solidFill>
+                        <a:schemeClr val="tx1"/>
+                      </a:solidFill>
+                      <a:prstDash val="solid"/>
+                      <a:round/>
+                      <a:headEnd type="none" w="med" len="med"/>
+                      <a:tailEnd type="none" w="med" len="med"/>
+                    </a:lnB>
+                    <a:solidFill>
+                      <a:srgbClr val="E5E9FF"/>
+                    </a:solidFill>
+                  </a:tcPr>
+                </a:tc>
+                <a:tc>
+                  <a:txBody>
+                    <a:bodyPr/>
+                    <a:lstStyle/>
+                    <a:p>
+                      <a:pPr algn="l" fontAlgn="t"/>
+                      <a:r>
+                        <a:rPr lang="zh-CN" altLang="en-US" sz="700" u="none" strike="noStrike">
+                          <a:effectLst/>
+                        </a:rPr>
+                        <a:t>　</a:t>
+                      </a:r>
+                      <a:endParaRPr lang="zh-CN" altLang="en-US" sz="700" b="0" i="0" u="none" strike="noStrike">
+                        <a:solidFill>
+                          <a:srgbClr val="000000"/>
+                        </a:solidFill>
+                        <a:effectLst/>
+                        <a:latin typeface="等线" panose="02010600030101010101" pitchFamily="2" charset="-122"/>
+                        <a:ea typeface="等线" panose="02010600030101010101" pitchFamily="2" charset="-122"/>
+                      </a:endParaRPr>
+                    </a:p>
+                  </a:txBody>
+                  <a:tcPr marL="0" marR="0" marT="0" marB="0">
+                    <a:lnL w="12700" cap="flat" cmpd="sng" algn="ctr">
+                      <a:solidFill>
+                        <a:schemeClr val="tx1"/>
+                      </a:solidFill>
+                      <a:prstDash val="solid"/>
+                      <a:round/>
+                      <a:headEnd type="none" w="med" len="med"/>
+                      <a:tailEnd type="none" w="med" len="med"/>
+                    </a:lnL>
+                    <a:lnR w="12700" cap="flat" cmpd="sng" algn="ctr">
+                      <a:solidFill>
+                        <a:schemeClr val="tx1"/>
+                      </a:solidFill>
+                      <a:prstDash val="solid"/>
+                      <a:round/>
+                      <a:headEnd type="none" w="med" len="med"/>
+                      <a:tailEnd type="none" w="med" len="med"/>
+                    </a:lnR>
+                    <a:lnT w="12700" cap="flat" cmpd="sng" algn="ctr">
+                      <a:solidFill>
+                        <a:schemeClr val="tx1"/>
+                      </a:solidFill>
+                      <a:prstDash val="solid"/>
+                      <a:round/>
+                      <a:headEnd type="none" w="med" len="med"/>
+                      <a:tailEnd type="none" w="med" len="med"/>
+                    </a:lnT>
+                    <a:lnB w="12700" cap="flat" cmpd="sng" algn="ctr">
+                      <a:solidFill>
+                        <a:schemeClr val="tx1"/>
+                      </a:solidFill>
+                      <a:prstDash val="solid"/>
+                      <a:round/>
+                      <a:headEnd type="none" w="med" len="med"/>
+                      <a:tailEnd type="none" w="med" len="med"/>
+                    </a:lnB>
+                    <a:solidFill>
+                      <a:srgbClr val="E5E9FF"/>
+                    </a:solidFill>
+                  </a:tcPr>
+                </a:tc>
+                <a:tc>
+                  <a:txBody>
+                    <a:bodyPr/>
+                    <a:lstStyle/>
+                    <a:p>
+                      <a:pPr algn="l" fontAlgn="t"/>
+                      <a:r>
+                        <a:rPr lang="zh-CN" altLang="en-US" sz="700" u="none" strike="noStrike">
+                          <a:effectLst/>
+                        </a:rPr>
+                        <a:t>　</a:t>
+                      </a:r>
+                      <a:endParaRPr lang="zh-CN" altLang="en-US" sz="700" b="0" i="0" u="none" strike="noStrike">
+                        <a:solidFill>
+                          <a:srgbClr val="000000"/>
+                        </a:solidFill>
+                        <a:effectLst/>
+                        <a:latin typeface="等线" panose="02010600030101010101" pitchFamily="2" charset="-122"/>
+                        <a:ea typeface="等线" panose="02010600030101010101" pitchFamily="2" charset="-122"/>
+                      </a:endParaRPr>
+                    </a:p>
+                  </a:txBody>
+                  <a:tcPr marL="0" marR="0" marT="0" marB="0">
+                    <a:lnL w="12700" cap="flat" cmpd="sng" algn="ctr">
+                      <a:solidFill>
+                        <a:schemeClr val="tx1"/>
+                      </a:solidFill>
+                      <a:prstDash val="solid"/>
+                      <a:round/>
+                      <a:headEnd type="none" w="med" len="med"/>
+                      <a:tailEnd type="none" w="med" len="med"/>
+                    </a:lnL>
+                    <a:lnR w="12700" cap="flat" cmpd="sng" algn="ctr">
+                      <a:solidFill>
+                        <a:schemeClr val="tx1"/>
+                      </a:solidFill>
+                      <a:prstDash val="solid"/>
+                      <a:round/>
+                      <a:headEnd type="none" w="med" len="med"/>
+                      <a:tailEnd type="none" w="med" len="med"/>
+                    </a:lnR>
+                    <a:lnT w="12700" cap="flat" cmpd="sng" algn="ctr">
+                      <a:solidFill>
+                        <a:schemeClr val="tx1"/>
+                      </a:solidFill>
+                      <a:prstDash val="solid"/>
+                      <a:round/>
+                      <a:headEnd type="none" w="med" len="med"/>
+                      <a:tailEnd type="none" w="med" len="med"/>
+                    </a:lnT>
+                    <a:lnB w="12700" cap="flat" cmpd="sng" algn="ctr">
+                      <a:solidFill>
+                        <a:schemeClr val="tx1"/>
+                      </a:solidFill>
+                      <a:prstDash val="solid"/>
+                      <a:round/>
+                      <a:headEnd type="none" w="med" len="med"/>
+                      <a:tailEnd type="none" w="med" len="med"/>
+                    </a:lnB>
+                    <a:solidFill>
+                      <a:srgbClr val="E5E9FF"/>
+                    </a:solidFill>
+                  </a:tcPr>
+                </a:tc>
+                <a:tc>
+                  <a:txBody>
+                    <a:bodyPr/>
+                    <a:lstStyle/>
+                    <a:p>
+                      <a:pPr algn="l" fontAlgn="t"/>
+                      <a:r>
+                        <a:rPr lang="zh-CN" altLang="en-US" sz="700" u="none" strike="noStrike">
+                          <a:effectLst/>
+                        </a:rPr>
+                        <a:t>　</a:t>
+                      </a:r>
+                      <a:endParaRPr lang="zh-CN" altLang="en-US" sz="700" b="0" i="0" u="none" strike="noStrike">
+                        <a:solidFill>
+                          <a:srgbClr val="000000"/>
+                        </a:solidFill>
+                        <a:effectLst/>
+                        <a:latin typeface="等线" panose="02010600030101010101" pitchFamily="2" charset="-122"/>
+                        <a:ea typeface="等线" panose="02010600030101010101" pitchFamily="2" charset="-122"/>
+                      </a:endParaRPr>
+                    </a:p>
+                  </a:txBody>
+                  <a:tcPr marL="0" marR="0" marT="0" marB="0">
+                    <a:lnL w="12700" cap="flat" cmpd="sng" algn="ctr">
+                      <a:solidFill>
+                        <a:schemeClr val="tx1"/>
+                      </a:solidFill>
+                      <a:prstDash val="solid"/>
+                      <a:round/>
+                      <a:headEnd type="none" w="med" len="med"/>
+                      <a:tailEnd type="none" w="med" len="med"/>
+                    </a:lnL>
+                    <a:lnR w="12700" cap="flat" cmpd="sng" algn="ctr">
+                      <a:solidFill>
+                        <a:schemeClr val="tx1"/>
+                      </a:solidFill>
+                      <a:prstDash val="solid"/>
+                      <a:round/>
+                      <a:headEnd type="none" w="med" len="med"/>
+                      <a:tailEnd type="none" w="med" len="med"/>
+                    </a:lnR>
+                    <a:lnT w="12700" cap="flat" cmpd="sng" algn="ctr">
+                      <a:solidFill>
+                        <a:schemeClr val="tx1"/>
+                      </a:solidFill>
+                      <a:prstDash val="solid"/>
+                      <a:round/>
+                      <a:headEnd type="none" w="med" len="med"/>
+                      <a:tailEnd type="none" w="med" len="med"/>
+                    </a:lnT>
+                    <a:lnB w="12700" cap="flat" cmpd="sng" algn="ctr">
+                      <a:solidFill>
+                        <a:schemeClr val="tx1"/>
+                      </a:solidFill>
+                      <a:prstDash val="solid"/>
+                      <a:round/>
+                      <a:headEnd type="none" w="med" len="med"/>
+                      <a:tailEnd type="none" w="med" len="med"/>
+                    </a:lnB>
+                    <a:solidFill>
+                      <a:srgbClr val="E5E9FF"/>
+                    </a:solidFill>
+                  </a:tcPr>
+                </a:tc>
+                <a:tc>
+                  <a:txBody>
+                    <a:bodyPr/>
+                    <a:lstStyle/>
+                    <a:p>
+                      <a:pPr algn="l" fontAlgn="t"/>
+                      <a:r>
+                        <a:rPr lang="zh-CN" altLang="en-US" sz="700" u="none" strike="noStrike">
+                          <a:effectLst/>
+                        </a:rPr>
+                        <a:t>　</a:t>
+                      </a:r>
+                      <a:endParaRPr lang="zh-CN" altLang="en-US" sz="700" b="0" i="0" u="none" strike="noStrike">
+                        <a:solidFill>
+                          <a:srgbClr val="000000"/>
+                        </a:solidFill>
+                        <a:effectLst/>
+                        <a:latin typeface="等线" panose="02010600030101010101" pitchFamily="2" charset="-122"/>
+                        <a:ea typeface="等线" panose="02010600030101010101" pitchFamily="2" charset="-122"/>
+                      </a:endParaRPr>
+                    </a:p>
+                  </a:txBody>
+                  <a:tcPr marL="0" marR="0" marT="0" marB="0">
+                    <a:lnL w="12700" cap="flat" cmpd="sng" algn="ctr">
+                      <a:solidFill>
+                        <a:schemeClr val="tx1"/>
+                      </a:solidFill>
+                      <a:prstDash val="solid"/>
+                      <a:round/>
+                      <a:headEnd type="none" w="med" len="med"/>
+                      <a:tailEnd type="none" w="med" len="med"/>
+                    </a:lnL>
+                    <a:lnR w="12700" cap="flat" cmpd="sng" algn="ctr">
+                      <a:solidFill>
+                        <a:schemeClr val="tx1"/>
+                      </a:solidFill>
+                      <a:prstDash val="solid"/>
+                      <a:round/>
+                      <a:headEnd type="none" w="med" len="med"/>
+                      <a:tailEnd type="none" w="med" len="med"/>
+                    </a:lnR>
+                    <a:lnT w="12700" cap="flat" cmpd="sng" algn="ctr">
+                      <a:solidFill>
+                        <a:schemeClr val="tx1"/>
+                      </a:solidFill>
+                      <a:prstDash val="solid"/>
+                      <a:round/>
+                      <a:headEnd type="none" w="med" len="med"/>
+                      <a:tailEnd type="none" w="med" len="med"/>
+                    </a:lnT>
+                    <a:lnB w="12700" cap="flat" cmpd="sng" algn="ctr">
+                      <a:solidFill>
+                        <a:schemeClr val="tx1"/>
+                      </a:solidFill>
+                      <a:prstDash val="solid"/>
+                      <a:round/>
+                      <a:headEnd type="none" w="med" len="med"/>
+                      <a:tailEnd type="none" w="med" len="med"/>
+                    </a:lnB>
+                    <a:solidFill>
+                      <a:srgbClr val="E5E9FF"/>
+                    </a:solidFill>
+                  </a:tcPr>
+                </a:tc>
+                <a:extLst>
+                  <a:ext uri="{0D108BD9-81ED-4DB2-BD59-A6C34878D82A}">
+                    <a16:rowId xmlns:a16="http://schemas.microsoft.com/office/drawing/2014/main" val="197327968"/>
+                  </a:ext>
+                </a:extLst>
+              </a:tr>
+              <a:tr h="518482">
+                <a:tc>
+                  <a:txBody>
+                    <a:bodyPr/>
+                    <a:lstStyle/>
+                    <a:p>
+                      <a:pPr algn="ctr" fontAlgn="t">
+                        <a:lnSpc>
+                          <a:spcPct val="200000"/>
+                        </a:lnSpc>
+                      </a:pPr>
+                      <a:r>
+                        <a:rPr lang="ja-JP" altLang="en-US" sz="1000" u="none" strike="noStrike" dirty="0">
+                          <a:effectLst/>
+                          <a:latin typeface="+mj-lt"/>
+                        </a:rPr>
+                        <a:t>製造・単体テスト</a:t>
+                      </a:r>
+                      <a:endParaRPr lang="ja-JP" altLang="en-US" sz="1000" b="0" i="0" u="none" strike="noStrike" dirty="0">
+                        <a:solidFill>
+                          <a:srgbClr val="000000"/>
+                        </a:solidFill>
+                        <a:effectLst/>
+                        <a:latin typeface="+mj-lt"/>
+                        <a:ea typeface="等线" panose="02010600030101010101" pitchFamily="2" charset="-122"/>
+                      </a:endParaRPr>
+                    </a:p>
+                  </a:txBody>
+                  <a:tcPr marL="0" marR="0" marT="0" marB="0">
+                    <a:lnL w="12700" cap="flat" cmpd="sng" algn="ctr">
+                      <a:solidFill>
+                        <a:schemeClr val="tx1"/>
+                      </a:solidFill>
+                      <a:prstDash val="solid"/>
+                      <a:round/>
+                      <a:headEnd type="none" w="med" len="med"/>
+                      <a:tailEnd type="none" w="med" len="med"/>
+                    </a:lnL>
+                    <a:lnR w="12700" cap="flat" cmpd="sng" algn="ctr">
+                      <a:solidFill>
+                        <a:schemeClr val="bg1"/>
+                      </a:solidFill>
+                      <a:prstDash val="solid"/>
+                      <a:round/>
+                      <a:headEnd type="none" w="med" len="med"/>
+                      <a:tailEnd type="none" w="med" len="med"/>
+                    </a:lnR>
+                    <a:lnT w="12700" cap="flat" cmpd="sng" algn="ctr">
+                      <a:solidFill>
+                        <a:schemeClr val="tx1"/>
+                      </a:solidFill>
+                      <a:prstDash val="solid"/>
+                      <a:round/>
+                      <a:headEnd type="none" w="med" len="med"/>
+                      <a:tailEnd type="none" w="med" len="med"/>
+                    </a:lnT>
+                    <a:lnB w="12700" cap="flat" cmpd="sng" algn="ctr">
+                      <a:solidFill>
+                        <a:schemeClr val="tx1"/>
+                      </a:solidFill>
+                      <a:prstDash val="solid"/>
+                      <a:round/>
+                      <a:headEnd type="none" w="med" len="med"/>
+                      <a:tailEnd type="none" w="med" len="med"/>
+                    </a:lnB>
+                    <a:solidFill>
+                      <a:srgbClr val="E5E9FF"/>
+                    </a:solidFill>
+                  </a:tcPr>
+                </a:tc>
+                <a:tc>
+                  <a:txBody>
+                    <a:bodyPr/>
+                    <a:lstStyle/>
+                    <a:p>
+                      <a:pPr algn="ctr" fontAlgn="t">
+                        <a:lnSpc>
+                          <a:spcPct val="250000"/>
+                        </a:lnSpc>
+                      </a:pPr>
+                      <a:r>
+                        <a:rPr lang="en-US" altLang="zh-CN" sz="900" u="none" strike="noStrike" dirty="0">
+                          <a:effectLst/>
+                        </a:rPr>
+                        <a:t>45</a:t>
+                      </a:r>
+                      <a:r>
+                        <a:rPr lang="zh-CN" altLang="en-US" sz="900" u="none" strike="noStrike" dirty="0">
+                          <a:effectLst/>
+                        </a:rPr>
+                        <a:t>人日</a:t>
+                      </a:r>
+                      <a:endParaRPr lang="zh-CN" altLang="en-US" sz="900" b="0" i="0" u="none" strike="noStrike" dirty="0">
+                        <a:solidFill>
+                          <a:srgbClr val="000000"/>
+                        </a:solidFill>
+                        <a:effectLst/>
+                        <a:latin typeface="等线" panose="02010600030101010101" pitchFamily="2" charset="-122"/>
+                        <a:ea typeface="等线" panose="02010600030101010101" pitchFamily="2" charset="-122"/>
+                      </a:endParaRPr>
+                    </a:p>
+                  </a:txBody>
+                  <a:tcPr marL="0" marR="0" marT="0" marB="0">
+                    <a:lnL w="12700" cap="flat" cmpd="sng" algn="ctr">
+                      <a:solidFill>
+                        <a:schemeClr val="bg1"/>
+                      </a:solidFill>
+                      <a:prstDash val="solid"/>
+                      <a:round/>
+                      <a:headEnd type="none" w="med" len="med"/>
+                      <a:tailEnd type="none" w="med" len="med"/>
+                    </a:lnL>
+                    <a:lnR w="12700" cap="flat" cmpd="sng" algn="ctr">
+                      <a:solidFill>
+                        <a:schemeClr val="bg1"/>
+                      </a:solidFill>
+                      <a:prstDash val="solid"/>
+                      <a:round/>
+                      <a:headEnd type="none" w="med" len="med"/>
+                      <a:tailEnd type="none" w="med" len="med"/>
+                    </a:lnR>
+                    <a:lnT w="12700" cap="flat" cmpd="sng" algn="ctr">
+                      <a:solidFill>
+                        <a:schemeClr val="tx1"/>
+                      </a:solidFill>
+                      <a:prstDash val="solid"/>
+                      <a:round/>
+                      <a:headEnd type="none" w="med" len="med"/>
+                      <a:tailEnd type="none" w="med" len="med"/>
+                    </a:lnT>
+                    <a:lnB w="12700" cap="flat" cmpd="sng" algn="ctr">
+                      <a:solidFill>
+                        <a:schemeClr val="tx1"/>
+                      </a:solidFill>
+                      <a:prstDash val="solid"/>
+                      <a:round/>
+                      <a:headEnd type="none" w="med" len="med"/>
+                      <a:tailEnd type="none" w="med" len="med"/>
+                    </a:lnB>
+                    <a:solidFill>
+                      <a:srgbClr val="E5E9FF"/>
+                    </a:solidFill>
+                  </a:tcPr>
+                </a:tc>
+                <a:tc>
+                  <a:txBody>
+                    <a:bodyPr/>
+                    <a:lstStyle/>
+                    <a:p>
+                      <a:pPr algn="l" fontAlgn="t"/>
+                      <a:r>
+                        <a:rPr lang="zh-CN" altLang="en-US" sz="700" u="none" strike="noStrike">
+                          <a:effectLst/>
+                        </a:rPr>
+                        <a:t>　</a:t>
+                      </a:r>
+                      <a:endParaRPr lang="zh-CN" altLang="en-US" sz="700" b="0" i="0" u="none" strike="noStrike">
+                        <a:solidFill>
+                          <a:srgbClr val="000000"/>
+                        </a:solidFill>
+                        <a:effectLst/>
+                        <a:latin typeface="等线" panose="02010600030101010101" pitchFamily="2" charset="-122"/>
+                        <a:ea typeface="等线" panose="02010600030101010101" pitchFamily="2" charset="-122"/>
+                      </a:endParaRPr>
+                    </a:p>
+                  </a:txBody>
+                  <a:tcPr marL="0" marR="0" marT="0" marB="0">
+                    <a:lnL w="12700" cap="flat" cmpd="sng" algn="ctr">
+                      <a:solidFill>
+                        <a:schemeClr val="bg1"/>
+                      </a:solidFill>
+                      <a:prstDash val="solid"/>
+                      <a:round/>
+                      <a:headEnd type="none" w="med" len="med"/>
+                      <a:tailEnd type="none" w="med" len="med"/>
+                    </a:lnL>
+                    <a:lnR w="12700" cap="flat" cmpd="sng" algn="ctr">
+                      <a:solidFill>
+                        <a:schemeClr val="tx1"/>
+                      </a:solidFill>
+                      <a:prstDash val="solid"/>
+                      <a:round/>
+                      <a:headEnd type="none" w="med" len="med"/>
+                      <a:tailEnd type="none" w="med" len="med"/>
+                    </a:lnR>
+                    <a:lnT w="12700" cap="flat" cmpd="sng" algn="ctr">
+                      <a:solidFill>
+                        <a:schemeClr val="tx1"/>
+                      </a:solidFill>
+                      <a:prstDash val="solid"/>
+                      <a:round/>
+                      <a:headEnd type="none" w="med" len="med"/>
+                      <a:tailEnd type="none" w="med" len="med"/>
+                    </a:lnT>
+                    <a:lnB w="12700" cap="flat" cmpd="sng" algn="ctr">
+                      <a:solidFill>
+                        <a:schemeClr val="tx1"/>
+                      </a:solidFill>
+                      <a:prstDash val="solid"/>
+                      <a:round/>
+                      <a:headEnd type="none" w="med" len="med"/>
+                      <a:tailEnd type="none" w="med" len="med"/>
+                    </a:lnB>
+                    <a:solidFill>
+                      <a:srgbClr val="E5E9FF"/>
+                    </a:solidFill>
+                  </a:tcPr>
+                </a:tc>
+                <a:tc>
+                  <a:txBody>
+                    <a:bodyPr/>
+                    <a:lstStyle/>
+                    <a:p>
+                      <a:pPr algn="l" fontAlgn="t"/>
+                      <a:r>
+                        <a:rPr lang="zh-CN" altLang="en-US" sz="700" u="none" strike="noStrike">
+                          <a:effectLst/>
+                        </a:rPr>
+                        <a:t>　</a:t>
+                      </a:r>
+                      <a:endParaRPr lang="zh-CN" altLang="en-US" sz="700" b="0" i="0" u="none" strike="noStrike">
+                        <a:solidFill>
+                          <a:srgbClr val="000000"/>
+                        </a:solidFill>
+                        <a:effectLst/>
+                        <a:latin typeface="等线" panose="02010600030101010101" pitchFamily="2" charset="-122"/>
+                        <a:ea typeface="等线" panose="02010600030101010101" pitchFamily="2" charset="-122"/>
+                      </a:endParaRPr>
+                    </a:p>
+                  </a:txBody>
+                  <a:tcPr marL="0" marR="0" marT="0" marB="0">
+                    <a:lnL w="12700" cap="flat" cmpd="sng" algn="ctr">
+                      <a:solidFill>
+                        <a:schemeClr val="tx1"/>
+                      </a:solidFill>
+                      <a:prstDash val="solid"/>
+                      <a:round/>
+                      <a:headEnd type="none" w="med" len="med"/>
+                      <a:tailEnd type="none" w="med" len="med"/>
+                    </a:lnL>
+                    <a:lnR w="12700" cap="flat" cmpd="sng" algn="ctr">
+                      <a:solidFill>
+                        <a:schemeClr val="tx1"/>
+                      </a:solidFill>
+                      <a:prstDash val="solid"/>
+                      <a:round/>
+                      <a:headEnd type="none" w="med" len="med"/>
+                      <a:tailEnd type="none" w="med" len="med"/>
+                    </a:lnR>
+                    <a:lnT w="12700" cap="flat" cmpd="sng" algn="ctr">
+                      <a:solidFill>
+                        <a:schemeClr val="tx1"/>
+                      </a:solidFill>
+                      <a:prstDash val="solid"/>
+                      <a:round/>
+                      <a:headEnd type="none" w="med" len="med"/>
+                      <a:tailEnd type="none" w="med" len="med"/>
+                    </a:lnT>
+                    <a:lnB w="12700" cap="flat" cmpd="sng" algn="ctr">
+                      <a:solidFill>
+                        <a:schemeClr val="tx1"/>
+                      </a:solidFill>
+                      <a:prstDash val="solid"/>
+                      <a:round/>
+                      <a:headEnd type="none" w="med" len="med"/>
+                      <a:tailEnd type="none" w="med" len="med"/>
+                    </a:lnB>
+                    <a:solidFill>
+                      <a:srgbClr val="E5E9FF"/>
+                    </a:solidFill>
+                  </a:tcPr>
+                </a:tc>
+                <a:tc>
+                  <a:txBody>
+                    <a:bodyPr/>
+                    <a:lstStyle/>
+                    <a:p>
+                      <a:pPr algn="l" fontAlgn="t"/>
+                      <a:r>
+                        <a:rPr lang="zh-CN" altLang="en-US" sz="700" u="none" strike="noStrike">
+                          <a:effectLst/>
+                        </a:rPr>
+                        <a:t>　</a:t>
+                      </a:r>
+                      <a:endParaRPr lang="zh-CN" altLang="en-US" sz="700" b="0" i="0" u="none" strike="noStrike">
+                        <a:solidFill>
+                          <a:srgbClr val="000000"/>
+                        </a:solidFill>
+                        <a:effectLst/>
+                        <a:latin typeface="等线" panose="02010600030101010101" pitchFamily="2" charset="-122"/>
+                        <a:ea typeface="等线" panose="02010600030101010101" pitchFamily="2" charset="-122"/>
+                      </a:endParaRPr>
+                    </a:p>
+                  </a:txBody>
+                  <a:tcPr marL="0" marR="0" marT="0" marB="0">
+                    <a:lnL w="12700" cap="flat" cmpd="sng" algn="ctr">
+                      <a:solidFill>
+                        <a:schemeClr val="tx1"/>
+                      </a:solidFill>
+                      <a:prstDash val="solid"/>
+                      <a:round/>
+                      <a:headEnd type="none" w="med" len="med"/>
+                      <a:tailEnd type="none" w="med" len="med"/>
+                    </a:lnL>
+                    <a:lnR w="12700" cap="flat" cmpd="sng" algn="ctr">
+                      <a:solidFill>
+                        <a:schemeClr val="tx1"/>
+                      </a:solidFill>
+                      <a:prstDash val="solid"/>
+                      <a:round/>
+                      <a:headEnd type="none" w="med" len="med"/>
+                      <a:tailEnd type="none" w="med" len="med"/>
+                    </a:lnR>
+                    <a:lnT w="12700" cap="flat" cmpd="sng" algn="ctr">
+                      <a:solidFill>
+                        <a:schemeClr val="tx1"/>
+                      </a:solidFill>
+                      <a:prstDash val="solid"/>
+                      <a:round/>
+                      <a:headEnd type="none" w="med" len="med"/>
+                      <a:tailEnd type="none" w="med" len="med"/>
+                    </a:lnT>
+                    <a:lnB w="12700" cap="flat" cmpd="sng" algn="ctr">
+                      <a:solidFill>
+                        <a:schemeClr val="tx1"/>
+                      </a:solidFill>
+                      <a:prstDash val="solid"/>
+                      <a:round/>
+                      <a:headEnd type="none" w="med" len="med"/>
+                      <a:tailEnd type="none" w="med" len="med"/>
+                    </a:lnB>
+                    <a:solidFill>
+                      <a:srgbClr val="E5E9FF"/>
+                    </a:solidFill>
+                  </a:tcPr>
+                </a:tc>
+                <a:tc>
+                  <a:txBody>
+                    <a:bodyPr/>
+                    <a:lstStyle/>
+                    <a:p>
+                      <a:pPr algn="l" fontAlgn="t"/>
+                      <a:r>
+                        <a:rPr lang="zh-CN" altLang="en-US" sz="700" u="none" strike="noStrike">
+                          <a:effectLst/>
+                        </a:rPr>
+                        <a:t>　</a:t>
+                      </a:r>
+                      <a:endParaRPr lang="zh-CN" altLang="en-US" sz="700" b="0" i="0" u="none" strike="noStrike">
+                        <a:solidFill>
+                          <a:srgbClr val="000000"/>
+                        </a:solidFill>
+                        <a:effectLst/>
+                        <a:latin typeface="等线" panose="02010600030101010101" pitchFamily="2" charset="-122"/>
+                        <a:ea typeface="等线" panose="02010600030101010101" pitchFamily="2" charset="-122"/>
+                      </a:endParaRPr>
+                    </a:p>
+                  </a:txBody>
+                  <a:tcPr marL="0" marR="0" marT="0" marB="0">
+                    <a:lnL w="12700" cap="flat" cmpd="sng" algn="ctr">
+                      <a:solidFill>
+                        <a:schemeClr val="tx1"/>
+                      </a:solidFill>
+                      <a:prstDash val="solid"/>
+                      <a:round/>
+                      <a:headEnd type="none" w="med" len="med"/>
+                      <a:tailEnd type="none" w="med" len="med"/>
+                    </a:lnL>
+                    <a:lnR w="12700" cap="flat" cmpd="sng" algn="ctr">
+                      <a:solidFill>
+                        <a:schemeClr val="tx1"/>
+                      </a:solidFill>
+                      <a:prstDash val="solid"/>
+                      <a:round/>
+                      <a:headEnd type="none" w="med" len="med"/>
+                      <a:tailEnd type="none" w="med" len="med"/>
+                    </a:lnR>
+                    <a:lnT w="12700" cap="flat" cmpd="sng" algn="ctr">
+                      <a:solidFill>
+                        <a:schemeClr val="tx1"/>
+                      </a:solidFill>
+                      <a:prstDash val="solid"/>
+                      <a:round/>
+                      <a:headEnd type="none" w="med" len="med"/>
+                      <a:tailEnd type="none" w="med" len="med"/>
+                    </a:lnT>
+                    <a:lnB w="12700" cap="flat" cmpd="sng" algn="ctr">
+                      <a:solidFill>
+                        <a:schemeClr val="tx1"/>
+                      </a:solidFill>
+                      <a:prstDash val="solid"/>
+                      <a:round/>
+                      <a:headEnd type="none" w="med" len="med"/>
+                      <a:tailEnd type="none" w="med" len="med"/>
+                    </a:lnB>
+                    <a:solidFill>
+                      <a:srgbClr val="E5E9FF"/>
+                    </a:solidFill>
+                  </a:tcPr>
+                </a:tc>
+                <a:tc>
+                  <a:txBody>
+                    <a:bodyPr/>
+                    <a:lstStyle/>
+                    <a:p>
+                      <a:pPr algn="l" fontAlgn="t"/>
+                      <a:endParaRPr lang="zh-CN" altLang="en-US" sz="700" b="0" i="0" u="none" strike="noStrike" dirty="0">
+                        <a:solidFill>
+                          <a:srgbClr val="000000"/>
+                        </a:solidFill>
+                        <a:effectLst/>
+                        <a:latin typeface="等线" panose="02010600030101010101" pitchFamily="2" charset="-122"/>
+                        <a:ea typeface="等线" panose="02010600030101010101" pitchFamily="2" charset="-122"/>
+                      </a:endParaRPr>
+                    </a:p>
+                  </a:txBody>
+                  <a:tcPr marL="0" marR="0" marT="0" marB="0">
+                    <a:lnL w="12700" cap="flat" cmpd="sng" algn="ctr">
+                      <a:solidFill>
+                        <a:schemeClr val="tx1"/>
+                      </a:solidFill>
+                      <a:prstDash val="solid"/>
+                      <a:round/>
+                      <a:headEnd type="none" w="med" len="med"/>
+                      <a:tailEnd type="none" w="med" len="med"/>
+                    </a:lnL>
+                    <a:lnR w="12700" cap="flat" cmpd="sng" algn="ctr">
+                      <a:solidFill>
+                        <a:schemeClr val="tx1"/>
+                      </a:solidFill>
+                      <a:prstDash val="solid"/>
+                      <a:round/>
+                      <a:headEnd type="none" w="med" len="med"/>
+                      <a:tailEnd type="none" w="med" len="med"/>
+                    </a:lnR>
+                    <a:lnT w="12700" cap="flat" cmpd="sng" algn="ctr">
+                      <a:solidFill>
+                        <a:schemeClr val="tx1"/>
+                      </a:solidFill>
+                      <a:prstDash val="solid"/>
+                      <a:round/>
+                      <a:headEnd type="none" w="med" len="med"/>
+                      <a:tailEnd type="none" w="med" len="med"/>
+                    </a:lnT>
+                    <a:lnB w="12700" cap="flat" cmpd="sng" algn="ctr">
+                      <a:solidFill>
+                        <a:schemeClr val="tx1"/>
+                      </a:solidFill>
+                      <a:prstDash val="solid"/>
+                      <a:round/>
+                      <a:headEnd type="none" w="med" len="med"/>
+                      <a:tailEnd type="none" w="med" len="med"/>
+                    </a:lnB>
+                    <a:solidFill>
+                      <a:srgbClr val="E5E9FF"/>
+                    </a:solidFill>
+                  </a:tcPr>
+                </a:tc>
+                <a:tc>
+                  <a:txBody>
+                    <a:bodyPr/>
+                    <a:lstStyle/>
+                    <a:p>
+                      <a:pPr algn="l" fontAlgn="t"/>
+                      <a:r>
+                        <a:rPr lang="zh-CN" altLang="en-US" sz="700" u="none" strike="noStrike" dirty="0">
+                          <a:effectLst/>
+                        </a:rPr>
+                        <a:t>　</a:t>
+                      </a:r>
+                      <a:endParaRPr lang="zh-CN" altLang="en-US" sz="700" b="0" i="0" u="none" strike="noStrike" dirty="0">
+                        <a:solidFill>
+                          <a:srgbClr val="000000"/>
+                        </a:solidFill>
+                        <a:effectLst/>
+                        <a:latin typeface="等线" panose="02010600030101010101" pitchFamily="2" charset="-122"/>
+                        <a:ea typeface="等线" panose="02010600030101010101" pitchFamily="2" charset="-122"/>
+                      </a:endParaRPr>
+                    </a:p>
+                  </a:txBody>
+                  <a:tcPr marL="0" marR="0" marT="0" marB="0">
+                    <a:lnL w="12700" cap="flat" cmpd="sng" algn="ctr">
+                      <a:solidFill>
+                        <a:schemeClr val="tx1"/>
+                      </a:solidFill>
+                      <a:prstDash val="solid"/>
+                      <a:round/>
+                      <a:headEnd type="none" w="med" len="med"/>
+                      <a:tailEnd type="none" w="med" len="med"/>
+                    </a:lnL>
+                    <a:lnR w="12700" cap="flat" cmpd="sng" algn="ctr">
+                      <a:solidFill>
+                        <a:schemeClr val="tx1"/>
+                      </a:solidFill>
+                      <a:prstDash val="solid"/>
+                      <a:round/>
+                      <a:headEnd type="none" w="med" len="med"/>
+                      <a:tailEnd type="none" w="med" len="med"/>
+                    </a:lnR>
+                    <a:lnT w="12700" cap="flat" cmpd="sng" algn="ctr">
+                      <a:solidFill>
+                        <a:schemeClr val="tx1"/>
+                      </a:solidFill>
+                      <a:prstDash val="solid"/>
+                      <a:round/>
+                      <a:headEnd type="none" w="med" len="med"/>
+                      <a:tailEnd type="none" w="med" len="med"/>
+                    </a:lnT>
+                    <a:lnB w="12700" cap="flat" cmpd="sng" algn="ctr">
+                      <a:solidFill>
+                        <a:schemeClr val="tx1"/>
+                      </a:solidFill>
+                      <a:prstDash val="solid"/>
+                      <a:round/>
+                      <a:headEnd type="none" w="med" len="med"/>
+                      <a:tailEnd type="none" w="med" len="med"/>
+                    </a:lnB>
+                    <a:solidFill>
+                      <a:srgbClr val="E5E9FF"/>
+                    </a:solidFill>
+                  </a:tcPr>
+                </a:tc>
+                <a:tc>
+                  <a:txBody>
+                    <a:bodyPr/>
+                    <a:lstStyle/>
+                    <a:p>
+                      <a:pPr algn="l" fontAlgn="b"/>
+                      <a:r>
+                        <a:rPr lang="zh-CN" altLang="en-US" sz="700" u="none" strike="noStrike" dirty="0">
+                          <a:effectLst/>
+                        </a:rPr>
+                        <a:t>　</a:t>
+                      </a:r>
+                      <a:endParaRPr lang="zh-CN" altLang="en-US" sz="700" b="0" i="0" u="none" strike="noStrike" dirty="0">
+                        <a:solidFill>
+                          <a:srgbClr val="000000"/>
+                        </a:solidFill>
+                        <a:effectLst/>
+                        <a:latin typeface="等线" panose="02010600030101010101" pitchFamily="2" charset="-122"/>
+                        <a:ea typeface="等线" panose="02010600030101010101" pitchFamily="2" charset="-122"/>
+                      </a:endParaRPr>
+                    </a:p>
+                  </a:txBody>
+                  <a:tcPr marL="0" marR="0" marT="0" marB="0" anchor="b">
+                    <a:lnL w="12700" cap="flat" cmpd="sng" algn="ctr">
+                      <a:solidFill>
+                        <a:schemeClr val="tx1"/>
+                      </a:solidFill>
+                      <a:prstDash val="solid"/>
+                      <a:round/>
+                      <a:headEnd type="none" w="med" len="med"/>
+                      <a:tailEnd type="none" w="med" len="med"/>
+                    </a:lnL>
+                    <a:lnR w="12700" cap="flat" cmpd="sng" algn="ctr">
+                      <a:solidFill>
+                        <a:schemeClr val="tx1"/>
+                      </a:solidFill>
+                      <a:prstDash val="solid"/>
+                      <a:round/>
+                      <a:headEnd type="none" w="med" len="med"/>
+                      <a:tailEnd type="none" w="med" len="med"/>
+                    </a:lnR>
+                    <a:lnT w="12700" cap="flat" cmpd="sng" algn="ctr">
+                      <a:solidFill>
+                        <a:schemeClr val="tx1"/>
+                      </a:solidFill>
+                      <a:prstDash val="solid"/>
+                      <a:round/>
+                      <a:headEnd type="none" w="med" len="med"/>
+                      <a:tailEnd type="none" w="med" len="med"/>
+                    </a:lnT>
+                    <a:lnB w="12700" cap="flat" cmpd="sng" algn="ctr">
+                      <a:solidFill>
+                        <a:schemeClr val="tx1"/>
+                      </a:solidFill>
+                      <a:prstDash val="solid"/>
+                      <a:round/>
+                      <a:headEnd type="none" w="med" len="med"/>
+                      <a:tailEnd type="none" w="med" len="med"/>
+                    </a:lnB>
+                    <a:solidFill>
+                      <a:srgbClr val="E5E9FF"/>
+                    </a:solidFill>
+                  </a:tcPr>
+                </a:tc>
+                <a:tc>
+                  <a:txBody>
+                    <a:bodyPr/>
+                    <a:lstStyle/>
+                    <a:p>
+                      <a:pPr algn="l" fontAlgn="b"/>
+                      <a:r>
+                        <a:rPr lang="zh-CN" altLang="en-US" sz="700" u="none" strike="noStrike">
+                          <a:effectLst/>
+                        </a:rPr>
+                        <a:t>　</a:t>
+                      </a:r>
+                      <a:endParaRPr lang="zh-CN" altLang="en-US" sz="700" b="0" i="0" u="none" strike="noStrike">
+                        <a:solidFill>
+                          <a:srgbClr val="000000"/>
+                        </a:solidFill>
+                        <a:effectLst/>
+                        <a:latin typeface="等线" panose="02010600030101010101" pitchFamily="2" charset="-122"/>
+                        <a:ea typeface="等线" panose="02010600030101010101" pitchFamily="2" charset="-122"/>
+                      </a:endParaRPr>
+                    </a:p>
+                  </a:txBody>
+                  <a:tcPr marL="0" marR="0" marT="0" marB="0" anchor="b">
+                    <a:lnL w="12700" cap="flat" cmpd="sng" algn="ctr">
+                      <a:solidFill>
+                        <a:schemeClr val="tx1"/>
+                      </a:solidFill>
+                      <a:prstDash val="solid"/>
+                      <a:round/>
+                      <a:headEnd type="none" w="med" len="med"/>
+                      <a:tailEnd type="none" w="med" len="med"/>
+                    </a:lnL>
+                    <a:lnR w="12700" cap="flat" cmpd="sng" algn="ctr">
+                      <a:solidFill>
+                        <a:schemeClr val="tx1"/>
+                      </a:solidFill>
+                      <a:prstDash val="solid"/>
+                      <a:round/>
+                      <a:headEnd type="none" w="med" len="med"/>
+                      <a:tailEnd type="none" w="med" len="med"/>
+                    </a:lnR>
+                    <a:lnT w="12700" cap="flat" cmpd="sng" algn="ctr">
+                      <a:solidFill>
+                        <a:schemeClr val="tx1"/>
+                      </a:solidFill>
+                      <a:prstDash val="solid"/>
+                      <a:round/>
+                      <a:headEnd type="none" w="med" len="med"/>
+                      <a:tailEnd type="none" w="med" len="med"/>
+                    </a:lnT>
+                    <a:lnB w="12700" cap="flat" cmpd="sng" algn="ctr">
+                      <a:solidFill>
+                        <a:schemeClr val="tx1"/>
+                      </a:solidFill>
+                      <a:prstDash val="solid"/>
+                      <a:round/>
+                      <a:headEnd type="none" w="med" len="med"/>
+                      <a:tailEnd type="none" w="med" len="med"/>
+                    </a:lnB>
+                    <a:solidFill>
+                      <a:srgbClr val="E5E9FF"/>
+                    </a:solidFill>
+                  </a:tcPr>
+                </a:tc>
+                <a:tc>
+                  <a:txBody>
+                    <a:bodyPr/>
+                    <a:lstStyle/>
+                    <a:p>
+                      <a:pPr algn="l" fontAlgn="t"/>
+                      <a:r>
+                        <a:rPr lang="zh-CN" altLang="en-US" sz="700" u="none" strike="noStrike" dirty="0">
+                          <a:effectLst/>
+                        </a:rPr>
+                        <a:t>　</a:t>
+                      </a:r>
+                      <a:endParaRPr lang="zh-CN" altLang="en-US" sz="700" b="0" i="0" u="none" strike="noStrike" dirty="0">
+                        <a:solidFill>
+                          <a:srgbClr val="000000"/>
+                        </a:solidFill>
+                        <a:effectLst/>
+                        <a:latin typeface="等线" panose="02010600030101010101" pitchFamily="2" charset="-122"/>
+                        <a:ea typeface="等线" panose="02010600030101010101" pitchFamily="2" charset="-122"/>
+                      </a:endParaRPr>
+                    </a:p>
+                  </a:txBody>
+                  <a:tcPr marL="0" marR="0" marT="0" marB="0">
+                    <a:lnL w="12700" cap="flat" cmpd="sng" algn="ctr">
+                      <a:solidFill>
+                        <a:schemeClr val="tx1"/>
+                      </a:solidFill>
+                      <a:prstDash val="solid"/>
+                      <a:round/>
+                      <a:headEnd type="none" w="med" len="med"/>
+                      <a:tailEnd type="none" w="med" len="med"/>
+                    </a:lnL>
+                    <a:lnR w="12700" cap="flat" cmpd="sng" algn="ctr">
+                      <a:solidFill>
+                        <a:schemeClr val="tx1"/>
+                      </a:solidFill>
+                      <a:prstDash val="solid"/>
+                      <a:round/>
+                      <a:headEnd type="none" w="med" len="med"/>
+                      <a:tailEnd type="none" w="med" len="med"/>
+                    </a:lnR>
+                    <a:lnT w="12700" cap="flat" cmpd="sng" algn="ctr">
+                      <a:solidFill>
+                        <a:schemeClr val="tx1"/>
+                      </a:solidFill>
+                      <a:prstDash val="solid"/>
+                      <a:round/>
+                      <a:headEnd type="none" w="med" len="med"/>
+                      <a:tailEnd type="none" w="med" len="med"/>
+                    </a:lnT>
+                    <a:lnB w="12700" cap="flat" cmpd="sng" algn="ctr">
+                      <a:solidFill>
+                        <a:schemeClr val="tx1"/>
+                      </a:solidFill>
+                      <a:prstDash val="solid"/>
+                      <a:round/>
+                      <a:headEnd type="none" w="med" len="med"/>
+                      <a:tailEnd type="none" w="med" len="med"/>
+                    </a:lnB>
+                    <a:solidFill>
+                      <a:srgbClr val="E5E9FF"/>
+                    </a:solidFill>
+                  </a:tcPr>
+                </a:tc>
+                <a:tc>
+                  <a:txBody>
+                    <a:bodyPr/>
+                    <a:lstStyle/>
+                    <a:p>
+                      <a:pPr algn="l" fontAlgn="t"/>
+                      <a:r>
+                        <a:rPr lang="zh-CN" altLang="en-US" sz="700" u="none" strike="noStrike" dirty="0">
+                          <a:effectLst/>
+                        </a:rPr>
+                        <a:t>　</a:t>
+                      </a:r>
+                      <a:endParaRPr lang="zh-CN" altLang="en-US" sz="700" b="0" i="0" u="none" strike="noStrike" dirty="0">
+                        <a:solidFill>
+                          <a:srgbClr val="000000"/>
+                        </a:solidFill>
+                        <a:effectLst/>
+                        <a:latin typeface="等线" panose="02010600030101010101" pitchFamily="2" charset="-122"/>
+                        <a:ea typeface="等线" panose="02010600030101010101" pitchFamily="2" charset="-122"/>
+                      </a:endParaRPr>
+                    </a:p>
+                  </a:txBody>
+                  <a:tcPr marL="0" marR="0" marT="0" marB="0">
+                    <a:lnL w="12700" cap="flat" cmpd="sng" algn="ctr">
+                      <a:solidFill>
+                        <a:schemeClr val="tx1"/>
+                      </a:solidFill>
+                      <a:prstDash val="solid"/>
+                      <a:round/>
+                      <a:headEnd type="none" w="med" len="med"/>
+                      <a:tailEnd type="none" w="med" len="med"/>
+                    </a:lnL>
+                    <a:lnR w="12700" cap="flat" cmpd="sng" algn="ctr">
+                      <a:solidFill>
+                        <a:schemeClr val="tx1"/>
+                      </a:solidFill>
+                      <a:prstDash val="solid"/>
+                      <a:round/>
+                      <a:headEnd type="none" w="med" len="med"/>
+                      <a:tailEnd type="none" w="med" len="med"/>
+                    </a:lnR>
+                    <a:lnT w="12700" cap="flat" cmpd="sng" algn="ctr">
+                      <a:solidFill>
+                        <a:schemeClr val="tx1"/>
+                      </a:solidFill>
+                      <a:prstDash val="solid"/>
+                      <a:round/>
+                      <a:headEnd type="none" w="med" len="med"/>
+                      <a:tailEnd type="none" w="med" len="med"/>
+                    </a:lnT>
+                    <a:lnB w="12700" cap="flat" cmpd="sng" algn="ctr">
+                      <a:solidFill>
+                        <a:schemeClr val="tx1"/>
+                      </a:solidFill>
+                      <a:prstDash val="solid"/>
+                      <a:round/>
+                      <a:headEnd type="none" w="med" len="med"/>
+                      <a:tailEnd type="none" w="med" len="med"/>
+                    </a:lnB>
+                    <a:solidFill>
+                      <a:srgbClr val="E5E9FF"/>
+                    </a:solidFill>
+                  </a:tcPr>
+                </a:tc>
+                <a:tc>
+                  <a:txBody>
+                    <a:bodyPr/>
+                    <a:lstStyle/>
+                    <a:p>
+                      <a:pPr algn="l" fontAlgn="t"/>
+                      <a:r>
+                        <a:rPr lang="zh-CN" altLang="en-US" sz="700" u="none" strike="noStrike">
+                          <a:effectLst/>
+                        </a:rPr>
+                        <a:t>　</a:t>
+                      </a:r>
+                      <a:endParaRPr lang="zh-CN" altLang="en-US" sz="700" b="0" i="0" u="none" strike="noStrike">
+                        <a:solidFill>
+                          <a:srgbClr val="000000"/>
+                        </a:solidFill>
+                        <a:effectLst/>
+                        <a:latin typeface="等线" panose="02010600030101010101" pitchFamily="2" charset="-122"/>
+                        <a:ea typeface="等线" panose="02010600030101010101" pitchFamily="2" charset="-122"/>
+                      </a:endParaRPr>
+                    </a:p>
+                  </a:txBody>
+                  <a:tcPr marL="0" marR="0" marT="0" marB="0">
+                    <a:lnL w="12700" cap="flat" cmpd="sng" algn="ctr">
+                      <a:solidFill>
+                        <a:schemeClr val="tx1"/>
+                      </a:solidFill>
+                      <a:prstDash val="solid"/>
+                      <a:round/>
+                      <a:headEnd type="none" w="med" len="med"/>
+                      <a:tailEnd type="none" w="med" len="med"/>
+                    </a:lnL>
+                    <a:lnR w="12700" cap="flat" cmpd="sng" algn="ctr">
+                      <a:solidFill>
+                        <a:schemeClr val="tx1"/>
+                      </a:solidFill>
+                      <a:prstDash val="solid"/>
+                      <a:round/>
+                      <a:headEnd type="none" w="med" len="med"/>
+                      <a:tailEnd type="none" w="med" len="med"/>
+                    </a:lnR>
+                    <a:lnT w="12700" cap="flat" cmpd="sng" algn="ctr">
+                      <a:solidFill>
+                        <a:schemeClr val="tx1"/>
+                      </a:solidFill>
+                      <a:prstDash val="solid"/>
+                      <a:round/>
+                      <a:headEnd type="none" w="med" len="med"/>
+                      <a:tailEnd type="none" w="med" len="med"/>
+                    </a:lnT>
+                    <a:lnB w="12700" cap="flat" cmpd="sng" algn="ctr">
+                      <a:solidFill>
+                        <a:schemeClr val="tx1"/>
+                      </a:solidFill>
+                      <a:prstDash val="solid"/>
+                      <a:round/>
+                      <a:headEnd type="none" w="med" len="med"/>
+                      <a:tailEnd type="none" w="med" len="med"/>
+                    </a:lnB>
+                    <a:solidFill>
+                      <a:srgbClr val="E5E9FF"/>
+                    </a:solidFill>
+                  </a:tcPr>
+                </a:tc>
+                <a:tc>
+                  <a:txBody>
+                    <a:bodyPr/>
+                    <a:lstStyle/>
+                    <a:p>
+                      <a:pPr algn="l" fontAlgn="t"/>
+                      <a:r>
+                        <a:rPr lang="zh-CN" altLang="en-US" sz="700" u="none" strike="noStrike" dirty="0">
+                          <a:effectLst/>
+                        </a:rPr>
+                        <a:t>　</a:t>
+                      </a:r>
+                      <a:endParaRPr lang="zh-CN" altLang="en-US" sz="700" b="0" i="0" u="none" strike="noStrike" dirty="0">
+                        <a:solidFill>
+                          <a:srgbClr val="000000"/>
+                        </a:solidFill>
+                        <a:effectLst/>
+                        <a:latin typeface="等线" panose="02010600030101010101" pitchFamily="2" charset="-122"/>
+                        <a:ea typeface="等线" panose="02010600030101010101" pitchFamily="2" charset="-122"/>
+                      </a:endParaRPr>
+                    </a:p>
+                  </a:txBody>
+                  <a:tcPr marL="0" marR="0" marT="0" marB="0">
+                    <a:lnL w="12700" cap="flat" cmpd="sng" algn="ctr">
+                      <a:solidFill>
+                        <a:schemeClr val="tx1"/>
+                      </a:solidFill>
+                      <a:prstDash val="solid"/>
+                      <a:round/>
+                      <a:headEnd type="none" w="med" len="med"/>
+                      <a:tailEnd type="none" w="med" len="med"/>
+                    </a:lnL>
+                    <a:lnR w="12700" cap="flat" cmpd="sng" algn="ctr">
+                      <a:solidFill>
+                        <a:schemeClr val="tx1"/>
+                      </a:solidFill>
+                      <a:prstDash val="solid"/>
+                      <a:round/>
+                      <a:headEnd type="none" w="med" len="med"/>
+                      <a:tailEnd type="none" w="med" len="med"/>
+                    </a:lnR>
+                    <a:lnT w="12700" cap="flat" cmpd="sng" algn="ctr">
+                      <a:solidFill>
+                        <a:schemeClr val="tx1"/>
+                      </a:solidFill>
+                      <a:prstDash val="solid"/>
+                      <a:round/>
+                      <a:headEnd type="none" w="med" len="med"/>
+                      <a:tailEnd type="none" w="med" len="med"/>
+                    </a:lnT>
+                    <a:lnB w="12700" cap="flat" cmpd="sng" algn="ctr">
+                      <a:solidFill>
+                        <a:schemeClr val="tx1"/>
+                      </a:solidFill>
+                      <a:prstDash val="solid"/>
+                      <a:round/>
+                      <a:headEnd type="none" w="med" len="med"/>
+                      <a:tailEnd type="none" w="med" len="med"/>
+                    </a:lnB>
+                    <a:solidFill>
+                      <a:srgbClr val="E5E9FF"/>
+                    </a:solidFill>
+                  </a:tcPr>
+                </a:tc>
+                <a:tc>
+                  <a:txBody>
+                    <a:bodyPr/>
+                    <a:lstStyle/>
+                    <a:p>
+                      <a:pPr algn="l" fontAlgn="t"/>
+                      <a:r>
+                        <a:rPr lang="zh-CN" altLang="en-US" sz="700" u="none" strike="noStrike" dirty="0">
+                          <a:effectLst/>
+                        </a:rPr>
+                        <a:t>　</a:t>
+                      </a:r>
+                      <a:endParaRPr lang="zh-CN" altLang="en-US" sz="700" b="0" i="0" u="none" strike="noStrike" dirty="0">
+                        <a:solidFill>
+                          <a:srgbClr val="000000"/>
+                        </a:solidFill>
+                        <a:effectLst/>
+                        <a:latin typeface="等线" panose="02010600030101010101" pitchFamily="2" charset="-122"/>
+                        <a:ea typeface="等线" panose="02010600030101010101" pitchFamily="2" charset="-122"/>
+                      </a:endParaRPr>
+                    </a:p>
+                  </a:txBody>
+                  <a:tcPr marL="0" marR="0" marT="0" marB="0">
+                    <a:lnL w="12700" cap="flat" cmpd="sng" algn="ctr">
+                      <a:solidFill>
+                        <a:schemeClr val="tx1"/>
+                      </a:solidFill>
+                      <a:prstDash val="solid"/>
+                      <a:round/>
+                      <a:headEnd type="none" w="med" len="med"/>
+                      <a:tailEnd type="none" w="med" len="med"/>
+                    </a:lnL>
+                    <a:lnR w="12700" cap="flat" cmpd="sng" algn="ctr">
+                      <a:solidFill>
+                        <a:schemeClr val="tx1"/>
+                      </a:solidFill>
+                      <a:prstDash val="solid"/>
+                      <a:round/>
+                      <a:headEnd type="none" w="med" len="med"/>
+                      <a:tailEnd type="none" w="med" len="med"/>
+                    </a:lnR>
+                    <a:lnT w="12700" cap="flat" cmpd="sng" algn="ctr">
+                      <a:solidFill>
+                        <a:schemeClr val="tx1"/>
+                      </a:solidFill>
+                      <a:prstDash val="solid"/>
+                      <a:round/>
+                      <a:headEnd type="none" w="med" len="med"/>
+                      <a:tailEnd type="none" w="med" len="med"/>
+                    </a:lnT>
+                    <a:lnB w="12700" cap="flat" cmpd="sng" algn="ctr">
+                      <a:solidFill>
+                        <a:schemeClr val="tx1"/>
+                      </a:solidFill>
+                      <a:prstDash val="solid"/>
+                      <a:round/>
+                      <a:headEnd type="none" w="med" len="med"/>
+                      <a:tailEnd type="none" w="med" len="med"/>
+                    </a:lnB>
+                    <a:solidFill>
+                      <a:srgbClr val="E5E9FF"/>
+                    </a:solidFill>
+                  </a:tcPr>
+                </a:tc>
+                <a:tc>
+                  <a:txBody>
+                    <a:bodyPr/>
+                    <a:lstStyle/>
+                    <a:p>
+                      <a:pPr algn="l" fontAlgn="t"/>
+                      <a:r>
+                        <a:rPr lang="zh-CN" altLang="en-US" sz="700" u="none" strike="noStrike">
+                          <a:effectLst/>
+                        </a:rPr>
+                        <a:t>　</a:t>
+                      </a:r>
+                      <a:endParaRPr lang="zh-CN" altLang="en-US" sz="700" b="0" i="0" u="none" strike="noStrike">
+                        <a:solidFill>
+                          <a:srgbClr val="000000"/>
+                        </a:solidFill>
+                        <a:effectLst/>
+                        <a:latin typeface="等线" panose="02010600030101010101" pitchFamily="2" charset="-122"/>
+                        <a:ea typeface="等线" panose="02010600030101010101" pitchFamily="2" charset="-122"/>
+                      </a:endParaRPr>
+                    </a:p>
+                  </a:txBody>
+                  <a:tcPr marL="0" marR="0" marT="0" marB="0">
+                    <a:lnL w="12700" cap="flat" cmpd="sng" algn="ctr">
+                      <a:solidFill>
+                        <a:schemeClr val="tx1"/>
+                      </a:solidFill>
+                      <a:prstDash val="solid"/>
+                      <a:round/>
+                      <a:headEnd type="none" w="med" len="med"/>
+                      <a:tailEnd type="none" w="med" len="med"/>
+                    </a:lnL>
+                    <a:lnR w="12700" cap="flat" cmpd="sng" algn="ctr">
+                      <a:solidFill>
+                        <a:schemeClr val="tx1"/>
+                      </a:solidFill>
+                      <a:prstDash val="solid"/>
+                      <a:round/>
+                      <a:headEnd type="none" w="med" len="med"/>
+                      <a:tailEnd type="none" w="med" len="med"/>
+                    </a:lnR>
+                    <a:lnT w="12700" cap="flat" cmpd="sng" algn="ctr">
+                      <a:solidFill>
+                        <a:schemeClr val="tx1"/>
+                      </a:solidFill>
+                      <a:prstDash val="solid"/>
+                      <a:round/>
+                      <a:headEnd type="none" w="med" len="med"/>
+                      <a:tailEnd type="none" w="med" len="med"/>
+                    </a:lnT>
+                    <a:lnB w="12700" cap="flat" cmpd="sng" algn="ctr">
+                      <a:solidFill>
+                        <a:schemeClr val="tx1"/>
+                      </a:solidFill>
+                      <a:prstDash val="solid"/>
+                      <a:round/>
+                      <a:headEnd type="none" w="med" len="med"/>
+                      <a:tailEnd type="none" w="med" len="med"/>
+                    </a:lnB>
+                    <a:solidFill>
+                      <a:srgbClr val="E5E9FF"/>
+                    </a:solidFill>
+                  </a:tcPr>
+                </a:tc>
+                <a:tc>
+                  <a:txBody>
+                    <a:bodyPr/>
+                    <a:lstStyle/>
+                    <a:p>
+                      <a:pPr algn="l" fontAlgn="t"/>
+                      <a:r>
+                        <a:rPr lang="zh-CN" altLang="en-US" sz="700" u="none" strike="noStrike">
+                          <a:effectLst/>
+                        </a:rPr>
+                        <a:t>　</a:t>
+                      </a:r>
+                      <a:endParaRPr lang="zh-CN" altLang="en-US" sz="700" b="0" i="0" u="none" strike="noStrike">
+                        <a:solidFill>
+                          <a:srgbClr val="000000"/>
+                        </a:solidFill>
+                        <a:effectLst/>
+                        <a:latin typeface="等线" panose="02010600030101010101" pitchFamily="2" charset="-122"/>
+                        <a:ea typeface="等线" panose="02010600030101010101" pitchFamily="2" charset="-122"/>
+                      </a:endParaRPr>
+                    </a:p>
+                  </a:txBody>
+                  <a:tcPr marL="0" marR="0" marT="0" marB="0">
+                    <a:lnL w="12700" cap="flat" cmpd="sng" algn="ctr">
+                      <a:solidFill>
+                        <a:schemeClr val="tx1"/>
+                      </a:solidFill>
+                      <a:prstDash val="solid"/>
+                      <a:round/>
+                      <a:headEnd type="none" w="med" len="med"/>
+                      <a:tailEnd type="none" w="med" len="med"/>
+                    </a:lnL>
+                    <a:lnR w="12700" cap="flat" cmpd="sng" algn="ctr">
+                      <a:solidFill>
+                        <a:schemeClr val="tx1"/>
+                      </a:solidFill>
+                      <a:prstDash val="solid"/>
+                      <a:round/>
+                      <a:headEnd type="none" w="med" len="med"/>
+                      <a:tailEnd type="none" w="med" len="med"/>
+                    </a:lnR>
+                    <a:lnT w="12700" cap="flat" cmpd="sng" algn="ctr">
+                      <a:solidFill>
+                        <a:schemeClr val="tx1"/>
+                      </a:solidFill>
+                      <a:prstDash val="solid"/>
+                      <a:round/>
+                      <a:headEnd type="none" w="med" len="med"/>
+                      <a:tailEnd type="none" w="med" len="med"/>
+                    </a:lnT>
+                    <a:lnB w="12700" cap="flat" cmpd="sng" algn="ctr">
+                      <a:solidFill>
+                        <a:schemeClr val="tx1"/>
+                      </a:solidFill>
+                      <a:prstDash val="solid"/>
+                      <a:round/>
+                      <a:headEnd type="none" w="med" len="med"/>
+                      <a:tailEnd type="none" w="med" len="med"/>
+                    </a:lnB>
+                    <a:solidFill>
+                      <a:srgbClr val="E5E9FF"/>
+                    </a:solidFill>
+                  </a:tcPr>
+                </a:tc>
+                <a:tc>
+                  <a:txBody>
+                    <a:bodyPr/>
+                    <a:lstStyle/>
+                    <a:p>
+                      <a:pPr algn="l" fontAlgn="t"/>
+                      <a:r>
+                        <a:rPr lang="zh-CN" altLang="en-US" sz="700" u="none" strike="noStrike">
+                          <a:effectLst/>
+                        </a:rPr>
+                        <a:t>　</a:t>
+                      </a:r>
+                      <a:endParaRPr lang="zh-CN" altLang="en-US" sz="700" b="0" i="0" u="none" strike="noStrike">
+                        <a:solidFill>
+                          <a:srgbClr val="000000"/>
+                        </a:solidFill>
+                        <a:effectLst/>
+                        <a:latin typeface="等线" panose="02010600030101010101" pitchFamily="2" charset="-122"/>
+                        <a:ea typeface="等线" panose="02010600030101010101" pitchFamily="2" charset="-122"/>
+                      </a:endParaRPr>
+                    </a:p>
+                  </a:txBody>
+                  <a:tcPr marL="0" marR="0" marT="0" marB="0">
+                    <a:lnL w="12700" cap="flat" cmpd="sng" algn="ctr">
+                      <a:solidFill>
+                        <a:schemeClr val="tx1"/>
+                      </a:solidFill>
+                      <a:prstDash val="solid"/>
+                      <a:round/>
+                      <a:headEnd type="none" w="med" len="med"/>
+                      <a:tailEnd type="none" w="med" len="med"/>
+                    </a:lnL>
+                    <a:lnR w="12700" cap="flat" cmpd="sng" algn="ctr">
+                      <a:solidFill>
+                        <a:schemeClr val="tx1"/>
+                      </a:solidFill>
+                      <a:prstDash val="solid"/>
+                      <a:round/>
+                      <a:headEnd type="none" w="med" len="med"/>
+                      <a:tailEnd type="none" w="med" len="med"/>
+                    </a:lnR>
+                    <a:lnT w="12700" cap="flat" cmpd="sng" algn="ctr">
+                      <a:solidFill>
+                        <a:schemeClr val="tx1"/>
+                      </a:solidFill>
+                      <a:prstDash val="solid"/>
+                      <a:round/>
+                      <a:headEnd type="none" w="med" len="med"/>
+                      <a:tailEnd type="none" w="med" len="med"/>
+                    </a:lnT>
+                    <a:lnB w="12700" cap="flat" cmpd="sng" algn="ctr">
+                      <a:solidFill>
+                        <a:schemeClr val="tx1"/>
+                      </a:solidFill>
+                      <a:prstDash val="solid"/>
+                      <a:round/>
+                      <a:headEnd type="none" w="med" len="med"/>
+                      <a:tailEnd type="none" w="med" len="med"/>
+                    </a:lnB>
+                    <a:solidFill>
+                      <a:srgbClr val="E5E9FF"/>
+                    </a:solidFill>
+                  </a:tcPr>
+                </a:tc>
+                <a:tc>
+                  <a:txBody>
+                    <a:bodyPr/>
+                    <a:lstStyle/>
+                    <a:p>
+                      <a:pPr algn="l" fontAlgn="t"/>
+                      <a:r>
+                        <a:rPr lang="zh-CN" altLang="en-US" sz="700" u="none" strike="noStrike">
+                          <a:effectLst/>
+                        </a:rPr>
+                        <a:t>　</a:t>
+                      </a:r>
+                      <a:endParaRPr lang="zh-CN" altLang="en-US" sz="700" b="0" i="0" u="none" strike="noStrike">
+                        <a:solidFill>
+                          <a:srgbClr val="000000"/>
+                        </a:solidFill>
+                        <a:effectLst/>
+                        <a:latin typeface="等线" panose="02010600030101010101" pitchFamily="2" charset="-122"/>
+                        <a:ea typeface="等线" panose="02010600030101010101" pitchFamily="2" charset="-122"/>
+                      </a:endParaRPr>
+                    </a:p>
+                  </a:txBody>
+                  <a:tcPr marL="0" marR="0" marT="0" marB="0">
+                    <a:lnL w="12700" cap="flat" cmpd="sng" algn="ctr">
+                      <a:solidFill>
+                        <a:schemeClr val="tx1"/>
+                      </a:solidFill>
+                      <a:prstDash val="solid"/>
+                      <a:round/>
+                      <a:headEnd type="none" w="med" len="med"/>
+                      <a:tailEnd type="none" w="med" len="med"/>
+                    </a:lnL>
+                    <a:lnR w="12700" cap="flat" cmpd="sng" algn="ctr">
+                      <a:solidFill>
+                        <a:schemeClr val="tx1"/>
+                      </a:solidFill>
+                      <a:prstDash val="solid"/>
+                      <a:round/>
+                      <a:headEnd type="none" w="med" len="med"/>
+                      <a:tailEnd type="none" w="med" len="med"/>
+                    </a:lnR>
+                    <a:lnT w="12700" cap="flat" cmpd="sng" algn="ctr">
+                      <a:solidFill>
+                        <a:schemeClr val="tx1"/>
+                      </a:solidFill>
+                      <a:prstDash val="solid"/>
+                      <a:round/>
+                      <a:headEnd type="none" w="med" len="med"/>
+                      <a:tailEnd type="none" w="med" len="med"/>
+                    </a:lnT>
+                    <a:lnB w="12700" cap="flat" cmpd="sng" algn="ctr">
+                      <a:solidFill>
+                        <a:schemeClr val="tx1"/>
+                      </a:solidFill>
+                      <a:prstDash val="solid"/>
+                      <a:round/>
+                      <a:headEnd type="none" w="med" len="med"/>
+                      <a:tailEnd type="none" w="med" len="med"/>
+                    </a:lnB>
+                    <a:solidFill>
+                      <a:srgbClr val="E5E9FF"/>
+                    </a:solidFill>
+                  </a:tcPr>
+                </a:tc>
+                <a:extLst>
+                  <a:ext uri="{0D108BD9-81ED-4DB2-BD59-A6C34878D82A}">
+                    <a16:rowId xmlns:a16="http://schemas.microsoft.com/office/drawing/2014/main" val="989697148"/>
+                  </a:ext>
+                </a:extLst>
+              </a:tr>
+              <a:tr h="518482">
+                <a:tc>
+                  <a:txBody>
+                    <a:bodyPr/>
+                    <a:lstStyle/>
+                    <a:p>
+                      <a:pPr algn="ctr" fontAlgn="t">
+                        <a:lnSpc>
+                          <a:spcPct val="200000"/>
+                        </a:lnSpc>
+                      </a:pPr>
+                      <a:r>
+                        <a:rPr lang="zh-CN" altLang="en-US" sz="1000" u="none" strike="noStrike" dirty="0">
+                          <a:effectLst/>
+                          <a:latin typeface="+mj-lt"/>
+                        </a:rPr>
+                        <a:t>結合</a:t>
+                      </a:r>
+                      <a:r>
+                        <a:rPr lang="ja-JP" altLang="en-US" sz="1000" u="none" strike="noStrike" dirty="0">
+                          <a:effectLst/>
+                          <a:latin typeface="+mj-lt"/>
+                        </a:rPr>
+                        <a:t>テスト</a:t>
+                      </a:r>
+                      <a:endParaRPr lang="ja-JP" altLang="en-US" sz="1000" b="0" i="0" u="none" strike="noStrike" dirty="0">
+                        <a:solidFill>
+                          <a:srgbClr val="000000"/>
+                        </a:solidFill>
+                        <a:effectLst/>
+                        <a:latin typeface="+mj-lt"/>
+                        <a:ea typeface="等线" panose="02010600030101010101" pitchFamily="2" charset="-122"/>
+                      </a:endParaRPr>
+                    </a:p>
+                  </a:txBody>
+                  <a:tcPr marL="0" marR="0" marT="0" marB="0">
+                    <a:lnL w="12700" cap="flat" cmpd="sng" algn="ctr">
+                      <a:solidFill>
+                        <a:schemeClr val="tx1"/>
+                      </a:solidFill>
+                      <a:prstDash val="solid"/>
+                      <a:round/>
+                      <a:headEnd type="none" w="med" len="med"/>
+                      <a:tailEnd type="none" w="med" len="med"/>
+                    </a:lnL>
+                    <a:lnR w="12700" cap="flat" cmpd="sng" algn="ctr">
+                      <a:solidFill>
+                        <a:schemeClr val="bg1"/>
+                      </a:solidFill>
+                      <a:prstDash val="solid"/>
+                      <a:round/>
+                      <a:headEnd type="none" w="med" len="med"/>
+                      <a:tailEnd type="none" w="med" len="med"/>
+                    </a:lnR>
+                    <a:lnT w="12700" cap="flat" cmpd="sng" algn="ctr">
+                      <a:solidFill>
+                        <a:schemeClr val="tx1"/>
+                      </a:solidFill>
+                      <a:prstDash val="solid"/>
+                      <a:round/>
+                      <a:headEnd type="none" w="med" len="med"/>
+                      <a:tailEnd type="none" w="med" len="med"/>
+                    </a:lnT>
+                    <a:lnB w="12700" cap="flat" cmpd="sng" algn="ctr">
+                      <a:solidFill>
+                        <a:schemeClr val="tx1"/>
+                      </a:solidFill>
+                      <a:prstDash val="solid"/>
+                      <a:round/>
+                      <a:headEnd type="none" w="med" len="med"/>
+                      <a:tailEnd type="none" w="med" len="med"/>
+                    </a:lnB>
+                    <a:solidFill>
+                      <a:srgbClr val="E5E9FF"/>
+                    </a:solidFill>
+                  </a:tcPr>
+                </a:tc>
+                <a:tc>
+                  <a:txBody>
+                    <a:bodyPr/>
+                    <a:lstStyle/>
+                    <a:p>
+                      <a:pPr algn="ctr" fontAlgn="t">
+                        <a:lnSpc>
+                          <a:spcPct val="250000"/>
+                        </a:lnSpc>
+                      </a:pPr>
+                      <a:r>
+                        <a:rPr lang="en-US" altLang="zh-CN" sz="900" u="none" strike="noStrike" dirty="0">
+                          <a:effectLst/>
+                        </a:rPr>
+                        <a:t>35</a:t>
+                      </a:r>
+                      <a:r>
+                        <a:rPr lang="zh-CN" altLang="en-US" sz="900" u="none" strike="noStrike" dirty="0">
+                          <a:effectLst/>
+                        </a:rPr>
+                        <a:t>人日</a:t>
+                      </a:r>
+                      <a:endParaRPr lang="zh-CN" altLang="en-US" sz="900" b="0" i="0" u="none" strike="noStrike" dirty="0">
+                        <a:solidFill>
+                          <a:srgbClr val="000000"/>
+                        </a:solidFill>
+                        <a:effectLst/>
+                        <a:latin typeface="等线" panose="02010600030101010101" pitchFamily="2" charset="-122"/>
+                        <a:ea typeface="等线" panose="02010600030101010101" pitchFamily="2" charset="-122"/>
+                      </a:endParaRPr>
+                    </a:p>
+                  </a:txBody>
+                  <a:tcPr marL="0" marR="0" marT="0" marB="0">
+                    <a:lnL w="12700" cap="flat" cmpd="sng" algn="ctr">
+                      <a:solidFill>
+                        <a:schemeClr val="bg1"/>
+                      </a:solidFill>
+                      <a:prstDash val="solid"/>
+                      <a:round/>
+                      <a:headEnd type="none" w="med" len="med"/>
+                      <a:tailEnd type="none" w="med" len="med"/>
+                    </a:lnL>
+                    <a:lnR w="12700" cap="flat" cmpd="sng" algn="ctr">
+                      <a:solidFill>
+                        <a:schemeClr val="bg1"/>
+                      </a:solidFill>
+                      <a:prstDash val="solid"/>
+                      <a:round/>
+                      <a:headEnd type="none" w="med" len="med"/>
+                      <a:tailEnd type="none" w="med" len="med"/>
+                    </a:lnR>
+                    <a:lnT w="12700" cap="flat" cmpd="sng" algn="ctr">
+                      <a:solidFill>
+                        <a:schemeClr val="tx1"/>
+                      </a:solidFill>
+                      <a:prstDash val="solid"/>
+                      <a:round/>
+                      <a:headEnd type="none" w="med" len="med"/>
+                      <a:tailEnd type="none" w="med" len="med"/>
+                    </a:lnT>
+                    <a:lnB w="12700" cap="flat" cmpd="sng" algn="ctr">
+                      <a:solidFill>
+                        <a:schemeClr val="tx1"/>
+                      </a:solidFill>
+                      <a:prstDash val="solid"/>
+                      <a:round/>
+                      <a:headEnd type="none" w="med" len="med"/>
+                      <a:tailEnd type="none" w="med" len="med"/>
+                    </a:lnB>
+                    <a:solidFill>
+                      <a:srgbClr val="E5E9FF"/>
+                    </a:solidFill>
+                  </a:tcPr>
+                </a:tc>
+                <a:tc>
+                  <a:txBody>
+                    <a:bodyPr/>
+                    <a:lstStyle/>
+                    <a:p>
+                      <a:pPr algn="l" fontAlgn="t"/>
+                      <a:r>
+                        <a:rPr lang="zh-CN" altLang="en-US" sz="700" u="none" strike="noStrike" dirty="0">
+                          <a:effectLst/>
+                        </a:rPr>
+                        <a:t>　</a:t>
+                      </a:r>
+                      <a:endParaRPr lang="zh-CN" altLang="en-US" sz="700" b="0" i="0" u="none" strike="noStrike" dirty="0">
+                        <a:solidFill>
+                          <a:srgbClr val="000000"/>
+                        </a:solidFill>
+                        <a:effectLst/>
+                        <a:latin typeface="等线" panose="02010600030101010101" pitchFamily="2" charset="-122"/>
+                        <a:ea typeface="等线" panose="02010600030101010101" pitchFamily="2" charset="-122"/>
+                      </a:endParaRPr>
+                    </a:p>
+                  </a:txBody>
+                  <a:tcPr marL="0" marR="0" marT="0" marB="0">
+                    <a:lnL w="12700" cap="flat" cmpd="sng" algn="ctr">
+                      <a:solidFill>
+                        <a:schemeClr val="bg1"/>
+                      </a:solidFill>
+                      <a:prstDash val="solid"/>
+                      <a:round/>
+                      <a:headEnd type="none" w="med" len="med"/>
+                      <a:tailEnd type="none" w="med" len="med"/>
+                    </a:lnL>
+                    <a:lnR w="12700" cap="flat" cmpd="sng" algn="ctr">
+                      <a:solidFill>
+                        <a:schemeClr val="tx1"/>
+                      </a:solidFill>
+                      <a:prstDash val="solid"/>
+                      <a:round/>
+                      <a:headEnd type="none" w="med" len="med"/>
+                      <a:tailEnd type="none" w="med" len="med"/>
+                    </a:lnR>
+                    <a:lnT w="12700" cap="flat" cmpd="sng" algn="ctr">
+                      <a:solidFill>
+                        <a:schemeClr val="tx1"/>
+                      </a:solidFill>
+                      <a:prstDash val="solid"/>
+                      <a:round/>
+                      <a:headEnd type="none" w="med" len="med"/>
+                      <a:tailEnd type="none" w="med" len="med"/>
+                    </a:lnT>
+                    <a:lnB w="12700" cap="flat" cmpd="sng" algn="ctr">
+                      <a:solidFill>
+                        <a:schemeClr val="tx1"/>
+                      </a:solidFill>
+                      <a:prstDash val="solid"/>
+                      <a:round/>
+                      <a:headEnd type="none" w="med" len="med"/>
+                      <a:tailEnd type="none" w="med" len="med"/>
+                    </a:lnB>
+                    <a:solidFill>
+                      <a:srgbClr val="E5E9FF"/>
+                    </a:solidFill>
+                  </a:tcPr>
+                </a:tc>
+                <a:tc>
+                  <a:txBody>
+                    <a:bodyPr/>
+                    <a:lstStyle/>
+                    <a:p>
+                      <a:pPr algn="l" fontAlgn="t"/>
+                      <a:r>
+                        <a:rPr lang="zh-CN" altLang="en-US" sz="700" u="none" strike="noStrike">
+                          <a:effectLst/>
+                        </a:rPr>
+                        <a:t>　</a:t>
+                      </a:r>
+                      <a:endParaRPr lang="zh-CN" altLang="en-US" sz="700" b="0" i="0" u="none" strike="noStrike">
+                        <a:solidFill>
+                          <a:srgbClr val="000000"/>
+                        </a:solidFill>
+                        <a:effectLst/>
+                        <a:latin typeface="等线" panose="02010600030101010101" pitchFamily="2" charset="-122"/>
+                        <a:ea typeface="等线" panose="02010600030101010101" pitchFamily="2" charset="-122"/>
+                      </a:endParaRPr>
+                    </a:p>
+                  </a:txBody>
+                  <a:tcPr marL="0" marR="0" marT="0" marB="0">
+                    <a:lnL w="12700" cap="flat" cmpd="sng" algn="ctr">
+                      <a:solidFill>
+                        <a:schemeClr val="tx1"/>
+                      </a:solidFill>
+                      <a:prstDash val="solid"/>
+                      <a:round/>
+                      <a:headEnd type="none" w="med" len="med"/>
+                      <a:tailEnd type="none" w="med" len="med"/>
+                    </a:lnL>
+                    <a:lnR w="12700" cap="flat" cmpd="sng" algn="ctr">
+                      <a:solidFill>
+                        <a:schemeClr val="tx1"/>
+                      </a:solidFill>
+                      <a:prstDash val="solid"/>
+                      <a:round/>
+                      <a:headEnd type="none" w="med" len="med"/>
+                      <a:tailEnd type="none" w="med" len="med"/>
+                    </a:lnR>
+                    <a:lnT w="12700" cap="flat" cmpd="sng" algn="ctr">
+                      <a:solidFill>
+                        <a:schemeClr val="tx1"/>
+                      </a:solidFill>
+                      <a:prstDash val="solid"/>
+                      <a:round/>
+                      <a:headEnd type="none" w="med" len="med"/>
+                      <a:tailEnd type="none" w="med" len="med"/>
+                    </a:lnT>
+                    <a:lnB w="12700" cap="flat" cmpd="sng" algn="ctr">
+                      <a:solidFill>
+                        <a:schemeClr val="tx1"/>
+                      </a:solidFill>
+                      <a:prstDash val="solid"/>
+                      <a:round/>
+                      <a:headEnd type="none" w="med" len="med"/>
+                      <a:tailEnd type="none" w="med" len="med"/>
+                    </a:lnB>
+                    <a:solidFill>
+                      <a:srgbClr val="E5E9FF"/>
+                    </a:solidFill>
+                  </a:tcPr>
+                </a:tc>
+                <a:tc>
+                  <a:txBody>
+                    <a:bodyPr/>
+                    <a:lstStyle/>
+                    <a:p>
+                      <a:pPr algn="l" fontAlgn="t"/>
+                      <a:r>
+                        <a:rPr lang="zh-CN" altLang="en-US" sz="700" u="none" strike="noStrike">
+                          <a:effectLst/>
+                        </a:rPr>
+                        <a:t>　</a:t>
+                      </a:r>
+                      <a:endParaRPr lang="zh-CN" altLang="en-US" sz="700" b="0" i="0" u="none" strike="noStrike">
+                        <a:solidFill>
+                          <a:srgbClr val="000000"/>
+                        </a:solidFill>
+                        <a:effectLst/>
+                        <a:latin typeface="等线" panose="02010600030101010101" pitchFamily="2" charset="-122"/>
+                        <a:ea typeface="等线" panose="02010600030101010101" pitchFamily="2" charset="-122"/>
+                      </a:endParaRPr>
+                    </a:p>
+                  </a:txBody>
+                  <a:tcPr marL="0" marR="0" marT="0" marB="0">
+                    <a:lnL w="12700" cap="flat" cmpd="sng" algn="ctr">
+                      <a:solidFill>
+                        <a:schemeClr val="tx1"/>
+                      </a:solidFill>
+                      <a:prstDash val="solid"/>
+                      <a:round/>
+                      <a:headEnd type="none" w="med" len="med"/>
+                      <a:tailEnd type="none" w="med" len="med"/>
+                    </a:lnL>
+                    <a:lnR w="12700" cap="flat" cmpd="sng" algn="ctr">
+                      <a:solidFill>
+                        <a:schemeClr val="tx1"/>
+                      </a:solidFill>
+                      <a:prstDash val="solid"/>
+                      <a:round/>
+                      <a:headEnd type="none" w="med" len="med"/>
+                      <a:tailEnd type="none" w="med" len="med"/>
+                    </a:lnR>
+                    <a:lnT w="12700" cap="flat" cmpd="sng" algn="ctr">
+                      <a:solidFill>
+                        <a:schemeClr val="tx1"/>
+                      </a:solidFill>
+                      <a:prstDash val="solid"/>
+                      <a:round/>
+                      <a:headEnd type="none" w="med" len="med"/>
+                      <a:tailEnd type="none" w="med" len="med"/>
+                    </a:lnT>
+                    <a:lnB w="12700" cap="flat" cmpd="sng" algn="ctr">
+                      <a:solidFill>
+                        <a:schemeClr val="tx1"/>
+                      </a:solidFill>
+                      <a:prstDash val="solid"/>
+                      <a:round/>
+                      <a:headEnd type="none" w="med" len="med"/>
+                      <a:tailEnd type="none" w="med" len="med"/>
+                    </a:lnB>
+                    <a:solidFill>
+                      <a:srgbClr val="E5E9FF"/>
+                    </a:solidFill>
+                  </a:tcPr>
+                </a:tc>
+                <a:tc>
+                  <a:txBody>
+                    <a:bodyPr/>
+                    <a:lstStyle/>
+                    <a:p>
+                      <a:pPr algn="l" fontAlgn="t"/>
+                      <a:r>
+                        <a:rPr lang="zh-CN" altLang="en-US" sz="700" u="none" strike="noStrike">
+                          <a:effectLst/>
+                        </a:rPr>
+                        <a:t>　</a:t>
+                      </a:r>
+                      <a:endParaRPr lang="zh-CN" altLang="en-US" sz="700" b="0" i="0" u="none" strike="noStrike">
+                        <a:solidFill>
+                          <a:srgbClr val="000000"/>
+                        </a:solidFill>
+                        <a:effectLst/>
+                        <a:latin typeface="等线" panose="02010600030101010101" pitchFamily="2" charset="-122"/>
+                        <a:ea typeface="等线" panose="02010600030101010101" pitchFamily="2" charset="-122"/>
+                      </a:endParaRPr>
+                    </a:p>
+                  </a:txBody>
+                  <a:tcPr marL="0" marR="0" marT="0" marB="0">
+                    <a:lnL w="12700" cap="flat" cmpd="sng" algn="ctr">
+                      <a:solidFill>
+                        <a:schemeClr val="tx1"/>
+                      </a:solidFill>
+                      <a:prstDash val="solid"/>
+                      <a:round/>
+                      <a:headEnd type="none" w="med" len="med"/>
+                      <a:tailEnd type="none" w="med" len="med"/>
+                    </a:lnL>
+                    <a:lnR w="12700" cap="flat" cmpd="sng" algn="ctr">
+                      <a:solidFill>
+                        <a:schemeClr val="tx1"/>
+                      </a:solidFill>
+                      <a:prstDash val="solid"/>
+                      <a:round/>
+                      <a:headEnd type="none" w="med" len="med"/>
+                      <a:tailEnd type="none" w="med" len="med"/>
+                    </a:lnR>
+                    <a:lnT w="12700" cap="flat" cmpd="sng" algn="ctr">
+                      <a:solidFill>
+                        <a:schemeClr val="tx1"/>
+                      </a:solidFill>
+                      <a:prstDash val="solid"/>
+                      <a:round/>
+                      <a:headEnd type="none" w="med" len="med"/>
+                      <a:tailEnd type="none" w="med" len="med"/>
+                    </a:lnT>
+                    <a:lnB w="12700" cap="flat" cmpd="sng" algn="ctr">
+                      <a:solidFill>
+                        <a:schemeClr val="tx1"/>
+                      </a:solidFill>
+                      <a:prstDash val="solid"/>
+                      <a:round/>
+                      <a:headEnd type="none" w="med" len="med"/>
+                      <a:tailEnd type="none" w="med" len="med"/>
+                    </a:lnB>
+                    <a:solidFill>
+                      <a:srgbClr val="E5E9FF"/>
+                    </a:solidFill>
+                  </a:tcPr>
+                </a:tc>
+                <a:tc>
+                  <a:txBody>
+                    <a:bodyPr/>
+                    <a:lstStyle/>
+                    <a:p>
+                      <a:pPr algn="l" fontAlgn="t"/>
+                      <a:r>
+                        <a:rPr lang="zh-CN" altLang="en-US" sz="700" u="none" strike="noStrike">
+                          <a:effectLst/>
+                        </a:rPr>
+                        <a:t>　</a:t>
+                      </a:r>
+                      <a:endParaRPr lang="zh-CN" altLang="en-US" sz="700" b="0" i="0" u="none" strike="noStrike">
+                        <a:solidFill>
+                          <a:srgbClr val="000000"/>
+                        </a:solidFill>
+                        <a:effectLst/>
+                        <a:latin typeface="等线" panose="02010600030101010101" pitchFamily="2" charset="-122"/>
+                        <a:ea typeface="等线" panose="02010600030101010101" pitchFamily="2" charset="-122"/>
+                      </a:endParaRPr>
+                    </a:p>
+                  </a:txBody>
+                  <a:tcPr marL="0" marR="0" marT="0" marB="0">
+                    <a:lnL w="12700" cap="flat" cmpd="sng" algn="ctr">
+                      <a:solidFill>
+                        <a:schemeClr val="tx1"/>
+                      </a:solidFill>
+                      <a:prstDash val="solid"/>
+                      <a:round/>
+                      <a:headEnd type="none" w="med" len="med"/>
+                      <a:tailEnd type="none" w="med" len="med"/>
+                    </a:lnL>
+                    <a:lnR w="12700" cap="flat" cmpd="sng" algn="ctr">
+                      <a:solidFill>
+                        <a:schemeClr val="tx1"/>
+                      </a:solidFill>
+                      <a:prstDash val="solid"/>
+                      <a:round/>
+                      <a:headEnd type="none" w="med" len="med"/>
+                      <a:tailEnd type="none" w="med" len="med"/>
+                    </a:lnR>
+                    <a:lnT w="12700" cap="flat" cmpd="sng" algn="ctr">
+                      <a:solidFill>
+                        <a:schemeClr val="tx1"/>
+                      </a:solidFill>
+                      <a:prstDash val="solid"/>
+                      <a:round/>
+                      <a:headEnd type="none" w="med" len="med"/>
+                      <a:tailEnd type="none" w="med" len="med"/>
+                    </a:lnT>
+                    <a:lnB w="12700" cap="flat" cmpd="sng" algn="ctr">
+                      <a:solidFill>
+                        <a:schemeClr val="tx1"/>
+                      </a:solidFill>
+                      <a:prstDash val="solid"/>
+                      <a:round/>
+                      <a:headEnd type="none" w="med" len="med"/>
+                      <a:tailEnd type="none" w="med" len="med"/>
+                    </a:lnB>
+                    <a:solidFill>
+                      <a:srgbClr val="E5E9FF"/>
+                    </a:solidFill>
+                  </a:tcPr>
+                </a:tc>
+                <a:tc>
+                  <a:txBody>
+                    <a:bodyPr/>
+                    <a:lstStyle/>
+                    <a:p>
+                      <a:pPr algn="l" fontAlgn="t"/>
+                      <a:r>
+                        <a:rPr lang="zh-CN" altLang="en-US" sz="700" u="none" strike="noStrike">
+                          <a:effectLst/>
+                        </a:rPr>
+                        <a:t>　</a:t>
+                      </a:r>
+                      <a:endParaRPr lang="zh-CN" altLang="en-US" sz="700" b="0" i="0" u="none" strike="noStrike">
+                        <a:solidFill>
+                          <a:srgbClr val="000000"/>
+                        </a:solidFill>
+                        <a:effectLst/>
+                        <a:latin typeface="等线" panose="02010600030101010101" pitchFamily="2" charset="-122"/>
+                        <a:ea typeface="等线" panose="02010600030101010101" pitchFamily="2" charset="-122"/>
+                      </a:endParaRPr>
+                    </a:p>
+                  </a:txBody>
+                  <a:tcPr marL="0" marR="0" marT="0" marB="0">
+                    <a:lnL w="12700" cap="flat" cmpd="sng" algn="ctr">
+                      <a:solidFill>
+                        <a:schemeClr val="tx1"/>
+                      </a:solidFill>
+                      <a:prstDash val="solid"/>
+                      <a:round/>
+                      <a:headEnd type="none" w="med" len="med"/>
+                      <a:tailEnd type="none" w="med" len="med"/>
+                    </a:lnL>
+                    <a:lnR w="12700" cap="flat" cmpd="sng" algn="ctr">
+                      <a:solidFill>
+                        <a:schemeClr val="tx1"/>
+                      </a:solidFill>
+                      <a:prstDash val="solid"/>
+                      <a:round/>
+                      <a:headEnd type="none" w="med" len="med"/>
+                      <a:tailEnd type="none" w="med" len="med"/>
+                    </a:lnR>
+                    <a:lnT w="12700" cap="flat" cmpd="sng" algn="ctr">
+                      <a:solidFill>
+                        <a:schemeClr val="tx1"/>
+                      </a:solidFill>
+                      <a:prstDash val="solid"/>
+                      <a:round/>
+                      <a:headEnd type="none" w="med" len="med"/>
+                      <a:tailEnd type="none" w="med" len="med"/>
+                    </a:lnT>
+                    <a:lnB w="12700" cap="flat" cmpd="sng" algn="ctr">
+                      <a:solidFill>
+                        <a:schemeClr val="tx1"/>
+                      </a:solidFill>
+                      <a:prstDash val="solid"/>
+                      <a:round/>
+                      <a:headEnd type="none" w="med" len="med"/>
+                      <a:tailEnd type="none" w="med" len="med"/>
+                    </a:lnB>
+                    <a:solidFill>
+                      <a:srgbClr val="E5E9FF"/>
+                    </a:solidFill>
+                  </a:tcPr>
+                </a:tc>
+                <a:tc>
+                  <a:txBody>
+                    <a:bodyPr/>
+                    <a:lstStyle/>
+                    <a:p>
+                      <a:pPr algn="l" fontAlgn="b"/>
+                      <a:r>
+                        <a:rPr lang="zh-CN" altLang="en-US" sz="700" u="none" strike="noStrike">
+                          <a:effectLst/>
+                        </a:rPr>
+                        <a:t>　</a:t>
+                      </a:r>
+                      <a:endParaRPr lang="zh-CN" altLang="en-US" sz="700" b="0" i="0" u="none" strike="noStrike">
+                        <a:solidFill>
+                          <a:srgbClr val="000000"/>
+                        </a:solidFill>
+                        <a:effectLst/>
+                        <a:latin typeface="等线" panose="02010600030101010101" pitchFamily="2" charset="-122"/>
+                        <a:ea typeface="等线" panose="02010600030101010101" pitchFamily="2" charset="-122"/>
+                      </a:endParaRPr>
+                    </a:p>
+                  </a:txBody>
+                  <a:tcPr marL="0" marR="0" marT="0" marB="0" anchor="b">
+                    <a:lnL w="12700" cap="flat" cmpd="sng" algn="ctr">
+                      <a:solidFill>
+                        <a:schemeClr val="tx1"/>
+                      </a:solidFill>
+                      <a:prstDash val="solid"/>
+                      <a:round/>
+                      <a:headEnd type="none" w="med" len="med"/>
+                      <a:tailEnd type="none" w="med" len="med"/>
+                    </a:lnL>
+                    <a:lnR w="12700" cap="flat" cmpd="sng" algn="ctr">
+                      <a:solidFill>
+                        <a:schemeClr val="tx1"/>
+                      </a:solidFill>
+                      <a:prstDash val="solid"/>
+                      <a:round/>
+                      <a:headEnd type="none" w="med" len="med"/>
+                      <a:tailEnd type="none" w="med" len="med"/>
+                    </a:lnR>
+                    <a:lnT w="12700" cap="flat" cmpd="sng" algn="ctr">
+                      <a:solidFill>
+                        <a:schemeClr val="tx1"/>
+                      </a:solidFill>
+                      <a:prstDash val="solid"/>
+                      <a:round/>
+                      <a:headEnd type="none" w="med" len="med"/>
+                      <a:tailEnd type="none" w="med" len="med"/>
+                    </a:lnT>
+                    <a:lnB w="12700" cap="flat" cmpd="sng" algn="ctr">
+                      <a:solidFill>
+                        <a:schemeClr val="tx1"/>
+                      </a:solidFill>
+                      <a:prstDash val="solid"/>
+                      <a:round/>
+                      <a:headEnd type="none" w="med" len="med"/>
+                      <a:tailEnd type="none" w="med" len="med"/>
+                    </a:lnB>
+                    <a:solidFill>
+                      <a:srgbClr val="E5E9FF"/>
+                    </a:solidFill>
+                  </a:tcPr>
+                </a:tc>
+                <a:tc>
+                  <a:txBody>
+                    <a:bodyPr/>
+                    <a:lstStyle/>
+                    <a:p>
+                      <a:pPr algn="l" fontAlgn="b"/>
+                      <a:r>
+                        <a:rPr lang="zh-CN" altLang="en-US" sz="700" u="none" strike="noStrike">
+                          <a:effectLst/>
+                        </a:rPr>
+                        <a:t>　</a:t>
+                      </a:r>
+                      <a:endParaRPr lang="zh-CN" altLang="en-US" sz="700" b="0" i="0" u="none" strike="noStrike">
+                        <a:solidFill>
+                          <a:srgbClr val="000000"/>
+                        </a:solidFill>
+                        <a:effectLst/>
+                        <a:latin typeface="等线" panose="02010600030101010101" pitchFamily="2" charset="-122"/>
+                        <a:ea typeface="等线" panose="02010600030101010101" pitchFamily="2" charset="-122"/>
+                      </a:endParaRPr>
+                    </a:p>
+                  </a:txBody>
+                  <a:tcPr marL="0" marR="0" marT="0" marB="0" anchor="b">
+                    <a:lnL w="12700" cap="flat" cmpd="sng" algn="ctr">
+                      <a:solidFill>
+                        <a:schemeClr val="tx1"/>
+                      </a:solidFill>
+                      <a:prstDash val="solid"/>
+                      <a:round/>
+                      <a:headEnd type="none" w="med" len="med"/>
+                      <a:tailEnd type="none" w="med" len="med"/>
+                    </a:lnL>
+                    <a:lnR w="12700" cap="flat" cmpd="sng" algn="ctr">
+                      <a:solidFill>
+                        <a:schemeClr val="tx1"/>
+                      </a:solidFill>
+                      <a:prstDash val="solid"/>
+                      <a:round/>
+                      <a:headEnd type="none" w="med" len="med"/>
+                      <a:tailEnd type="none" w="med" len="med"/>
+                    </a:lnR>
+                    <a:lnT w="12700" cap="flat" cmpd="sng" algn="ctr">
+                      <a:solidFill>
+                        <a:schemeClr val="tx1"/>
+                      </a:solidFill>
+                      <a:prstDash val="solid"/>
+                      <a:round/>
+                      <a:headEnd type="none" w="med" len="med"/>
+                      <a:tailEnd type="none" w="med" len="med"/>
+                    </a:lnT>
+                    <a:lnB w="12700" cap="flat" cmpd="sng" algn="ctr">
+                      <a:solidFill>
+                        <a:schemeClr val="tx1"/>
+                      </a:solidFill>
+                      <a:prstDash val="solid"/>
+                      <a:round/>
+                      <a:headEnd type="none" w="med" len="med"/>
+                      <a:tailEnd type="none" w="med" len="med"/>
+                    </a:lnB>
+                    <a:solidFill>
+                      <a:srgbClr val="E5E9FF"/>
+                    </a:solidFill>
+                  </a:tcPr>
+                </a:tc>
+                <a:tc>
+                  <a:txBody>
+                    <a:bodyPr/>
+                    <a:lstStyle/>
+                    <a:p>
+                      <a:pPr algn="l" fontAlgn="b"/>
+                      <a:r>
+                        <a:rPr lang="zh-CN" altLang="en-US" sz="700" u="none" strike="noStrike">
+                          <a:effectLst/>
+                        </a:rPr>
+                        <a:t>　</a:t>
+                      </a:r>
+                      <a:endParaRPr lang="zh-CN" altLang="en-US" sz="700" b="0" i="0" u="none" strike="noStrike">
+                        <a:solidFill>
+                          <a:srgbClr val="000000"/>
+                        </a:solidFill>
+                        <a:effectLst/>
+                        <a:latin typeface="等线" panose="02010600030101010101" pitchFamily="2" charset="-122"/>
+                        <a:ea typeface="等线" panose="02010600030101010101" pitchFamily="2" charset="-122"/>
+                      </a:endParaRPr>
+                    </a:p>
+                  </a:txBody>
+                  <a:tcPr marL="0" marR="0" marT="0" marB="0" anchor="b">
+                    <a:lnL w="12700" cap="flat" cmpd="sng" algn="ctr">
+                      <a:solidFill>
+                        <a:schemeClr val="tx1"/>
+                      </a:solidFill>
+                      <a:prstDash val="solid"/>
+                      <a:round/>
+                      <a:headEnd type="none" w="med" len="med"/>
+                      <a:tailEnd type="none" w="med" len="med"/>
+                    </a:lnL>
+                    <a:lnR w="12700" cap="flat" cmpd="sng" algn="ctr">
+                      <a:solidFill>
+                        <a:schemeClr val="tx1"/>
+                      </a:solidFill>
+                      <a:prstDash val="solid"/>
+                      <a:round/>
+                      <a:headEnd type="none" w="med" len="med"/>
+                      <a:tailEnd type="none" w="med" len="med"/>
+                    </a:lnR>
+                    <a:lnT w="12700" cap="flat" cmpd="sng" algn="ctr">
+                      <a:solidFill>
+                        <a:schemeClr val="tx1"/>
+                      </a:solidFill>
+                      <a:prstDash val="solid"/>
+                      <a:round/>
+                      <a:headEnd type="none" w="med" len="med"/>
+                      <a:tailEnd type="none" w="med" len="med"/>
+                    </a:lnT>
+                    <a:lnB w="12700" cap="flat" cmpd="sng" algn="ctr">
+                      <a:solidFill>
+                        <a:schemeClr val="tx1"/>
+                      </a:solidFill>
+                      <a:prstDash val="solid"/>
+                      <a:round/>
+                      <a:headEnd type="none" w="med" len="med"/>
+                      <a:tailEnd type="none" w="med" len="med"/>
+                    </a:lnB>
+                    <a:solidFill>
+                      <a:srgbClr val="E5E9FF"/>
+                    </a:solidFill>
+                  </a:tcPr>
+                </a:tc>
+                <a:tc gridSpan="7">
+                  <a:txBody>
+                    <a:bodyPr/>
+                    <a:lstStyle/>
+                    <a:p>
+                      <a:pPr algn="l" fontAlgn="b"/>
+                      <a:endParaRPr lang="zh-CN" altLang="en-US" sz="700" b="0" i="0" u="none" strike="noStrike">
+                        <a:solidFill>
+                          <a:srgbClr val="000000"/>
+                        </a:solidFill>
+                        <a:effectLst/>
+                        <a:latin typeface="等线" panose="02010600030101010101" pitchFamily="2" charset="-122"/>
+                        <a:ea typeface="等线" panose="02010600030101010101" pitchFamily="2" charset="-122"/>
+                      </a:endParaRPr>
+                    </a:p>
+                  </a:txBody>
+                  <a:tcPr marL="0" marR="0" marT="0" marB="0" anchor="b">
+                    <a:lnL w="12700" cap="flat" cmpd="sng" algn="ctr">
+                      <a:solidFill>
+                        <a:schemeClr val="tx1"/>
+                      </a:solidFill>
+                      <a:prstDash val="solid"/>
+                      <a:round/>
+                      <a:headEnd type="none" w="med" len="med"/>
+                      <a:tailEnd type="none" w="med" len="med"/>
+                    </a:lnL>
+                    <a:lnR w="12700" cap="flat" cmpd="sng" algn="ctr">
+                      <a:solidFill>
+                        <a:schemeClr val="tx1"/>
+                      </a:solidFill>
+                      <a:prstDash val="solid"/>
+                      <a:round/>
+                      <a:headEnd type="none" w="med" len="med"/>
+                      <a:tailEnd type="none" w="med" len="med"/>
+                    </a:lnR>
+                    <a:lnT w="12700" cap="flat" cmpd="sng" algn="ctr">
+                      <a:solidFill>
+                        <a:schemeClr val="tx1"/>
+                      </a:solidFill>
+                      <a:prstDash val="solid"/>
+                      <a:round/>
+                      <a:headEnd type="none" w="med" len="med"/>
+                      <a:tailEnd type="none" w="med" len="med"/>
+                    </a:lnT>
+                    <a:lnB w="12700" cap="flat" cmpd="sng" algn="ctr">
+                      <a:solidFill>
+                        <a:schemeClr val="tx1"/>
+                      </a:solidFill>
+                      <a:prstDash val="solid"/>
+                      <a:round/>
+                      <a:headEnd type="none" w="med" len="med"/>
+                      <a:tailEnd type="none" w="med" len="med"/>
+                    </a:lnB>
+                    <a:solidFill>
+                      <a:srgbClr val="E5E9FF"/>
+                    </a:solidFill>
+                  </a:tcPr>
+                </a:tc>
+                <a:tc hMerge="1">
+                  <a:txBody>
+                    <a:bodyPr/>
+                    <a:lstStyle/>
+                    <a:p>
+                      <a:endParaRPr lang="zh-CN" altLang="en-US"/>
+                    </a:p>
+                  </a:txBody>
+                  <a:tcPr/>
+                </a:tc>
+                <a:tc hMerge="1">
+                  <a:txBody>
+                    <a:bodyPr/>
+                    <a:lstStyle/>
+                    <a:p>
+                      <a:endParaRPr lang="zh-CN" altLang="en-US"/>
+                    </a:p>
+                  </a:txBody>
+                  <a:tcPr/>
+                </a:tc>
+                <a:tc hMerge="1">
+                  <a:txBody>
+                    <a:bodyPr/>
+                    <a:lstStyle/>
+                    <a:p>
+                      <a:endParaRPr lang="zh-CN" altLang="en-US"/>
+                    </a:p>
+                  </a:txBody>
+                  <a:tcPr/>
+                </a:tc>
+                <a:tc hMerge="1">
+                  <a:txBody>
+                    <a:bodyPr/>
+                    <a:lstStyle/>
+                    <a:p>
+                      <a:endParaRPr lang="zh-CN" altLang="en-US"/>
+                    </a:p>
+                  </a:txBody>
+                  <a:tcPr/>
+                </a:tc>
+                <a:tc hMerge="1">
+                  <a:txBody>
+                    <a:bodyPr/>
+                    <a:lstStyle/>
+                    <a:p>
+                      <a:endParaRPr lang="zh-CN" altLang="en-US"/>
+                    </a:p>
+                  </a:txBody>
+                  <a:tcPr/>
+                </a:tc>
+                <a:tc hMerge="1">
+                  <a:txBody>
+                    <a:bodyPr/>
+                    <a:lstStyle/>
+                    <a:p>
+                      <a:endParaRPr lang="zh-CN" altLang="en-US"/>
+                    </a:p>
+                  </a:txBody>
+                  <a:tcPr/>
+                </a:tc>
+                <a:tc>
+                  <a:txBody>
+                    <a:bodyPr/>
+                    <a:lstStyle/>
+                    <a:p>
+                      <a:pPr algn="l" fontAlgn="b"/>
+                      <a:r>
+                        <a:rPr lang="zh-CN" altLang="en-US" sz="700" u="none" strike="noStrike">
+                          <a:effectLst/>
+                        </a:rPr>
+                        <a:t>　</a:t>
+                      </a:r>
+                      <a:endParaRPr lang="zh-CN" altLang="en-US" sz="700" b="0" i="0" u="none" strike="noStrike">
+                        <a:solidFill>
+                          <a:srgbClr val="000000"/>
+                        </a:solidFill>
+                        <a:effectLst/>
+                        <a:latin typeface="等线" panose="02010600030101010101" pitchFamily="2" charset="-122"/>
+                        <a:ea typeface="等线" panose="02010600030101010101" pitchFamily="2" charset="-122"/>
+                      </a:endParaRPr>
+                    </a:p>
+                  </a:txBody>
+                  <a:tcPr marL="0" marR="0" marT="0" marB="0" anchor="b">
+                    <a:lnL w="12700" cap="flat" cmpd="sng" algn="ctr">
+                      <a:solidFill>
+                        <a:schemeClr val="tx1"/>
+                      </a:solidFill>
+                      <a:prstDash val="solid"/>
+                      <a:round/>
+                      <a:headEnd type="none" w="med" len="med"/>
+                      <a:tailEnd type="none" w="med" len="med"/>
+                    </a:lnL>
+                    <a:lnR w="12700" cap="flat" cmpd="sng" algn="ctr">
+                      <a:solidFill>
+                        <a:schemeClr val="tx1"/>
+                      </a:solidFill>
+                      <a:prstDash val="solid"/>
+                      <a:round/>
+                      <a:headEnd type="none" w="med" len="med"/>
+                      <a:tailEnd type="none" w="med" len="med"/>
+                    </a:lnR>
+                    <a:lnT w="12700" cap="flat" cmpd="sng" algn="ctr">
+                      <a:solidFill>
+                        <a:schemeClr val="tx1"/>
+                      </a:solidFill>
+                      <a:prstDash val="solid"/>
+                      <a:round/>
+                      <a:headEnd type="none" w="med" len="med"/>
+                      <a:tailEnd type="none" w="med" len="med"/>
+                    </a:lnT>
+                    <a:lnB w="12700" cap="flat" cmpd="sng" algn="ctr">
+                      <a:solidFill>
+                        <a:schemeClr val="tx1"/>
+                      </a:solidFill>
+                      <a:prstDash val="solid"/>
+                      <a:round/>
+                      <a:headEnd type="none" w="med" len="med"/>
+                      <a:tailEnd type="none" w="med" len="med"/>
+                    </a:lnB>
+                    <a:solidFill>
+                      <a:srgbClr val="E5E9FF"/>
+                    </a:solidFill>
+                  </a:tcPr>
+                </a:tc>
+                <a:extLst>
+                  <a:ext uri="{0D108BD9-81ED-4DB2-BD59-A6C34878D82A}">
+                    <a16:rowId xmlns:a16="http://schemas.microsoft.com/office/drawing/2014/main" val="3497697487"/>
+                  </a:ext>
+                </a:extLst>
+              </a:tr>
+              <a:tr h="518482">
+                <a:tc>
+                  <a:txBody>
+                    <a:bodyPr/>
+                    <a:lstStyle/>
+                    <a:p>
+                      <a:pPr algn="ctr" fontAlgn="t">
+                        <a:lnSpc>
+                          <a:spcPct val="200000"/>
+                        </a:lnSpc>
+                      </a:pPr>
+                      <a:r>
+                        <a:rPr lang="ja-JP" altLang="en-US" sz="1000" u="none" strike="noStrike" dirty="0">
+                          <a:effectLst/>
+                          <a:latin typeface="+mj-lt"/>
+                        </a:rPr>
+                        <a:t>リリース</a:t>
+                      </a:r>
+                      <a:endParaRPr lang="ja-JP" altLang="en-US" sz="1000" b="0" i="0" u="none" strike="noStrike" dirty="0">
+                        <a:solidFill>
+                          <a:srgbClr val="000000"/>
+                        </a:solidFill>
+                        <a:effectLst/>
+                        <a:latin typeface="+mj-lt"/>
+                        <a:ea typeface="等线" panose="02010600030101010101" pitchFamily="2" charset="-122"/>
+                      </a:endParaRPr>
+                    </a:p>
+                  </a:txBody>
+                  <a:tcPr marL="0" marR="0" marT="0" marB="0">
+                    <a:lnL w="12700" cap="flat" cmpd="sng" algn="ctr">
+                      <a:solidFill>
+                        <a:schemeClr val="tx1"/>
+                      </a:solidFill>
+                      <a:prstDash val="solid"/>
+                      <a:round/>
+                      <a:headEnd type="none" w="med" len="med"/>
+                      <a:tailEnd type="none" w="med" len="med"/>
+                    </a:lnL>
+                    <a:lnR w="12700" cap="flat" cmpd="sng" algn="ctr">
+                      <a:solidFill>
+                        <a:schemeClr val="bg1"/>
+                      </a:solidFill>
+                      <a:prstDash val="solid"/>
+                      <a:round/>
+                      <a:headEnd type="none" w="med" len="med"/>
+                      <a:tailEnd type="none" w="med" len="med"/>
+                    </a:lnR>
+                    <a:lnT w="12700" cap="flat" cmpd="sng" algn="ctr">
+                      <a:solidFill>
+                        <a:schemeClr val="tx1"/>
+                      </a:solidFill>
+                      <a:prstDash val="solid"/>
+                      <a:round/>
+                      <a:headEnd type="none" w="med" len="med"/>
+                      <a:tailEnd type="none" w="med" len="med"/>
+                    </a:lnT>
+                    <a:lnB w="12700" cap="flat" cmpd="sng" algn="ctr">
+                      <a:solidFill>
+                        <a:schemeClr val="tx1"/>
+                      </a:solidFill>
+                      <a:prstDash val="solid"/>
+                      <a:round/>
+                      <a:headEnd type="none" w="med" len="med"/>
+                      <a:tailEnd type="none" w="med" len="med"/>
+                    </a:lnB>
+                    <a:solidFill>
+                      <a:srgbClr val="E5E9FF"/>
+                    </a:solidFill>
+                  </a:tcPr>
+                </a:tc>
+                <a:tc>
+                  <a:txBody>
+                    <a:bodyPr/>
+                    <a:lstStyle/>
+                    <a:p>
+                      <a:pPr algn="ctr" fontAlgn="t">
+                        <a:lnSpc>
+                          <a:spcPct val="250000"/>
+                        </a:lnSpc>
+                      </a:pPr>
+                      <a:r>
+                        <a:rPr lang="en-US" altLang="zh-CN" sz="900" u="none" strike="noStrike" dirty="0">
+                          <a:effectLst/>
+                        </a:rPr>
+                        <a:t>5</a:t>
+                      </a:r>
+                      <a:r>
+                        <a:rPr lang="zh-CN" altLang="en-US" sz="900" u="none" strike="noStrike" dirty="0">
+                          <a:effectLst/>
+                        </a:rPr>
+                        <a:t>人日</a:t>
+                      </a:r>
+                      <a:endParaRPr lang="zh-CN" altLang="en-US" sz="900" b="0" i="0" u="none" strike="noStrike" dirty="0">
+                        <a:solidFill>
+                          <a:srgbClr val="000000"/>
+                        </a:solidFill>
+                        <a:effectLst/>
+                        <a:latin typeface="等线" panose="02010600030101010101" pitchFamily="2" charset="-122"/>
+                        <a:ea typeface="等线" panose="02010600030101010101" pitchFamily="2" charset="-122"/>
+                      </a:endParaRPr>
+                    </a:p>
+                  </a:txBody>
+                  <a:tcPr marL="0" marR="0" marT="0" marB="0">
+                    <a:lnL w="12700" cap="flat" cmpd="sng" algn="ctr">
+                      <a:solidFill>
+                        <a:schemeClr val="bg1"/>
+                      </a:solidFill>
+                      <a:prstDash val="solid"/>
+                      <a:round/>
+                      <a:headEnd type="none" w="med" len="med"/>
+                      <a:tailEnd type="none" w="med" len="med"/>
+                    </a:lnL>
+                    <a:lnR w="12700" cap="flat" cmpd="sng" algn="ctr">
+                      <a:solidFill>
+                        <a:schemeClr val="bg1"/>
+                      </a:solidFill>
+                      <a:prstDash val="solid"/>
+                      <a:round/>
+                      <a:headEnd type="none" w="med" len="med"/>
+                      <a:tailEnd type="none" w="med" len="med"/>
+                    </a:lnR>
+                    <a:lnT w="12700" cap="flat" cmpd="sng" algn="ctr">
+                      <a:solidFill>
+                        <a:schemeClr val="tx1"/>
+                      </a:solidFill>
+                      <a:prstDash val="solid"/>
+                      <a:round/>
+                      <a:headEnd type="none" w="med" len="med"/>
+                      <a:tailEnd type="none" w="med" len="med"/>
+                    </a:lnT>
+                    <a:lnB w="12700" cap="flat" cmpd="sng" algn="ctr">
+                      <a:solidFill>
+                        <a:schemeClr val="tx1"/>
+                      </a:solidFill>
+                      <a:prstDash val="solid"/>
+                      <a:round/>
+                      <a:headEnd type="none" w="med" len="med"/>
+                      <a:tailEnd type="none" w="med" len="med"/>
+                    </a:lnB>
+                    <a:solidFill>
+                      <a:srgbClr val="E5E9FF"/>
+                    </a:solidFill>
+                  </a:tcPr>
+                </a:tc>
+                <a:tc>
+                  <a:txBody>
+                    <a:bodyPr/>
+                    <a:lstStyle/>
+                    <a:p>
+                      <a:pPr algn="l" fontAlgn="t"/>
+                      <a:r>
+                        <a:rPr lang="zh-CN" altLang="en-US" sz="700" u="none" strike="noStrike" dirty="0">
+                          <a:effectLst/>
+                        </a:rPr>
+                        <a:t>　</a:t>
+                      </a:r>
+                      <a:endParaRPr lang="zh-CN" altLang="en-US" sz="700" b="0" i="0" u="none" strike="noStrike" dirty="0">
+                        <a:solidFill>
+                          <a:srgbClr val="000000"/>
+                        </a:solidFill>
+                        <a:effectLst/>
+                        <a:latin typeface="等线" panose="02010600030101010101" pitchFamily="2" charset="-122"/>
+                        <a:ea typeface="等线" panose="02010600030101010101" pitchFamily="2" charset="-122"/>
+                      </a:endParaRPr>
+                    </a:p>
+                  </a:txBody>
+                  <a:tcPr marL="0" marR="0" marT="0" marB="0">
+                    <a:lnL w="12700" cap="flat" cmpd="sng" algn="ctr">
+                      <a:solidFill>
+                        <a:schemeClr val="bg1"/>
+                      </a:solidFill>
+                      <a:prstDash val="solid"/>
+                      <a:round/>
+                      <a:headEnd type="none" w="med" len="med"/>
+                      <a:tailEnd type="none" w="med" len="med"/>
+                    </a:lnL>
+                    <a:lnR w="12700" cap="flat" cmpd="sng" algn="ctr">
+                      <a:solidFill>
+                        <a:schemeClr val="tx1"/>
+                      </a:solidFill>
+                      <a:prstDash val="solid"/>
+                      <a:round/>
+                      <a:headEnd type="none" w="med" len="med"/>
+                      <a:tailEnd type="none" w="med" len="med"/>
+                    </a:lnR>
+                    <a:lnT w="12700" cap="flat" cmpd="sng" algn="ctr">
+                      <a:solidFill>
+                        <a:schemeClr val="tx1"/>
+                      </a:solidFill>
+                      <a:prstDash val="solid"/>
+                      <a:round/>
+                      <a:headEnd type="none" w="med" len="med"/>
+                      <a:tailEnd type="none" w="med" len="med"/>
+                    </a:lnT>
+                    <a:lnB w="12700" cap="flat" cmpd="sng" algn="ctr">
+                      <a:solidFill>
+                        <a:schemeClr val="tx1"/>
+                      </a:solidFill>
+                      <a:prstDash val="solid"/>
+                      <a:round/>
+                      <a:headEnd type="none" w="med" len="med"/>
+                      <a:tailEnd type="none" w="med" len="med"/>
+                    </a:lnB>
+                    <a:solidFill>
+                      <a:srgbClr val="E5E9FF"/>
+                    </a:solidFill>
+                  </a:tcPr>
+                </a:tc>
+                <a:tc>
+                  <a:txBody>
+                    <a:bodyPr/>
+                    <a:lstStyle/>
+                    <a:p>
+                      <a:pPr algn="l" fontAlgn="t"/>
+                      <a:r>
+                        <a:rPr lang="zh-CN" altLang="en-US" sz="700" u="none" strike="noStrike" dirty="0">
+                          <a:effectLst/>
+                        </a:rPr>
+                        <a:t>　</a:t>
+                      </a:r>
+                      <a:endParaRPr lang="zh-CN" altLang="en-US" sz="700" b="0" i="0" u="none" strike="noStrike" dirty="0">
+                        <a:solidFill>
+                          <a:srgbClr val="000000"/>
+                        </a:solidFill>
+                        <a:effectLst/>
+                        <a:latin typeface="等线" panose="02010600030101010101" pitchFamily="2" charset="-122"/>
+                        <a:ea typeface="等线" panose="02010600030101010101" pitchFamily="2" charset="-122"/>
+                      </a:endParaRPr>
+                    </a:p>
+                  </a:txBody>
+                  <a:tcPr marL="0" marR="0" marT="0" marB="0">
+                    <a:lnL w="12700" cap="flat" cmpd="sng" algn="ctr">
+                      <a:solidFill>
+                        <a:schemeClr val="tx1"/>
+                      </a:solidFill>
+                      <a:prstDash val="solid"/>
+                      <a:round/>
+                      <a:headEnd type="none" w="med" len="med"/>
+                      <a:tailEnd type="none" w="med" len="med"/>
+                    </a:lnL>
+                    <a:lnR w="12700" cap="flat" cmpd="sng" algn="ctr">
+                      <a:solidFill>
+                        <a:schemeClr val="tx1"/>
+                      </a:solidFill>
+                      <a:prstDash val="solid"/>
+                      <a:round/>
+                      <a:headEnd type="none" w="med" len="med"/>
+                      <a:tailEnd type="none" w="med" len="med"/>
+                    </a:lnR>
+                    <a:lnT w="12700" cap="flat" cmpd="sng" algn="ctr">
+                      <a:solidFill>
+                        <a:schemeClr val="tx1"/>
+                      </a:solidFill>
+                      <a:prstDash val="solid"/>
+                      <a:round/>
+                      <a:headEnd type="none" w="med" len="med"/>
+                      <a:tailEnd type="none" w="med" len="med"/>
+                    </a:lnT>
+                    <a:lnB w="12700" cap="flat" cmpd="sng" algn="ctr">
+                      <a:solidFill>
+                        <a:schemeClr val="tx1"/>
+                      </a:solidFill>
+                      <a:prstDash val="solid"/>
+                      <a:round/>
+                      <a:headEnd type="none" w="med" len="med"/>
+                      <a:tailEnd type="none" w="med" len="med"/>
+                    </a:lnB>
+                    <a:solidFill>
+                      <a:srgbClr val="E5E9FF"/>
+                    </a:solidFill>
+                  </a:tcPr>
+                </a:tc>
+                <a:tc>
+                  <a:txBody>
+                    <a:bodyPr/>
+                    <a:lstStyle/>
+                    <a:p>
+                      <a:pPr algn="l" fontAlgn="t"/>
+                      <a:r>
+                        <a:rPr lang="zh-CN" altLang="en-US" sz="700" u="none" strike="noStrike" dirty="0">
+                          <a:effectLst/>
+                        </a:rPr>
+                        <a:t>　</a:t>
+                      </a:r>
+                      <a:endParaRPr lang="zh-CN" altLang="en-US" sz="700" b="0" i="0" u="none" strike="noStrike" dirty="0">
+                        <a:solidFill>
+                          <a:srgbClr val="000000"/>
+                        </a:solidFill>
+                        <a:effectLst/>
+                        <a:latin typeface="等线" panose="02010600030101010101" pitchFamily="2" charset="-122"/>
+                        <a:ea typeface="等线" panose="02010600030101010101" pitchFamily="2" charset="-122"/>
+                      </a:endParaRPr>
+                    </a:p>
+                  </a:txBody>
+                  <a:tcPr marL="0" marR="0" marT="0" marB="0">
+                    <a:lnL w="12700" cap="flat" cmpd="sng" algn="ctr">
+                      <a:solidFill>
+                        <a:schemeClr val="tx1"/>
+                      </a:solidFill>
+                      <a:prstDash val="solid"/>
+                      <a:round/>
+                      <a:headEnd type="none" w="med" len="med"/>
+                      <a:tailEnd type="none" w="med" len="med"/>
+                    </a:lnL>
+                    <a:lnR w="12700" cap="flat" cmpd="sng" algn="ctr">
+                      <a:solidFill>
+                        <a:schemeClr val="tx1"/>
+                      </a:solidFill>
+                      <a:prstDash val="solid"/>
+                      <a:round/>
+                      <a:headEnd type="none" w="med" len="med"/>
+                      <a:tailEnd type="none" w="med" len="med"/>
+                    </a:lnR>
+                    <a:lnT w="12700" cap="flat" cmpd="sng" algn="ctr">
+                      <a:solidFill>
+                        <a:schemeClr val="tx1"/>
+                      </a:solidFill>
+                      <a:prstDash val="solid"/>
+                      <a:round/>
+                      <a:headEnd type="none" w="med" len="med"/>
+                      <a:tailEnd type="none" w="med" len="med"/>
+                    </a:lnT>
+                    <a:lnB w="12700" cap="flat" cmpd="sng" algn="ctr">
+                      <a:solidFill>
+                        <a:schemeClr val="tx1"/>
+                      </a:solidFill>
+                      <a:prstDash val="solid"/>
+                      <a:round/>
+                      <a:headEnd type="none" w="med" len="med"/>
+                      <a:tailEnd type="none" w="med" len="med"/>
+                    </a:lnB>
+                    <a:solidFill>
+                      <a:srgbClr val="E5E9FF"/>
+                    </a:solidFill>
+                  </a:tcPr>
+                </a:tc>
+                <a:tc>
+                  <a:txBody>
+                    <a:bodyPr/>
+                    <a:lstStyle/>
+                    <a:p>
+                      <a:pPr algn="l" fontAlgn="t"/>
+                      <a:r>
+                        <a:rPr lang="zh-CN" altLang="en-US" sz="700" u="none" strike="noStrike">
+                          <a:effectLst/>
+                        </a:rPr>
+                        <a:t>　</a:t>
+                      </a:r>
+                      <a:endParaRPr lang="zh-CN" altLang="en-US" sz="700" b="0" i="0" u="none" strike="noStrike">
+                        <a:solidFill>
+                          <a:srgbClr val="000000"/>
+                        </a:solidFill>
+                        <a:effectLst/>
+                        <a:latin typeface="等线" panose="02010600030101010101" pitchFamily="2" charset="-122"/>
+                        <a:ea typeface="等线" panose="02010600030101010101" pitchFamily="2" charset="-122"/>
+                      </a:endParaRPr>
+                    </a:p>
+                  </a:txBody>
+                  <a:tcPr marL="0" marR="0" marT="0" marB="0">
+                    <a:lnL w="12700" cap="flat" cmpd="sng" algn="ctr">
+                      <a:solidFill>
+                        <a:schemeClr val="tx1"/>
+                      </a:solidFill>
+                      <a:prstDash val="solid"/>
+                      <a:round/>
+                      <a:headEnd type="none" w="med" len="med"/>
+                      <a:tailEnd type="none" w="med" len="med"/>
+                    </a:lnL>
+                    <a:lnR w="12700" cap="flat" cmpd="sng" algn="ctr">
+                      <a:solidFill>
+                        <a:schemeClr val="tx1"/>
+                      </a:solidFill>
+                      <a:prstDash val="solid"/>
+                      <a:round/>
+                      <a:headEnd type="none" w="med" len="med"/>
+                      <a:tailEnd type="none" w="med" len="med"/>
+                    </a:lnR>
+                    <a:lnT w="12700" cap="flat" cmpd="sng" algn="ctr">
+                      <a:solidFill>
+                        <a:schemeClr val="tx1"/>
+                      </a:solidFill>
+                      <a:prstDash val="solid"/>
+                      <a:round/>
+                      <a:headEnd type="none" w="med" len="med"/>
+                      <a:tailEnd type="none" w="med" len="med"/>
+                    </a:lnT>
+                    <a:lnB w="12700" cap="flat" cmpd="sng" algn="ctr">
+                      <a:solidFill>
+                        <a:schemeClr val="tx1"/>
+                      </a:solidFill>
+                      <a:prstDash val="solid"/>
+                      <a:round/>
+                      <a:headEnd type="none" w="med" len="med"/>
+                      <a:tailEnd type="none" w="med" len="med"/>
+                    </a:lnB>
+                    <a:solidFill>
+                      <a:srgbClr val="E5E9FF"/>
+                    </a:solidFill>
+                  </a:tcPr>
+                </a:tc>
+                <a:tc>
+                  <a:txBody>
+                    <a:bodyPr/>
+                    <a:lstStyle/>
+                    <a:p>
+                      <a:pPr algn="l" fontAlgn="t"/>
+                      <a:r>
+                        <a:rPr lang="zh-CN" altLang="en-US" sz="700" u="none" strike="noStrike" dirty="0">
+                          <a:effectLst/>
+                        </a:rPr>
+                        <a:t>　</a:t>
+                      </a:r>
+                      <a:endParaRPr lang="zh-CN" altLang="en-US" sz="700" b="0" i="0" u="none" strike="noStrike" dirty="0">
+                        <a:solidFill>
+                          <a:srgbClr val="000000"/>
+                        </a:solidFill>
+                        <a:effectLst/>
+                        <a:latin typeface="等线" panose="02010600030101010101" pitchFamily="2" charset="-122"/>
+                        <a:ea typeface="等线" panose="02010600030101010101" pitchFamily="2" charset="-122"/>
+                      </a:endParaRPr>
+                    </a:p>
+                  </a:txBody>
+                  <a:tcPr marL="0" marR="0" marT="0" marB="0">
+                    <a:lnL w="12700" cap="flat" cmpd="sng" algn="ctr">
+                      <a:solidFill>
+                        <a:schemeClr val="tx1"/>
+                      </a:solidFill>
+                      <a:prstDash val="solid"/>
+                      <a:round/>
+                      <a:headEnd type="none" w="med" len="med"/>
+                      <a:tailEnd type="none" w="med" len="med"/>
+                    </a:lnL>
+                    <a:lnR w="12700" cap="flat" cmpd="sng" algn="ctr">
+                      <a:solidFill>
+                        <a:schemeClr val="tx1"/>
+                      </a:solidFill>
+                      <a:prstDash val="solid"/>
+                      <a:round/>
+                      <a:headEnd type="none" w="med" len="med"/>
+                      <a:tailEnd type="none" w="med" len="med"/>
+                    </a:lnR>
+                    <a:lnT w="12700" cap="flat" cmpd="sng" algn="ctr">
+                      <a:solidFill>
+                        <a:schemeClr val="tx1"/>
+                      </a:solidFill>
+                      <a:prstDash val="solid"/>
+                      <a:round/>
+                      <a:headEnd type="none" w="med" len="med"/>
+                      <a:tailEnd type="none" w="med" len="med"/>
+                    </a:lnT>
+                    <a:lnB w="12700" cap="flat" cmpd="sng" algn="ctr">
+                      <a:solidFill>
+                        <a:schemeClr val="tx1"/>
+                      </a:solidFill>
+                      <a:prstDash val="solid"/>
+                      <a:round/>
+                      <a:headEnd type="none" w="med" len="med"/>
+                      <a:tailEnd type="none" w="med" len="med"/>
+                    </a:lnB>
+                    <a:solidFill>
+                      <a:srgbClr val="E5E9FF"/>
+                    </a:solidFill>
+                  </a:tcPr>
+                </a:tc>
+                <a:tc>
+                  <a:txBody>
+                    <a:bodyPr/>
+                    <a:lstStyle/>
+                    <a:p>
+                      <a:pPr algn="l" fontAlgn="t"/>
+                      <a:r>
+                        <a:rPr lang="zh-CN" altLang="en-US" sz="700" u="none" strike="noStrike" dirty="0">
+                          <a:effectLst/>
+                        </a:rPr>
+                        <a:t>　</a:t>
+                      </a:r>
+                      <a:endParaRPr lang="zh-CN" altLang="en-US" sz="700" b="0" i="0" u="none" strike="noStrike" dirty="0">
+                        <a:solidFill>
+                          <a:srgbClr val="000000"/>
+                        </a:solidFill>
+                        <a:effectLst/>
+                        <a:latin typeface="等线" panose="02010600030101010101" pitchFamily="2" charset="-122"/>
+                        <a:ea typeface="等线" panose="02010600030101010101" pitchFamily="2" charset="-122"/>
+                      </a:endParaRPr>
+                    </a:p>
+                  </a:txBody>
+                  <a:tcPr marL="0" marR="0" marT="0" marB="0">
+                    <a:lnL w="12700" cap="flat" cmpd="sng" algn="ctr">
+                      <a:solidFill>
+                        <a:schemeClr val="tx1"/>
+                      </a:solidFill>
+                      <a:prstDash val="solid"/>
+                      <a:round/>
+                      <a:headEnd type="none" w="med" len="med"/>
+                      <a:tailEnd type="none" w="med" len="med"/>
+                    </a:lnL>
+                    <a:lnR w="12700" cap="flat" cmpd="sng" algn="ctr">
+                      <a:solidFill>
+                        <a:schemeClr val="tx1"/>
+                      </a:solidFill>
+                      <a:prstDash val="solid"/>
+                      <a:round/>
+                      <a:headEnd type="none" w="med" len="med"/>
+                      <a:tailEnd type="none" w="med" len="med"/>
+                    </a:lnR>
+                    <a:lnT w="12700" cap="flat" cmpd="sng" algn="ctr">
+                      <a:solidFill>
+                        <a:schemeClr val="tx1"/>
+                      </a:solidFill>
+                      <a:prstDash val="solid"/>
+                      <a:round/>
+                      <a:headEnd type="none" w="med" len="med"/>
+                      <a:tailEnd type="none" w="med" len="med"/>
+                    </a:lnT>
+                    <a:lnB w="12700" cap="flat" cmpd="sng" algn="ctr">
+                      <a:solidFill>
+                        <a:schemeClr val="tx1"/>
+                      </a:solidFill>
+                      <a:prstDash val="solid"/>
+                      <a:round/>
+                      <a:headEnd type="none" w="med" len="med"/>
+                      <a:tailEnd type="none" w="med" len="med"/>
+                    </a:lnB>
+                    <a:solidFill>
+                      <a:srgbClr val="E5E9FF"/>
+                    </a:solidFill>
+                  </a:tcPr>
+                </a:tc>
+                <a:tc>
+                  <a:txBody>
+                    <a:bodyPr/>
+                    <a:lstStyle/>
+                    <a:p>
+                      <a:pPr algn="l" fontAlgn="t"/>
+                      <a:r>
+                        <a:rPr lang="zh-CN" altLang="en-US" sz="700" u="none" strike="noStrike" dirty="0">
+                          <a:effectLst/>
+                        </a:rPr>
+                        <a:t>　</a:t>
+                      </a:r>
+                      <a:endParaRPr lang="zh-CN" altLang="en-US" sz="700" b="0" i="0" u="none" strike="noStrike" dirty="0">
+                        <a:solidFill>
+                          <a:srgbClr val="000000"/>
+                        </a:solidFill>
+                        <a:effectLst/>
+                        <a:latin typeface="等线" panose="02010600030101010101" pitchFamily="2" charset="-122"/>
+                        <a:ea typeface="等线" panose="02010600030101010101" pitchFamily="2" charset="-122"/>
+                      </a:endParaRPr>
+                    </a:p>
+                  </a:txBody>
+                  <a:tcPr marL="0" marR="0" marT="0" marB="0">
+                    <a:lnL w="12700" cap="flat" cmpd="sng" algn="ctr">
+                      <a:solidFill>
+                        <a:schemeClr val="tx1"/>
+                      </a:solidFill>
+                      <a:prstDash val="solid"/>
+                      <a:round/>
+                      <a:headEnd type="none" w="med" len="med"/>
+                      <a:tailEnd type="none" w="med" len="med"/>
+                    </a:lnL>
+                    <a:lnR w="12700" cap="flat" cmpd="sng" algn="ctr">
+                      <a:solidFill>
+                        <a:schemeClr val="tx1"/>
+                      </a:solidFill>
+                      <a:prstDash val="solid"/>
+                      <a:round/>
+                      <a:headEnd type="none" w="med" len="med"/>
+                      <a:tailEnd type="none" w="med" len="med"/>
+                    </a:lnR>
+                    <a:lnT w="12700" cap="flat" cmpd="sng" algn="ctr">
+                      <a:solidFill>
+                        <a:schemeClr val="tx1"/>
+                      </a:solidFill>
+                      <a:prstDash val="solid"/>
+                      <a:round/>
+                      <a:headEnd type="none" w="med" len="med"/>
+                      <a:tailEnd type="none" w="med" len="med"/>
+                    </a:lnT>
+                    <a:lnB w="12700" cap="flat" cmpd="sng" algn="ctr">
+                      <a:solidFill>
+                        <a:schemeClr val="tx1"/>
+                      </a:solidFill>
+                      <a:prstDash val="solid"/>
+                      <a:round/>
+                      <a:headEnd type="none" w="med" len="med"/>
+                      <a:tailEnd type="none" w="med" len="med"/>
+                    </a:lnB>
+                    <a:solidFill>
+                      <a:srgbClr val="E5E9FF"/>
+                    </a:solidFill>
+                  </a:tcPr>
+                </a:tc>
+                <a:tc>
+                  <a:txBody>
+                    <a:bodyPr/>
+                    <a:lstStyle/>
+                    <a:p>
+                      <a:pPr algn="l" fontAlgn="t"/>
+                      <a:r>
+                        <a:rPr lang="zh-CN" altLang="en-US" sz="700" u="none" strike="noStrike" dirty="0">
+                          <a:effectLst/>
+                        </a:rPr>
+                        <a:t>　</a:t>
+                      </a:r>
+                      <a:endParaRPr lang="zh-CN" altLang="en-US" sz="700" b="0" i="0" u="none" strike="noStrike" dirty="0">
+                        <a:solidFill>
+                          <a:srgbClr val="000000"/>
+                        </a:solidFill>
+                        <a:effectLst/>
+                        <a:latin typeface="等线" panose="02010600030101010101" pitchFamily="2" charset="-122"/>
+                        <a:ea typeface="等线" panose="02010600030101010101" pitchFamily="2" charset="-122"/>
+                      </a:endParaRPr>
+                    </a:p>
+                  </a:txBody>
+                  <a:tcPr marL="0" marR="0" marT="0" marB="0">
+                    <a:lnL w="12700" cap="flat" cmpd="sng" algn="ctr">
+                      <a:solidFill>
+                        <a:schemeClr val="tx1"/>
+                      </a:solidFill>
+                      <a:prstDash val="solid"/>
+                      <a:round/>
+                      <a:headEnd type="none" w="med" len="med"/>
+                      <a:tailEnd type="none" w="med" len="med"/>
+                    </a:lnL>
+                    <a:lnR w="12700" cap="flat" cmpd="sng" algn="ctr">
+                      <a:solidFill>
+                        <a:schemeClr val="tx1"/>
+                      </a:solidFill>
+                      <a:prstDash val="solid"/>
+                      <a:round/>
+                      <a:headEnd type="none" w="med" len="med"/>
+                      <a:tailEnd type="none" w="med" len="med"/>
+                    </a:lnR>
+                    <a:lnT w="12700" cap="flat" cmpd="sng" algn="ctr">
+                      <a:solidFill>
+                        <a:schemeClr val="tx1"/>
+                      </a:solidFill>
+                      <a:prstDash val="solid"/>
+                      <a:round/>
+                      <a:headEnd type="none" w="med" len="med"/>
+                      <a:tailEnd type="none" w="med" len="med"/>
+                    </a:lnT>
+                    <a:lnB w="12700" cap="flat" cmpd="sng" algn="ctr">
+                      <a:solidFill>
+                        <a:schemeClr val="tx1"/>
+                      </a:solidFill>
+                      <a:prstDash val="solid"/>
+                      <a:round/>
+                      <a:headEnd type="none" w="med" len="med"/>
+                      <a:tailEnd type="none" w="med" len="med"/>
+                    </a:lnB>
+                    <a:solidFill>
+                      <a:srgbClr val="E5E9FF"/>
+                    </a:solidFill>
+                  </a:tcPr>
+                </a:tc>
+                <a:tc>
+                  <a:txBody>
+                    <a:bodyPr/>
+                    <a:lstStyle/>
+                    <a:p>
+                      <a:pPr algn="r" fontAlgn="t"/>
+                      <a:r>
+                        <a:rPr lang="zh-CN" altLang="en-US" sz="1300" u="none" strike="noStrike" dirty="0">
+                          <a:effectLst/>
+                        </a:rPr>
+                        <a:t>　</a:t>
+                      </a:r>
+                      <a:endParaRPr lang="zh-CN" altLang="en-US" sz="1300" b="0" i="0" u="none" strike="noStrike" dirty="0">
+                        <a:solidFill>
+                          <a:srgbClr val="FF0000"/>
+                        </a:solidFill>
+                        <a:effectLst/>
+                        <a:latin typeface="等线" panose="02010600030101010101" pitchFamily="2" charset="-122"/>
+                        <a:ea typeface="等线" panose="02010600030101010101" pitchFamily="2" charset="-122"/>
+                      </a:endParaRPr>
+                    </a:p>
+                  </a:txBody>
+                  <a:tcPr marL="0" marR="0" marT="0" marB="0">
+                    <a:lnL w="12700" cap="flat" cmpd="sng" algn="ctr">
+                      <a:solidFill>
+                        <a:schemeClr val="tx1"/>
+                      </a:solidFill>
+                      <a:prstDash val="solid"/>
+                      <a:round/>
+                      <a:headEnd type="none" w="med" len="med"/>
+                      <a:tailEnd type="none" w="med" len="med"/>
+                    </a:lnL>
+                    <a:lnR w="12700" cap="flat" cmpd="sng" algn="ctr">
+                      <a:solidFill>
+                        <a:schemeClr val="tx1"/>
+                      </a:solidFill>
+                      <a:prstDash val="solid"/>
+                      <a:round/>
+                      <a:headEnd type="none" w="med" len="med"/>
+                      <a:tailEnd type="none" w="med" len="med"/>
+                    </a:lnR>
+                    <a:lnT w="12700" cap="flat" cmpd="sng" algn="ctr">
+                      <a:solidFill>
+                        <a:schemeClr val="tx1"/>
+                      </a:solidFill>
+                      <a:prstDash val="solid"/>
+                      <a:round/>
+                      <a:headEnd type="none" w="med" len="med"/>
+                      <a:tailEnd type="none" w="med" len="med"/>
+                    </a:lnT>
+                    <a:lnB w="12700" cap="flat" cmpd="sng" algn="ctr">
+                      <a:solidFill>
+                        <a:schemeClr val="tx1"/>
+                      </a:solidFill>
+                      <a:prstDash val="solid"/>
+                      <a:round/>
+                      <a:headEnd type="none" w="med" len="med"/>
+                      <a:tailEnd type="none" w="med" len="med"/>
+                    </a:lnB>
+                    <a:solidFill>
+                      <a:srgbClr val="E5E9FF"/>
+                    </a:solidFill>
+                  </a:tcPr>
+                </a:tc>
+                <a:tc>
+                  <a:txBody>
+                    <a:bodyPr/>
+                    <a:lstStyle/>
+                    <a:p>
+                      <a:pPr algn="r" fontAlgn="t"/>
+                      <a:r>
+                        <a:rPr lang="zh-CN" altLang="en-US" sz="1300" u="none" strike="noStrike" dirty="0">
+                          <a:effectLst/>
+                        </a:rPr>
+                        <a:t>　</a:t>
+                      </a:r>
+                      <a:endParaRPr lang="zh-CN" altLang="en-US" sz="1300" b="0" i="0" u="none" strike="noStrike" dirty="0">
+                        <a:solidFill>
+                          <a:srgbClr val="FF0000"/>
+                        </a:solidFill>
+                        <a:effectLst/>
+                        <a:latin typeface="等线" panose="02010600030101010101" pitchFamily="2" charset="-122"/>
+                        <a:ea typeface="等线" panose="02010600030101010101" pitchFamily="2" charset="-122"/>
+                      </a:endParaRPr>
+                    </a:p>
+                  </a:txBody>
+                  <a:tcPr marL="0" marR="0" marT="0" marB="0">
+                    <a:lnL w="12700" cap="flat" cmpd="sng" algn="ctr">
+                      <a:solidFill>
+                        <a:schemeClr val="tx1"/>
+                      </a:solidFill>
+                      <a:prstDash val="solid"/>
+                      <a:round/>
+                      <a:headEnd type="none" w="med" len="med"/>
+                      <a:tailEnd type="none" w="med" len="med"/>
+                    </a:lnL>
+                    <a:lnR w="12700" cap="flat" cmpd="sng" algn="ctr">
+                      <a:solidFill>
+                        <a:schemeClr val="tx1"/>
+                      </a:solidFill>
+                      <a:prstDash val="solid"/>
+                      <a:round/>
+                      <a:headEnd type="none" w="med" len="med"/>
+                      <a:tailEnd type="none" w="med" len="med"/>
+                    </a:lnR>
+                    <a:lnT w="12700" cap="flat" cmpd="sng" algn="ctr">
+                      <a:solidFill>
+                        <a:schemeClr val="tx1"/>
+                      </a:solidFill>
+                      <a:prstDash val="solid"/>
+                      <a:round/>
+                      <a:headEnd type="none" w="med" len="med"/>
+                      <a:tailEnd type="none" w="med" len="med"/>
+                    </a:lnT>
+                    <a:lnB w="12700" cap="flat" cmpd="sng" algn="ctr">
+                      <a:solidFill>
+                        <a:schemeClr val="tx1"/>
+                      </a:solidFill>
+                      <a:prstDash val="solid"/>
+                      <a:round/>
+                      <a:headEnd type="none" w="med" len="med"/>
+                      <a:tailEnd type="none" w="med" len="med"/>
+                    </a:lnB>
+                    <a:solidFill>
+                      <a:srgbClr val="E5E9FF"/>
+                    </a:solidFill>
+                  </a:tcPr>
+                </a:tc>
+                <a:tc>
+                  <a:txBody>
+                    <a:bodyPr/>
+                    <a:lstStyle/>
+                    <a:p>
+                      <a:pPr algn="r" fontAlgn="t"/>
+                      <a:r>
+                        <a:rPr lang="zh-CN" altLang="en-US" sz="1300" u="none" strike="noStrike" dirty="0">
+                          <a:effectLst/>
+                        </a:rPr>
+                        <a:t>　</a:t>
+                      </a:r>
+                      <a:endParaRPr lang="zh-CN" altLang="en-US" sz="1300" b="0" i="0" u="none" strike="noStrike" dirty="0">
+                        <a:solidFill>
+                          <a:srgbClr val="FF0000"/>
+                        </a:solidFill>
+                        <a:effectLst/>
+                        <a:latin typeface="等线" panose="02010600030101010101" pitchFamily="2" charset="-122"/>
+                        <a:ea typeface="等线" panose="02010600030101010101" pitchFamily="2" charset="-122"/>
+                      </a:endParaRPr>
+                    </a:p>
+                  </a:txBody>
+                  <a:tcPr marL="0" marR="0" marT="0" marB="0">
+                    <a:lnL w="12700" cap="flat" cmpd="sng" algn="ctr">
+                      <a:solidFill>
+                        <a:schemeClr val="tx1"/>
+                      </a:solidFill>
+                      <a:prstDash val="solid"/>
+                      <a:round/>
+                      <a:headEnd type="none" w="med" len="med"/>
+                      <a:tailEnd type="none" w="med" len="med"/>
+                    </a:lnL>
+                    <a:lnR w="12700" cap="flat" cmpd="sng" algn="ctr">
+                      <a:solidFill>
+                        <a:schemeClr val="tx1"/>
+                      </a:solidFill>
+                      <a:prstDash val="solid"/>
+                      <a:round/>
+                      <a:headEnd type="none" w="med" len="med"/>
+                      <a:tailEnd type="none" w="med" len="med"/>
+                    </a:lnR>
+                    <a:lnT w="12700" cap="flat" cmpd="sng" algn="ctr">
+                      <a:solidFill>
+                        <a:schemeClr val="tx1"/>
+                      </a:solidFill>
+                      <a:prstDash val="solid"/>
+                      <a:round/>
+                      <a:headEnd type="none" w="med" len="med"/>
+                      <a:tailEnd type="none" w="med" len="med"/>
+                    </a:lnT>
+                    <a:lnB w="12700" cap="flat" cmpd="sng" algn="ctr">
+                      <a:solidFill>
+                        <a:schemeClr val="tx1"/>
+                      </a:solidFill>
+                      <a:prstDash val="solid"/>
+                      <a:round/>
+                      <a:headEnd type="none" w="med" len="med"/>
+                      <a:tailEnd type="none" w="med" len="med"/>
+                    </a:lnB>
+                    <a:solidFill>
+                      <a:srgbClr val="E5E9FF"/>
+                    </a:solidFill>
+                  </a:tcPr>
+                </a:tc>
+                <a:tc>
+                  <a:txBody>
+                    <a:bodyPr/>
+                    <a:lstStyle/>
+                    <a:p>
+                      <a:pPr algn="r" fontAlgn="t"/>
+                      <a:r>
+                        <a:rPr lang="zh-CN" altLang="en-US" sz="1300" u="none" strike="noStrike" dirty="0">
+                          <a:effectLst/>
+                        </a:rPr>
+                        <a:t>　</a:t>
+                      </a:r>
+                      <a:endParaRPr lang="zh-CN" altLang="en-US" sz="1300" b="0" i="0" u="none" strike="noStrike" dirty="0">
+                        <a:solidFill>
+                          <a:srgbClr val="FF0000"/>
+                        </a:solidFill>
+                        <a:effectLst/>
+                        <a:latin typeface="等线" panose="02010600030101010101" pitchFamily="2" charset="-122"/>
+                        <a:ea typeface="等线" panose="02010600030101010101" pitchFamily="2" charset="-122"/>
+                      </a:endParaRPr>
+                    </a:p>
+                  </a:txBody>
+                  <a:tcPr marL="0" marR="0" marT="0" marB="0">
+                    <a:lnL w="12700" cap="flat" cmpd="sng" algn="ctr">
+                      <a:solidFill>
+                        <a:schemeClr val="tx1"/>
+                      </a:solidFill>
+                      <a:prstDash val="solid"/>
+                      <a:round/>
+                      <a:headEnd type="none" w="med" len="med"/>
+                      <a:tailEnd type="none" w="med" len="med"/>
+                    </a:lnL>
+                    <a:lnR w="12700" cap="flat" cmpd="sng" algn="ctr">
+                      <a:solidFill>
+                        <a:schemeClr val="tx1"/>
+                      </a:solidFill>
+                      <a:prstDash val="solid"/>
+                      <a:round/>
+                      <a:headEnd type="none" w="med" len="med"/>
+                      <a:tailEnd type="none" w="med" len="med"/>
+                    </a:lnR>
+                    <a:lnT w="12700" cap="flat" cmpd="sng" algn="ctr">
+                      <a:solidFill>
+                        <a:schemeClr val="tx1"/>
+                      </a:solidFill>
+                      <a:prstDash val="solid"/>
+                      <a:round/>
+                      <a:headEnd type="none" w="med" len="med"/>
+                      <a:tailEnd type="none" w="med" len="med"/>
+                    </a:lnT>
+                    <a:lnB w="12700" cap="flat" cmpd="sng" algn="ctr">
+                      <a:solidFill>
+                        <a:schemeClr val="tx1"/>
+                      </a:solidFill>
+                      <a:prstDash val="solid"/>
+                      <a:round/>
+                      <a:headEnd type="none" w="med" len="med"/>
+                      <a:tailEnd type="none" w="med" len="med"/>
+                    </a:lnB>
+                    <a:solidFill>
+                      <a:srgbClr val="E5E9FF"/>
+                    </a:solidFill>
+                  </a:tcPr>
+                </a:tc>
+                <a:tc>
+                  <a:txBody>
+                    <a:bodyPr/>
+                    <a:lstStyle/>
+                    <a:p>
+                      <a:pPr algn="r" fontAlgn="t"/>
+                      <a:r>
+                        <a:rPr lang="zh-CN" altLang="en-US" sz="1300" u="none" strike="noStrike" dirty="0">
+                          <a:effectLst/>
+                        </a:rPr>
+                        <a:t>　</a:t>
+                      </a:r>
+                      <a:endParaRPr lang="zh-CN" altLang="en-US" sz="1300" b="0" i="0" u="none" strike="noStrike" dirty="0">
+                        <a:solidFill>
+                          <a:srgbClr val="FF0000"/>
+                        </a:solidFill>
+                        <a:effectLst/>
+                        <a:latin typeface="等线" panose="02010600030101010101" pitchFamily="2" charset="-122"/>
+                        <a:ea typeface="等线" panose="02010600030101010101" pitchFamily="2" charset="-122"/>
+                      </a:endParaRPr>
+                    </a:p>
+                  </a:txBody>
+                  <a:tcPr marL="0" marR="0" marT="0" marB="0">
+                    <a:lnL w="12700" cap="flat" cmpd="sng" algn="ctr">
+                      <a:solidFill>
+                        <a:schemeClr val="tx1"/>
+                      </a:solidFill>
+                      <a:prstDash val="solid"/>
+                      <a:round/>
+                      <a:headEnd type="none" w="med" len="med"/>
+                      <a:tailEnd type="none" w="med" len="med"/>
+                    </a:lnL>
+                    <a:lnR w="12700" cap="flat" cmpd="sng" algn="ctr">
+                      <a:solidFill>
+                        <a:schemeClr val="tx1"/>
+                      </a:solidFill>
+                      <a:prstDash val="solid"/>
+                      <a:round/>
+                      <a:headEnd type="none" w="med" len="med"/>
+                      <a:tailEnd type="none" w="med" len="med"/>
+                    </a:lnR>
+                    <a:lnT w="12700" cap="flat" cmpd="sng" algn="ctr">
+                      <a:solidFill>
+                        <a:schemeClr val="tx1"/>
+                      </a:solidFill>
+                      <a:prstDash val="solid"/>
+                      <a:round/>
+                      <a:headEnd type="none" w="med" len="med"/>
+                      <a:tailEnd type="none" w="med" len="med"/>
+                    </a:lnT>
+                    <a:lnB w="12700" cap="flat" cmpd="sng" algn="ctr">
+                      <a:solidFill>
+                        <a:schemeClr val="tx1"/>
+                      </a:solidFill>
+                      <a:prstDash val="solid"/>
+                      <a:round/>
+                      <a:headEnd type="none" w="med" len="med"/>
+                      <a:tailEnd type="none" w="med" len="med"/>
+                    </a:lnB>
+                    <a:solidFill>
+                      <a:srgbClr val="E5E9FF"/>
+                    </a:solidFill>
+                  </a:tcPr>
+                </a:tc>
+                <a:tc>
+                  <a:txBody>
+                    <a:bodyPr/>
+                    <a:lstStyle/>
+                    <a:p>
+                      <a:pPr algn="r" fontAlgn="t"/>
+                      <a:r>
+                        <a:rPr lang="zh-CN" altLang="en-US" sz="1300" u="none" strike="noStrike" dirty="0">
+                          <a:effectLst/>
+                        </a:rPr>
+                        <a:t>　</a:t>
+                      </a:r>
+                      <a:endParaRPr lang="zh-CN" altLang="en-US" sz="1300" b="0" i="0" u="none" strike="noStrike" dirty="0">
+                        <a:solidFill>
+                          <a:srgbClr val="FF0000"/>
+                        </a:solidFill>
+                        <a:effectLst/>
+                        <a:latin typeface="等线" panose="02010600030101010101" pitchFamily="2" charset="-122"/>
+                        <a:ea typeface="等线" panose="02010600030101010101" pitchFamily="2" charset="-122"/>
+                      </a:endParaRPr>
+                    </a:p>
+                  </a:txBody>
+                  <a:tcPr marL="0" marR="0" marT="0" marB="0">
+                    <a:lnL w="12700" cap="flat" cmpd="sng" algn="ctr">
+                      <a:solidFill>
+                        <a:schemeClr val="tx1"/>
+                      </a:solidFill>
+                      <a:prstDash val="solid"/>
+                      <a:round/>
+                      <a:headEnd type="none" w="med" len="med"/>
+                      <a:tailEnd type="none" w="med" len="med"/>
+                    </a:lnL>
+                    <a:lnR w="12700" cap="flat" cmpd="sng" algn="ctr">
+                      <a:solidFill>
+                        <a:schemeClr val="tx1"/>
+                      </a:solidFill>
+                      <a:prstDash val="solid"/>
+                      <a:round/>
+                      <a:headEnd type="none" w="med" len="med"/>
+                      <a:tailEnd type="none" w="med" len="med"/>
+                    </a:lnR>
+                    <a:lnT w="12700" cap="flat" cmpd="sng" algn="ctr">
+                      <a:solidFill>
+                        <a:schemeClr val="tx1"/>
+                      </a:solidFill>
+                      <a:prstDash val="solid"/>
+                      <a:round/>
+                      <a:headEnd type="none" w="med" len="med"/>
+                      <a:tailEnd type="none" w="med" len="med"/>
+                    </a:lnT>
+                    <a:lnB w="12700" cap="flat" cmpd="sng" algn="ctr">
+                      <a:solidFill>
+                        <a:schemeClr val="tx1"/>
+                      </a:solidFill>
+                      <a:prstDash val="solid"/>
+                      <a:round/>
+                      <a:headEnd type="none" w="med" len="med"/>
+                      <a:tailEnd type="none" w="med" len="med"/>
+                    </a:lnB>
+                    <a:solidFill>
+                      <a:srgbClr val="E5E9FF"/>
+                    </a:solidFill>
+                  </a:tcPr>
+                </a:tc>
+                <a:tc>
+                  <a:txBody>
+                    <a:bodyPr/>
+                    <a:lstStyle/>
+                    <a:p>
+                      <a:pPr algn="r" fontAlgn="t"/>
+                      <a:r>
+                        <a:rPr lang="zh-CN" altLang="en-US" sz="1300" u="none" strike="noStrike" dirty="0">
+                          <a:effectLst/>
+                        </a:rPr>
+                        <a:t>　</a:t>
+                      </a:r>
+                      <a:endParaRPr lang="zh-CN" altLang="en-US" sz="1300" b="0" i="0" u="none" strike="noStrike" dirty="0">
+                        <a:solidFill>
+                          <a:srgbClr val="FF0000"/>
+                        </a:solidFill>
+                        <a:effectLst/>
+                        <a:latin typeface="等线" panose="02010600030101010101" pitchFamily="2" charset="-122"/>
+                        <a:ea typeface="等线" panose="02010600030101010101" pitchFamily="2" charset="-122"/>
+                      </a:endParaRPr>
+                    </a:p>
+                  </a:txBody>
+                  <a:tcPr marL="0" marR="0" marT="0" marB="0">
+                    <a:lnL w="12700" cap="flat" cmpd="sng" algn="ctr">
+                      <a:solidFill>
+                        <a:schemeClr val="tx1"/>
+                      </a:solidFill>
+                      <a:prstDash val="solid"/>
+                      <a:round/>
+                      <a:headEnd type="none" w="med" len="med"/>
+                      <a:tailEnd type="none" w="med" len="med"/>
+                    </a:lnL>
+                    <a:lnR w="12700" cap="flat" cmpd="sng" algn="ctr">
+                      <a:solidFill>
+                        <a:schemeClr val="tx1"/>
+                      </a:solidFill>
+                      <a:prstDash val="solid"/>
+                      <a:round/>
+                      <a:headEnd type="none" w="med" len="med"/>
+                      <a:tailEnd type="none" w="med" len="med"/>
+                    </a:lnR>
+                    <a:lnT w="12700" cap="flat" cmpd="sng" algn="ctr">
+                      <a:solidFill>
+                        <a:schemeClr val="tx1"/>
+                      </a:solidFill>
+                      <a:prstDash val="solid"/>
+                      <a:round/>
+                      <a:headEnd type="none" w="med" len="med"/>
+                      <a:tailEnd type="none" w="med" len="med"/>
+                    </a:lnT>
+                    <a:lnB w="12700" cap="flat" cmpd="sng" algn="ctr">
+                      <a:solidFill>
+                        <a:schemeClr val="tx1"/>
+                      </a:solidFill>
+                      <a:prstDash val="solid"/>
+                      <a:round/>
+                      <a:headEnd type="none" w="med" len="med"/>
+                      <a:tailEnd type="none" w="med" len="med"/>
+                    </a:lnB>
+                    <a:solidFill>
+                      <a:srgbClr val="E5E9FF"/>
+                    </a:solidFill>
+                  </a:tcPr>
+                </a:tc>
+                <a:tc>
+                  <a:txBody>
+                    <a:bodyPr/>
+                    <a:lstStyle/>
+                    <a:p>
+                      <a:pPr algn="r" fontAlgn="t"/>
+                      <a:r>
+                        <a:rPr lang="zh-CN" altLang="en-US" sz="1300" u="none" strike="noStrike" dirty="0">
+                          <a:effectLst/>
+                        </a:rPr>
+                        <a:t>　</a:t>
+                      </a:r>
+                      <a:endParaRPr lang="zh-CN" altLang="en-US" sz="1300" b="0" i="0" u="none" strike="noStrike" dirty="0">
+                        <a:solidFill>
+                          <a:srgbClr val="FF0000"/>
+                        </a:solidFill>
+                        <a:effectLst/>
+                        <a:latin typeface="等线" panose="02010600030101010101" pitchFamily="2" charset="-122"/>
+                        <a:ea typeface="等线" panose="02010600030101010101" pitchFamily="2" charset="-122"/>
+                      </a:endParaRPr>
+                    </a:p>
+                  </a:txBody>
+                  <a:tcPr marL="0" marR="0" marT="0" marB="0">
+                    <a:lnL w="12700" cap="flat" cmpd="sng" algn="ctr">
+                      <a:solidFill>
+                        <a:schemeClr val="tx1"/>
+                      </a:solidFill>
+                      <a:prstDash val="solid"/>
+                      <a:round/>
+                      <a:headEnd type="none" w="med" len="med"/>
+                      <a:tailEnd type="none" w="med" len="med"/>
+                    </a:lnL>
+                    <a:lnR w="12700" cap="flat" cmpd="sng" algn="ctr">
+                      <a:solidFill>
+                        <a:schemeClr val="tx1"/>
+                      </a:solidFill>
+                      <a:prstDash val="solid"/>
+                      <a:round/>
+                      <a:headEnd type="none" w="med" len="med"/>
+                      <a:tailEnd type="none" w="med" len="med"/>
+                    </a:lnR>
+                    <a:lnT w="12700" cap="flat" cmpd="sng" algn="ctr">
+                      <a:solidFill>
+                        <a:schemeClr val="tx1"/>
+                      </a:solidFill>
+                      <a:prstDash val="solid"/>
+                      <a:round/>
+                      <a:headEnd type="none" w="med" len="med"/>
+                      <a:tailEnd type="none" w="med" len="med"/>
+                    </a:lnT>
+                    <a:lnB w="12700" cap="flat" cmpd="sng" algn="ctr">
+                      <a:solidFill>
+                        <a:schemeClr val="tx1"/>
+                      </a:solidFill>
+                      <a:prstDash val="solid"/>
+                      <a:round/>
+                      <a:headEnd type="none" w="med" len="med"/>
+                      <a:tailEnd type="none" w="med" len="med"/>
+                    </a:lnB>
+                    <a:solidFill>
+                      <a:srgbClr val="E5E9FF"/>
+                    </a:solidFill>
+                  </a:tcPr>
+                </a:tc>
+                <a:tc>
+                  <a:txBody>
+                    <a:bodyPr/>
+                    <a:lstStyle/>
+                    <a:p>
+                      <a:pPr algn="ctr" fontAlgn="ctr"/>
+                      <a:r>
+                        <a:rPr lang="zh-CN" altLang="en-US" sz="1300" u="none" strike="noStrike" dirty="0">
+                          <a:solidFill>
+                            <a:srgbClr val="FF0000"/>
+                          </a:solidFill>
+                          <a:effectLst/>
+                        </a:rPr>
+                        <a:t>★</a:t>
+                      </a:r>
+                      <a:endParaRPr lang="zh-CN" altLang="en-US" sz="1300" b="0" i="0" u="none" strike="noStrike" dirty="0">
+                        <a:solidFill>
+                          <a:srgbClr val="FF0000"/>
+                        </a:solidFill>
+                        <a:effectLst/>
+                        <a:latin typeface="等线" panose="02010600030101010101" pitchFamily="2" charset="-122"/>
+                        <a:ea typeface="等线" panose="02010600030101010101" pitchFamily="2" charset="-122"/>
+                      </a:endParaRPr>
+                    </a:p>
+                  </a:txBody>
+                  <a:tcPr marL="0" marR="0" marT="0" marB="0" anchor="ctr">
+                    <a:lnL w="12700" cap="flat" cmpd="sng" algn="ctr">
+                      <a:solidFill>
+                        <a:schemeClr val="tx1"/>
+                      </a:solidFill>
+                      <a:prstDash val="solid"/>
+                      <a:round/>
+                      <a:headEnd type="none" w="med" len="med"/>
+                      <a:tailEnd type="none" w="med" len="med"/>
+                    </a:lnL>
+                    <a:lnR w="12700" cap="flat" cmpd="sng" algn="ctr">
+                      <a:solidFill>
+                        <a:schemeClr val="tx1"/>
+                      </a:solidFill>
+                      <a:prstDash val="solid"/>
+                      <a:round/>
+                      <a:headEnd type="none" w="med" len="med"/>
+                      <a:tailEnd type="none" w="med" len="med"/>
+                    </a:lnR>
+                    <a:lnT w="12700" cap="flat" cmpd="sng" algn="ctr">
+                      <a:solidFill>
+                        <a:schemeClr val="tx1"/>
+                      </a:solidFill>
+                      <a:prstDash val="solid"/>
+                      <a:round/>
+                      <a:headEnd type="none" w="med" len="med"/>
+                      <a:tailEnd type="none" w="med" len="med"/>
+                    </a:lnT>
+                    <a:lnB w="12700" cap="flat" cmpd="sng" algn="ctr">
+                      <a:solidFill>
+                        <a:schemeClr val="tx1"/>
+                      </a:solidFill>
+                      <a:prstDash val="solid"/>
+                      <a:round/>
+                      <a:headEnd type="none" w="med" len="med"/>
+                      <a:tailEnd type="none" w="med" len="med"/>
+                    </a:lnB>
+                    <a:solidFill>
+                      <a:srgbClr val="E5E9FF"/>
+                    </a:solidFill>
+                  </a:tcPr>
+                </a:tc>
+                <a:extLst>
+                  <a:ext uri="{0D108BD9-81ED-4DB2-BD59-A6C34878D82A}">
+                    <a16:rowId xmlns:a16="http://schemas.microsoft.com/office/drawing/2014/main" val="2677264111"/>
+                  </a:ext>
+                </a:extLst>
+              </a:tr>
+            </a:tbl>
+          </a:graphicData>
+        </a:graphic>
+      </p:graphicFrame>
+      <p:sp>
+        <p:nvSpPr>
+          <p:cNvPr id="3" name="矢印: 右 2">
+            <a:extLst>
+              <a:ext uri="{FF2B5EF4-FFF2-40B4-BE49-F238E27FC236}">
+                <a16:creationId xmlns:a16="http://schemas.microsoft.com/office/drawing/2014/main" id="{111568C3-4F00-542C-2FAF-B3A5DF288B12}"/>
+              </a:ext>
+            </a:extLst>
+          </p:cNvPr>
+          <p:cNvSpPr/>
           <p:nvPr/>
-        </p:nvPicPr>
-        <p:blipFill>
-          <a:blip r:embed="rId2"/>
-          <a:stretch>
-            <a:fillRect/>
-          </a:stretch>
-        </p:blipFill>
+        </p:nvSpPr>
         <p:spPr>
           <a:xfrm>
-            <a:off x="913795" y="2173685"/>
-            <a:ext cx="10353762" cy="3520279"/>
+            <a:off x="2888646" y="2915714"/>
+            <a:ext cx="1209675" cy="403225"/>
           </a:xfrm>
-          <a:prstGeom prst="rect">
+          <a:prstGeom prst="rightArrow">
             <a:avLst/>
           </a:prstGeom>
-          <a:noFill/>
         </p:spPr>
-      </p:pic>
+        <p:style>
+          <a:lnRef idx="2">
+            <a:schemeClr val="accent1">
+              <a:shade val="50000"/>
+            </a:schemeClr>
+          </a:lnRef>
+          <a:fillRef idx="1">
+            <a:schemeClr val="accent1"/>
+          </a:fillRef>
+          <a:effectRef idx="0">
+            <a:schemeClr val="accent1"/>
+          </a:effectRef>
+          <a:fontRef idx="minor">
+            <a:schemeClr val="lt1"/>
+          </a:fontRef>
+        </p:style>
+        <p:txBody>
+          <a:bodyPr rtlCol="0" anchor="t"/>
+          <a:lstStyle>
+            <a:lvl1pPr marL="0" indent="0">
+              <a:defRPr sz="1100">
+                <a:solidFill>
+                  <a:schemeClr val="lt1"/>
+                </a:solidFill>
+                <a:latin typeface="+mn-lt"/>
+                <a:ea typeface="+mn-ea"/>
+                <a:cs typeface="+mn-cs"/>
+              </a:defRPr>
+            </a:lvl1pPr>
+            <a:lvl2pPr marL="457200" indent="0">
+              <a:defRPr sz="1100">
+                <a:solidFill>
+                  <a:schemeClr val="lt1"/>
+                </a:solidFill>
+                <a:latin typeface="+mn-lt"/>
+                <a:ea typeface="+mn-ea"/>
+                <a:cs typeface="+mn-cs"/>
+              </a:defRPr>
+            </a:lvl2pPr>
+            <a:lvl3pPr marL="914400" indent="0">
+              <a:defRPr sz="1100">
+                <a:solidFill>
+                  <a:schemeClr val="lt1"/>
+                </a:solidFill>
+                <a:latin typeface="+mn-lt"/>
+                <a:ea typeface="+mn-ea"/>
+                <a:cs typeface="+mn-cs"/>
+              </a:defRPr>
+            </a:lvl3pPr>
+            <a:lvl4pPr marL="1371600" indent="0">
+              <a:defRPr sz="1100">
+                <a:solidFill>
+                  <a:schemeClr val="lt1"/>
+                </a:solidFill>
+                <a:latin typeface="+mn-lt"/>
+                <a:ea typeface="+mn-ea"/>
+                <a:cs typeface="+mn-cs"/>
+              </a:defRPr>
+            </a:lvl4pPr>
+            <a:lvl5pPr marL="1828800" indent="0">
+              <a:defRPr sz="1100">
+                <a:solidFill>
+                  <a:schemeClr val="lt1"/>
+                </a:solidFill>
+                <a:latin typeface="+mn-lt"/>
+                <a:ea typeface="+mn-ea"/>
+                <a:cs typeface="+mn-cs"/>
+              </a:defRPr>
+            </a:lvl5pPr>
+            <a:lvl6pPr marL="2286000" indent="0">
+              <a:defRPr sz="1100">
+                <a:solidFill>
+                  <a:schemeClr val="lt1"/>
+                </a:solidFill>
+                <a:latin typeface="+mn-lt"/>
+                <a:ea typeface="+mn-ea"/>
+                <a:cs typeface="+mn-cs"/>
+              </a:defRPr>
+            </a:lvl6pPr>
+            <a:lvl7pPr marL="2743200" indent="0">
+              <a:defRPr sz="1100">
+                <a:solidFill>
+                  <a:schemeClr val="lt1"/>
+                </a:solidFill>
+                <a:latin typeface="+mn-lt"/>
+                <a:ea typeface="+mn-ea"/>
+                <a:cs typeface="+mn-cs"/>
+              </a:defRPr>
+            </a:lvl7pPr>
+            <a:lvl8pPr marL="3200400" indent="0">
+              <a:defRPr sz="1100">
+                <a:solidFill>
+                  <a:schemeClr val="lt1"/>
+                </a:solidFill>
+                <a:latin typeface="+mn-lt"/>
+                <a:ea typeface="+mn-ea"/>
+                <a:cs typeface="+mn-cs"/>
+              </a:defRPr>
+            </a:lvl8pPr>
+            <a:lvl9pPr marL="3657600" indent="0">
+              <a:defRPr sz="1100">
+                <a:solidFill>
+                  <a:schemeClr val="lt1"/>
+                </a:solidFill>
+                <a:latin typeface="+mn-lt"/>
+                <a:ea typeface="+mn-ea"/>
+                <a:cs typeface="+mn-cs"/>
+              </a:defRPr>
+            </a:lvl9pPr>
+          </a:lstStyle>
+          <a:p>
+            <a:pPr algn="l"/>
+            <a:endParaRPr kumimoji="1" lang="ja-JP" altLang="en-US" sz="1100"/>
+          </a:p>
+        </p:txBody>
+      </p:sp>
+      <p:sp>
+        <p:nvSpPr>
+          <p:cNvPr id="4" name="矢印: 右 3">
+            <a:extLst>
+              <a:ext uri="{FF2B5EF4-FFF2-40B4-BE49-F238E27FC236}">
+                <a16:creationId xmlns:a16="http://schemas.microsoft.com/office/drawing/2014/main" id="{B369C83E-B447-4AA7-A7A2-7F79EAF89AB4}"/>
+              </a:ext>
+            </a:extLst>
+          </p:cNvPr>
+          <p:cNvSpPr/>
+          <p:nvPr/>
+        </p:nvSpPr>
+        <p:spPr>
+          <a:xfrm>
+            <a:off x="3299289" y="3436805"/>
+            <a:ext cx="1209676" cy="403225"/>
+          </a:xfrm>
+          <a:prstGeom prst="rightArrow">
+            <a:avLst/>
+          </a:prstGeom>
+        </p:spPr>
+        <p:style>
+          <a:lnRef idx="2">
+            <a:schemeClr val="accent1">
+              <a:shade val="50000"/>
+            </a:schemeClr>
+          </a:lnRef>
+          <a:fillRef idx="1">
+            <a:schemeClr val="accent1"/>
+          </a:fillRef>
+          <a:effectRef idx="0">
+            <a:schemeClr val="accent1"/>
+          </a:effectRef>
+          <a:fontRef idx="minor">
+            <a:schemeClr val="lt1"/>
+          </a:fontRef>
+        </p:style>
+        <p:txBody>
+          <a:bodyPr rtlCol="0" anchor="t"/>
+          <a:lstStyle>
+            <a:lvl1pPr marL="0" indent="0">
+              <a:defRPr sz="1100">
+                <a:solidFill>
+                  <a:schemeClr val="lt1"/>
+                </a:solidFill>
+                <a:latin typeface="+mn-lt"/>
+                <a:ea typeface="+mn-ea"/>
+                <a:cs typeface="+mn-cs"/>
+              </a:defRPr>
+            </a:lvl1pPr>
+            <a:lvl2pPr marL="457200" indent="0">
+              <a:defRPr sz="1100">
+                <a:solidFill>
+                  <a:schemeClr val="lt1"/>
+                </a:solidFill>
+                <a:latin typeface="+mn-lt"/>
+                <a:ea typeface="+mn-ea"/>
+                <a:cs typeface="+mn-cs"/>
+              </a:defRPr>
+            </a:lvl2pPr>
+            <a:lvl3pPr marL="914400" indent="0">
+              <a:defRPr sz="1100">
+                <a:solidFill>
+                  <a:schemeClr val="lt1"/>
+                </a:solidFill>
+                <a:latin typeface="+mn-lt"/>
+                <a:ea typeface="+mn-ea"/>
+                <a:cs typeface="+mn-cs"/>
+              </a:defRPr>
+            </a:lvl3pPr>
+            <a:lvl4pPr marL="1371600" indent="0">
+              <a:defRPr sz="1100">
+                <a:solidFill>
+                  <a:schemeClr val="lt1"/>
+                </a:solidFill>
+                <a:latin typeface="+mn-lt"/>
+                <a:ea typeface="+mn-ea"/>
+                <a:cs typeface="+mn-cs"/>
+              </a:defRPr>
+            </a:lvl4pPr>
+            <a:lvl5pPr marL="1828800" indent="0">
+              <a:defRPr sz="1100">
+                <a:solidFill>
+                  <a:schemeClr val="lt1"/>
+                </a:solidFill>
+                <a:latin typeface="+mn-lt"/>
+                <a:ea typeface="+mn-ea"/>
+                <a:cs typeface="+mn-cs"/>
+              </a:defRPr>
+            </a:lvl5pPr>
+            <a:lvl6pPr marL="2286000" indent="0">
+              <a:defRPr sz="1100">
+                <a:solidFill>
+                  <a:schemeClr val="lt1"/>
+                </a:solidFill>
+                <a:latin typeface="+mn-lt"/>
+                <a:ea typeface="+mn-ea"/>
+                <a:cs typeface="+mn-cs"/>
+              </a:defRPr>
+            </a:lvl6pPr>
+            <a:lvl7pPr marL="2743200" indent="0">
+              <a:defRPr sz="1100">
+                <a:solidFill>
+                  <a:schemeClr val="lt1"/>
+                </a:solidFill>
+                <a:latin typeface="+mn-lt"/>
+                <a:ea typeface="+mn-ea"/>
+                <a:cs typeface="+mn-cs"/>
+              </a:defRPr>
+            </a:lvl7pPr>
+            <a:lvl8pPr marL="3200400" indent="0">
+              <a:defRPr sz="1100">
+                <a:solidFill>
+                  <a:schemeClr val="lt1"/>
+                </a:solidFill>
+                <a:latin typeface="+mn-lt"/>
+                <a:ea typeface="+mn-ea"/>
+                <a:cs typeface="+mn-cs"/>
+              </a:defRPr>
+            </a:lvl8pPr>
+            <a:lvl9pPr marL="3657600" indent="0">
+              <a:defRPr sz="1100">
+                <a:solidFill>
+                  <a:schemeClr val="lt1"/>
+                </a:solidFill>
+                <a:latin typeface="+mn-lt"/>
+                <a:ea typeface="+mn-ea"/>
+                <a:cs typeface="+mn-cs"/>
+              </a:defRPr>
+            </a:lvl9pPr>
+          </a:lstStyle>
+          <a:p>
+            <a:pPr algn="l"/>
+            <a:endParaRPr kumimoji="1" lang="ja-JP" altLang="en-US" sz="1100"/>
+          </a:p>
+        </p:txBody>
+      </p:sp>
+      <p:sp>
+        <p:nvSpPr>
+          <p:cNvPr id="6" name="矢印: 右 5">
+            <a:extLst>
+              <a:ext uri="{FF2B5EF4-FFF2-40B4-BE49-F238E27FC236}">
+                <a16:creationId xmlns:a16="http://schemas.microsoft.com/office/drawing/2014/main" id="{F5A64A2B-63E2-42F5-B921-CAFB765743FD}"/>
+              </a:ext>
+            </a:extLst>
+          </p:cNvPr>
+          <p:cNvSpPr/>
+          <p:nvPr/>
+        </p:nvSpPr>
+        <p:spPr>
+          <a:xfrm>
+            <a:off x="3904127" y="3947589"/>
+            <a:ext cx="1282160" cy="401637"/>
+          </a:xfrm>
+          <a:prstGeom prst="rightArrow">
+            <a:avLst/>
+          </a:prstGeom>
+        </p:spPr>
+        <p:style>
+          <a:lnRef idx="2">
+            <a:schemeClr val="accent1">
+              <a:shade val="50000"/>
+            </a:schemeClr>
+          </a:lnRef>
+          <a:fillRef idx="1">
+            <a:schemeClr val="accent1"/>
+          </a:fillRef>
+          <a:effectRef idx="0">
+            <a:schemeClr val="accent1"/>
+          </a:effectRef>
+          <a:fontRef idx="minor">
+            <a:schemeClr val="lt1"/>
+          </a:fontRef>
+        </p:style>
+        <p:txBody>
+          <a:bodyPr rtlCol="0" anchor="t"/>
+          <a:lstStyle>
+            <a:lvl1pPr marL="0" indent="0">
+              <a:defRPr sz="1100">
+                <a:solidFill>
+                  <a:schemeClr val="lt1"/>
+                </a:solidFill>
+                <a:latin typeface="+mn-lt"/>
+                <a:ea typeface="+mn-ea"/>
+                <a:cs typeface="+mn-cs"/>
+              </a:defRPr>
+            </a:lvl1pPr>
+            <a:lvl2pPr marL="457200" indent="0">
+              <a:defRPr sz="1100">
+                <a:solidFill>
+                  <a:schemeClr val="lt1"/>
+                </a:solidFill>
+                <a:latin typeface="+mn-lt"/>
+                <a:ea typeface="+mn-ea"/>
+                <a:cs typeface="+mn-cs"/>
+              </a:defRPr>
+            </a:lvl2pPr>
+            <a:lvl3pPr marL="914400" indent="0">
+              <a:defRPr sz="1100">
+                <a:solidFill>
+                  <a:schemeClr val="lt1"/>
+                </a:solidFill>
+                <a:latin typeface="+mn-lt"/>
+                <a:ea typeface="+mn-ea"/>
+                <a:cs typeface="+mn-cs"/>
+              </a:defRPr>
+            </a:lvl3pPr>
+            <a:lvl4pPr marL="1371600" indent="0">
+              <a:defRPr sz="1100">
+                <a:solidFill>
+                  <a:schemeClr val="lt1"/>
+                </a:solidFill>
+                <a:latin typeface="+mn-lt"/>
+                <a:ea typeface="+mn-ea"/>
+                <a:cs typeface="+mn-cs"/>
+              </a:defRPr>
+            </a:lvl4pPr>
+            <a:lvl5pPr marL="1828800" indent="0">
+              <a:defRPr sz="1100">
+                <a:solidFill>
+                  <a:schemeClr val="lt1"/>
+                </a:solidFill>
+                <a:latin typeface="+mn-lt"/>
+                <a:ea typeface="+mn-ea"/>
+                <a:cs typeface="+mn-cs"/>
+              </a:defRPr>
+            </a:lvl5pPr>
+            <a:lvl6pPr marL="2286000" indent="0">
+              <a:defRPr sz="1100">
+                <a:solidFill>
+                  <a:schemeClr val="lt1"/>
+                </a:solidFill>
+                <a:latin typeface="+mn-lt"/>
+                <a:ea typeface="+mn-ea"/>
+                <a:cs typeface="+mn-cs"/>
+              </a:defRPr>
+            </a:lvl6pPr>
+            <a:lvl7pPr marL="2743200" indent="0">
+              <a:defRPr sz="1100">
+                <a:solidFill>
+                  <a:schemeClr val="lt1"/>
+                </a:solidFill>
+                <a:latin typeface="+mn-lt"/>
+                <a:ea typeface="+mn-ea"/>
+                <a:cs typeface="+mn-cs"/>
+              </a:defRPr>
+            </a:lvl7pPr>
+            <a:lvl8pPr marL="3200400" indent="0">
+              <a:defRPr sz="1100">
+                <a:solidFill>
+                  <a:schemeClr val="lt1"/>
+                </a:solidFill>
+                <a:latin typeface="+mn-lt"/>
+                <a:ea typeface="+mn-ea"/>
+                <a:cs typeface="+mn-cs"/>
+              </a:defRPr>
+            </a:lvl8pPr>
+            <a:lvl9pPr marL="3657600" indent="0">
+              <a:defRPr sz="1100">
+                <a:solidFill>
+                  <a:schemeClr val="lt1"/>
+                </a:solidFill>
+                <a:latin typeface="+mn-lt"/>
+                <a:ea typeface="+mn-ea"/>
+                <a:cs typeface="+mn-cs"/>
+              </a:defRPr>
+            </a:lvl9pPr>
+          </a:lstStyle>
+          <a:p>
+            <a:pPr algn="l"/>
+            <a:endParaRPr kumimoji="1" lang="ja-JP" altLang="en-US" sz="1100"/>
+          </a:p>
+        </p:txBody>
+      </p:sp>
+      <p:sp>
+        <p:nvSpPr>
+          <p:cNvPr id="7" name="矢印: 右 6">
+            <a:extLst>
+              <a:ext uri="{FF2B5EF4-FFF2-40B4-BE49-F238E27FC236}">
+                <a16:creationId xmlns:a16="http://schemas.microsoft.com/office/drawing/2014/main" id="{B4DD3AE5-86E2-474F-984B-E9E0A9FE5358}"/>
+              </a:ext>
+            </a:extLst>
+          </p:cNvPr>
+          <p:cNvSpPr/>
+          <p:nvPr/>
+        </p:nvSpPr>
+        <p:spPr>
+          <a:xfrm>
+            <a:off x="4883273" y="4456785"/>
+            <a:ext cx="4204101" cy="401637"/>
+          </a:xfrm>
+          <a:prstGeom prst="rightArrow">
+            <a:avLst/>
+          </a:prstGeom>
+        </p:spPr>
+        <p:style>
+          <a:lnRef idx="2">
+            <a:schemeClr val="accent1">
+              <a:shade val="50000"/>
+            </a:schemeClr>
+          </a:lnRef>
+          <a:fillRef idx="1">
+            <a:schemeClr val="accent1"/>
+          </a:fillRef>
+          <a:effectRef idx="0">
+            <a:schemeClr val="accent1"/>
+          </a:effectRef>
+          <a:fontRef idx="minor">
+            <a:schemeClr val="lt1"/>
+          </a:fontRef>
+        </p:style>
+        <p:txBody>
+          <a:bodyPr rtlCol="0" anchor="t"/>
+          <a:lstStyle>
+            <a:lvl1pPr marL="0" indent="0">
+              <a:defRPr sz="1100">
+                <a:solidFill>
+                  <a:schemeClr val="lt1"/>
+                </a:solidFill>
+                <a:latin typeface="+mn-lt"/>
+                <a:ea typeface="+mn-ea"/>
+                <a:cs typeface="+mn-cs"/>
+              </a:defRPr>
+            </a:lvl1pPr>
+            <a:lvl2pPr marL="457200" indent="0">
+              <a:defRPr sz="1100">
+                <a:solidFill>
+                  <a:schemeClr val="lt1"/>
+                </a:solidFill>
+                <a:latin typeface="+mn-lt"/>
+                <a:ea typeface="+mn-ea"/>
+                <a:cs typeface="+mn-cs"/>
+              </a:defRPr>
+            </a:lvl2pPr>
+            <a:lvl3pPr marL="914400" indent="0">
+              <a:defRPr sz="1100">
+                <a:solidFill>
+                  <a:schemeClr val="lt1"/>
+                </a:solidFill>
+                <a:latin typeface="+mn-lt"/>
+                <a:ea typeface="+mn-ea"/>
+                <a:cs typeface="+mn-cs"/>
+              </a:defRPr>
+            </a:lvl3pPr>
+            <a:lvl4pPr marL="1371600" indent="0">
+              <a:defRPr sz="1100">
+                <a:solidFill>
+                  <a:schemeClr val="lt1"/>
+                </a:solidFill>
+                <a:latin typeface="+mn-lt"/>
+                <a:ea typeface="+mn-ea"/>
+                <a:cs typeface="+mn-cs"/>
+              </a:defRPr>
+            </a:lvl4pPr>
+            <a:lvl5pPr marL="1828800" indent="0">
+              <a:defRPr sz="1100">
+                <a:solidFill>
+                  <a:schemeClr val="lt1"/>
+                </a:solidFill>
+                <a:latin typeface="+mn-lt"/>
+                <a:ea typeface="+mn-ea"/>
+                <a:cs typeface="+mn-cs"/>
+              </a:defRPr>
+            </a:lvl5pPr>
+            <a:lvl6pPr marL="2286000" indent="0">
+              <a:defRPr sz="1100">
+                <a:solidFill>
+                  <a:schemeClr val="lt1"/>
+                </a:solidFill>
+                <a:latin typeface="+mn-lt"/>
+                <a:ea typeface="+mn-ea"/>
+                <a:cs typeface="+mn-cs"/>
+              </a:defRPr>
+            </a:lvl6pPr>
+            <a:lvl7pPr marL="2743200" indent="0">
+              <a:defRPr sz="1100">
+                <a:solidFill>
+                  <a:schemeClr val="lt1"/>
+                </a:solidFill>
+                <a:latin typeface="+mn-lt"/>
+                <a:ea typeface="+mn-ea"/>
+                <a:cs typeface="+mn-cs"/>
+              </a:defRPr>
+            </a:lvl7pPr>
+            <a:lvl8pPr marL="3200400" indent="0">
+              <a:defRPr sz="1100">
+                <a:solidFill>
+                  <a:schemeClr val="lt1"/>
+                </a:solidFill>
+                <a:latin typeface="+mn-lt"/>
+                <a:ea typeface="+mn-ea"/>
+                <a:cs typeface="+mn-cs"/>
+              </a:defRPr>
+            </a:lvl8pPr>
+            <a:lvl9pPr marL="3657600" indent="0">
+              <a:defRPr sz="1100">
+                <a:solidFill>
+                  <a:schemeClr val="lt1"/>
+                </a:solidFill>
+                <a:latin typeface="+mn-lt"/>
+                <a:ea typeface="+mn-ea"/>
+                <a:cs typeface="+mn-cs"/>
+              </a:defRPr>
+            </a:lvl9pPr>
+          </a:lstStyle>
+          <a:p>
+            <a:pPr algn="l"/>
+            <a:endParaRPr kumimoji="1" lang="ja-JP" altLang="en-US" sz="1100"/>
+          </a:p>
+        </p:txBody>
+      </p:sp>
+      <p:sp>
+        <p:nvSpPr>
+          <p:cNvPr id="8" name="矢印: 右 7">
+            <a:extLst>
+              <a:ext uri="{FF2B5EF4-FFF2-40B4-BE49-F238E27FC236}">
+                <a16:creationId xmlns:a16="http://schemas.microsoft.com/office/drawing/2014/main" id="{92B9A832-0476-4E10-AF46-5D15EA2FB269}"/>
+              </a:ext>
+            </a:extLst>
+          </p:cNvPr>
+          <p:cNvSpPr/>
+          <p:nvPr/>
+        </p:nvSpPr>
+        <p:spPr>
+          <a:xfrm>
+            <a:off x="7389967" y="5000817"/>
+            <a:ext cx="3145397" cy="401638"/>
+          </a:xfrm>
+          <a:prstGeom prst="rightArrow">
+            <a:avLst/>
+          </a:prstGeom>
+        </p:spPr>
+        <p:style>
+          <a:lnRef idx="2">
+            <a:schemeClr val="accent1">
+              <a:shade val="50000"/>
+            </a:schemeClr>
+          </a:lnRef>
+          <a:fillRef idx="1">
+            <a:schemeClr val="accent1"/>
+          </a:fillRef>
+          <a:effectRef idx="0">
+            <a:schemeClr val="accent1"/>
+          </a:effectRef>
+          <a:fontRef idx="minor">
+            <a:schemeClr val="lt1"/>
+          </a:fontRef>
+        </p:style>
+        <p:txBody>
+          <a:bodyPr rtlCol="0" anchor="t"/>
+          <a:lstStyle>
+            <a:lvl1pPr marL="0" indent="0">
+              <a:defRPr sz="1100">
+                <a:solidFill>
+                  <a:schemeClr val="lt1"/>
+                </a:solidFill>
+                <a:latin typeface="+mn-lt"/>
+                <a:ea typeface="+mn-ea"/>
+                <a:cs typeface="+mn-cs"/>
+              </a:defRPr>
+            </a:lvl1pPr>
+            <a:lvl2pPr marL="457200" indent="0">
+              <a:defRPr sz="1100">
+                <a:solidFill>
+                  <a:schemeClr val="lt1"/>
+                </a:solidFill>
+                <a:latin typeface="+mn-lt"/>
+                <a:ea typeface="+mn-ea"/>
+                <a:cs typeface="+mn-cs"/>
+              </a:defRPr>
+            </a:lvl2pPr>
+            <a:lvl3pPr marL="914400" indent="0">
+              <a:defRPr sz="1100">
+                <a:solidFill>
+                  <a:schemeClr val="lt1"/>
+                </a:solidFill>
+                <a:latin typeface="+mn-lt"/>
+                <a:ea typeface="+mn-ea"/>
+                <a:cs typeface="+mn-cs"/>
+              </a:defRPr>
+            </a:lvl3pPr>
+            <a:lvl4pPr marL="1371600" indent="0">
+              <a:defRPr sz="1100">
+                <a:solidFill>
+                  <a:schemeClr val="lt1"/>
+                </a:solidFill>
+                <a:latin typeface="+mn-lt"/>
+                <a:ea typeface="+mn-ea"/>
+                <a:cs typeface="+mn-cs"/>
+              </a:defRPr>
+            </a:lvl4pPr>
+            <a:lvl5pPr marL="1828800" indent="0">
+              <a:defRPr sz="1100">
+                <a:solidFill>
+                  <a:schemeClr val="lt1"/>
+                </a:solidFill>
+                <a:latin typeface="+mn-lt"/>
+                <a:ea typeface="+mn-ea"/>
+                <a:cs typeface="+mn-cs"/>
+              </a:defRPr>
+            </a:lvl5pPr>
+            <a:lvl6pPr marL="2286000" indent="0">
+              <a:defRPr sz="1100">
+                <a:solidFill>
+                  <a:schemeClr val="lt1"/>
+                </a:solidFill>
+                <a:latin typeface="+mn-lt"/>
+                <a:ea typeface="+mn-ea"/>
+                <a:cs typeface="+mn-cs"/>
+              </a:defRPr>
+            </a:lvl6pPr>
+            <a:lvl7pPr marL="2743200" indent="0">
+              <a:defRPr sz="1100">
+                <a:solidFill>
+                  <a:schemeClr val="lt1"/>
+                </a:solidFill>
+                <a:latin typeface="+mn-lt"/>
+                <a:ea typeface="+mn-ea"/>
+                <a:cs typeface="+mn-cs"/>
+              </a:defRPr>
+            </a:lvl7pPr>
+            <a:lvl8pPr marL="3200400" indent="0">
+              <a:defRPr sz="1100">
+                <a:solidFill>
+                  <a:schemeClr val="lt1"/>
+                </a:solidFill>
+                <a:latin typeface="+mn-lt"/>
+                <a:ea typeface="+mn-ea"/>
+                <a:cs typeface="+mn-cs"/>
+              </a:defRPr>
+            </a:lvl8pPr>
+            <a:lvl9pPr marL="3657600" indent="0">
+              <a:defRPr sz="1100">
+                <a:solidFill>
+                  <a:schemeClr val="lt1"/>
+                </a:solidFill>
+                <a:latin typeface="+mn-lt"/>
+                <a:ea typeface="+mn-ea"/>
+                <a:cs typeface="+mn-cs"/>
+              </a:defRPr>
+            </a:lvl9pPr>
+          </a:lstStyle>
+          <a:p>
+            <a:pPr algn="l"/>
+            <a:endParaRPr kumimoji="1" lang="ja-JP" altLang="en-US" sz="1100"/>
+          </a:p>
+        </p:txBody>
+      </p:sp>
     </p:spTree>
     <p:extLst>
       <p:ext uri="{BB962C8B-B14F-4D97-AF65-F5344CB8AC3E}">
@@ -7239,6 +16099,16 @@
           <a:bodyPr/>
           <a:lstStyle/>
           <a:p>
+            <a:r>
+              <a:rPr lang="ja-JP" altLang="en-US" b="0" i="0" dirty="0">
+                <a:solidFill>
+                  <a:srgbClr val="C9D1D9"/>
+                </a:solidFill>
+                <a:effectLst/>
+                <a:latin typeface="-apple-system"/>
+              </a:rPr>
+              <a:t>基本設計の</a:t>
+            </a:r>
             <a:r>
               <a:rPr lang="zh-CN" altLang="en-US" b="0" i="0" dirty="0">
                 <a:solidFill>
@@ -8138,6 +17008,15 @@
 </file>
 
 <file path=customXml/item2.xml><?xml version="1.0" encoding="utf-8"?>
+<p:properties xmlns:p="http://schemas.microsoft.com/office/2006/metadata/properties" xmlns:xsi="http://www.w3.org/2001/XMLSchema-instance" xmlns:pc="http://schemas.microsoft.com/office/infopath/2007/PartnerControls">
+  <documentManagement>
+    <Status xmlns="71af3243-3dd4-4a8d-8c0d-dd76da1f02a5">Not started</Status>
+    <MediaServiceKeyPoints xmlns="71af3243-3dd4-4a8d-8c0d-dd76da1f02a5" xsi:nil="true"/>
+  </documentManagement>
+</p:properties>
+</file>
+
+<file path=customXml/item3.xml><?xml version="1.0" encoding="utf-8"?>
 <ct:contentTypeSchema xmlns:ct="http://schemas.microsoft.com/office/2006/metadata/contentType" xmlns:ma="http://schemas.microsoft.com/office/2006/metadata/properties/metaAttributes" ct:_="" ma:_="" ma:contentTypeName="Document" ma:contentTypeID="0x01010079F111ED35F8CC479449609E8A0923A6" ma:contentTypeVersion="12" ma:contentTypeDescription="Create a new document." ma:contentTypeScope="" ma:versionID="a410dd7f93c95333ffa1b60ed6adedd1">
   <xsd:schema xmlns:xsd="http://www.w3.org/2001/XMLSchema" xmlns:xs="http://www.w3.org/2001/XMLSchema" xmlns:p="http://schemas.microsoft.com/office/2006/metadata/properties" xmlns:ns2="71af3243-3dd4-4a8d-8c0d-dd76da1f02a5" xmlns:ns3="16c05727-aa75-4e4a-9b5f-8a80a1165891" targetNamespace="http://schemas.microsoft.com/office/2006/metadata/properties" ma:root="true" ma:fieldsID="a936d9baba76aa3866493feff160faab" ns2:_="" ns3:_="">
     <xsd:import namespace="71af3243-3dd4-4a8d-8c0d-dd76da1f02a5"/>
@@ -8358,15 +17237,6 @@
 </ct:contentTypeSchema>
 </file>
 
-<file path=customXml/item3.xml><?xml version="1.0" encoding="utf-8"?>
-<p:properties xmlns:p="http://schemas.microsoft.com/office/2006/metadata/properties" xmlns:xsi="http://www.w3.org/2001/XMLSchema-instance" xmlns:pc="http://schemas.microsoft.com/office/infopath/2007/PartnerControls">
-  <documentManagement>
-    <Status xmlns="71af3243-3dd4-4a8d-8c0d-dd76da1f02a5">Not started</Status>
-    <MediaServiceKeyPoints xmlns="71af3243-3dd4-4a8d-8c0d-dd76da1f02a5" xsi:nil="true"/>
-  </documentManagement>
-</p:properties>
-</file>
-
 <file path=customXml/itemProps1.xml><?xml version="1.0" encoding="utf-8"?>
 <ds:datastoreItem xmlns:ds="http://schemas.openxmlformats.org/officeDocument/2006/customXml" ds:itemID="{64B270AB-C138-415C-897E-3C24487DECF1}">
   <ds:schemaRefs>
@@ -8376,6 +17246,16 @@
 </file>
 
 <file path=customXml/itemProps2.xml><?xml version="1.0" encoding="utf-8"?>
+<ds:datastoreItem xmlns:ds="http://schemas.openxmlformats.org/officeDocument/2006/customXml" ds:itemID="{2C4C00F4-06E9-43E3-AD97-88A857CEFA82}">
+  <ds:schemaRefs>
+    <ds:schemaRef ds:uri="http://schemas.microsoft.com/office/2006/metadata/properties"/>
+    <ds:schemaRef ds:uri="http://schemas.microsoft.com/office/infopath/2007/PartnerControls"/>
+    <ds:schemaRef ds:uri="71af3243-3dd4-4a8d-8c0d-dd76da1f02a5"/>
+  </ds:schemaRefs>
+</ds:datastoreItem>
+</file>
+
+<file path=customXml/itemProps3.xml><?xml version="1.0" encoding="utf-8"?>
 <ds:datastoreItem xmlns:ds="http://schemas.openxmlformats.org/officeDocument/2006/customXml" ds:itemID="{0585E981-8C91-4205-A0C3-C991F42B4C9E}">
   <ds:schemaRefs>
     <ds:schemaRef ds:uri="http://schemas.microsoft.com/office/2006/metadata/contentType"/>
@@ -8392,14 +17272,4 @@
     <ds:schemaRef ds:uri="http://schemas.microsoft.com/internal/obd"/>
   </ds:schemaRefs>
 </ds:datastoreItem>
-</file>
-
-<file path=customXml/itemProps3.xml><?xml version="1.0" encoding="utf-8"?>
-<ds:datastoreItem xmlns:ds="http://schemas.openxmlformats.org/officeDocument/2006/customXml" ds:itemID="{2C4C00F4-06E9-43E3-AD97-88A857CEFA82}">
-  <ds:schemaRefs>
-    <ds:schemaRef ds:uri="http://schemas.microsoft.com/office/2006/metadata/properties"/>
-    <ds:schemaRef ds:uri="http://schemas.microsoft.com/office/infopath/2007/PartnerControls"/>
-    <ds:schemaRef ds:uri="71af3243-3dd4-4a8d-8c0d-dd76da1f02a5"/>
-  </ds:schemaRefs>
-</ds:datastoreItem>
 </file>
--- a/doc/10_基本設計/14_運用系/運用設計書.pptx
+++ b/doc/10_基本設計/14_運用系/運用設計書.pptx
@@ -211,7 +211,7 @@
                 <a:latin typeface="Microsoft YaHei UI" panose="020B0503020204020204" pitchFamily="34" charset="-122"/>
                 <a:ea typeface="Microsoft YaHei UI" panose="020B0503020204020204" pitchFamily="34" charset="-122"/>
               </a:rPr>
-              <a:t>2023/4/13</a:t>
+              <a:t>2023/4/26</a:t>
             </a:fld>
             <a:endParaRPr lang="zh-CN" altLang="en-US" dirty="0">
               <a:latin typeface="Microsoft YaHei UI" panose="020B0503020204020204" pitchFamily="34" charset="-122"/>
@@ -395,7 +395,7 @@
           <a:p>
             <a:fld id="{871C006B-CAD6-46A9-AE01-1DF9FF39EC39}" type="datetime1">
               <a:rPr lang="zh-CN" altLang="en-US" noProof="0" smtClean="0"/>
-              <a:t>2023/4/13</a:t>
+              <a:t>2023/4/26</a:t>
             </a:fld>
             <a:endParaRPr lang="zh-CN" altLang="en-US" noProof="0" dirty="0"/>
           </a:p>
@@ -953,7 +953,7 @@
             <a:pPr rtl="0"/>
             <a:fld id="{00E83E4F-657C-4D8E-8FAD-6386EF9B109D}" type="datetime1">
               <a:rPr lang="zh-CN" altLang="en-US" noProof="0" smtClean="0"/>
-              <a:t>2023/4/13</a:t>
+              <a:t>2023/4/26</a:t>
             </a:fld>
             <a:endParaRPr lang="zh-CN" altLang="en-US" noProof="0" dirty="0"/>
           </a:p>
@@ -1263,7 +1263,7 @@
             <a:pPr rtl="0"/>
             <a:fld id="{8B4F4464-7484-4713-B9FF-83FB9DDEA071}" type="datetime1">
               <a:rPr lang="zh-CN" altLang="en-US" noProof="0" smtClean="0"/>
-              <a:t>2023/4/13</a:t>
+              <a:t>2023/4/26</a:t>
             </a:fld>
             <a:endParaRPr lang="zh-CN" altLang="en-US" noProof="0" dirty="0"/>
           </a:p>
@@ -1461,7 +1461,7 @@
             <a:pPr rtl="0"/>
             <a:fld id="{B65233FB-47C5-42F7-A95A-B15B60A34B63}" type="datetime1">
               <a:rPr lang="zh-CN" altLang="en-US" noProof="0" smtClean="0"/>
-              <a:t>2023/4/13</a:t>
+              <a:t>2023/4/26</a:t>
             </a:fld>
             <a:endParaRPr lang="zh-CN" altLang="en-US" noProof="0" dirty="0"/>
           </a:p>
@@ -1743,7 +1743,7 @@
           <a:p>
             <a:fld id="{B59FB00C-3196-42EF-A93B-AD2E97DECBF9}" type="datetime1">
               <a:rPr lang="zh-CN" altLang="en-US" noProof="0" smtClean="0"/>
-              <a:t>2023/4/13</a:t>
+              <a:t>2023/4/26</a:t>
             </a:fld>
             <a:endParaRPr lang="zh-CN" altLang="en-US" noProof="0" dirty="0"/>
           </a:p>
@@ -2200,7 +2200,7 @@
             <a:pPr rtl="0"/>
             <a:fld id="{43E52F37-2347-469F-95CF-B07720175159}" type="datetime1">
               <a:rPr lang="zh-CN" altLang="en-US" noProof="0" smtClean="0"/>
-              <a:t>2023/4/13</a:t>
+              <a:t>2023/4/26</a:t>
             </a:fld>
             <a:endParaRPr lang="zh-CN" altLang="en-US" noProof="0" dirty="0"/>
           </a:p>
@@ -2741,7 +2741,7 @@
             <a:pPr rtl="0"/>
             <a:fld id="{2DB85421-0A4F-456C-AE8B-9D9FD1C29F96}" type="datetime1">
               <a:rPr lang="zh-CN" altLang="en-US" noProof="0" smtClean="0"/>
-              <a:t>2023/4/13</a:t>
+              <a:t>2023/4/26</a:t>
             </a:fld>
             <a:endParaRPr lang="zh-CN" altLang="en-US" noProof="0" dirty="0"/>
           </a:p>
@@ -3630,7 +3630,7 @@
             <a:pPr rtl="0"/>
             <a:fld id="{C4597710-2884-4518-8343-5210F0660D76}" type="datetime1">
               <a:rPr lang="zh-CN" altLang="en-US" noProof="0" smtClean="0"/>
-              <a:t>2023/4/13</a:t>
+              <a:t>2023/4/26</a:t>
             </a:fld>
             <a:endParaRPr lang="zh-CN" altLang="en-US" noProof="0" dirty="0"/>
           </a:p>
@@ -3836,7 +3836,7 @@
             <a:pPr rtl="0"/>
             <a:fld id="{F84CB63E-F307-418A-B628-A6B892AED4C7}" type="datetime1">
               <a:rPr lang="zh-CN" altLang="en-US" noProof="0" smtClean="0"/>
-              <a:t>2023/4/13</a:t>
+              <a:t>2023/4/26</a:t>
             </a:fld>
             <a:endParaRPr lang="zh-CN" altLang="en-US" noProof="0" dirty="0"/>
           </a:p>
@@ -4084,7 +4084,7 @@
             <a:pPr rtl="0"/>
             <a:fld id="{3614A190-44DA-4162-93F1-58A582F1E34D}" type="datetime1">
               <a:rPr lang="zh-CN" altLang="en-US" noProof="0" smtClean="0"/>
-              <a:t>2023/4/13</a:t>
+              <a:t>2023/4/26</a:t>
             </a:fld>
             <a:endParaRPr lang="zh-CN" altLang="en-US" noProof="0" dirty="0"/>
           </a:p>
@@ -4394,7 +4394,7 @@
             <a:pPr rtl="0"/>
             <a:fld id="{B8FAA926-9856-4E01-BF32-9864A6B340D7}" type="datetime1">
               <a:rPr lang="zh-CN" altLang="en-US" noProof="0" smtClean="0"/>
-              <a:t>2023/4/13</a:t>
+              <a:t>2023/4/26</a:t>
             </a:fld>
             <a:endParaRPr lang="zh-CN" altLang="en-US" noProof="0" dirty="0"/>
           </a:p>
@@ -4945,7 +4945,7 @@
             <a:pPr rtl="0"/>
             <a:fld id="{64A9A6D6-ED6C-4059-8881-246F48921CB9}" type="datetime1">
               <a:rPr lang="zh-CN" altLang="en-US" noProof="0" smtClean="0"/>
-              <a:t>2023/4/13</a:t>
+              <a:t>2023/4/26</a:t>
             </a:fld>
             <a:endParaRPr lang="zh-CN" altLang="en-US" noProof="0" dirty="0"/>
           </a:p>
@@ -5067,7 +5067,7 @@
             <a:pPr rtl="0"/>
             <a:fld id="{E882D6A9-C393-42BA-899D-980611436B38}" type="datetime1">
               <a:rPr lang="zh-CN" altLang="en-US" noProof="0" smtClean="0"/>
-              <a:t>2023/4/13</a:t>
+              <a:t>2023/4/26</a:t>
             </a:fld>
             <a:endParaRPr lang="zh-CN" altLang="en-US" noProof="0" dirty="0"/>
           </a:p>
@@ -5165,7 +5165,7 @@
             <a:pPr rtl="0"/>
             <a:fld id="{4D4E2F3C-F6FF-4123-83A2-52AD329828E8}" type="datetime1">
               <a:rPr lang="zh-CN" altLang="en-US" noProof="0" smtClean="0"/>
-              <a:t>2023/4/13</a:t>
+              <a:t>2023/4/26</a:t>
             </a:fld>
             <a:endParaRPr lang="zh-CN" altLang="en-US" noProof="0" dirty="0"/>
           </a:p>
@@ -5456,7 +5456,7 @@
             <a:pPr rtl="0"/>
             <a:fld id="{2B761EBF-EC3D-40AD-A2AF-0B83A9BC8761}" type="datetime1">
               <a:rPr lang="zh-CN" altLang="en-US" noProof="0" smtClean="0"/>
-              <a:t>2023/4/13</a:t>
+              <a:t>2023/4/26</a:t>
             </a:fld>
             <a:endParaRPr lang="zh-CN" altLang="en-US" noProof="0" dirty="0"/>
           </a:p>
@@ -5768,7 +5768,7 @@
             <a:pPr rtl="0"/>
             <a:fld id="{2490168C-97F9-485C-B61A-FB9CF372C0B8}" type="datetime1">
               <a:rPr lang="zh-CN" altLang="en-US" noProof="0" smtClean="0"/>
-              <a:t>2023/4/13</a:t>
+              <a:t>2023/4/26</a:t>
             </a:fld>
             <a:endParaRPr lang="zh-CN" altLang="en-US" noProof="0" dirty="0"/>
           </a:p>
@@ -6005,7 +6005,7 @@
           <a:p>
             <a:fld id="{2F66F3B4-29CF-4B27-AAED-5D9EF95DB219}" type="datetime1">
               <a:rPr lang="zh-CN" altLang="en-US" noProof="0" smtClean="0"/>
-              <a:t>2023/4/13</a:t>
+              <a:t>2023/4/26</a:t>
             </a:fld>
             <a:endParaRPr lang="zh-CN" altLang="en-US" noProof="0" dirty="0"/>
           </a:p>
@@ -6928,7 +6928,7 @@
           </a:effectLst>
           <a:extLst>
             <a:ext uri="{91240B29-F687-4f45-9708-019B960494DF}">
-              <a14:hiddenLine xmlns:p14="http://schemas.microsoft.com/office/powerpoint/2010/main" xmlns:a16="http://schemas.microsoft.com/office/drawing/2014/main" xmlns:a14="http://schemas.microsoft.com/office/drawing/2010/main" xmlns="" w="9525">
+              <a14:hiddenLine xmlns="" xmlns:a14="http://schemas.microsoft.com/office/drawing/2010/main" xmlns:a16="http://schemas.microsoft.com/office/drawing/2014/main" xmlns:p14="http://schemas.microsoft.com/office/powerpoint/2010/main" w="9525">
                 <a:solidFill>
                   <a:srgbClr val="000000"/>
                 </a:solidFill>
@@ -16184,11 +16184,12 @@
             </a:r>
             <a:r>
               <a:rPr lang="zh-CN" altLang="en-US" dirty="0"/>
-              <a:t>：季，陈</a:t>
+              <a:t>：季</a:t>
             </a:r>
-            <a:endParaRPr lang="en-US" altLang="zh-CN" dirty="0"/>
-          </a:p>
-          <a:p>
+            <a:r>
+              <a:rPr lang="zh-CN" altLang="en-US"/>
+              <a:t>，陈，蒋</a:t>
+            </a:r>
             <a:endParaRPr lang="en-US" altLang="zh-CN" dirty="0"/>
           </a:p>
           <a:p>
@@ -17008,15 +17009,6 @@
 </file>
 
 <file path=customXml/item2.xml><?xml version="1.0" encoding="utf-8"?>
-<p:properties xmlns:p="http://schemas.microsoft.com/office/2006/metadata/properties" xmlns:xsi="http://www.w3.org/2001/XMLSchema-instance" xmlns:pc="http://schemas.microsoft.com/office/infopath/2007/PartnerControls">
-  <documentManagement>
-    <Status xmlns="71af3243-3dd4-4a8d-8c0d-dd76da1f02a5">Not started</Status>
-    <MediaServiceKeyPoints xmlns="71af3243-3dd4-4a8d-8c0d-dd76da1f02a5" xsi:nil="true"/>
-  </documentManagement>
-</p:properties>
-</file>
-
-<file path=customXml/item3.xml><?xml version="1.0" encoding="utf-8"?>
 <ct:contentTypeSchema xmlns:ct="http://schemas.microsoft.com/office/2006/metadata/contentType" xmlns:ma="http://schemas.microsoft.com/office/2006/metadata/properties/metaAttributes" ct:_="" ma:_="" ma:contentTypeName="Document" ma:contentTypeID="0x01010079F111ED35F8CC479449609E8A0923A6" ma:contentTypeVersion="12" ma:contentTypeDescription="Create a new document." ma:contentTypeScope="" ma:versionID="a410dd7f93c95333ffa1b60ed6adedd1">
   <xsd:schema xmlns:xsd="http://www.w3.org/2001/XMLSchema" xmlns:xs="http://www.w3.org/2001/XMLSchema" xmlns:p="http://schemas.microsoft.com/office/2006/metadata/properties" xmlns:ns2="71af3243-3dd4-4a8d-8c0d-dd76da1f02a5" xmlns:ns3="16c05727-aa75-4e4a-9b5f-8a80a1165891" targetNamespace="http://schemas.microsoft.com/office/2006/metadata/properties" ma:root="true" ma:fieldsID="a936d9baba76aa3866493feff160faab" ns2:_="" ns3:_="">
     <xsd:import namespace="71af3243-3dd4-4a8d-8c0d-dd76da1f02a5"/>
@@ -17237,6 +17229,15 @@
 </ct:contentTypeSchema>
 </file>
 
+<file path=customXml/item3.xml><?xml version="1.0" encoding="utf-8"?>
+<p:properties xmlns:p="http://schemas.microsoft.com/office/2006/metadata/properties" xmlns:xsi="http://www.w3.org/2001/XMLSchema-instance" xmlns:pc="http://schemas.microsoft.com/office/infopath/2007/PartnerControls">
+  <documentManagement>
+    <Status xmlns="71af3243-3dd4-4a8d-8c0d-dd76da1f02a5">Not started</Status>
+    <MediaServiceKeyPoints xmlns="71af3243-3dd4-4a8d-8c0d-dd76da1f02a5" xsi:nil="true"/>
+  </documentManagement>
+</p:properties>
+</file>
+
 <file path=customXml/itemProps1.xml><?xml version="1.0" encoding="utf-8"?>
 <ds:datastoreItem xmlns:ds="http://schemas.openxmlformats.org/officeDocument/2006/customXml" ds:itemID="{64B270AB-C138-415C-897E-3C24487DECF1}">
   <ds:schemaRefs>
@@ -17246,16 +17247,6 @@
 </file>
 
 <file path=customXml/itemProps2.xml><?xml version="1.0" encoding="utf-8"?>
-<ds:datastoreItem xmlns:ds="http://schemas.openxmlformats.org/officeDocument/2006/customXml" ds:itemID="{2C4C00F4-06E9-43E3-AD97-88A857CEFA82}">
-  <ds:schemaRefs>
-    <ds:schemaRef ds:uri="http://schemas.microsoft.com/office/2006/metadata/properties"/>
-    <ds:schemaRef ds:uri="http://schemas.microsoft.com/office/infopath/2007/PartnerControls"/>
-    <ds:schemaRef ds:uri="71af3243-3dd4-4a8d-8c0d-dd76da1f02a5"/>
-  </ds:schemaRefs>
-</ds:datastoreItem>
-</file>
-
-<file path=customXml/itemProps3.xml><?xml version="1.0" encoding="utf-8"?>
 <ds:datastoreItem xmlns:ds="http://schemas.openxmlformats.org/officeDocument/2006/customXml" ds:itemID="{0585E981-8C91-4205-A0C3-C991F42B4C9E}">
   <ds:schemaRefs>
     <ds:schemaRef ds:uri="http://schemas.microsoft.com/office/2006/metadata/contentType"/>
@@ -17272,4 +17263,14 @@
     <ds:schemaRef ds:uri="http://schemas.microsoft.com/internal/obd"/>
   </ds:schemaRefs>
 </ds:datastoreItem>
+</file>
+
+<file path=customXml/itemProps3.xml><?xml version="1.0" encoding="utf-8"?>
+<ds:datastoreItem xmlns:ds="http://schemas.openxmlformats.org/officeDocument/2006/customXml" ds:itemID="{2C4C00F4-06E9-43E3-AD97-88A857CEFA82}">
+  <ds:schemaRefs>
+    <ds:schemaRef ds:uri="http://schemas.microsoft.com/office/2006/metadata/properties"/>
+    <ds:schemaRef ds:uri="http://schemas.microsoft.com/office/infopath/2007/PartnerControls"/>
+    <ds:schemaRef ds:uri="71af3243-3dd4-4a8d-8c0d-dd76da1f02a5"/>
+  </ds:schemaRefs>
+</ds:datastoreItem>
 </file>